--- a/Materialien/Walkthrough_UNESCO_Guidelines_PolicyKit.pptx
+++ b/Materialien/Walkthrough_UNESCO_Guidelines_PolicyKit.pptx
@@ -1,27 +1,480 @@
 
 <file path=ppt/presentation.xml><?xml version="1.0" encoding="utf-8"?>
-<p:presentation xmlns:a="http://schemas.openxmlformats.org/drawingml/2006/main" xmlns:p="http://schemas.openxmlformats.org/presentationml/2006/main" xmlns:r="http://schemas.openxmlformats.org/officeDocument/2006/relationships" xmlns:p14="http://schemas.microsoft.com/office/powerpoint/2010/main" xmlns:p15="http://schemas.microsoft.com/office/powerpoint/2012/main" xmlns:mc="http://schemas.openxmlformats.org/markup-compatibility/2006">
+<p:presentation xmlns:a="http://schemas.openxmlformats.org/drawingml/2006/main" xmlns:r="http://schemas.openxmlformats.org/officeDocument/2006/relationships" xmlns:p="http://schemas.openxmlformats.org/presentationml/2006/main">
   <p:sldMasterIdLst>
-    <p:sldMasterId id="2147483648" r:id="rId2"/>
+    <p:sldMasterId id="2147483648" r:id="rId1"/>
   </p:sldMasterIdLst>
+  <p:notesMasterIdLst>
+    <p:notesMasterId r:id="rId11"/>
+  </p:notesMasterIdLst>
   <p:sldIdLst>
-    <p:sldId id="256" r:id="rId3"/>
-    <p:sldId id="257" r:id="rId4"/>
-    <p:sldId id="258" r:id="rId5"/>
-    <p:sldId id="259" r:id="rId6"/>
-    <p:sldId id="260" r:id="rId7"/>
-    <p:sldId id="261" r:id="rId8"/>
-    <p:sldId id="262" r:id="rId9"/>
-    <p:sldId id="263" r:id="rId10"/>
-    <p:sldId id="264" r:id="rId11"/>
+    <p:sldId id="256" r:id="rId2"/>
+    <p:sldId id="257" r:id="rId3"/>
+    <p:sldId id="258" r:id="rId4"/>
+    <p:sldId id="259" r:id="rId5"/>
+    <p:sldId id="260" r:id="rId6"/>
+    <p:sldId id="261" r:id="rId7"/>
+    <p:sldId id="262" r:id="rId8"/>
+    <p:sldId id="263" r:id="rId9"/>
+    <p:sldId id="264" r:id="rId10"/>
   </p:sldIdLst>
   <p:sldSz cx="12192000" cy="6858000"/>
   <p:notesSz cx="7559675" cy="10691813"/>
+  <p:defaultTextStyle>
+    <a:defPPr>
+      <a:defRPr lang="de-DE"/>
+    </a:defPPr>
+    <a:lvl1pPr marL="0" algn="l" defTabSz="914400" rtl="0" eaLnBrk="1" latinLnBrk="0" hangingPunct="1">
+      <a:defRPr sz="1800" kern="1200">
+        <a:solidFill>
+          <a:schemeClr val="tx1"/>
+        </a:solidFill>
+        <a:latin typeface="+mn-lt"/>
+        <a:ea typeface="+mn-ea"/>
+        <a:cs typeface="+mn-cs"/>
+      </a:defRPr>
+    </a:lvl1pPr>
+    <a:lvl2pPr marL="457200" algn="l" defTabSz="914400" rtl="0" eaLnBrk="1" latinLnBrk="0" hangingPunct="1">
+      <a:defRPr sz="1800" kern="1200">
+        <a:solidFill>
+          <a:schemeClr val="tx1"/>
+        </a:solidFill>
+        <a:latin typeface="+mn-lt"/>
+        <a:ea typeface="+mn-ea"/>
+        <a:cs typeface="+mn-cs"/>
+      </a:defRPr>
+    </a:lvl2pPr>
+    <a:lvl3pPr marL="914400" algn="l" defTabSz="914400" rtl="0" eaLnBrk="1" latinLnBrk="0" hangingPunct="1">
+      <a:defRPr sz="1800" kern="1200">
+        <a:solidFill>
+          <a:schemeClr val="tx1"/>
+        </a:solidFill>
+        <a:latin typeface="+mn-lt"/>
+        <a:ea typeface="+mn-ea"/>
+        <a:cs typeface="+mn-cs"/>
+      </a:defRPr>
+    </a:lvl3pPr>
+    <a:lvl4pPr marL="1371600" algn="l" defTabSz="914400" rtl="0" eaLnBrk="1" latinLnBrk="0" hangingPunct="1">
+      <a:defRPr sz="1800" kern="1200">
+        <a:solidFill>
+          <a:schemeClr val="tx1"/>
+        </a:solidFill>
+        <a:latin typeface="+mn-lt"/>
+        <a:ea typeface="+mn-ea"/>
+        <a:cs typeface="+mn-cs"/>
+      </a:defRPr>
+    </a:lvl4pPr>
+    <a:lvl5pPr marL="1828800" algn="l" defTabSz="914400" rtl="0" eaLnBrk="1" latinLnBrk="0" hangingPunct="1">
+      <a:defRPr sz="1800" kern="1200">
+        <a:solidFill>
+          <a:schemeClr val="tx1"/>
+        </a:solidFill>
+        <a:latin typeface="+mn-lt"/>
+        <a:ea typeface="+mn-ea"/>
+        <a:cs typeface="+mn-cs"/>
+      </a:defRPr>
+    </a:lvl5pPr>
+    <a:lvl6pPr marL="2286000" algn="l" defTabSz="914400" rtl="0" eaLnBrk="1" latinLnBrk="0" hangingPunct="1">
+      <a:defRPr sz="1800" kern="1200">
+        <a:solidFill>
+          <a:schemeClr val="tx1"/>
+        </a:solidFill>
+        <a:latin typeface="+mn-lt"/>
+        <a:ea typeface="+mn-ea"/>
+        <a:cs typeface="+mn-cs"/>
+      </a:defRPr>
+    </a:lvl6pPr>
+    <a:lvl7pPr marL="2743200" algn="l" defTabSz="914400" rtl="0" eaLnBrk="1" latinLnBrk="0" hangingPunct="1">
+      <a:defRPr sz="1800" kern="1200">
+        <a:solidFill>
+          <a:schemeClr val="tx1"/>
+        </a:solidFill>
+        <a:latin typeface="+mn-lt"/>
+        <a:ea typeface="+mn-ea"/>
+        <a:cs typeface="+mn-cs"/>
+      </a:defRPr>
+    </a:lvl7pPr>
+    <a:lvl8pPr marL="3200400" algn="l" defTabSz="914400" rtl="0" eaLnBrk="1" latinLnBrk="0" hangingPunct="1">
+      <a:defRPr sz="1800" kern="1200">
+        <a:solidFill>
+          <a:schemeClr val="tx1"/>
+        </a:solidFill>
+        <a:latin typeface="+mn-lt"/>
+        <a:ea typeface="+mn-ea"/>
+        <a:cs typeface="+mn-cs"/>
+      </a:defRPr>
+    </a:lvl8pPr>
+    <a:lvl9pPr marL="3657600" algn="l" defTabSz="914400" rtl="0" eaLnBrk="1" latinLnBrk="0" hangingPunct="1">
+      <a:defRPr sz="1800" kern="1200">
+        <a:solidFill>
+          <a:schemeClr val="tx1"/>
+        </a:solidFill>
+        <a:latin typeface="+mn-lt"/>
+        <a:ea typeface="+mn-ea"/>
+        <a:cs typeface="+mn-cs"/>
+      </a:defRPr>
+    </a:lvl9pPr>
+  </p:defaultTextStyle>
+  <p:extLst>
+    <p:ext uri="{EFAFB233-063F-42B5-8137-9DF3F51BA10A}">
+      <p15:sldGuideLst xmlns:p15="http://schemas.microsoft.com/office/powerpoint/2012/main"/>
+    </p:ext>
+  </p:extLst>
 </p:presentation>
 </file>
 
+<file path=ppt/notesMasters/notesMaster1.xml><?xml version="1.0" encoding="utf-8"?>
+<p:notesMaster xmlns:a="http://schemas.openxmlformats.org/drawingml/2006/main" xmlns:r="http://schemas.openxmlformats.org/officeDocument/2006/relationships" xmlns:p="http://schemas.openxmlformats.org/presentationml/2006/main">
+  <p:cSld>
+    <p:bg>
+      <p:bgRef idx="1001">
+        <a:schemeClr val="bg1"/>
+      </p:bgRef>
+    </p:bg>
+    <p:spTree>
+      <p:nvGrpSpPr>
+        <p:cNvPr id="1" name=""/>
+        <p:cNvGrpSpPr/>
+        <p:nvPr/>
+      </p:nvGrpSpPr>
+      <p:grpSpPr>
+        <a:xfrm>
+          <a:off x="0" y="0"/>
+          <a:ext cx="0" cy="0"/>
+          <a:chOff x="0" y="0"/>
+          <a:chExt cx="0" cy="0"/>
+        </a:xfrm>
+      </p:grpSpPr>
+      <p:sp>
+        <p:nvSpPr>
+          <p:cNvPr id="2" name="Kopfzeilenplatzhalter 1"/>
+          <p:cNvSpPr>
+            <a:spLocks noGrp="1"/>
+          </p:cNvSpPr>
+          <p:nvPr>
+            <p:ph type="hdr" sz="quarter"/>
+          </p:nvPr>
+        </p:nvSpPr>
+        <p:spPr>
+          <a:xfrm>
+            <a:off x="0" y="0"/>
+            <a:ext cx="3276600" cy="536575"/>
+          </a:xfrm>
+          <a:prstGeom prst="rect">
+            <a:avLst/>
+          </a:prstGeom>
+        </p:spPr>
+        <p:txBody>
+          <a:bodyPr vert="horz" lIns="91440" tIns="45720" rIns="91440" bIns="45720" rtlCol="0"/>
+          <a:lstStyle>
+            <a:lvl1pPr algn="l">
+              <a:defRPr sz="1200"/>
+            </a:lvl1pPr>
+          </a:lstStyle>
+          <a:p>
+            <a:endParaRPr lang="de-DE"/>
+          </a:p>
+        </p:txBody>
+      </p:sp>
+      <p:sp>
+        <p:nvSpPr>
+          <p:cNvPr id="3" name="Datumsplatzhalter 2"/>
+          <p:cNvSpPr>
+            <a:spLocks noGrp="1"/>
+          </p:cNvSpPr>
+          <p:nvPr>
+            <p:ph type="dt" idx="1"/>
+          </p:nvPr>
+        </p:nvSpPr>
+        <p:spPr>
+          <a:xfrm>
+            <a:off x="4281488" y="0"/>
+            <a:ext cx="3276600" cy="536575"/>
+          </a:xfrm>
+          <a:prstGeom prst="rect">
+            <a:avLst/>
+          </a:prstGeom>
+        </p:spPr>
+        <p:txBody>
+          <a:bodyPr vert="horz" lIns="91440" tIns="45720" rIns="91440" bIns="45720" rtlCol="0"/>
+          <a:lstStyle>
+            <a:lvl1pPr algn="r">
+              <a:defRPr sz="1200"/>
+            </a:lvl1pPr>
+          </a:lstStyle>
+          <a:p>
+            <a:fld id="{E2E957DE-ADED-4B86-B884-A1A7532FBBC6}" type="datetimeFigureOut">
+              <a:rPr lang="de-DE" smtClean="0"/>
+              <a:t>20.03.2024</a:t>
+            </a:fld>
+            <a:endParaRPr lang="de-DE"/>
+          </a:p>
+        </p:txBody>
+      </p:sp>
+      <p:sp>
+        <p:nvSpPr>
+          <p:cNvPr id="4" name="Folienbildplatzhalter 3"/>
+          <p:cNvSpPr>
+            <a:spLocks noGrp="1" noRot="1" noChangeAspect="1"/>
+          </p:cNvSpPr>
+          <p:nvPr>
+            <p:ph type="sldImg" idx="2"/>
+          </p:nvPr>
+        </p:nvSpPr>
+        <p:spPr>
+          <a:xfrm>
+            <a:off x="573088" y="1336675"/>
+            <a:ext cx="6413500" cy="3608388"/>
+          </a:xfrm>
+          <a:prstGeom prst="rect">
+            <a:avLst/>
+          </a:prstGeom>
+          <a:noFill/>
+          <a:ln w="12700">
+            <a:solidFill>
+              <a:prstClr val="black"/>
+            </a:solidFill>
+          </a:ln>
+        </p:spPr>
+        <p:txBody>
+          <a:bodyPr vert="horz" lIns="91440" tIns="45720" rIns="91440" bIns="45720" rtlCol="0" anchor="ctr"/>
+          <a:lstStyle/>
+          <a:p>
+            <a:endParaRPr lang="de-DE"/>
+          </a:p>
+        </p:txBody>
+      </p:sp>
+      <p:sp>
+        <p:nvSpPr>
+          <p:cNvPr id="5" name="Notizenplatzhalter 4"/>
+          <p:cNvSpPr>
+            <a:spLocks noGrp="1"/>
+          </p:cNvSpPr>
+          <p:nvPr>
+            <p:ph type="body" sz="quarter" idx="3"/>
+          </p:nvPr>
+        </p:nvSpPr>
+        <p:spPr>
+          <a:xfrm>
+            <a:off x="755650" y="5145088"/>
+            <a:ext cx="6048375" cy="4210050"/>
+          </a:xfrm>
+          <a:prstGeom prst="rect">
+            <a:avLst/>
+          </a:prstGeom>
+        </p:spPr>
+        <p:txBody>
+          <a:bodyPr vert="horz" lIns="91440" tIns="45720" rIns="91440" bIns="45720" rtlCol="0"/>
+          <a:lstStyle/>
+          <a:p>
+            <a:pPr lvl="0"/>
+            <a:r>
+              <a:rPr lang="de-DE" smtClean="0"/>
+              <a:t>Formatvorlagen des Textmasters bearbeiten</a:t>
+            </a:r>
+          </a:p>
+          <a:p>
+            <a:pPr lvl="1"/>
+            <a:r>
+              <a:rPr lang="de-DE" smtClean="0"/>
+              <a:t>Zweite Ebene</a:t>
+            </a:r>
+          </a:p>
+          <a:p>
+            <a:pPr lvl="2"/>
+            <a:r>
+              <a:rPr lang="de-DE" smtClean="0"/>
+              <a:t>Dritte Ebene</a:t>
+            </a:r>
+          </a:p>
+          <a:p>
+            <a:pPr lvl="3"/>
+            <a:r>
+              <a:rPr lang="de-DE" smtClean="0"/>
+              <a:t>Vierte Ebene</a:t>
+            </a:r>
+          </a:p>
+          <a:p>
+            <a:pPr lvl="4"/>
+            <a:r>
+              <a:rPr lang="de-DE" smtClean="0"/>
+              <a:t>Fünfte Ebene</a:t>
+            </a:r>
+            <a:endParaRPr lang="de-DE"/>
+          </a:p>
+        </p:txBody>
+      </p:sp>
+      <p:sp>
+        <p:nvSpPr>
+          <p:cNvPr id="6" name="Fußzeilenplatzhalter 5"/>
+          <p:cNvSpPr>
+            <a:spLocks noGrp="1"/>
+          </p:cNvSpPr>
+          <p:nvPr>
+            <p:ph type="ftr" sz="quarter" idx="4"/>
+          </p:nvPr>
+        </p:nvSpPr>
+        <p:spPr>
+          <a:xfrm>
+            <a:off x="0" y="10155238"/>
+            <a:ext cx="3276600" cy="536575"/>
+          </a:xfrm>
+          <a:prstGeom prst="rect">
+            <a:avLst/>
+          </a:prstGeom>
+        </p:spPr>
+        <p:txBody>
+          <a:bodyPr vert="horz" lIns="91440" tIns="45720" rIns="91440" bIns="45720" rtlCol="0" anchor="b"/>
+          <a:lstStyle>
+            <a:lvl1pPr algn="l">
+              <a:defRPr sz="1200"/>
+            </a:lvl1pPr>
+          </a:lstStyle>
+          <a:p>
+            <a:endParaRPr lang="de-DE"/>
+          </a:p>
+        </p:txBody>
+      </p:sp>
+      <p:sp>
+        <p:nvSpPr>
+          <p:cNvPr id="7" name="Foliennummernplatzhalter 6"/>
+          <p:cNvSpPr>
+            <a:spLocks noGrp="1"/>
+          </p:cNvSpPr>
+          <p:nvPr>
+            <p:ph type="sldNum" sz="quarter" idx="5"/>
+          </p:nvPr>
+        </p:nvSpPr>
+        <p:spPr>
+          <a:xfrm>
+            <a:off x="4281488" y="10155238"/>
+            <a:ext cx="3276600" cy="536575"/>
+          </a:xfrm>
+          <a:prstGeom prst="rect">
+            <a:avLst/>
+          </a:prstGeom>
+        </p:spPr>
+        <p:txBody>
+          <a:bodyPr vert="horz" lIns="91440" tIns="45720" rIns="91440" bIns="45720" rtlCol="0" anchor="b"/>
+          <a:lstStyle>
+            <a:lvl1pPr algn="r">
+              <a:defRPr sz="1200"/>
+            </a:lvl1pPr>
+          </a:lstStyle>
+          <a:p>
+            <a:fld id="{B3D5B32B-945B-41B4-B711-C8B9142C27E8}" type="slidenum">
+              <a:rPr lang="de-DE" smtClean="0"/>
+              <a:t>‹Nr.›</a:t>
+            </a:fld>
+            <a:endParaRPr lang="de-DE"/>
+          </a:p>
+        </p:txBody>
+      </p:sp>
+    </p:spTree>
+    <p:extLst>
+      <p:ext uri="{BB962C8B-B14F-4D97-AF65-F5344CB8AC3E}">
+        <p14:creationId xmlns:p14="http://schemas.microsoft.com/office/powerpoint/2010/main" val="227124522"/>
+      </p:ext>
+    </p:extLst>
+  </p:cSld>
+  <p:clrMap bg1="lt1" tx1="dk1" bg2="lt2" tx2="dk2" accent1="accent1" accent2="accent2" accent3="accent3" accent4="accent4" accent5="accent5" accent6="accent6" hlink="hlink" folHlink="folHlink"/>
+  <p:notesStyle>
+    <a:lvl1pPr marL="0" algn="l" defTabSz="914400" rtl="0" eaLnBrk="1" latinLnBrk="0" hangingPunct="1">
+      <a:defRPr sz="1200" kern="1200">
+        <a:solidFill>
+          <a:schemeClr val="tx1"/>
+        </a:solidFill>
+        <a:latin typeface="+mn-lt"/>
+        <a:ea typeface="+mn-ea"/>
+        <a:cs typeface="+mn-cs"/>
+      </a:defRPr>
+    </a:lvl1pPr>
+    <a:lvl2pPr marL="457200" algn="l" defTabSz="914400" rtl="0" eaLnBrk="1" latinLnBrk="0" hangingPunct="1">
+      <a:defRPr sz="1200" kern="1200">
+        <a:solidFill>
+          <a:schemeClr val="tx1"/>
+        </a:solidFill>
+        <a:latin typeface="+mn-lt"/>
+        <a:ea typeface="+mn-ea"/>
+        <a:cs typeface="+mn-cs"/>
+      </a:defRPr>
+    </a:lvl2pPr>
+    <a:lvl3pPr marL="914400" algn="l" defTabSz="914400" rtl="0" eaLnBrk="1" latinLnBrk="0" hangingPunct="1">
+      <a:defRPr sz="1200" kern="1200">
+        <a:solidFill>
+          <a:schemeClr val="tx1"/>
+        </a:solidFill>
+        <a:latin typeface="+mn-lt"/>
+        <a:ea typeface="+mn-ea"/>
+        <a:cs typeface="+mn-cs"/>
+      </a:defRPr>
+    </a:lvl3pPr>
+    <a:lvl4pPr marL="1371600" algn="l" defTabSz="914400" rtl="0" eaLnBrk="1" latinLnBrk="0" hangingPunct="1">
+      <a:defRPr sz="1200" kern="1200">
+        <a:solidFill>
+          <a:schemeClr val="tx1"/>
+        </a:solidFill>
+        <a:latin typeface="+mn-lt"/>
+        <a:ea typeface="+mn-ea"/>
+        <a:cs typeface="+mn-cs"/>
+      </a:defRPr>
+    </a:lvl4pPr>
+    <a:lvl5pPr marL="1828800" algn="l" defTabSz="914400" rtl="0" eaLnBrk="1" latinLnBrk="0" hangingPunct="1">
+      <a:defRPr sz="1200" kern="1200">
+        <a:solidFill>
+          <a:schemeClr val="tx1"/>
+        </a:solidFill>
+        <a:latin typeface="+mn-lt"/>
+        <a:ea typeface="+mn-ea"/>
+        <a:cs typeface="+mn-cs"/>
+      </a:defRPr>
+    </a:lvl5pPr>
+    <a:lvl6pPr marL="2286000" algn="l" defTabSz="914400" rtl="0" eaLnBrk="1" latinLnBrk="0" hangingPunct="1">
+      <a:defRPr sz="1200" kern="1200">
+        <a:solidFill>
+          <a:schemeClr val="tx1"/>
+        </a:solidFill>
+        <a:latin typeface="+mn-lt"/>
+        <a:ea typeface="+mn-ea"/>
+        <a:cs typeface="+mn-cs"/>
+      </a:defRPr>
+    </a:lvl6pPr>
+    <a:lvl7pPr marL="2743200" algn="l" defTabSz="914400" rtl="0" eaLnBrk="1" latinLnBrk="0" hangingPunct="1">
+      <a:defRPr sz="1200" kern="1200">
+        <a:solidFill>
+          <a:schemeClr val="tx1"/>
+        </a:solidFill>
+        <a:latin typeface="+mn-lt"/>
+        <a:ea typeface="+mn-ea"/>
+        <a:cs typeface="+mn-cs"/>
+      </a:defRPr>
+    </a:lvl7pPr>
+    <a:lvl8pPr marL="3200400" algn="l" defTabSz="914400" rtl="0" eaLnBrk="1" latinLnBrk="0" hangingPunct="1">
+      <a:defRPr sz="1200" kern="1200">
+        <a:solidFill>
+          <a:schemeClr val="tx1"/>
+        </a:solidFill>
+        <a:latin typeface="+mn-lt"/>
+        <a:ea typeface="+mn-ea"/>
+        <a:cs typeface="+mn-cs"/>
+      </a:defRPr>
+    </a:lvl8pPr>
+    <a:lvl9pPr marL="3657600" algn="l" defTabSz="914400" rtl="0" eaLnBrk="1" latinLnBrk="0" hangingPunct="1">
+      <a:defRPr sz="1200" kern="1200">
+        <a:solidFill>
+          <a:schemeClr val="tx1"/>
+        </a:solidFill>
+        <a:latin typeface="+mn-lt"/>
+        <a:ea typeface="+mn-ea"/>
+        <a:cs typeface="+mn-cs"/>
+      </a:defRPr>
+    </a:lvl9pPr>
+  </p:notesStyle>
+</p:notesMaster>
+</file>
+
 <file path=ppt/slideLayouts/slideLayout1.xml><?xml version="1.0" encoding="utf-8"?>
-<p:sldLayout xmlns:a="http://schemas.openxmlformats.org/drawingml/2006/main" xmlns:p="http://schemas.openxmlformats.org/presentationml/2006/main" xmlns:r="http://schemas.openxmlformats.org/officeDocument/2006/relationships" xmlns:p14="http://schemas.microsoft.com/office/powerpoint/2010/main" xmlns:p15="http://schemas.microsoft.com/office/powerpoint/2012/main" xmlns:mc="http://schemas.openxmlformats.org/markup-compatibility/2006" type="blank" preserve="1">
+<p:sldLayout xmlns:a="http://schemas.openxmlformats.org/drawingml/2006/main" xmlns:r="http://schemas.openxmlformats.org/officeDocument/2006/relationships" xmlns:p="http://schemas.openxmlformats.org/presentationml/2006/main" type="blank" preserve="1">
   <p:cSld name="Blank Slide">
     <p:spTree>
       <p:nvGrpSpPr>
@@ -50,6 +503,7 @@
         <p:spPr/>
         <p:txBody>
           <a:bodyPr/>
+          <a:lstStyle/>
           <a:p>
             <a:r>
               <a:t>Footer</a:t>
@@ -70,10 +524,12 @@
         <p:spPr/>
         <p:txBody>
           <a:bodyPr/>
+          <a:lstStyle/>
           <a:p>
             <a:fld id="{35DD6940-FF59-4774-9C9E-8A4F096D5B0D}" type="slidenum">
-              <a:t>&lt;#&gt;</a:t>
+              <a:t>‹Nr.›</a:t>
             </a:fld>
+            <a:endParaRPr/>
           </a:p>
         </p:txBody>
       </p:sp>
@@ -90,21 +546,22 @@
         <p:spPr/>
         <p:txBody>
           <a:bodyPr/>
-          <a:p>
-            <a:r>
-              <a:rPr lang="de-DE"/>
-              <a:t/>
-            </a:r>
+          <a:lstStyle/>
+          <a:p>
+            <a:endParaRPr/>
           </a:p>
         </p:txBody>
       </p:sp>
     </p:spTree>
   </p:cSld>
+  <p:clrMapOvr>
+    <a:masterClrMapping/>
+  </p:clrMapOvr>
 </p:sldLayout>
 </file>
 
 <file path=ppt/slideLayouts/slideLayout10.xml><?xml version="1.0" encoding="utf-8"?>
-<p:sldLayout xmlns:a="http://schemas.openxmlformats.org/drawingml/2006/main" xmlns:p="http://schemas.openxmlformats.org/presentationml/2006/main" xmlns:r="http://schemas.openxmlformats.org/officeDocument/2006/relationships" xmlns:p14="http://schemas.microsoft.com/office/powerpoint/2010/main" xmlns:p15="http://schemas.microsoft.com/office/powerpoint/2012/main" xmlns:mc="http://schemas.openxmlformats.org/markup-compatibility/2006" type="objOverTx" preserve="1">
+<p:sldLayout xmlns:a="http://schemas.openxmlformats.org/drawingml/2006/main" xmlns:r="http://schemas.openxmlformats.org/officeDocument/2006/relationships" xmlns:p="http://schemas.openxmlformats.org/presentationml/2006/main" type="objOverTx" preserve="1">
   <p:cSld name="Title, Content over Content">
     <p:spTree>
       <p:nvGrpSpPr>
@@ -144,11 +601,12 @@
           </a:ln>
         </p:spPr>
         <p:txBody>
-          <a:bodyPr lIns="0" rIns="0" tIns="0" bIns="0" anchor="ctr">
+          <a:bodyPr lIns="0" tIns="0" rIns="0" bIns="0" anchor="ctr">
             <a:noAutofit/>
           </a:bodyPr>
-          <a:p>
-            <a:endParaRPr b="0" lang="de-DE" sz="1800" spc="-1" strike="noStrike">
+          <a:lstStyle/>
+          <a:p>
+            <a:endParaRPr lang="de-DE" sz="1800" b="0" strike="noStrike" spc="-1">
               <a:solidFill>
                 <a:srgbClr val="000000"/>
               </a:solidFill>
@@ -181,9 +639,10 @@
           </a:ln>
         </p:spPr>
         <p:txBody>
-          <a:bodyPr lIns="0" rIns="0" tIns="0" bIns="0" anchor="t">
+          <a:bodyPr lIns="0" tIns="0" rIns="0" bIns="0" anchor="t">
             <a:normAutofit/>
           </a:bodyPr>
+          <a:lstStyle/>
           <a:p>
             <a:pPr>
               <a:lnSpc>
@@ -194,7 +653,7 @@
               </a:spcBef>
               <a:buNone/>
             </a:pPr>
-            <a:endParaRPr b="0" lang="de-DE" sz="2800" spc="-1" strike="noStrike">
+            <a:endParaRPr lang="de-DE" sz="2800" b="0" strike="noStrike" spc="-1">
               <a:solidFill>
                 <a:srgbClr val="000000"/>
               </a:solidFill>
@@ -227,9 +686,10 @@
           </a:ln>
         </p:spPr>
         <p:txBody>
-          <a:bodyPr lIns="0" rIns="0" tIns="0" bIns="0" anchor="t">
+          <a:bodyPr lIns="0" tIns="0" rIns="0" bIns="0" anchor="t">
             <a:normAutofit/>
           </a:bodyPr>
+          <a:lstStyle/>
           <a:p>
             <a:pPr>
               <a:lnSpc>
@@ -240,7 +700,7 @@
               </a:spcBef>
               <a:buNone/>
             </a:pPr>
-            <a:endParaRPr b="0" lang="de-DE" sz="2800" spc="-1" strike="noStrike">
+            <a:endParaRPr lang="de-DE" sz="2800" b="0" strike="noStrike" spc="-1">
               <a:solidFill>
                 <a:srgbClr val="000000"/>
               </a:solidFill>
@@ -262,6 +722,7 @@
         <p:spPr/>
         <p:txBody>
           <a:bodyPr/>
+          <a:lstStyle/>
           <a:p>
             <a:r>
               <a:t>Footer</a:t>
@@ -282,10 +743,12 @@
         <p:spPr/>
         <p:txBody>
           <a:bodyPr/>
+          <a:lstStyle/>
           <a:p>
             <a:fld id="{6807669B-2CBE-48AD-86B9-44D43AF00FF2}" type="slidenum">
-              <a:t>&lt;#&gt;</a:t>
+              <a:t>‹Nr.›</a:t>
             </a:fld>
+            <a:endParaRPr/>
           </a:p>
         </p:txBody>
       </p:sp>
@@ -302,21 +765,22 @@
         <p:spPr/>
         <p:txBody>
           <a:bodyPr/>
-          <a:p>
-            <a:r>
-              <a:rPr lang="de-DE"/>
-              <a:t/>
-            </a:r>
+          <a:lstStyle/>
+          <a:p>
+            <a:endParaRPr/>
           </a:p>
         </p:txBody>
       </p:sp>
     </p:spTree>
   </p:cSld>
+  <p:clrMapOvr>
+    <a:masterClrMapping/>
+  </p:clrMapOvr>
 </p:sldLayout>
 </file>
 
 <file path=ppt/slideLayouts/slideLayout11.xml><?xml version="1.0" encoding="utf-8"?>
-<p:sldLayout xmlns:a="http://schemas.openxmlformats.org/drawingml/2006/main" xmlns:p="http://schemas.openxmlformats.org/presentationml/2006/main" xmlns:r="http://schemas.openxmlformats.org/officeDocument/2006/relationships" xmlns:p14="http://schemas.microsoft.com/office/powerpoint/2010/main" xmlns:p15="http://schemas.microsoft.com/office/powerpoint/2012/main" xmlns:mc="http://schemas.openxmlformats.org/markup-compatibility/2006" type="fourObj" preserve="1">
+<p:sldLayout xmlns:a="http://schemas.openxmlformats.org/drawingml/2006/main" xmlns:r="http://schemas.openxmlformats.org/officeDocument/2006/relationships" xmlns:p="http://schemas.openxmlformats.org/presentationml/2006/main" type="fourObj" preserve="1">
   <p:cSld name="Title, 4 Content">
     <p:spTree>
       <p:nvGrpSpPr>
@@ -356,11 +820,12 @@
           </a:ln>
         </p:spPr>
         <p:txBody>
-          <a:bodyPr lIns="0" rIns="0" tIns="0" bIns="0" anchor="ctr">
+          <a:bodyPr lIns="0" tIns="0" rIns="0" bIns="0" anchor="ctr">
             <a:noAutofit/>
           </a:bodyPr>
-          <a:p>
-            <a:endParaRPr b="0" lang="de-DE" sz="1800" spc="-1" strike="noStrike">
+          <a:lstStyle/>
+          <a:p>
+            <a:endParaRPr lang="de-DE" sz="1800" b="0" strike="noStrike" spc="-1">
               <a:solidFill>
                 <a:srgbClr val="000000"/>
               </a:solidFill>
@@ -393,9 +858,10 @@
           </a:ln>
         </p:spPr>
         <p:txBody>
-          <a:bodyPr lIns="0" rIns="0" tIns="0" bIns="0" anchor="t">
+          <a:bodyPr lIns="0" tIns="0" rIns="0" bIns="0" anchor="t">
             <a:normAutofit/>
           </a:bodyPr>
+          <a:lstStyle/>
           <a:p>
             <a:pPr>
               <a:lnSpc>
@@ -406,7 +872,7 @@
               </a:spcBef>
               <a:buNone/>
             </a:pPr>
-            <a:endParaRPr b="0" lang="de-DE" sz="2800" spc="-1" strike="noStrike">
+            <a:endParaRPr lang="de-DE" sz="2800" b="0" strike="noStrike" spc="-1">
               <a:solidFill>
                 <a:srgbClr val="000000"/>
               </a:solidFill>
@@ -439,9 +905,10 @@
           </a:ln>
         </p:spPr>
         <p:txBody>
-          <a:bodyPr lIns="0" rIns="0" tIns="0" bIns="0" anchor="t">
+          <a:bodyPr lIns="0" tIns="0" rIns="0" bIns="0" anchor="t">
             <a:normAutofit/>
           </a:bodyPr>
+          <a:lstStyle/>
           <a:p>
             <a:pPr>
               <a:lnSpc>
@@ -452,7 +919,7 @@
               </a:spcBef>
               <a:buNone/>
             </a:pPr>
-            <a:endParaRPr b="0" lang="de-DE" sz="2800" spc="-1" strike="noStrike">
+            <a:endParaRPr lang="de-DE" sz="2800" b="0" strike="noStrike" spc="-1">
               <a:solidFill>
                 <a:srgbClr val="000000"/>
               </a:solidFill>
@@ -485,9 +952,10 @@
           </a:ln>
         </p:spPr>
         <p:txBody>
-          <a:bodyPr lIns="0" rIns="0" tIns="0" bIns="0" anchor="t">
+          <a:bodyPr lIns="0" tIns="0" rIns="0" bIns="0" anchor="t">
             <a:normAutofit/>
           </a:bodyPr>
+          <a:lstStyle/>
           <a:p>
             <a:pPr>
               <a:lnSpc>
@@ -498,7 +966,7 @@
               </a:spcBef>
               <a:buNone/>
             </a:pPr>
-            <a:endParaRPr b="0" lang="de-DE" sz="2800" spc="-1" strike="noStrike">
+            <a:endParaRPr lang="de-DE" sz="2800" b="0" strike="noStrike" spc="-1">
               <a:solidFill>
                 <a:srgbClr val="000000"/>
               </a:solidFill>
@@ -531,9 +999,10 @@
           </a:ln>
         </p:spPr>
         <p:txBody>
-          <a:bodyPr lIns="0" rIns="0" tIns="0" bIns="0" anchor="t">
+          <a:bodyPr lIns="0" tIns="0" rIns="0" bIns="0" anchor="t">
             <a:normAutofit/>
           </a:bodyPr>
+          <a:lstStyle/>
           <a:p>
             <a:pPr>
               <a:lnSpc>
@@ -544,7 +1013,7 @@
               </a:spcBef>
               <a:buNone/>
             </a:pPr>
-            <a:endParaRPr b="0" lang="de-DE" sz="2800" spc="-1" strike="noStrike">
+            <a:endParaRPr lang="de-DE" sz="2800" b="0" strike="noStrike" spc="-1">
               <a:solidFill>
                 <a:srgbClr val="000000"/>
               </a:solidFill>
@@ -566,6 +1035,7 @@
         <p:spPr/>
         <p:txBody>
           <a:bodyPr/>
+          <a:lstStyle/>
           <a:p>
             <a:r>
               <a:t>Footer</a:t>
@@ -586,10 +1056,12 @@
         <p:spPr/>
         <p:txBody>
           <a:bodyPr/>
+          <a:lstStyle/>
           <a:p>
             <a:fld id="{78B8A872-54CB-46B8-95BE-81B8C5ADCE0B}" type="slidenum">
-              <a:t>&lt;#&gt;</a:t>
+              <a:t>‹Nr.›</a:t>
             </a:fld>
+            <a:endParaRPr/>
           </a:p>
         </p:txBody>
       </p:sp>
@@ -606,21 +1078,22 @@
         <p:spPr/>
         <p:txBody>
           <a:bodyPr/>
-          <a:p>
-            <a:r>
-              <a:rPr lang="de-DE"/>
-              <a:t/>
-            </a:r>
+          <a:lstStyle/>
+          <a:p>
+            <a:endParaRPr/>
           </a:p>
         </p:txBody>
       </p:sp>
     </p:spTree>
   </p:cSld>
+  <p:clrMapOvr>
+    <a:masterClrMapping/>
+  </p:clrMapOvr>
 </p:sldLayout>
 </file>
 
 <file path=ppt/slideLayouts/slideLayout12.xml><?xml version="1.0" encoding="utf-8"?>
-<p:sldLayout xmlns:a="http://schemas.openxmlformats.org/drawingml/2006/main" xmlns:p="http://schemas.openxmlformats.org/presentationml/2006/main" xmlns:r="http://schemas.openxmlformats.org/officeDocument/2006/relationships" xmlns:p14="http://schemas.microsoft.com/office/powerpoint/2010/main" xmlns:p15="http://schemas.microsoft.com/office/powerpoint/2012/main" xmlns:mc="http://schemas.openxmlformats.org/markup-compatibility/2006" type="blank" preserve="1">
+<p:sldLayout xmlns:a="http://schemas.openxmlformats.org/drawingml/2006/main" xmlns:r="http://schemas.openxmlformats.org/officeDocument/2006/relationships" xmlns:p="http://schemas.openxmlformats.org/presentationml/2006/main" type="blank" preserve="1">
   <p:cSld name="Title, 6 Content">
     <p:spTree>
       <p:nvGrpSpPr>
@@ -660,11 +1133,12 @@
           </a:ln>
         </p:spPr>
         <p:txBody>
-          <a:bodyPr lIns="0" rIns="0" tIns="0" bIns="0" anchor="ctr">
+          <a:bodyPr lIns="0" tIns="0" rIns="0" bIns="0" anchor="ctr">
             <a:noAutofit/>
           </a:bodyPr>
-          <a:p>
-            <a:endParaRPr b="0" lang="de-DE" sz="1800" spc="-1" strike="noStrike">
+          <a:lstStyle/>
+          <a:p>
+            <a:endParaRPr lang="de-DE" sz="1800" b="0" strike="noStrike" spc="-1">
               <a:solidFill>
                 <a:srgbClr val="000000"/>
               </a:solidFill>
@@ -697,9 +1171,10 @@
           </a:ln>
         </p:spPr>
         <p:txBody>
-          <a:bodyPr lIns="0" rIns="0" tIns="0" bIns="0" anchor="t">
+          <a:bodyPr lIns="0" tIns="0" rIns="0" bIns="0" anchor="t">
             <a:normAutofit/>
           </a:bodyPr>
+          <a:lstStyle/>
           <a:p>
             <a:pPr>
               <a:lnSpc>
@@ -710,7 +1185,7 @@
               </a:spcBef>
               <a:buNone/>
             </a:pPr>
-            <a:endParaRPr b="0" lang="de-DE" sz="2800" spc="-1" strike="noStrike">
+            <a:endParaRPr lang="de-DE" sz="2800" b="0" strike="noStrike" spc="-1">
               <a:solidFill>
                 <a:srgbClr val="000000"/>
               </a:solidFill>
@@ -743,9 +1218,10 @@
           </a:ln>
         </p:spPr>
         <p:txBody>
-          <a:bodyPr lIns="0" rIns="0" tIns="0" bIns="0" anchor="t">
+          <a:bodyPr lIns="0" tIns="0" rIns="0" bIns="0" anchor="t">
             <a:normAutofit/>
           </a:bodyPr>
+          <a:lstStyle/>
           <a:p>
             <a:pPr>
               <a:lnSpc>
@@ -756,7 +1232,7 @@
               </a:spcBef>
               <a:buNone/>
             </a:pPr>
-            <a:endParaRPr b="0" lang="de-DE" sz="2800" spc="-1" strike="noStrike">
+            <a:endParaRPr lang="de-DE" sz="2800" b="0" strike="noStrike" spc="-1">
               <a:solidFill>
                 <a:srgbClr val="000000"/>
               </a:solidFill>
@@ -789,9 +1265,10 @@
           </a:ln>
         </p:spPr>
         <p:txBody>
-          <a:bodyPr lIns="0" rIns="0" tIns="0" bIns="0" anchor="t">
+          <a:bodyPr lIns="0" tIns="0" rIns="0" bIns="0" anchor="t">
             <a:normAutofit/>
           </a:bodyPr>
+          <a:lstStyle/>
           <a:p>
             <a:pPr>
               <a:lnSpc>
@@ -802,7 +1279,7 @@
               </a:spcBef>
               <a:buNone/>
             </a:pPr>
-            <a:endParaRPr b="0" lang="de-DE" sz="2800" spc="-1" strike="noStrike">
+            <a:endParaRPr lang="de-DE" sz="2800" b="0" strike="noStrike" spc="-1">
               <a:solidFill>
                 <a:srgbClr val="000000"/>
               </a:solidFill>
@@ -835,9 +1312,10 @@
           </a:ln>
         </p:spPr>
         <p:txBody>
-          <a:bodyPr lIns="0" rIns="0" tIns="0" bIns="0" anchor="t">
+          <a:bodyPr lIns="0" tIns="0" rIns="0" bIns="0" anchor="t">
             <a:normAutofit/>
           </a:bodyPr>
+          <a:lstStyle/>
           <a:p>
             <a:pPr>
               <a:lnSpc>
@@ -848,7 +1326,7 @@
               </a:spcBef>
               <a:buNone/>
             </a:pPr>
-            <a:endParaRPr b="0" lang="de-DE" sz="2800" spc="-1" strike="noStrike">
+            <a:endParaRPr lang="de-DE" sz="2800" b="0" strike="noStrike" spc="-1">
               <a:solidFill>
                 <a:srgbClr val="000000"/>
               </a:solidFill>
@@ -881,9 +1359,10 @@
           </a:ln>
         </p:spPr>
         <p:txBody>
-          <a:bodyPr lIns="0" rIns="0" tIns="0" bIns="0" anchor="t">
+          <a:bodyPr lIns="0" tIns="0" rIns="0" bIns="0" anchor="t">
             <a:normAutofit/>
           </a:bodyPr>
+          <a:lstStyle/>
           <a:p>
             <a:pPr>
               <a:lnSpc>
@@ -894,7 +1373,7 @@
               </a:spcBef>
               <a:buNone/>
             </a:pPr>
-            <a:endParaRPr b="0" lang="de-DE" sz="2800" spc="-1" strike="noStrike">
+            <a:endParaRPr lang="de-DE" sz="2800" b="0" strike="noStrike" spc="-1">
               <a:solidFill>
                 <a:srgbClr val="000000"/>
               </a:solidFill>
@@ -927,9 +1406,10 @@
           </a:ln>
         </p:spPr>
         <p:txBody>
-          <a:bodyPr lIns="0" rIns="0" tIns="0" bIns="0" anchor="t">
+          <a:bodyPr lIns="0" tIns="0" rIns="0" bIns="0" anchor="t">
             <a:normAutofit/>
           </a:bodyPr>
+          <a:lstStyle/>
           <a:p>
             <a:pPr>
               <a:lnSpc>
@@ -940,7 +1420,7 @@
               </a:spcBef>
               <a:buNone/>
             </a:pPr>
-            <a:endParaRPr b="0" lang="de-DE" sz="2800" spc="-1" strike="noStrike">
+            <a:endParaRPr lang="de-DE" sz="2800" b="0" strike="noStrike" spc="-1">
               <a:solidFill>
                 <a:srgbClr val="000000"/>
               </a:solidFill>
@@ -962,6 +1442,7 @@
         <p:spPr/>
         <p:txBody>
           <a:bodyPr/>
+          <a:lstStyle/>
           <a:p>
             <a:r>
               <a:t>Footer</a:t>
@@ -982,10 +1463,12 @@
         <p:spPr/>
         <p:txBody>
           <a:bodyPr/>
+          <a:lstStyle/>
           <a:p>
             <a:fld id="{F894447A-996B-402D-98D2-34EAFC532A0E}" type="slidenum">
-              <a:t>&lt;#&gt;</a:t>
+              <a:t>‹Nr.›</a:t>
             </a:fld>
+            <a:endParaRPr/>
           </a:p>
         </p:txBody>
       </p:sp>
@@ -1002,21 +1485,22 @@
         <p:spPr/>
         <p:txBody>
           <a:bodyPr/>
-          <a:p>
-            <a:r>
-              <a:rPr lang="de-DE"/>
-              <a:t/>
-            </a:r>
+          <a:lstStyle/>
+          <a:p>
+            <a:endParaRPr/>
           </a:p>
         </p:txBody>
       </p:sp>
     </p:spTree>
   </p:cSld>
+  <p:clrMapOvr>
+    <a:masterClrMapping/>
+  </p:clrMapOvr>
 </p:sldLayout>
 </file>
 
 <file path=ppt/slideLayouts/slideLayout2.xml><?xml version="1.0" encoding="utf-8"?>
-<p:sldLayout xmlns:a="http://schemas.openxmlformats.org/drawingml/2006/main" xmlns:p="http://schemas.openxmlformats.org/presentationml/2006/main" xmlns:r="http://schemas.openxmlformats.org/officeDocument/2006/relationships" xmlns:p14="http://schemas.microsoft.com/office/powerpoint/2010/main" xmlns:p15="http://schemas.microsoft.com/office/powerpoint/2012/main" xmlns:mc="http://schemas.openxmlformats.org/markup-compatibility/2006" type="tx" preserve="1">
+<p:sldLayout xmlns:a="http://schemas.openxmlformats.org/drawingml/2006/main" xmlns:r="http://schemas.openxmlformats.org/officeDocument/2006/relationships" xmlns:p="http://schemas.openxmlformats.org/presentationml/2006/main" type="tx" preserve="1">
   <p:cSld name="Title Slide">
     <p:spTree>
       <p:nvGrpSpPr>
@@ -1056,11 +1540,12 @@
           </a:ln>
         </p:spPr>
         <p:txBody>
-          <a:bodyPr lIns="0" rIns="0" tIns="0" bIns="0" anchor="ctr">
+          <a:bodyPr lIns="0" tIns="0" rIns="0" bIns="0" anchor="ctr">
             <a:noAutofit/>
           </a:bodyPr>
-          <a:p>
-            <a:endParaRPr b="0" lang="de-DE" sz="1800" spc="-1" strike="noStrike">
+          <a:lstStyle/>
+          <a:p>
+            <a:endParaRPr lang="de-DE" sz="1800" b="0" strike="noStrike" spc="-1">
               <a:solidFill>
                 <a:srgbClr val="000000"/>
               </a:solidFill>
@@ -1093,14 +1578,15 @@
           </a:ln>
         </p:spPr>
         <p:txBody>
-          <a:bodyPr lIns="0" rIns="0" tIns="0" bIns="0" anchor="ctr">
+          <a:bodyPr lIns="0" tIns="0" rIns="0" bIns="0" anchor="ctr">
             <a:noAutofit/>
           </a:bodyPr>
+          <a:lstStyle/>
           <a:p>
             <a:pPr algn="ctr">
               <a:buNone/>
             </a:pPr>
-            <a:endParaRPr b="0" lang="de-DE" sz="3200" spc="-1" strike="noStrike">
+            <a:endParaRPr lang="de-DE" sz="3200" b="0" strike="noStrike" spc="-1">
               <a:latin typeface="Arial"/>
             </a:endParaRPr>
           </a:p>
@@ -1119,6 +1605,7 @@
         <p:spPr/>
         <p:txBody>
           <a:bodyPr/>
+          <a:lstStyle/>
           <a:p>
             <a:r>
               <a:t>Footer</a:t>
@@ -1128,7 +1615,7 @@
       </p:sp>
       <p:sp>
         <p:nvSpPr>
-          <p:cNvPr id="5" name="PlaceHolder 4"/>
+          <p:cNvPr id="2" name="PlaceHolder 4"/>
           <p:cNvSpPr>
             <a:spLocks noGrp="1"/>
           </p:cNvSpPr>
@@ -1139,16 +1626,18 @@
         <p:spPr/>
         <p:txBody>
           <a:bodyPr/>
+          <a:lstStyle/>
           <a:p>
             <a:fld id="{15C89CC5-C15F-45D8-B83A-A3D741D6BC00}" type="slidenum">
-              <a:t>&lt;#&gt;</a:t>
+              <a:t>‹Nr.›</a:t>
             </a:fld>
-          </a:p>
-        </p:txBody>
-      </p:sp>
-      <p:sp>
-        <p:nvSpPr>
-          <p:cNvPr id="6" name="PlaceHolder 5"/>
+            <a:endParaRPr/>
+          </a:p>
+        </p:txBody>
+      </p:sp>
+      <p:sp>
+        <p:nvSpPr>
+          <p:cNvPr id="3" name="PlaceHolder 5"/>
           <p:cNvSpPr>
             <a:spLocks noGrp="1"/>
           </p:cNvSpPr>
@@ -1159,21 +1648,22 @@
         <p:spPr/>
         <p:txBody>
           <a:bodyPr/>
-          <a:p>
-            <a:r>
-              <a:rPr lang="de-DE"/>
-              <a:t/>
-            </a:r>
+          <a:lstStyle/>
+          <a:p>
+            <a:endParaRPr/>
           </a:p>
         </p:txBody>
       </p:sp>
     </p:spTree>
   </p:cSld>
+  <p:clrMapOvr>
+    <a:masterClrMapping/>
+  </p:clrMapOvr>
 </p:sldLayout>
 </file>
 
 <file path=ppt/slideLayouts/slideLayout3.xml><?xml version="1.0" encoding="utf-8"?>
-<p:sldLayout xmlns:a="http://schemas.openxmlformats.org/drawingml/2006/main" xmlns:p="http://schemas.openxmlformats.org/presentationml/2006/main" xmlns:r="http://schemas.openxmlformats.org/officeDocument/2006/relationships" xmlns:p14="http://schemas.microsoft.com/office/powerpoint/2010/main" xmlns:p15="http://schemas.microsoft.com/office/powerpoint/2012/main" xmlns:mc="http://schemas.openxmlformats.org/markup-compatibility/2006" type="obj" preserve="1">
+<p:sldLayout xmlns:a="http://schemas.openxmlformats.org/drawingml/2006/main" xmlns:r="http://schemas.openxmlformats.org/officeDocument/2006/relationships" xmlns:p="http://schemas.openxmlformats.org/presentationml/2006/main" type="obj" preserve="1">
   <p:cSld name="Title, Content">
     <p:spTree>
       <p:nvGrpSpPr>
@@ -1213,11 +1703,12 @@
           </a:ln>
         </p:spPr>
         <p:txBody>
-          <a:bodyPr lIns="0" rIns="0" tIns="0" bIns="0" anchor="ctr">
+          <a:bodyPr lIns="0" tIns="0" rIns="0" bIns="0" anchor="ctr">
             <a:noAutofit/>
           </a:bodyPr>
-          <a:p>
-            <a:endParaRPr b="0" lang="de-DE" sz="1800" spc="-1" strike="noStrike">
+          <a:lstStyle/>
+          <a:p>
+            <a:endParaRPr lang="de-DE" sz="1800" b="0" strike="noStrike" spc="-1">
               <a:solidFill>
                 <a:srgbClr val="000000"/>
               </a:solidFill>
@@ -1250,9 +1741,10 @@
           </a:ln>
         </p:spPr>
         <p:txBody>
-          <a:bodyPr lIns="0" rIns="0" tIns="0" bIns="0" anchor="t">
+          <a:bodyPr lIns="0" tIns="0" rIns="0" bIns="0" anchor="t">
             <a:normAutofit/>
           </a:bodyPr>
+          <a:lstStyle/>
           <a:p>
             <a:pPr>
               <a:lnSpc>
@@ -1263,7 +1755,7 @@
               </a:spcBef>
               <a:buNone/>
             </a:pPr>
-            <a:endParaRPr b="0" lang="de-DE" sz="2800" spc="-1" strike="noStrike">
+            <a:endParaRPr lang="de-DE" sz="2800" b="0" strike="noStrike" spc="-1">
               <a:solidFill>
                 <a:srgbClr val="000000"/>
               </a:solidFill>
@@ -1285,6 +1777,7 @@
         <p:spPr/>
         <p:txBody>
           <a:bodyPr/>
+          <a:lstStyle/>
           <a:p>
             <a:r>
               <a:t>Footer</a:t>
@@ -1305,10 +1798,12 @@
         <p:spPr/>
         <p:txBody>
           <a:bodyPr/>
+          <a:lstStyle/>
           <a:p>
             <a:fld id="{65E80A2C-5444-4787-832A-3A337B14CD05}" type="slidenum">
-              <a:t>&lt;#&gt;</a:t>
+              <a:t>‹Nr.›</a:t>
             </a:fld>
+            <a:endParaRPr/>
           </a:p>
         </p:txBody>
       </p:sp>
@@ -1325,21 +1820,22 @@
         <p:spPr/>
         <p:txBody>
           <a:bodyPr/>
-          <a:p>
-            <a:r>
-              <a:rPr lang="de-DE"/>
-              <a:t/>
-            </a:r>
+          <a:lstStyle/>
+          <a:p>
+            <a:endParaRPr/>
           </a:p>
         </p:txBody>
       </p:sp>
     </p:spTree>
   </p:cSld>
+  <p:clrMapOvr>
+    <a:masterClrMapping/>
+  </p:clrMapOvr>
 </p:sldLayout>
 </file>
 
 <file path=ppt/slideLayouts/slideLayout4.xml><?xml version="1.0" encoding="utf-8"?>
-<p:sldLayout xmlns:a="http://schemas.openxmlformats.org/drawingml/2006/main" xmlns:p="http://schemas.openxmlformats.org/presentationml/2006/main" xmlns:r="http://schemas.openxmlformats.org/officeDocument/2006/relationships" xmlns:p14="http://schemas.microsoft.com/office/powerpoint/2010/main" xmlns:p15="http://schemas.microsoft.com/office/powerpoint/2012/main" xmlns:mc="http://schemas.openxmlformats.org/markup-compatibility/2006" type="twoObj" preserve="1">
+<p:sldLayout xmlns:a="http://schemas.openxmlformats.org/drawingml/2006/main" xmlns:r="http://schemas.openxmlformats.org/officeDocument/2006/relationships" xmlns:p="http://schemas.openxmlformats.org/presentationml/2006/main" type="twoObj" preserve="1">
   <p:cSld name="Title, 2 Content">
     <p:spTree>
       <p:nvGrpSpPr>
@@ -1379,11 +1875,12 @@
           </a:ln>
         </p:spPr>
         <p:txBody>
-          <a:bodyPr lIns="0" rIns="0" tIns="0" bIns="0" anchor="ctr">
+          <a:bodyPr lIns="0" tIns="0" rIns="0" bIns="0" anchor="ctr">
             <a:noAutofit/>
           </a:bodyPr>
-          <a:p>
-            <a:endParaRPr b="0" lang="de-DE" sz="1800" spc="-1" strike="noStrike">
+          <a:lstStyle/>
+          <a:p>
+            <a:endParaRPr lang="de-DE" sz="1800" b="0" strike="noStrike" spc="-1">
               <a:solidFill>
                 <a:srgbClr val="000000"/>
               </a:solidFill>
@@ -1416,9 +1913,10 @@
           </a:ln>
         </p:spPr>
         <p:txBody>
-          <a:bodyPr lIns="0" rIns="0" tIns="0" bIns="0" anchor="t">
+          <a:bodyPr lIns="0" tIns="0" rIns="0" bIns="0" anchor="t">
             <a:normAutofit/>
           </a:bodyPr>
+          <a:lstStyle/>
           <a:p>
             <a:pPr>
               <a:lnSpc>
@@ -1429,7 +1927,7 @@
               </a:spcBef>
               <a:buNone/>
             </a:pPr>
-            <a:endParaRPr b="0" lang="de-DE" sz="2800" spc="-1" strike="noStrike">
+            <a:endParaRPr lang="de-DE" sz="2800" b="0" strike="noStrike" spc="-1">
               <a:solidFill>
                 <a:srgbClr val="000000"/>
               </a:solidFill>
@@ -1462,9 +1960,10 @@
           </a:ln>
         </p:spPr>
         <p:txBody>
-          <a:bodyPr lIns="0" rIns="0" tIns="0" bIns="0" anchor="t">
+          <a:bodyPr lIns="0" tIns="0" rIns="0" bIns="0" anchor="t">
             <a:normAutofit/>
           </a:bodyPr>
+          <a:lstStyle/>
           <a:p>
             <a:pPr>
               <a:lnSpc>
@@ -1475,7 +1974,7 @@
               </a:spcBef>
               <a:buNone/>
             </a:pPr>
-            <a:endParaRPr b="0" lang="de-DE" sz="2800" spc="-1" strike="noStrike">
+            <a:endParaRPr lang="de-DE" sz="2800" b="0" strike="noStrike" spc="-1">
               <a:solidFill>
                 <a:srgbClr val="000000"/>
               </a:solidFill>
@@ -1497,6 +1996,7 @@
         <p:spPr/>
         <p:txBody>
           <a:bodyPr/>
+          <a:lstStyle/>
           <a:p>
             <a:r>
               <a:t>Footer</a:t>
@@ -1517,10 +2017,12 @@
         <p:spPr/>
         <p:txBody>
           <a:bodyPr/>
+          <a:lstStyle/>
           <a:p>
             <a:fld id="{D550BFE4-5480-4C4A-87E6-ED9C4713DBC8}" type="slidenum">
-              <a:t>&lt;#&gt;</a:t>
+              <a:t>‹Nr.›</a:t>
             </a:fld>
+            <a:endParaRPr/>
           </a:p>
         </p:txBody>
       </p:sp>
@@ -1537,21 +2039,22 @@
         <p:spPr/>
         <p:txBody>
           <a:bodyPr/>
-          <a:p>
-            <a:r>
-              <a:rPr lang="de-DE"/>
-              <a:t/>
-            </a:r>
+          <a:lstStyle/>
+          <a:p>
+            <a:endParaRPr/>
           </a:p>
         </p:txBody>
       </p:sp>
     </p:spTree>
   </p:cSld>
+  <p:clrMapOvr>
+    <a:masterClrMapping/>
+  </p:clrMapOvr>
 </p:sldLayout>
 </file>
 
 <file path=ppt/slideLayouts/slideLayout5.xml><?xml version="1.0" encoding="utf-8"?>
-<p:sldLayout xmlns:a="http://schemas.openxmlformats.org/drawingml/2006/main" xmlns:p="http://schemas.openxmlformats.org/presentationml/2006/main" xmlns:r="http://schemas.openxmlformats.org/officeDocument/2006/relationships" xmlns:p14="http://schemas.microsoft.com/office/powerpoint/2010/main" xmlns:p15="http://schemas.microsoft.com/office/powerpoint/2012/main" xmlns:mc="http://schemas.openxmlformats.org/markup-compatibility/2006" type="titleOnly" preserve="1">
+<p:sldLayout xmlns:a="http://schemas.openxmlformats.org/drawingml/2006/main" xmlns:r="http://schemas.openxmlformats.org/officeDocument/2006/relationships" xmlns:p="http://schemas.openxmlformats.org/presentationml/2006/main" type="titleOnly" preserve="1">
   <p:cSld name="Title Only">
     <p:spTree>
       <p:nvGrpSpPr>
@@ -1591,11 +2094,12 @@
           </a:ln>
         </p:spPr>
         <p:txBody>
-          <a:bodyPr lIns="0" rIns="0" tIns="0" bIns="0" anchor="ctr">
+          <a:bodyPr lIns="0" tIns="0" rIns="0" bIns="0" anchor="ctr">
             <a:noAutofit/>
           </a:bodyPr>
-          <a:p>
-            <a:endParaRPr b="0" lang="de-DE" sz="1800" spc="-1" strike="noStrike">
+          <a:lstStyle/>
+          <a:p>
+            <a:endParaRPr lang="de-DE" sz="1800" b="0" strike="noStrike" spc="-1">
               <a:solidFill>
                 <a:srgbClr val="000000"/>
               </a:solidFill>
@@ -1617,6 +2121,7 @@
         <p:spPr/>
         <p:txBody>
           <a:bodyPr/>
+          <a:lstStyle/>
           <a:p>
             <a:r>
               <a:t>Footer</a:t>
@@ -1637,10 +2142,12 @@
         <p:spPr/>
         <p:txBody>
           <a:bodyPr/>
+          <a:lstStyle/>
           <a:p>
             <a:fld id="{DE102B7C-AECA-473A-B194-58C0B4697875}" type="slidenum">
-              <a:t>&lt;#&gt;</a:t>
+              <a:t>‹Nr.›</a:t>
             </a:fld>
+            <a:endParaRPr/>
           </a:p>
         </p:txBody>
       </p:sp>
@@ -1657,21 +2164,22 @@
         <p:spPr/>
         <p:txBody>
           <a:bodyPr/>
-          <a:p>
-            <a:r>
-              <a:rPr lang="de-DE"/>
-              <a:t/>
-            </a:r>
+          <a:lstStyle/>
+          <a:p>
+            <a:endParaRPr/>
           </a:p>
         </p:txBody>
       </p:sp>
     </p:spTree>
   </p:cSld>
+  <p:clrMapOvr>
+    <a:masterClrMapping/>
+  </p:clrMapOvr>
 </p:sldLayout>
 </file>
 
 <file path=ppt/slideLayouts/slideLayout6.xml><?xml version="1.0" encoding="utf-8"?>
-<p:sldLayout xmlns:a="http://schemas.openxmlformats.org/drawingml/2006/main" xmlns:p="http://schemas.openxmlformats.org/presentationml/2006/main" xmlns:r="http://schemas.openxmlformats.org/officeDocument/2006/relationships" xmlns:p14="http://schemas.microsoft.com/office/powerpoint/2010/main" xmlns:p15="http://schemas.microsoft.com/office/powerpoint/2012/main" xmlns:mc="http://schemas.openxmlformats.org/markup-compatibility/2006" type="objOnly" preserve="1">
+<p:sldLayout xmlns:a="http://schemas.openxmlformats.org/drawingml/2006/main" xmlns:r="http://schemas.openxmlformats.org/officeDocument/2006/relationships" xmlns:p="http://schemas.openxmlformats.org/presentationml/2006/main" type="objOnly" preserve="1">
   <p:cSld name="Centered Text">
     <p:spTree>
       <p:nvGrpSpPr>
@@ -1711,14 +2219,15 @@
           </a:ln>
         </p:spPr>
         <p:txBody>
-          <a:bodyPr lIns="0" rIns="0" tIns="0" bIns="0" anchor="ctr">
+          <a:bodyPr lIns="0" tIns="0" rIns="0" bIns="0" anchor="ctr">
             <a:noAutofit/>
           </a:bodyPr>
+          <a:lstStyle/>
           <a:p>
             <a:pPr algn="ctr">
               <a:buNone/>
             </a:pPr>
-            <a:endParaRPr b="0" lang="de-DE" sz="3200" spc="-1" strike="noStrike">
+            <a:endParaRPr lang="de-DE" sz="3200" b="0" strike="noStrike" spc="-1">
               <a:latin typeface="Arial"/>
             </a:endParaRPr>
           </a:p>
@@ -1737,6 +2246,7 @@
         <p:spPr/>
         <p:txBody>
           <a:bodyPr/>
+          <a:lstStyle/>
           <a:p>
             <a:r>
               <a:t>Footer</a:t>
@@ -1757,10 +2267,12 @@
         <p:spPr/>
         <p:txBody>
           <a:bodyPr/>
+          <a:lstStyle/>
           <a:p>
             <a:fld id="{C7A32BA9-BF89-4C14-8E93-134EB3D80BC4}" type="slidenum">
-              <a:t>&lt;#&gt;</a:t>
+              <a:t>‹Nr.›</a:t>
             </a:fld>
+            <a:endParaRPr/>
           </a:p>
         </p:txBody>
       </p:sp>
@@ -1777,21 +2289,22 @@
         <p:spPr/>
         <p:txBody>
           <a:bodyPr/>
-          <a:p>
-            <a:r>
-              <a:rPr lang="de-DE"/>
-              <a:t/>
-            </a:r>
+          <a:lstStyle/>
+          <a:p>
+            <a:endParaRPr/>
           </a:p>
         </p:txBody>
       </p:sp>
     </p:spTree>
   </p:cSld>
+  <p:clrMapOvr>
+    <a:masterClrMapping/>
+  </p:clrMapOvr>
 </p:sldLayout>
 </file>
 
 <file path=ppt/slideLayouts/slideLayout7.xml><?xml version="1.0" encoding="utf-8"?>
-<p:sldLayout xmlns:a="http://schemas.openxmlformats.org/drawingml/2006/main" xmlns:p="http://schemas.openxmlformats.org/presentationml/2006/main" xmlns:r="http://schemas.openxmlformats.org/officeDocument/2006/relationships" xmlns:p14="http://schemas.microsoft.com/office/powerpoint/2010/main" xmlns:p15="http://schemas.microsoft.com/office/powerpoint/2012/main" xmlns:mc="http://schemas.openxmlformats.org/markup-compatibility/2006" type="twoObjAndObj" preserve="1">
+<p:sldLayout xmlns:a="http://schemas.openxmlformats.org/drawingml/2006/main" xmlns:r="http://schemas.openxmlformats.org/officeDocument/2006/relationships" xmlns:p="http://schemas.openxmlformats.org/presentationml/2006/main" type="twoObjAndObj" preserve="1">
   <p:cSld name="Title, 2 Content and Content">
     <p:spTree>
       <p:nvGrpSpPr>
@@ -1831,11 +2344,12 @@
           </a:ln>
         </p:spPr>
         <p:txBody>
-          <a:bodyPr lIns="0" rIns="0" tIns="0" bIns="0" anchor="ctr">
+          <a:bodyPr lIns="0" tIns="0" rIns="0" bIns="0" anchor="ctr">
             <a:noAutofit/>
           </a:bodyPr>
-          <a:p>
-            <a:endParaRPr b="0" lang="de-DE" sz="1800" spc="-1" strike="noStrike">
+          <a:lstStyle/>
+          <a:p>
+            <a:endParaRPr lang="de-DE" sz="1800" b="0" strike="noStrike" spc="-1">
               <a:solidFill>
                 <a:srgbClr val="000000"/>
               </a:solidFill>
@@ -1868,9 +2382,10 @@
           </a:ln>
         </p:spPr>
         <p:txBody>
-          <a:bodyPr lIns="0" rIns="0" tIns="0" bIns="0" anchor="t">
+          <a:bodyPr lIns="0" tIns="0" rIns="0" bIns="0" anchor="t">
             <a:normAutofit/>
           </a:bodyPr>
+          <a:lstStyle/>
           <a:p>
             <a:pPr>
               <a:lnSpc>
@@ -1881,7 +2396,7 @@
               </a:spcBef>
               <a:buNone/>
             </a:pPr>
-            <a:endParaRPr b="0" lang="de-DE" sz="2800" spc="-1" strike="noStrike">
+            <a:endParaRPr lang="de-DE" sz="2800" b="0" strike="noStrike" spc="-1">
               <a:solidFill>
                 <a:srgbClr val="000000"/>
               </a:solidFill>
@@ -1914,9 +2429,10 @@
           </a:ln>
         </p:spPr>
         <p:txBody>
-          <a:bodyPr lIns="0" rIns="0" tIns="0" bIns="0" anchor="t">
+          <a:bodyPr lIns="0" tIns="0" rIns="0" bIns="0" anchor="t">
             <a:normAutofit/>
           </a:bodyPr>
+          <a:lstStyle/>
           <a:p>
             <a:pPr>
               <a:lnSpc>
@@ -1927,7 +2443,7 @@
               </a:spcBef>
               <a:buNone/>
             </a:pPr>
-            <a:endParaRPr b="0" lang="de-DE" sz="2800" spc="-1" strike="noStrike">
+            <a:endParaRPr lang="de-DE" sz="2800" b="0" strike="noStrike" spc="-1">
               <a:solidFill>
                 <a:srgbClr val="000000"/>
               </a:solidFill>
@@ -1960,9 +2476,10 @@
           </a:ln>
         </p:spPr>
         <p:txBody>
-          <a:bodyPr lIns="0" rIns="0" tIns="0" bIns="0" anchor="t">
+          <a:bodyPr lIns="0" tIns="0" rIns="0" bIns="0" anchor="t">
             <a:normAutofit/>
           </a:bodyPr>
+          <a:lstStyle/>
           <a:p>
             <a:pPr>
               <a:lnSpc>
@@ -1973,7 +2490,7 @@
               </a:spcBef>
               <a:buNone/>
             </a:pPr>
-            <a:endParaRPr b="0" lang="de-DE" sz="2800" spc="-1" strike="noStrike">
+            <a:endParaRPr lang="de-DE" sz="2800" b="0" strike="noStrike" spc="-1">
               <a:solidFill>
                 <a:srgbClr val="000000"/>
               </a:solidFill>
@@ -1995,6 +2512,7 @@
         <p:spPr/>
         <p:txBody>
           <a:bodyPr/>
+          <a:lstStyle/>
           <a:p>
             <a:r>
               <a:t>Footer</a:t>
@@ -2015,10 +2533,12 @@
         <p:spPr/>
         <p:txBody>
           <a:bodyPr/>
+          <a:lstStyle/>
           <a:p>
             <a:fld id="{B8B82C4F-4563-42E3-B783-3E3AC709421E}" type="slidenum">
-              <a:t>&lt;#&gt;</a:t>
+              <a:t>‹Nr.›</a:t>
             </a:fld>
+            <a:endParaRPr/>
           </a:p>
         </p:txBody>
       </p:sp>
@@ -2035,21 +2555,22 @@
         <p:spPr/>
         <p:txBody>
           <a:bodyPr/>
-          <a:p>
-            <a:r>
-              <a:rPr lang="de-DE"/>
-              <a:t/>
-            </a:r>
+          <a:lstStyle/>
+          <a:p>
+            <a:endParaRPr/>
           </a:p>
         </p:txBody>
       </p:sp>
     </p:spTree>
   </p:cSld>
+  <p:clrMapOvr>
+    <a:masterClrMapping/>
+  </p:clrMapOvr>
 </p:sldLayout>
 </file>
 
 <file path=ppt/slideLayouts/slideLayout8.xml><?xml version="1.0" encoding="utf-8"?>
-<p:sldLayout xmlns:a="http://schemas.openxmlformats.org/drawingml/2006/main" xmlns:p="http://schemas.openxmlformats.org/presentationml/2006/main" xmlns:r="http://schemas.openxmlformats.org/officeDocument/2006/relationships" xmlns:p14="http://schemas.microsoft.com/office/powerpoint/2010/main" xmlns:p15="http://schemas.microsoft.com/office/powerpoint/2012/main" xmlns:mc="http://schemas.openxmlformats.org/markup-compatibility/2006" type="objAndTwoObj" preserve="1">
+<p:sldLayout xmlns:a="http://schemas.openxmlformats.org/drawingml/2006/main" xmlns:r="http://schemas.openxmlformats.org/officeDocument/2006/relationships" xmlns:p="http://schemas.openxmlformats.org/presentationml/2006/main" type="objAndTwoObj" preserve="1">
   <p:cSld name="Title Content and 2 Content">
     <p:spTree>
       <p:nvGrpSpPr>
@@ -2089,11 +2610,12 @@
           </a:ln>
         </p:spPr>
         <p:txBody>
-          <a:bodyPr lIns="0" rIns="0" tIns="0" bIns="0" anchor="ctr">
+          <a:bodyPr lIns="0" tIns="0" rIns="0" bIns="0" anchor="ctr">
             <a:noAutofit/>
           </a:bodyPr>
-          <a:p>
-            <a:endParaRPr b="0" lang="de-DE" sz="1800" spc="-1" strike="noStrike">
+          <a:lstStyle/>
+          <a:p>
+            <a:endParaRPr lang="de-DE" sz="1800" b="0" strike="noStrike" spc="-1">
               <a:solidFill>
                 <a:srgbClr val="000000"/>
               </a:solidFill>
@@ -2126,9 +2648,10 @@
           </a:ln>
         </p:spPr>
         <p:txBody>
-          <a:bodyPr lIns="0" rIns="0" tIns="0" bIns="0" anchor="t">
+          <a:bodyPr lIns="0" tIns="0" rIns="0" bIns="0" anchor="t">
             <a:normAutofit/>
           </a:bodyPr>
+          <a:lstStyle/>
           <a:p>
             <a:pPr>
               <a:lnSpc>
@@ -2139,7 +2662,7 @@
               </a:spcBef>
               <a:buNone/>
             </a:pPr>
-            <a:endParaRPr b="0" lang="de-DE" sz="2800" spc="-1" strike="noStrike">
+            <a:endParaRPr lang="de-DE" sz="2800" b="0" strike="noStrike" spc="-1">
               <a:solidFill>
                 <a:srgbClr val="000000"/>
               </a:solidFill>
@@ -2172,9 +2695,10 @@
           </a:ln>
         </p:spPr>
         <p:txBody>
-          <a:bodyPr lIns="0" rIns="0" tIns="0" bIns="0" anchor="t">
+          <a:bodyPr lIns="0" tIns="0" rIns="0" bIns="0" anchor="t">
             <a:normAutofit/>
           </a:bodyPr>
+          <a:lstStyle/>
           <a:p>
             <a:pPr>
               <a:lnSpc>
@@ -2185,7 +2709,7 @@
               </a:spcBef>
               <a:buNone/>
             </a:pPr>
-            <a:endParaRPr b="0" lang="de-DE" sz="2800" spc="-1" strike="noStrike">
+            <a:endParaRPr lang="de-DE" sz="2800" b="0" strike="noStrike" spc="-1">
               <a:solidFill>
                 <a:srgbClr val="000000"/>
               </a:solidFill>
@@ -2218,9 +2742,10 @@
           </a:ln>
         </p:spPr>
         <p:txBody>
-          <a:bodyPr lIns="0" rIns="0" tIns="0" bIns="0" anchor="t">
+          <a:bodyPr lIns="0" tIns="0" rIns="0" bIns="0" anchor="t">
             <a:normAutofit/>
           </a:bodyPr>
+          <a:lstStyle/>
           <a:p>
             <a:pPr>
               <a:lnSpc>
@@ -2231,7 +2756,7 @@
               </a:spcBef>
               <a:buNone/>
             </a:pPr>
-            <a:endParaRPr b="0" lang="de-DE" sz="2800" spc="-1" strike="noStrike">
+            <a:endParaRPr lang="de-DE" sz="2800" b="0" strike="noStrike" spc="-1">
               <a:solidFill>
                 <a:srgbClr val="000000"/>
               </a:solidFill>
@@ -2253,6 +2778,7 @@
         <p:spPr/>
         <p:txBody>
           <a:bodyPr/>
+          <a:lstStyle/>
           <a:p>
             <a:r>
               <a:t>Footer</a:t>
@@ -2273,10 +2799,12 @@
         <p:spPr/>
         <p:txBody>
           <a:bodyPr/>
+          <a:lstStyle/>
           <a:p>
             <a:fld id="{FE6E2316-D2B0-4EB4-B1EC-208DD562EFC4}" type="slidenum">
-              <a:t>&lt;#&gt;</a:t>
+              <a:t>‹Nr.›</a:t>
             </a:fld>
+            <a:endParaRPr/>
           </a:p>
         </p:txBody>
       </p:sp>
@@ -2293,21 +2821,22 @@
         <p:spPr/>
         <p:txBody>
           <a:bodyPr/>
-          <a:p>
-            <a:r>
-              <a:rPr lang="de-DE"/>
-              <a:t/>
-            </a:r>
+          <a:lstStyle/>
+          <a:p>
+            <a:endParaRPr/>
           </a:p>
         </p:txBody>
       </p:sp>
     </p:spTree>
   </p:cSld>
+  <p:clrMapOvr>
+    <a:masterClrMapping/>
+  </p:clrMapOvr>
 </p:sldLayout>
 </file>
 
 <file path=ppt/slideLayouts/slideLayout9.xml><?xml version="1.0" encoding="utf-8"?>
-<p:sldLayout xmlns:a="http://schemas.openxmlformats.org/drawingml/2006/main" xmlns:p="http://schemas.openxmlformats.org/presentationml/2006/main" xmlns:r="http://schemas.openxmlformats.org/officeDocument/2006/relationships" xmlns:p14="http://schemas.microsoft.com/office/powerpoint/2010/main" xmlns:p15="http://schemas.microsoft.com/office/powerpoint/2012/main" xmlns:mc="http://schemas.openxmlformats.org/markup-compatibility/2006" type="twoObjOverTx" preserve="1">
+<p:sldLayout xmlns:a="http://schemas.openxmlformats.org/drawingml/2006/main" xmlns:r="http://schemas.openxmlformats.org/officeDocument/2006/relationships" xmlns:p="http://schemas.openxmlformats.org/presentationml/2006/main" type="twoObjOverTx" preserve="1">
   <p:cSld name="Title, 2 Content over Content">
     <p:spTree>
       <p:nvGrpSpPr>
@@ -2347,11 +2876,12 @@
           </a:ln>
         </p:spPr>
         <p:txBody>
-          <a:bodyPr lIns="0" rIns="0" tIns="0" bIns="0" anchor="ctr">
+          <a:bodyPr lIns="0" tIns="0" rIns="0" bIns="0" anchor="ctr">
             <a:noAutofit/>
           </a:bodyPr>
-          <a:p>
-            <a:endParaRPr b="0" lang="de-DE" sz="1800" spc="-1" strike="noStrike">
+          <a:lstStyle/>
+          <a:p>
+            <a:endParaRPr lang="de-DE" sz="1800" b="0" strike="noStrike" spc="-1">
               <a:solidFill>
                 <a:srgbClr val="000000"/>
               </a:solidFill>
@@ -2384,9 +2914,10 @@
           </a:ln>
         </p:spPr>
         <p:txBody>
-          <a:bodyPr lIns="0" rIns="0" tIns="0" bIns="0" anchor="t">
+          <a:bodyPr lIns="0" tIns="0" rIns="0" bIns="0" anchor="t">
             <a:normAutofit/>
           </a:bodyPr>
+          <a:lstStyle/>
           <a:p>
             <a:pPr>
               <a:lnSpc>
@@ -2397,7 +2928,7 @@
               </a:spcBef>
               <a:buNone/>
             </a:pPr>
-            <a:endParaRPr b="0" lang="de-DE" sz="2800" spc="-1" strike="noStrike">
+            <a:endParaRPr lang="de-DE" sz="2800" b="0" strike="noStrike" spc="-1">
               <a:solidFill>
                 <a:srgbClr val="000000"/>
               </a:solidFill>
@@ -2430,9 +2961,10 @@
           </a:ln>
         </p:spPr>
         <p:txBody>
-          <a:bodyPr lIns="0" rIns="0" tIns="0" bIns="0" anchor="t">
+          <a:bodyPr lIns="0" tIns="0" rIns="0" bIns="0" anchor="t">
             <a:normAutofit/>
           </a:bodyPr>
+          <a:lstStyle/>
           <a:p>
             <a:pPr>
               <a:lnSpc>
@@ -2443,7 +2975,7 @@
               </a:spcBef>
               <a:buNone/>
             </a:pPr>
-            <a:endParaRPr b="0" lang="de-DE" sz="2800" spc="-1" strike="noStrike">
+            <a:endParaRPr lang="de-DE" sz="2800" b="0" strike="noStrike" spc="-1">
               <a:solidFill>
                 <a:srgbClr val="000000"/>
               </a:solidFill>
@@ -2476,9 +3008,10 @@
           </a:ln>
         </p:spPr>
         <p:txBody>
-          <a:bodyPr lIns="0" rIns="0" tIns="0" bIns="0" anchor="t">
+          <a:bodyPr lIns="0" tIns="0" rIns="0" bIns="0" anchor="t">
             <a:normAutofit/>
           </a:bodyPr>
+          <a:lstStyle/>
           <a:p>
             <a:pPr>
               <a:lnSpc>
@@ -2489,7 +3022,7 @@
               </a:spcBef>
               <a:buNone/>
             </a:pPr>
-            <a:endParaRPr b="0" lang="de-DE" sz="2800" spc="-1" strike="noStrike">
+            <a:endParaRPr lang="de-DE" sz="2800" b="0" strike="noStrike" spc="-1">
               <a:solidFill>
                 <a:srgbClr val="000000"/>
               </a:solidFill>
@@ -2511,6 +3044,7 @@
         <p:spPr/>
         <p:txBody>
           <a:bodyPr/>
+          <a:lstStyle/>
           <a:p>
             <a:r>
               <a:t>Footer</a:t>
@@ -2531,10 +3065,12 @@
         <p:spPr/>
         <p:txBody>
           <a:bodyPr/>
+          <a:lstStyle/>
           <a:p>
             <a:fld id="{28053533-E4F1-4126-A5C9-AC4ADFCF842D}" type="slidenum">
-              <a:t>&lt;#&gt;</a:t>
+              <a:t>‹Nr.›</a:t>
             </a:fld>
+            <a:endParaRPr/>
           </a:p>
         </p:txBody>
       </p:sp>
@@ -2551,27 +3087,29 @@
         <p:spPr/>
         <p:txBody>
           <a:bodyPr/>
-          <a:p>
-            <a:r>
-              <a:rPr lang="de-DE"/>
-              <a:t/>
-            </a:r>
+          <a:lstStyle/>
+          <a:p>
+            <a:endParaRPr/>
           </a:p>
         </p:txBody>
       </p:sp>
     </p:spTree>
   </p:cSld>
+  <p:clrMapOvr>
+    <a:masterClrMapping/>
+  </p:clrMapOvr>
 </p:sldLayout>
 </file>
 
 <file path=ppt/slideMasters/slideMaster1.xml><?xml version="1.0" encoding="utf-8"?>
-<p:sldMaster xmlns:a="http://schemas.openxmlformats.org/drawingml/2006/main" xmlns:p="http://schemas.openxmlformats.org/presentationml/2006/main" xmlns:r="http://schemas.openxmlformats.org/officeDocument/2006/relationships" xmlns:p14="http://schemas.microsoft.com/office/powerpoint/2010/main" xmlns:p15="http://schemas.microsoft.com/office/powerpoint/2012/main" xmlns:mc="http://schemas.openxmlformats.org/markup-compatibility/2006">
+<p:sldMaster xmlns:a="http://schemas.openxmlformats.org/drawingml/2006/main" xmlns:r="http://schemas.openxmlformats.org/officeDocument/2006/relationships" xmlns:p="http://schemas.openxmlformats.org/presentationml/2006/main">
   <p:cSld>
     <p:bg>
       <p:bgPr>
         <a:solidFill>
-          <a:srgbClr val="ffffff"/>
+          <a:srgbClr val="FFFFFF"/>
         </a:solidFill>
+        <a:effectLst/>
       </p:bgPr>
     </p:bg>
     <p:spTree>
@@ -2590,7 +3128,7 @@
       </p:grpSpPr>
       <p:sp>
         <p:nvSpPr>
-          <p:cNvPr id="0" name="PlaceHolder 1"/>
+          <p:cNvPr id="5" name="PlaceHolder 1"/>
           <p:cNvSpPr>
             <a:spLocks noGrp="1"/>
           </p:cNvSpPr>
@@ -2615,6 +3153,7 @@
           <a:bodyPr anchor="b">
             <a:noAutofit/>
           </a:bodyPr>
+          <a:lstStyle/>
           <a:p>
             <a:pPr algn="ctr">
               <a:lnSpc>
@@ -2623,7 +3162,7 @@
               <a:buNone/>
             </a:pPr>
             <a:r>
-              <a:rPr b="0" lang="de-DE" sz="6000" spc="-1" strike="noStrike">
+              <a:rPr lang="de-DE" sz="6000" b="0" strike="noStrike" spc="-1">
                 <a:solidFill>
                   <a:srgbClr val="000000"/>
                 </a:solidFill>
@@ -2631,7 +3170,7 @@
               </a:rPr>
               <a:t>Mastertitelformat bearbeiten</a:t>
             </a:r>
-            <a:endParaRPr b="0" lang="de-DE" sz="6000" spc="-1" strike="noStrike">
+            <a:endParaRPr lang="de-DE" sz="6000" b="0" strike="noStrike" spc="-1">
               <a:solidFill>
                 <a:srgbClr val="000000"/>
               </a:solidFill>
@@ -2642,7 +3181,7 @@
       </p:sp>
       <p:sp>
         <p:nvSpPr>
-          <p:cNvPr id="1" name="PlaceHolder 2"/>
+          <p:cNvPr id="6" name="PlaceHolder 2"/>
           <p:cNvSpPr>
             <a:spLocks noGrp="1"/>
           </p:cNvSpPr>
@@ -2673,9 +3212,9 @@
                 <a:spcPct val="100000"/>
               </a:lnSpc>
               <a:buNone/>
-              <a:defRPr b="0" lang="de-DE" sz="1200" spc="-1" strike="noStrike">
-                <a:solidFill>
-                  <a:srgbClr val="8b8b8b"/>
+              <a:defRPr lang="de-DE" sz="1200" b="0" strike="noStrike" spc="-1">
+                <a:solidFill>
+                  <a:srgbClr val="8B8B8B"/>
                 </a:solidFill>
                 <a:latin typeface="Calibri"/>
               </a:defRPr>
@@ -2689,15 +3228,15 @@
               <a:buNone/>
             </a:pPr>
             <a:r>
-              <a:rPr b="0" lang="de-DE" sz="1200" spc="-1" strike="noStrike">
-                <a:solidFill>
-                  <a:srgbClr val="8b8b8b"/>
+              <a:rPr lang="de-DE" sz="1200" b="0" strike="noStrike" spc="-1" smtClean="0">
+                <a:solidFill>
+                  <a:srgbClr val="8B8B8B"/>
                 </a:solidFill>
                 <a:latin typeface="Calibri"/>
               </a:rPr>
               <a:t>&lt;Datum/Uhrzeit&gt;</a:t>
             </a:r>
-            <a:endParaRPr b="0" lang="de-DE" sz="1200" spc="-1" strike="noStrike">
+            <a:endParaRPr lang="de-DE" sz="1200" b="0" strike="noStrike" spc="-1">
               <a:latin typeface="Times New Roman"/>
             </a:endParaRPr>
           </a:p>
@@ -2733,7 +3272,7 @@
           <a:lstStyle>
             <a:lvl1pPr algn="ctr">
               <a:buNone/>
-              <a:defRPr b="0" lang="de-DE" sz="1400" spc="-1" strike="noStrike">
+              <a:defRPr lang="de-DE" sz="1400" b="0" strike="noStrike" spc="-1">
                 <a:latin typeface="Times New Roman"/>
               </a:defRPr>
             </a:lvl1pPr>
@@ -2743,12 +3282,12 @@
               <a:buNone/>
             </a:pPr>
             <a:r>
-              <a:rPr b="0" lang="de-DE" sz="1400" spc="-1" strike="noStrike">
+              <a:rPr lang="de-DE" sz="1400" b="0" strike="noStrike" spc="-1" smtClean="0">
                 <a:latin typeface="Times New Roman"/>
               </a:rPr>
               <a:t>&lt;Fußzeile&gt;</a:t>
             </a:r>
-            <a:endParaRPr b="0" lang="de-DE" sz="1400" spc="-1" strike="noStrike">
+            <a:endParaRPr lang="de-DE" sz="1400" b="0" strike="noStrike" spc="-1">
               <a:latin typeface="Times New Roman"/>
             </a:endParaRPr>
           </a:p>
@@ -2787,9 +3326,9 @@
                 <a:spcPct val="100000"/>
               </a:lnSpc>
               <a:buNone/>
-              <a:defRPr b="0" lang="de-DE" sz="1200" spc="-1" strike="noStrike">
-                <a:solidFill>
-                  <a:srgbClr val="8b8b8b"/>
+              <a:defRPr lang="de-DE" sz="1200" b="0" strike="noStrike" spc="-1">
+                <a:solidFill>
+                  <a:srgbClr val="8B8B8B"/>
                 </a:solidFill>
                 <a:latin typeface="Calibri"/>
               </a:defRPr>
@@ -2803,15 +3342,15 @@
               <a:buNone/>
             </a:pPr>
             <a:fld id="{39185532-345F-4DD1-BEAC-D3E50F7D665B}" type="slidenum">
-              <a:rPr b="0" lang="de-DE" sz="1200" spc="-1" strike="noStrike">
-                <a:solidFill>
-                  <a:srgbClr val="8b8b8b"/>
-                </a:solidFill>
-                <a:latin typeface="Calibri"/>
-              </a:rPr>
-              <a:t>&lt;Foliennummer&gt;</a:t>
+              <a:rPr lang="de-DE" sz="1200" b="0" strike="noStrike" spc="-1">
+                <a:solidFill>
+                  <a:srgbClr val="8B8B8B"/>
+                </a:solidFill>
+                <a:latin typeface="Calibri"/>
+              </a:rPr>
+              <a:t>‹Nr.›</a:t>
             </a:fld>
-            <a:endParaRPr b="0" lang="de-DE" sz="1200" spc="-1" strike="noStrike">
+            <a:endParaRPr lang="de-DE" sz="1200" b="0" strike="noStrike" spc="-1">
               <a:latin typeface="Times New Roman"/>
             </a:endParaRPr>
           </a:p>
@@ -2841,9 +3380,10 @@
           </a:ln>
         </p:spPr>
         <p:txBody>
-          <a:bodyPr lIns="0" rIns="0" tIns="0" bIns="0" anchor="t">
+          <a:bodyPr lIns="0" tIns="0" rIns="0" bIns="0" anchor="t">
             <a:normAutofit/>
           </a:bodyPr>
+          <a:lstStyle/>
           <a:p>
             <a:pPr marL="432000" indent="-324000">
               <a:lnSpc>
@@ -2860,7 +3400,7 @@
               <a:buChar char=""/>
             </a:pPr>
             <a:r>
-              <a:rPr b="0" lang="de-DE" sz="2800" spc="-1" strike="noStrike">
+              <a:rPr lang="de-DE" sz="2800" b="0" strike="noStrike" spc="-1">
                 <a:solidFill>
                   <a:srgbClr val="000000"/>
                 </a:solidFill>
@@ -2868,15 +3408,9 @@
               </a:rPr>
               <a:t>Format des Gliederungstextes durch Klicken bearbeiten</a:t>
             </a:r>
-            <a:endParaRPr b="0" lang="de-DE" sz="2800" spc="-1" strike="noStrike">
-              <a:solidFill>
-                <a:srgbClr val="000000"/>
-              </a:solidFill>
-              <a:latin typeface="Calibri"/>
-            </a:endParaRPr>
-          </a:p>
-          <a:p>
-            <a:pPr lvl="1" marL="864000" indent="-324000">
+          </a:p>
+          <a:p>
+            <a:pPr marL="864000" lvl="1" indent="-324000">
               <a:lnSpc>
                 <a:spcPct val="90000"/>
               </a:lnSpc>
@@ -2891,7 +3425,7 @@
               <a:buChar char=""/>
             </a:pPr>
             <a:r>
-              <a:rPr b="0" lang="de-DE" sz="2000" spc="-1" strike="noStrike">
+              <a:rPr lang="de-DE" sz="2000" b="0" strike="noStrike" spc="-1">
                 <a:solidFill>
                   <a:srgbClr val="000000"/>
                 </a:solidFill>
@@ -2899,15 +3433,9 @@
               </a:rPr>
               <a:t>Zweite Gliederungsebene</a:t>
             </a:r>
-            <a:endParaRPr b="0" lang="de-DE" sz="2000" spc="-1" strike="noStrike">
-              <a:solidFill>
-                <a:srgbClr val="000000"/>
-              </a:solidFill>
-              <a:latin typeface="Calibri"/>
-            </a:endParaRPr>
-          </a:p>
-          <a:p>
-            <a:pPr lvl="2" marL="1296000" indent="-288000">
+          </a:p>
+          <a:p>
+            <a:pPr marL="1296000" lvl="2" indent="-288000">
               <a:lnSpc>
                 <a:spcPct val="90000"/>
               </a:lnSpc>
@@ -2922,7 +3450,7 @@
               <a:buChar char=""/>
             </a:pPr>
             <a:r>
-              <a:rPr b="0" lang="de-DE" sz="1800" spc="-1" strike="noStrike">
+              <a:rPr lang="de-DE" sz="1800" b="0" strike="noStrike" spc="-1">
                 <a:solidFill>
                   <a:srgbClr val="000000"/>
                 </a:solidFill>
@@ -2930,15 +3458,9 @@
               </a:rPr>
               <a:t>Dritte Gliederungsebene</a:t>
             </a:r>
-            <a:endParaRPr b="0" lang="de-DE" sz="1800" spc="-1" strike="noStrike">
-              <a:solidFill>
-                <a:srgbClr val="000000"/>
-              </a:solidFill>
-              <a:latin typeface="Calibri"/>
-            </a:endParaRPr>
-          </a:p>
-          <a:p>
-            <a:pPr lvl="3" marL="1728000" indent="-216000">
+          </a:p>
+          <a:p>
+            <a:pPr marL="1728000" lvl="3" indent="-216000">
               <a:lnSpc>
                 <a:spcPct val="90000"/>
               </a:lnSpc>
@@ -2953,7 +3475,7 @@
               <a:buChar char=""/>
             </a:pPr>
             <a:r>
-              <a:rPr b="0" lang="de-DE" sz="1800" spc="-1" strike="noStrike">
+              <a:rPr lang="de-DE" sz="1800" b="0" strike="noStrike" spc="-1">
                 <a:solidFill>
                   <a:srgbClr val="000000"/>
                 </a:solidFill>
@@ -2961,15 +3483,9 @@
               </a:rPr>
               <a:t>Vierte Gliederungsebene</a:t>
             </a:r>
-            <a:endParaRPr b="0" lang="de-DE" sz="1800" spc="-1" strike="noStrike">
-              <a:solidFill>
-                <a:srgbClr val="000000"/>
-              </a:solidFill>
-              <a:latin typeface="Calibri"/>
-            </a:endParaRPr>
-          </a:p>
-          <a:p>
-            <a:pPr lvl="4" marL="2160000" indent="-216000">
+          </a:p>
+          <a:p>
+            <a:pPr marL="2160000" lvl="4" indent="-216000">
               <a:lnSpc>
                 <a:spcPct val="90000"/>
               </a:lnSpc>
@@ -2984,7 +3500,7 @@
               <a:buChar char=""/>
             </a:pPr>
             <a:r>
-              <a:rPr b="0" lang="de-DE" sz="2000" spc="-1" strike="noStrike">
+              <a:rPr lang="de-DE" sz="2000" b="0" strike="noStrike" spc="-1">
                 <a:solidFill>
                   <a:srgbClr val="000000"/>
                 </a:solidFill>
@@ -2992,15 +3508,9 @@
               </a:rPr>
               <a:t>Fünfte Gliederungsebene</a:t>
             </a:r>
-            <a:endParaRPr b="0" lang="de-DE" sz="2000" spc="-1" strike="noStrike">
-              <a:solidFill>
-                <a:srgbClr val="000000"/>
-              </a:solidFill>
-              <a:latin typeface="Calibri"/>
-            </a:endParaRPr>
-          </a:p>
-          <a:p>
-            <a:pPr lvl="5" marL="2592000" indent="-216000">
+          </a:p>
+          <a:p>
+            <a:pPr marL="2592000" lvl="5" indent="-216000">
               <a:lnSpc>
                 <a:spcPct val="90000"/>
               </a:lnSpc>
@@ -3015,7 +3525,7 @@
               <a:buChar char=""/>
             </a:pPr>
             <a:r>
-              <a:rPr b="0" lang="de-DE" sz="2000" spc="-1" strike="noStrike">
+              <a:rPr lang="de-DE" sz="2000" b="0" strike="noStrike" spc="-1">
                 <a:solidFill>
                   <a:srgbClr val="000000"/>
                 </a:solidFill>
@@ -3023,15 +3533,9 @@
               </a:rPr>
               <a:t>Sechste Gliederungsebene</a:t>
             </a:r>
-            <a:endParaRPr b="0" lang="de-DE" sz="2000" spc="-1" strike="noStrike">
-              <a:solidFill>
-                <a:srgbClr val="000000"/>
-              </a:solidFill>
-              <a:latin typeface="Calibri"/>
-            </a:endParaRPr>
-          </a:p>
-          <a:p>
-            <a:pPr lvl="6" marL="3024000" indent="-216000">
+          </a:p>
+          <a:p>
+            <a:pPr marL="3024000" lvl="6" indent="-216000">
               <a:lnSpc>
                 <a:spcPct val="90000"/>
               </a:lnSpc>
@@ -3046,7 +3550,7 @@
               <a:buChar char=""/>
             </a:pPr>
             <a:r>
-              <a:rPr b="0" lang="de-DE" sz="2000" spc="-1" strike="noStrike">
+              <a:rPr lang="de-DE" sz="2000" b="0" strike="noStrike" spc="-1">
                 <a:solidFill>
                   <a:srgbClr val="000000"/>
                 </a:solidFill>
@@ -3054,37 +3558,311 @@
               </a:rPr>
               <a:t>Siebte Gliederungsebene</a:t>
             </a:r>
-            <a:endParaRPr b="0" lang="de-DE" sz="2000" spc="-1" strike="noStrike">
-              <a:solidFill>
-                <a:srgbClr val="000000"/>
-              </a:solidFill>
-              <a:latin typeface="Calibri"/>
-            </a:endParaRPr>
           </a:p>
         </p:txBody>
       </p:sp>
     </p:spTree>
   </p:cSld>
-  <p:clrMap bg1="lt1" bg2="lt2" tx1="dk1" tx2="dk2" accent1="accent1" accent2="accent2" accent3="accent3" accent4="accent4" accent5="accent5" accent6="accent6" hlink="hlink" folHlink="folHlink"/>
+  <p:clrMap bg1="lt1" tx1="dk1" bg2="lt2" tx2="dk2" accent1="accent1" accent2="accent2" accent3="accent3" accent4="accent4" accent5="accent5" accent6="accent6" hlink="hlink" folHlink="folHlink"/>
   <p:sldLayoutIdLst>
-    <p:sldLayoutId id="2147483649" r:id="rId2"/>
-    <p:sldLayoutId id="2147483650" r:id="rId3"/>
-    <p:sldLayoutId id="2147483651" r:id="rId4"/>
-    <p:sldLayoutId id="2147483652" r:id="rId5"/>
-    <p:sldLayoutId id="2147483653" r:id="rId6"/>
-    <p:sldLayoutId id="2147483654" r:id="rId7"/>
-    <p:sldLayoutId id="2147483655" r:id="rId8"/>
-    <p:sldLayoutId id="2147483656" r:id="rId9"/>
-    <p:sldLayoutId id="2147483657" r:id="rId10"/>
-    <p:sldLayoutId id="2147483658" r:id="rId11"/>
-    <p:sldLayoutId id="2147483659" r:id="rId12"/>
-    <p:sldLayoutId id="2147483660" r:id="rId13"/>
+    <p:sldLayoutId id="2147483649" r:id="rId1"/>
+    <p:sldLayoutId id="2147483650" r:id="rId2"/>
+    <p:sldLayoutId id="2147483651" r:id="rId3"/>
+    <p:sldLayoutId id="2147483652" r:id="rId4"/>
+    <p:sldLayoutId id="2147483653" r:id="rId5"/>
+    <p:sldLayoutId id="2147483654" r:id="rId6"/>
+    <p:sldLayoutId id="2147483655" r:id="rId7"/>
+    <p:sldLayoutId id="2147483656" r:id="rId8"/>
+    <p:sldLayoutId id="2147483657" r:id="rId9"/>
+    <p:sldLayoutId id="2147483658" r:id="rId10"/>
+    <p:sldLayoutId id="2147483659" r:id="rId11"/>
+    <p:sldLayoutId id="2147483660" r:id="rId12"/>
   </p:sldLayoutIdLst>
+  <p:txStyles>
+    <p:titleStyle>
+      <a:lvl1pPr algn="l" defTabSz="914400" rtl="0" eaLnBrk="1" latinLnBrk="0" hangingPunct="1">
+        <a:lnSpc>
+          <a:spcPct val="90000"/>
+        </a:lnSpc>
+        <a:spcBef>
+          <a:spcPct val="0"/>
+        </a:spcBef>
+        <a:buNone/>
+        <a:defRPr sz="4400" kern="1200">
+          <a:solidFill>
+            <a:schemeClr val="tx1"/>
+          </a:solidFill>
+          <a:latin typeface="+mj-lt"/>
+          <a:ea typeface="+mj-ea"/>
+          <a:cs typeface="+mj-cs"/>
+        </a:defRPr>
+      </a:lvl1pPr>
+    </p:titleStyle>
+    <p:bodyStyle>
+      <a:lvl1pPr marL="228600" indent="-228600" algn="l" defTabSz="914400" rtl="0" eaLnBrk="1" latinLnBrk="0" hangingPunct="1">
+        <a:lnSpc>
+          <a:spcPct val="90000"/>
+        </a:lnSpc>
+        <a:spcBef>
+          <a:spcPts val="1000"/>
+        </a:spcBef>
+        <a:buFont typeface="Arial" panose="020B0604020202020204" pitchFamily="34" charset="0"/>
+        <a:buChar char="•"/>
+        <a:defRPr sz="2800" kern="1200">
+          <a:solidFill>
+            <a:schemeClr val="tx1"/>
+          </a:solidFill>
+          <a:latin typeface="+mn-lt"/>
+          <a:ea typeface="+mn-ea"/>
+          <a:cs typeface="+mn-cs"/>
+        </a:defRPr>
+      </a:lvl1pPr>
+      <a:lvl2pPr marL="685800" indent="-228600" algn="l" defTabSz="914400" rtl="0" eaLnBrk="1" latinLnBrk="0" hangingPunct="1">
+        <a:lnSpc>
+          <a:spcPct val="90000"/>
+        </a:lnSpc>
+        <a:spcBef>
+          <a:spcPts val="500"/>
+        </a:spcBef>
+        <a:buFont typeface="Arial" panose="020B0604020202020204" pitchFamily="34" charset="0"/>
+        <a:buChar char="•"/>
+        <a:defRPr sz="2400" kern="1200">
+          <a:solidFill>
+            <a:schemeClr val="tx1"/>
+          </a:solidFill>
+          <a:latin typeface="+mn-lt"/>
+          <a:ea typeface="+mn-ea"/>
+          <a:cs typeface="+mn-cs"/>
+        </a:defRPr>
+      </a:lvl2pPr>
+      <a:lvl3pPr marL="1143000" indent="-228600" algn="l" defTabSz="914400" rtl="0" eaLnBrk="1" latinLnBrk="0" hangingPunct="1">
+        <a:lnSpc>
+          <a:spcPct val="90000"/>
+        </a:lnSpc>
+        <a:spcBef>
+          <a:spcPts val="500"/>
+        </a:spcBef>
+        <a:buFont typeface="Arial" panose="020B0604020202020204" pitchFamily="34" charset="0"/>
+        <a:buChar char="•"/>
+        <a:defRPr sz="2000" kern="1200">
+          <a:solidFill>
+            <a:schemeClr val="tx1"/>
+          </a:solidFill>
+          <a:latin typeface="+mn-lt"/>
+          <a:ea typeface="+mn-ea"/>
+          <a:cs typeface="+mn-cs"/>
+        </a:defRPr>
+      </a:lvl3pPr>
+      <a:lvl4pPr marL="1600200" indent="-228600" algn="l" defTabSz="914400" rtl="0" eaLnBrk="1" latinLnBrk="0" hangingPunct="1">
+        <a:lnSpc>
+          <a:spcPct val="90000"/>
+        </a:lnSpc>
+        <a:spcBef>
+          <a:spcPts val="500"/>
+        </a:spcBef>
+        <a:buFont typeface="Arial" panose="020B0604020202020204" pitchFamily="34" charset="0"/>
+        <a:buChar char="•"/>
+        <a:defRPr sz="1800" kern="1200">
+          <a:solidFill>
+            <a:schemeClr val="tx1"/>
+          </a:solidFill>
+          <a:latin typeface="+mn-lt"/>
+          <a:ea typeface="+mn-ea"/>
+          <a:cs typeface="+mn-cs"/>
+        </a:defRPr>
+      </a:lvl4pPr>
+      <a:lvl5pPr marL="2057400" indent="-228600" algn="l" defTabSz="914400" rtl="0" eaLnBrk="1" latinLnBrk="0" hangingPunct="1">
+        <a:lnSpc>
+          <a:spcPct val="90000"/>
+        </a:lnSpc>
+        <a:spcBef>
+          <a:spcPts val="500"/>
+        </a:spcBef>
+        <a:buFont typeface="Arial" panose="020B0604020202020204" pitchFamily="34" charset="0"/>
+        <a:buChar char="•"/>
+        <a:defRPr sz="1800" kern="1200">
+          <a:solidFill>
+            <a:schemeClr val="tx1"/>
+          </a:solidFill>
+          <a:latin typeface="+mn-lt"/>
+          <a:ea typeface="+mn-ea"/>
+          <a:cs typeface="+mn-cs"/>
+        </a:defRPr>
+      </a:lvl5pPr>
+      <a:lvl6pPr marL="2514600" indent="-228600" algn="l" defTabSz="914400" rtl="0" eaLnBrk="1" latinLnBrk="0" hangingPunct="1">
+        <a:lnSpc>
+          <a:spcPct val="90000"/>
+        </a:lnSpc>
+        <a:spcBef>
+          <a:spcPts val="500"/>
+        </a:spcBef>
+        <a:buFont typeface="Arial" panose="020B0604020202020204" pitchFamily="34" charset="0"/>
+        <a:buChar char="•"/>
+        <a:defRPr sz="1800" kern="1200">
+          <a:solidFill>
+            <a:schemeClr val="tx1"/>
+          </a:solidFill>
+          <a:latin typeface="+mn-lt"/>
+          <a:ea typeface="+mn-ea"/>
+          <a:cs typeface="+mn-cs"/>
+        </a:defRPr>
+      </a:lvl6pPr>
+      <a:lvl7pPr marL="2971800" indent="-228600" algn="l" defTabSz="914400" rtl="0" eaLnBrk="1" latinLnBrk="0" hangingPunct="1">
+        <a:lnSpc>
+          <a:spcPct val="90000"/>
+        </a:lnSpc>
+        <a:spcBef>
+          <a:spcPts val="500"/>
+        </a:spcBef>
+        <a:buFont typeface="Arial" panose="020B0604020202020204" pitchFamily="34" charset="0"/>
+        <a:buChar char="•"/>
+        <a:defRPr sz="1800" kern="1200">
+          <a:solidFill>
+            <a:schemeClr val="tx1"/>
+          </a:solidFill>
+          <a:latin typeface="+mn-lt"/>
+          <a:ea typeface="+mn-ea"/>
+          <a:cs typeface="+mn-cs"/>
+        </a:defRPr>
+      </a:lvl7pPr>
+      <a:lvl8pPr marL="3429000" indent="-228600" algn="l" defTabSz="914400" rtl="0" eaLnBrk="1" latinLnBrk="0" hangingPunct="1">
+        <a:lnSpc>
+          <a:spcPct val="90000"/>
+        </a:lnSpc>
+        <a:spcBef>
+          <a:spcPts val="500"/>
+        </a:spcBef>
+        <a:buFont typeface="Arial" panose="020B0604020202020204" pitchFamily="34" charset="0"/>
+        <a:buChar char="•"/>
+        <a:defRPr sz="1800" kern="1200">
+          <a:solidFill>
+            <a:schemeClr val="tx1"/>
+          </a:solidFill>
+          <a:latin typeface="+mn-lt"/>
+          <a:ea typeface="+mn-ea"/>
+          <a:cs typeface="+mn-cs"/>
+        </a:defRPr>
+      </a:lvl8pPr>
+      <a:lvl9pPr marL="3886200" indent="-228600" algn="l" defTabSz="914400" rtl="0" eaLnBrk="1" latinLnBrk="0" hangingPunct="1">
+        <a:lnSpc>
+          <a:spcPct val="90000"/>
+        </a:lnSpc>
+        <a:spcBef>
+          <a:spcPts val="500"/>
+        </a:spcBef>
+        <a:buFont typeface="Arial" panose="020B0604020202020204" pitchFamily="34" charset="0"/>
+        <a:buChar char="•"/>
+        <a:defRPr sz="1800" kern="1200">
+          <a:solidFill>
+            <a:schemeClr val="tx1"/>
+          </a:solidFill>
+          <a:latin typeface="+mn-lt"/>
+          <a:ea typeface="+mn-ea"/>
+          <a:cs typeface="+mn-cs"/>
+        </a:defRPr>
+      </a:lvl9pPr>
+    </p:bodyStyle>
+    <p:otherStyle>
+      <a:defPPr>
+        <a:defRPr lang="de-DE"/>
+      </a:defPPr>
+      <a:lvl1pPr marL="0" algn="l" defTabSz="914400" rtl="0" eaLnBrk="1" latinLnBrk="0" hangingPunct="1">
+        <a:defRPr sz="1800" kern="1200">
+          <a:solidFill>
+            <a:schemeClr val="tx1"/>
+          </a:solidFill>
+          <a:latin typeface="+mn-lt"/>
+          <a:ea typeface="+mn-ea"/>
+          <a:cs typeface="+mn-cs"/>
+        </a:defRPr>
+      </a:lvl1pPr>
+      <a:lvl2pPr marL="457200" algn="l" defTabSz="914400" rtl="0" eaLnBrk="1" latinLnBrk="0" hangingPunct="1">
+        <a:defRPr sz="1800" kern="1200">
+          <a:solidFill>
+            <a:schemeClr val="tx1"/>
+          </a:solidFill>
+          <a:latin typeface="+mn-lt"/>
+          <a:ea typeface="+mn-ea"/>
+          <a:cs typeface="+mn-cs"/>
+        </a:defRPr>
+      </a:lvl2pPr>
+      <a:lvl3pPr marL="914400" algn="l" defTabSz="914400" rtl="0" eaLnBrk="1" latinLnBrk="0" hangingPunct="1">
+        <a:defRPr sz="1800" kern="1200">
+          <a:solidFill>
+            <a:schemeClr val="tx1"/>
+          </a:solidFill>
+          <a:latin typeface="+mn-lt"/>
+          <a:ea typeface="+mn-ea"/>
+          <a:cs typeface="+mn-cs"/>
+        </a:defRPr>
+      </a:lvl3pPr>
+      <a:lvl4pPr marL="1371600" algn="l" defTabSz="914400" rtl="0" eaLnBrk="1" latinLnBrk="0" hangingPunct="1">
+        <a:defRPr sz="1800" kern="1200">
+          <a:solidFill>
+            <a:schemeClr val="tx1"/>
+          </a:solidFill>
+          <a:latin typeface="+mn-lt"/>
+          <a:ea typeface="+mn-ea"/>
+          <a:cs typeface="+mn-cs"/>
+        </a:defRPr>
+      </a:lvl4pPr>
+      <a:lvl5pPr marL="1828800" algn="l" defTabSz="914400" rtl="0" eaLnBrk="1" latinLnBrk="0" hangingPunct="1">
+        <a:defRPr sz="1800" kern="1200">
+          <a:solidFill>
+            <a:schemeClr val="tx1"/>
+          </a:solidFill>
+          <a:latin typeface="+mn-lt"/>
+          <a:ea typeface="+mn-ea"/>
+          <a:cs typeface="+mn-cs"/>
+        </a:defRPr>
+      </a:lvl5pPr>
+      <a:lvl6pPr marL="2286000" algn="l" defTabSz="914400" rtl="0" eaLnBrk="1" latinLnBrk="0" hangingPunct="1">
+        <a:defRPr sz="1800" kern="1200">
+          <a:solidFill>
+            <a:schemeClr val="tx1"/>
+          </a:solidFill>
+          <a:latin typeface="+mn-lt"/>
+          <a:ea typeface="+mn-ea"/>
+          <a:cs typeface="+mn-cs"/>
+        </a:defRPr>
+      </a:lvl6pPr>
+      <a:lvl7pPr marL="2743200" algn="l" defTabSz="914400" rtl="0" eaLnBrk="1" latinLnBrk="0" hangingPunct="1">
+        <a:defRPr sz="1800" kern="1200">
+          <a:solidFill>
+            <a:schemeClr val="tx1"/>
+          </a:solidFill>
+          <a:latin typeface="+mn-lt"/>
+          <a:ea typeface="+mn-ea"/>
+          <a:cs typeface="+mn-cs"/>
+        </a:defRPr>
+      </a:lvl7pPr>
+      <a:lvl8pPr marL="3200400" algn="l" defTabSz="914400" rtl="0" eaLnBrk="1" latinLnBrk="0" hangingPunct="1">
+        <a:defRPr sz="1800" kern="1200">
+          <a:solidFill>
+            <a:schemeClr val="tx1"/>
+          </a:solidFill>
+          <a:latin typeface="+mn-lt"/>
+          <a:ea typeface="+mn-ea"/>
+          <a:cs typeface="+mn-cs"/>
+        </a:defRPr>
+      </a:lvl8pPr>
+      <a:lvl9pPr marL="3657600" algn="l" defTabSz="914400" rtl="0" eaLnBrk="1" latinLnBrk="0" hangingPunct="1">
+        <a:defRPr sz="1800" kern="1200">
+          <a:solidFill>
+            <a:schemeClr val="tx1"/>
+          </a:solidFill>
+          <a:latin typeface="+mn-lt"/>
+          <a:ea typeface="+mn-ea"/>
+          <a:cs typeface="+mn-cs"/>
+        </a:defRPr>
+      </a:lvl9pPr>
+    </p:otherStyle>
+  </p:txStyles>
 </p:sldMaster>
 </file>
 
 <file path=ppt/slides/slide1.xml><?xml version="1.0" encoding="utf-8"?>
-<p:sld xmlns:a="http://schemas.openxmlformats.org/drawingml/2006/main" xmlns:p="http://schemas.openxmlformats.org/presentationml/2006/main" xmlns:r="http://schemas.openxmlformats.org/officeDocument/2006/relationships" xmlns:p14="http://schemas.microsoft.com/office/powerpoint/2010/main" xmlns:p15="http://schemas.microsoft.com/office/powerpoint/2012/main" xmlns:mc="http://schemas.openxmlformats.org/markup-compatibility/2006">
+<p:sld xmlns:a="http://schemas.openxmlformats.org/drawingml/2006/main" xmlns:r="http://schemas.openxmlformats.org/officeDocument/2006/relationships" xmlns:p="http://schemas.openxmlformats.org/presentationml/2006/main">
   <p:cSld>
     <p:spTree>
       <p:nvGrpSpPr>
@@ -3102,12 +3880,12 @@
       </p:grpSpPr>
       <p:pic>
         <p:nvPicPr>
-          <p:cNvPr id="41" name="Grafik 2" descr=""/>
+          <p:cNvPr id="41" name="Grafik 2"/>
           <p:cNvPicPr/>
           <p:nvPr/>
         </p:nvPicPr>
         <p:blipFill>
-          <a:blip r:embed="rId1"/>
+          <a:blip r:embed="rId2"/>
           <a:stretch/>
         </p:blipFill>
         <p:spPr>
@@ -3120,7 +3898,7 @@
           </a:prstGeom>
           <a:ln w="0">
             <a:solidFill>
-              <a:srgbClr val="ffffff">
+              <a:srgbClr val="FFFFFF">
                 <a:lumMod val="65000"/>
               </a:srgbClr>
             </a:solidFill>
@@ -3129,14 +3907,14 @@
       </p:pic>
       <p:pic>
         <p:nvPicPr>
-          <p:cNvPr id="42" name="Grafik 3" descr="">
-            <a:hlinkClick r:id="rId2"/>
+          <p:cNvPr id="42" name="Grafik 3">
+            <a:hlinkClick r:id="rId3"/>
           </p:cNvPr>
           <p:cNvPicPr/>
           <p:nvPr/>
         </p:nvPicPr>
         <p:blipFill>
-          <a:blip r:embed="rId3"/>
+          <a:blip r:embed="rId4"/>
           <a:stretch/>
         </p:blipFill>
         <p:spPr>
@@ -3160,8 +3938,8 @@
         </p:nvSpPr>
         <p:spPr>
           <a:xfrm>
-            <a:off x="5328720" y="6266160"/>
-            <a:ext cx="7227360" cy="576360"/>
+            <a:off x="5328720" y="6300280"/>
+            <a:ext cx="6434640" cy="337100"/>
           </a:xfrm>
           <a:prstGeom prst="rect">
             <a:avLst/>
@@ -3172,15 +3950,22 @@
           </a:ln>
         </p:spPr>
         <p:style>
-          <a:lnRef idx="0"/>
-          <a:fillRef idx="0"/>
-          <a:effectRef idx="0"/>
+          <a:lnRef idx="0">
+            <a:scrgbClr r="0" g="0" b="0"/>
+          </a:lnRef>
+          <a:fillRef idx="0">
+            <a:scrgbClr r="0" g="0" b="0"/>
+          </a:fillRef>
+          <a:effectRef idx="0">
+            <a:scrgbClr r="0" g="0" b="0"/>
+          </a:effectRef>
           <a:fontRef idx="minor"/>
         </p:style>
         <p:txBody>
-          <a:bodyPr lIns="90000" rIns="90000" tIns="45000" bIns="45000" anchor="t">
+          <a:bodyPr wrap="square" lIns="90000" tIns="45000" rIns="90000" bIns="45000" anchor="t">
             <a:spAutoFit/>
           </a:bodyPr>
+          <a:lstStyle/>
           <a:p>
             <a:pPr>
               <a:lnSpc>
@@ -3189,63 +3974,142 @@
               <a:buNone/>
             </a:pPr>
             <a:r>
-              <a:rPr b="0" lang="en-US" sz="800" spc="-1" strike="noStrike">
-                <a:solidFill>
-                  <a:srgbClr val="000000"/>
-                </a:solidFill>
-                <a:latin typeface="Calibri"/>
-              </a:rPr>
-              <a:t>Quelle: Guidelines on the development of open educational resources policies: UNESCO &amp; COMMONWEALTH OF LEARNING (2019) </a:t>
+              <a:rPr lang="en-US" sz="800" b="0" strike="noStrike" spc="-1" dirty="0" smtClean="0">
+                <a:solidFill>
+                  <a:srgbClr val="000000"/>
+                </a:solidFill>
+                <a:latin typeface="Calibri"/>
+                <a:hlinkClick r:id="rId5"/>
+              </a:rPr>
+              <a:t>Guidelines on the development of open educational resources policies</a:t>
+            </a:r>
+            <a:r>
+              <a:rPr lang="en-US" sz="800" b="0" strike="noStrike" spc="-1" dirty="0" smtClean="0">
+                <a:solidFill>
+                  <a:srgbClr val="000000"/>
+                </a:solidFill>
+                <a:latin typeface="Calibri"/>
+              </a:rPr>
+              <a:t> von UNESCO &amp; COMMONWEALTH OF LEARNING </a:t>
+            </a:r>
+            <a:r>
+              <a:rPr lang="en-US" sz="800" spc="-1" dirty="0" err="1" smtClean="0">
+                <a:solidFill>
+                  <a:srgbClr val="000000"/>
+                </a:solidFill>
+                <a:latin typeface="Calibri"/>
+              </a:rPr>
+              <a:t>lizenziert</a:t>
+            </a:r>
+            <a:r>
+              <a:rPr lang="en-US" sz="800" spc="-1" dirty="0" smtClean="0">
+                <a:solidFill>
+                  <a:srgbClr val="000000"/>
+                </a:solidFill>
+                <a:latin typeface="Calibri"/>
+              </a:rPr>
+              <a:t> </a:t>
+            </a:r>
+            <a:r>
+              <a:rPr lang="en-US" sz="800" spc="-1" dirty="0" err="1" smtClean="0">
+                <a:solidFill>
+                  <a:srgbClr val="000000"/>
+                </a:solidFill>
+                <a:latin typeface="Calibri"/>
+              </a:rPr>
+              <a:t>unter</a:t>
+            </a:r>
+            <a:r>
+              <a:rPr lang="en-US" sz="800" spc="-1" dirty="0" smtClean="0">
+                <a:solidFill>
+                  <a:srgbClr val="000000"/>
+                </a:solidFill>
+                <a:latin typeface="Calibri"/>
+              </a:rPr>
+              <a:t> </a:t>
+            </a:r>
+            <a:r>
+              <a:rPr lang="en-US" sz="800" spc="-1" dirty="0" smtClean="0">
+                <a:solidFill>
+                  <a:srgbClr val="000000"/>
+                </a:solidFill>
+                <a:latin typeface="Calibri"/>
+                <a:hlinkClick r:id="rId6"/>
+              </a:rPr>
+              <a:t>CC BY-SA</a:t>
+            </a:r>
+            <a:r>
+              <a:rPr lang="en-US" sz="800" dirty="0" smtClean="0"/>
+              <a:t/>
             </a:r>
             <a:br>
-              <a:rPr sz="800"/>
+              <a:rPr lang="en-US" sz="800" dirty="0" smtClean="0"/>
             </a:br>
             <a:r>
-              <a:rPr b="0" lang="en-US" sz="800" spc="-1" strike="noStrike" u="sng">
-                <a:solidFill>
-                  <a:srgbClr val="0563c1"/>
-                </a:solidFill>
-                <a:uFillTx/>
-                <a:latin typeface="Calibri"/>
-                <a:hlinkClick r:id="rId4"/>
-              </a:rPr>
-              <a:t>https://www.unesco.de/sites/default/files/2020-01/Guidelines_on_the_Development_of_OER_Policies_2019.pdf</a:t>
-            </a:r>
-            <a:endParaRPr b="0" lang="de-DE" sz="800" spc="-1" strike="noStrike">
-              <a:latin typeface="Arial"/>
-            </a:endParaRPr>
-          </a:p>
-          <a:p>
-            <a:pPr>
-              <a:lnSpc>
-                <a:spcPct val="100000"/>
-              </a:lnSpc>
-              <a:buNone/>
-            </a:pPr>
-            <a:r>
-              <a:rPr b="0" lang="en-US" sz="800" spc="-1" strike="noStrike">
-                <a:solidFill>
-                  <a:srgbClr val="000000"/>
-                </a:solidFill>
-                <a:latin typeface="Calibri"/>
-              </a:rPr>
-              <a:t>Deutsche Zusammenfassung für das OER Policy Kit: Frank Homp (2024)</a:t>
-            </a:r>
-            <a:br>
-              <a:rPr sz="800"/>
-            </a:br>
-            <a:r>
-              <a:rPr b="0" lang="en-US" sz="800" spc="-1" strike="noStrike">
-                <a:solidFill>
-                  <a:srgbClr val="000000"/>
-                </a:solidFill>
-                <a:latin typeface="Calibri"/>
-              </a:rPr>
-              <a:t>[[Link]]</a:t>
-            </a:r>
-            <a:endParaRPr b="0" lang="de-DE" sz="800" spc="-1" strike="noStrike">
-              <a:latin typeface="Arial"/>
-            </a:endParaRPr>
+              <a:rPr lang="en-US" sz="800" b="0" strike="noStrike" spc="-1" dirty="0" smtClean="0">
+                <a:solidFill>
+                  <a:srgbClr val="000000"/>
+                </a:solidFill>
+                <a:latin typeface="Calibri"/>
+              </a:rPr>
+              <a:t>Deutsche </a:t>
+            </a:r>
+            <a:r>
+              <a:rPr lang="en-US" sz="800" b="0" strike="noStrike" spc="-1" dirty="0" err="1" smtClean="0">
+                <a:solidFill>
+                  <a:srgbClr val="000000"/>
+                </a:solidFill>
+                <a:latin typeface="Calibri"/>
+              </a:rPr>
+              <a:t>Zusammenfassung</a:t>
+            </a:r>
+            <a:r>
+              <a:rPr lang="en-US" sz="800" b="0" strike="noStrike" spc="-1" dirty="0" smtClean="0">
+                <a:solidFill>
+                  <a:srgbClr val="000000"/>
+                </a:solidFill>
+                <a:latin typeface="Calibri"/>
+              </a:rPr>
+              <a:t> </a:t>
+            </a:r>
+            <a:r>
+              <a:rPr lang="en-US" sz="800" b="0" strike="noStrike" spc="-1" dirty="0" err="1" smtClean="0">
+                <a:solidFill>
+                  <a:srgbClr val="000000"/>
+                </a:solidFill>
+                <a:latin typeface="Calibri"/>
+              </a:rPr>
+              <a:t>für</a:t>
+            </a:r>
+            <a:r>
+              <a:rPr lang="en-US" sz="800" b="0" strike="noStrike" spc="-1" dirty="0" smtClean="0">
+                <a:solidFill>
+                  <a:srgbClr val="000000"/>
+                </a:solidFill>
+                <a:latin typeface="Calibri"/>
+              </a:rPr>
+              <a:t> das </a:t>
+            </a:r>
+            <a:r>
+              <a:rPr lang="en-US" sz="800" b="0" strike="noStrike" spc="-1" dirty="0" smtClean="0">
+                <a:solidFill>
+                  <a:srgbClr val="000000"/>
+                </a:solidFill>
+                <a:latin typeface="Calibri"/>
+                <a:hlinkClick r:id="rId7"/>
+              </a:rPr>
+              <a:t>OER Policy Kit</a:t>
+            </a:r>
+            <a:r>
+              <a:rPr lang="en-US" sz="800" b="0" strike="noStrike" spc="-1" dirty="0" smtClean="0">
+                <a:solidFill>
+                  <a:srgbClr val="000000"/>
+                </a:solidFill>
+                <a:latin typeface="Calibri"/>
+              </a:rPr>
+              <a:t>: Frank Homp und Yulia Loose (2024)</a:t>
+            </a:r>
+            <a:endParaRPr lang="en-US" sz="800" spc="-1" dirty="0"/>
           </a:p>
         </p:txBody>
       </p:sp>
@@ -3258,7 +4122,7 @@
         <p:spPr>
           <a:xfrm>
             <a:off x="4336920" y="1494720"/>
-            <a:ext cx="7324560" cy="2762640"/>
+            <a:ext cx="7324560" cy="2491536"/>
           </a:xfrm>
           <a:prstGeom prst="rect">
             <a:avLst/>
@@ -3269,15 +4133,22 @@
           </a:ln>
         </p:spPr>
         <p:style>
-          <a:lnRef idx="0"/>
-          <a:fillRef idx="0"/>
-          <a:effectRef idx="0"/>
+          <a:lnRef idx="0">
+            <a:scrgbClr r="0" g="0" b="0"/>
+          </a:lnRef>
+          <a:fillRef idx="0">
+            <a:scrgbClr r="0" g="0" b="0"/>
+          </a:fillRef>
+          <a:effectRef idx="0">
+            <a:scrgbClr r="0" g="0" b="0"/>
+          </a:effectRef>
           <a:fontRef idx="minor"/>
         </p:style>
         <p:txBody>
-          <a:bodyPr lIns="90000" rIns="90000" tIns="45000" bIns="45000" anchor="t">
+          <a:bodyPr lIns="90000" tIns="45000" rIns="90000" bIns="45000" anchor="t">
             <a:spAutoFit/>
           </a:bodyPr>
+          <a:lstStyle/>
           <a:p>
             <a:pPr algn="just">
               <a:lnSpc>
@@ -3286,7 +4157,7 @@
               <a:buNone/>
             </a:pPr>
             <a:r>
-              <a:rPr b="0" lang="de-DE" sz="1300" spc="-1" strike="noStrike">
+              <a:rPr lang="de-DE" sz="1300" b="0" strike="noStrike" spc="-1" dirty="0">
                 <a:solidFill>
                   <a:srgbClr val="000000"/>
                 </a:solidFill>
@@ -3295,46 +4166,102 @@
               <a:t>Dieses Dokument ist ein Zusatzmaterial des </a:t>
             </a:r>
             <a:r>
-              <a:rPr b="0" lang="de-DE" sz="1300" spc="-1" strike="noStrike">
-                <a:solidFill>
-                  <a:srgbClr val="000000"/>
-                </a:solidFill>
+              <a:rPr lang="de-DE" sz="1300" b="0" strike="noStrike" spc="-1" dirty="0">
+                <a:solidFill>
+                  <a:srgbClr val="000000"/>
+                </a:solidFill>
+                <a:latin typeface="Roboto"/>
+                <a:hlinkClick r:id="rId7"/>
+              </a:rPr>
+              <a:t>OER-</a:t>
+            </a:r>
+            <a:r>
+              <a:rPr lang="de-DE" sz="1300" b="0" strike="noStrike" spc="-1" dirty="0" err="1">
+                <a:solidFill>
+                  <a:srgbClr val="000000"/>
+                </a:solidFill>
+                <a:latin typeface="Roboto"/>
+                <a:hlinkClick r:id="rId7"/>
+              </a:rPr>
+              <a:t>Policy</a:t>
+            </a:r>
+            <a:r>
+              <a:rPr lang="de-DE" sz="1300" b="0" strike="noStrike" spc="-1" dirty="0">
+                <a:solidFill>
+                  <a:srgbClr val="000000"/>
+                </a:solidFill>
+                <a:latin typeface="Roboto"/>
+                <a:hlinkClick r:id="rId7"/>
+              </a:rPr>
+              <a:t> Kits</a:t>
+            </a:r>
+            <a:r>
+              <a:rPr lang="de-DE" sz="1300" b="0" strike="noStrike" spc="-1" dirty="0">
+                <a:solidFill>
+                  <a:srgbClr val="000000"/>
+                </a:solidFill>
+                <a:latin typeface="Roboto"/>
+              </a:rPr>
+              <a:t> bzw. eine Auskopplung aus dem dortigen Kapitel 02 "Entwurf</a:t>
+            </a:r>
+            <a:r>
+              <a:rPr lang="de-DE" sz="1300" b="0" strike="noStrike" spc="-1" dirty="0" smtClean="0">
+                <a:solidFill>
+                  <a:srgbClr val="000000"/>
+                </a:solidFill>
+                <a:latin typeface="Roboto"/>
+              </a:rPr>
+              <a:t>", </a:t>
+            </a:r>
+            <a:r>
+              <a:rPr lang="de-DE" sz="1300" b="0" strike="noStrike" spc="-1" dirty="0">
+                <a:solidFill>
+                  <a:srgbClr val="000000"/>
+                </a:solidFill>
+                <a:latin typeface="Roboto"/>
+              </a:rPr>
+              <a:t>in dem es darum geht was Sie beim ersten Entwurf Ihres </a:t>
+            </a:r>
+            <a:r>
+              <a:rPr lang="de-DE" sz="1300" b="0" strike="noStrike" spc="-1" dirty="0" err="1">
+                <a:solidFill>
+                  <a:srgbClr val="000000"/>
+                </a:solidFill>
+                <a:latin typeface="Roboto"/>
+              </a:rPr>
+              <a:t>Policydokuments</a:t>
+            </a:r>
+            <a:r>
+              <a:rPr lang="de-DE" sz="1300" b="0" strike="noStrike" spc="-1" dirty="0">
+                <a:solidFill>
+                  <a:srgbClr val="000000"/>
+                </a:solidFill>
+                <a:latin typeface="Roboto"/>
+              </a:rPr>
+              <a:t> berücksichtigen sollten und welche Hilfsmittel Ihnen dabei zur Verfügung stehen. Dieses Dokument ist zugleich eine Zusammenfassung der </a:t>
+            </a:r>
+            <a:r>
+              <a:rPr lang="en-GB" sz="1300" b="0" strike="noStrike" spc="-1" dirty="0">
+                <a:solidFill>
+                  <a:srgbClr val="000000"/>
+                </a:solidFill>
+                <a:latin typeface="Roboto"/>
+              </a:rPr>
+              <a:t>“</a:t>
+            </a:r>
+            <a:r>
+              <a:rPr lang="en-GB" sz="1300" b="0" u="sng" strike="noStrike" spc="-1" dirty="0">
+                <a:solidFill>
+                  <a:srgbClr val="000000"/>
+                </a:solidFill>
+                <a:uFillTx/>
                 <a:latin typeface="Roboto"/>
                 <a:hlinkClick r:id="rId5"/>
               </a:rPr>
-              <a:t>OER-Policy Kits</a:t>
-            </a:r>
-            <a:r>
-              <a:rPr b="0" lang="de-DE" sz="1300" spc="-1" strike="noStrike">
-                <a:solidFill>
-                  <a:srgbClr val="000000"/>
-                </a:solidFill>
-                <a:latin typeface="Roboto"/>
-              </a:rPr>
-              <a:t> bzw. eine Auskopplung aus dem dortigen Kapitel 02 "Entwurf" (Link), in dem es darum geht was Sie beim ersten Entwurf Ihres Policydokuments berücksichtigen sollten und welche Hilfsmittel Ihnen dabei zur Verfügung stehen. Dieses Dokument ist zugleich eine Zusammenfassung der </a:t>
-            </a:r>
-            <a:r>
-              <a:rPr b="0" lang="en-GB" sz="1300" spc="-1" strike="noStrike">
-                <a:solidFill>
-                  <a:srgbClr val="000000"/>
-                </a:solidFill>
-                <a:latin typeface="Roboto"/>
-              </a:rPr>
-              <a:t>“</a:t>
-            </a:r>
-            <a:r>
-              <a:rPr b="0" lang="en-GB" sz="1300" spc="-1" strike="noStrike" u="sng">
-                <a:solidFill>
-                  <a:srgbClr val="000000"/>
-                </a:solidFill>
-                <a:uFillTx/>
-                <a:latin typeface="Roboto"/>
-                <a:hlinkClick r:id="rId6"/>
-              </a:rPr>
               <a:t>Guidelines on the development of open educational resources policies</a:t>
             </a:r>
             <a:r>
-              <a:rPr b="0" lang="de-DE" sz="1300" spc="-1" strike="noStrike">
+              <a:rPr lang="de-DE" sz="1300" b="0" strike="noStrike" spc="-1" dirty="0">
                 <a:solidFill>
                   <a:srgbClr val="000000"/>
                 </a:solidFill>
@@ -3343,7 +4270,7 @@
               <a:t> </a:t>
             </a:r>
             <a:r>
-              <a:rPr b="0" lang="en-GB" sz="1300" spc="-1" strike="noStrike">
+              <a:rPr lang="en-GB" sz="1300" b="0" strike="noStrike" spc="-1" dirty="0">
                 <a:solidFill>
                   <a:srgbClr val="000000"/>
                 </a:solidFill>
@@ -3352,15 +4279,51 @@
               <a:t>” (UNESCO &amp; COL, 2019), </a:t>
             </a:r>
             <a:r>
-              <a:rPr b="0" lang="de-DE" sz="1300" spc="-1" strike="noStrike">
-                <a:solidFill>
-                  <a:srgbClr val="000000"/>
-                </a:solidFill>
-                <a:latin typeface="Roboto"/>
-              </a:rPr>
-              <a:t>ein sehr ausführliches Dokument, welches mitunter erst relevant wird, wenn Sie im Policyentwicklungsprozess schon etwas vorangeschritten sind, also tendenziell eher nichts für Anfänger:innen.</a:t>
-            </a:r>
-            <a:endParaRPr b="0" lang="de-DE" sz="1300" spc="-1" strike="noStrike">
+              <a:rPr lang="de-DE" sz="1300" b="0" strike="noStrike" spc="-1" dirty="0">
+                <a:solidFill>
+                  <a:srgbClr val="000000"/>
+                </a:solidFill>
+                <a:latin typeface="Roboto"/>
+              </a:rPr>
+              <a:t>ein sehr ausführliches Dokument, welches mitunter erst relevant wird, wenn Sie im </a:t>
+            </a:r>
+            <a:r>
+              <a:rPr lang="de-DE" sz="1300" b="0" strike="noStrike" spc="-1" dirty="0" err="1">
+                <a:solidFill>
+                  <a:srgbClr val="000000"/>
+                </a:solidFill>
+                <a:latin typeface="Roboto"/>
+              </a:rPr>
+              <a:t>Policyentwicklungsprozess</a:t>
+            </a:r>
+            <a:r>
+              <a:rPr lang="de-DE" sz="1300" b="0" strike="noStrike" spc="-1" dirty="0">
+                <a:solidFill>
+                  <a:srgbClr val="000000"/>
+                </a:solidFill>
+                <a:latin typeface="Roboto"/>
+              </a:rPr>
+              <a:t> schon etwas vorangeschritten sind, also tendenziell eher nichts für </a:t>
+            </a:r>
+            <a:r>
+              <a:rPr lang="de-DE" sz="1300" b="0" strike="noStrike" spc="-1" dirty="0" err="1">
+                <a:solidFill>
+                  <a:srgbClr val="000000"/>
+                </a:solidFill>
+                <a:latin typeface="Roboto"/>
+              </a:rPr>
+              <a:t>Anfänger:innen</a:t>
+            </a:r>
+            <a:r>
+              <a:rPr lang="de-DE" sz="1300" b="0" strike="noStrike" spc="-1" dirty="0">
+                <a:solidFill>
+                  <a:srgbClr val="000000"/>
+                </a:solidFill>
+                <a:latin typeface="Roboto"/>
+              </a:rPr>
+              <a:t>.</a:t>
+            </a:r>
+            <a:endParaRPr lang="de-DE" sz="1300" b="0" strike="noStrike" spc="-1" dirty="0">
               <a:latin typeface="Arial"/>
             </a:endParaRPr>
           </a:p>
@@ -3386,15 +4349,22 @@
           </a:ln>
         </p:spPr>
         <p:style>
-          <a:lnRef idx="0"/>
-          <a:fillRef idx="0"/>
-          <a:effectRef idx="0"/>
+          <a:lnRef idx="0">
+            <a:scrgbClr r="0" g="0" b="0"/>
+          </a:lnRef>
+          <a:fillRef idx="0">
+            <a:scrgbClr r="0" g="0" b="0"/>
+          </a:fillRef>
+          <a:effectRef idx="0">
+            <a:scrgbClr r="0" g="0" b="0"/>
+          </a:effectRef>
           <a:fontRef idx="minor"/>
         </p:style>
         <p:txBody>
-          <a:bodyPr lIns="90000" rIns="90000" tIns="45000" bIns="45000" anchor="t">
+          <a:bodyPr lIns="90000" tIns="45000" rIns="90000" bIns="45000" anchor="t">
             <a:spAutoFit/>
           </a:bodyPr>
+          <a:lstStyle/>
           <a:p>
             <a:pPr>
               <a:lnSpc>
@@ -3409,7 +4379,7 @@
               <a:buNone/>
             </a:pPr>
             <a:r>
-              <a:rPr b="1" lang="de-DE" sz="2800" spc="-1" strike="noStrike">
+              <a:rPr lang="de-DE" sz="2800" b="1" strike="noStrike" spc="-1">
                 <a:solidFill>
                   <a:srgbClr val="000000"/>
                 </a:solidFill>
@@ -3417,7 +4387,7 @@
               </a:rPr>
               <a:t>Walkthrough: Unesco Guidelines zur Erstellung von OER Policies </a:t>
             </a:r>
-            <a:endParaRPr b="0" lang="de-DE" sz="2800" spc="-1" strike="noStrike">
+            <a:endParaRPr lang="de-DE" sz="2800" b="0" strike="noStrike" spc="-1">
               <a:latin typeface="Arial"/>
             </a:endParaRPr>
           </a:p>
@@ -3425,11 +4395,14 @@
       </p:sp>
     </p:spTree>
   </p:cSld>
-  <mc:AlternateContent>
+  <p:clrMapOvr>
+    <a:masterClrMapping/>
+  </p:clrMapOvr>
+  <mc:AlternateContent xmlns:mc="http://schemas.openxmlformats.org/markup-compatibility/2006" xmlns:p14="http://schemas.microsoft.com/office/powerpoint/2010/main">
     <mc:Choice Requires="p14">
       <p:transition spd="slow" p14:dur="2000"/>
     </mc:Choice>
-    <mc:Fallback>
+    <mc:Fallback xmlns="" xmlns:p15="http://schemas.microsoft.com/office/powerpoint/2012/main">
       <p:transition spd="slow"/>
     </mc:Fallback>
   </mc:AlternateContent>
@@ -3437,7 +4410,7 @@
 </file>
 
 <file path=ppt/slides/slide2.xml><?xml version="1.0" encoding="utf-8"?>
-<p:sld xmlns:a="http://schemas.openxmlformats.org/drawingml/2006/main" xmlns:p="http://schemas.openxmlformats.org/presentationml/2006/main" xmlns:r="http://schemas.openxmlformats.org/officeDocument/2006/relationships" xmlns:p14="http://schemas.microsoft.com/office/powerpoint/2010/main" xmlns:p15="http://schemas.microsoft.com/office/powerpoint/2012/main" xmlns:mc="http://schemas.openxmlformats.org/markup-compatibility/2006">
+<p:sld xmlns:a="http://schemas.openxmlformats.org/drawingml/2006/main" xmlns:r="http://schemas.openxmlformats.org/officeDocument/2006/relationships" xmlns:p="http://schemas.openxmlformats.org/presentationml/2006/main">
   <p:cSld>
     <p:spTree>
       <p:nvGrpSpPr>
@@ -3455,14 +4428,14 @@
       </p:grpSpPr>
       <p:pic>
         <p:nvPicPr>
-          <p:cNvPr id="46" name="Grafik 3" descr="">
-            <a:hlinkClick r:id="rId1"/>
+          <p:cNvPr id="46" name="Grafik 3">
+            <a:hlinkClick r:id="rId2"/>
           </p:cNvPr>
           <p:cNvPicPr/>
           <p:nvPr/>
         </p:nvPicPr>
         <p:blipFill>
-          <a:blip r:embed="rId2"/>
+          <a:blip r:embed="rId3"/>
           <a:stretch/>
         </p:blipFill>
         <p:spPr>
@@ -3486,8 +4459,8 @@
         </p:nvSpPr>
         <p:spPr>
           <a:xfrm rot="16200000">
-            <a:off x="8237160" y="2728080"/>
-            <a:ext cx="7227360" cy="576360"/>
+            <a:off x="8588394" y="3260360"/>
+            <a:ext cx="6402060" cy="337100"/>
           </a:xfrm>
           <a:prstGeom prst="rect">
             <a:avLst/>
@@ -3498,15 +4471,22 @@
           </a:ln>
         </p:spPr>
         <p:style>
-          <a:lnRef idx="0"/>
-          <a:fillRef idx="0"/>
-          <a:effectRef idx="0"/>
+          <a:lnRef idx="0">
+            <a:scrgbClr r="0" g="0" b="0"/>
+          </a:lnRef>
+          <a:fillRef idx="0">
+            <a:scrgbClr r="0" g="0" b="0"/>
+          </a:fillRef>
+          <a:effectRef idx="0">
+            <a:scrgbClr r="0" g="0" b="0"/>
+          </a:effectRef>
           <a:fontRef idx="minor"/>
         </p:style>
         <p:txBody>
-          <a:bodyPr lIns="90000" rIns="90000" tIns="45000" bIns="45000" anchor="t">
+          <a:bodyPr wrap="square" lIns="90000" tIns="45000" rIns="90000" bIns="45000" anchor="t">
             <a:spAutoFit/>
           </a:bodyPr>
+          <a:lstStyle/>
           <a:p>
             <a:pPr>
               <a:lnSpc>
@@ -3515,75 +4495,154 @@
               <a:buNone/>
             </a:pPr>
             <a:r>
-              <a:rPr b="0" lang="en-US" sz="800" spc="-1" strike="noStrike">
-                <a:solidFill>
-                  <a:srgbClr val="000000"/>
-                </a:solidFill>
-                <a:latin typeface="Calibri"/>
-              </a:rPr>
-              <a:t>Quelle: Guidelines on the development of open educational resources policies: UNESCO &amp; COMMONWEALTH OF LEARNING (2019) </a:t>
+              <a:rPr lang="en-US" sz="800" b="0" strike="noStrike" spc="-1" dirty="0" smtClean="0">
+                <a:solidFill>
+                  <a:srgbClr val="000000"/>
+                </a:solidFill>
+                <a:latin typeface="Calibri"/>
+                <a:hlinkClick r:id="rId4"/>
+              </a:rPr>
+              <a:t>Guidelines on the development of open educational resources policies</a:t>
+            </a:r>
+            <a:r>
+              <a:rPr lang="en-US" sz="800" b="0" strike="noStrike" spc="-1" dirty="0" smtClean="0">
+                <a:solidFill>
+                  <a:srgbClr val="000000"/>
+                </a:solidFill>
+                <a:latin typeface="Calibri"/>
+              </a:rPr>
+              <a:t> von UNESCO &amp; COMMONWEALTH OF LEARNING </a:t>
+            </a:r>
+            <a:r>
+              <a:rPr lang="en-US" sz="800" spc="-1" dirty="0" err="1" smtClean="0">
+                <a:solidFill>
+                  <a:srgbClr val="000000"/>
+                </a:solidFill>
+                <a:latin typeface="Calibri"/>
+              </a:rPr>
+              <a:t>lizenziert</a:t>
+            </a:r>
+            <a:r>
+              <a:rPr lang="en-US" sz="800" spc="-1" dirty="0" smtClean="0">
+                <a:solidFill>
+                  <a:srgbClr val="000000"/>
+                </a:solidFill>
+                <a:latin typeface="Calibri"/>
+              </a:rPr>
+              <a:t> </a:t>
+            </a:r>
+            <a:r>
+              <a:rPr lang="en-US" sz="800" spc="-1" dirty="0" err="1" smtClean="0">
+                <a:solidFill>
+                  <a:srgbClr val="000000"/>
+                </a:solidFill>
+                <a:latin typeface="Calibri"/>
+              </a:rPr>
+              <a:t>unter</a:t>
+            </a:r>
+            <a:r>
+              <a:rPr lang="en-US" sz="800" spc="-1" dirty="0" smtClean="0">
+                <a:solidFill>
+                  <a:srgbClr val="000000"/>
+                </a:solidFill>
+                <a:latin typeface="Calibri"/>
+              </a:rPr>
+              <a:t> </a:t>
+            </a:r>
+            <a:r>
+              <a:rPr lang="en-US" sz="800" spc="-1" dirty="0" smtClean="0">
+                <a:solidFill>
+                  <a:srgbClr val="000000"/>
+                </a:solidFill>
+                <a:latin typeface="Calibri"/>
+                <a:hlinkClick r:id="rId5"/>
+              </a:rPr>
+              <a:t>CC BY-SA</a:t>
+            </a:r>
+            <a:r>
+              <a:rPr lang="en-US" sz="800" dirty="0" smtClean="0"/>
+              <a:t/>
             </a:r>
             <a:br>
-              <a:rPr sz="800"/>
+              <a:rPr lang="en-US" sz="800" dirty="0" smtClean="0"/>
             </a:br>
             <a:r>
-              <a:rPr b="0" lang="en-US" sz="800" spc="-1" strike="noStrike" u="sng">
-                <a:solidFill>
-                  <a:srgbClr val="0563c1"/>
-                </a:solidFill>
-                <a:uFillTx/>
-                <a:latin typeface="Calibri"/>
-                <a:hlinkClick r:id="rId3"/>
-              </a:rPr>
-              <a:t>https://www.unesco.de/sites/default/files/2020-01/Guidelines_on_the_Development_of_OER_Policies_2019.pdf</a:t>
-            </a:r>
-            <a:endParaRPr b="0" lang="de-DE" sz="800" spc="-1" strike="noStrike">
-              <a:latin typeface="Arial"/>
-            </a:endParaRPr>
-          </a:p>
-          <a:p>
-            <a:pPr>
-              <a:lnSpc>
-                <a:spcPct val="100000"/>
-              </a:lnSpc>
-              <a:buNone/>
-            </a:pPr>
-            <a:r>
-              <a:rPr b="0" lang="en-US" sz="800" spc="-1" strike="noStrike">
-                <a:solidFill>
-                  <a:srgbClr val="000000"/>
-                </a:solidFill>
-                <a:latin typeface="Calibri"/>
-              </a:rPr>
-              <a:t>Deutsche Zusammenfassung für das OER Policy Kit: Frank Homp (2024)</a:t>
-            </a:r>
-            <a:br>
-              <a:rPr sz="800"/>
-            </a:br>
-            <a:r>
-              <a:rPr b="0" lang="en-US" sz="800" spc="-1" strike="noStrike">
-                <a:solidFill>
-                  <a:srgbClr val="000000"/>
-                </a:solidFill>
-                <a:latin typeface="Calibri"/>
-              </a:rPr>
-              <a:t>[[Link]]</a:t>
-            </a:r>
-            <a:endParaRPr b="0" lang="de-DE" sz="800" spc="-1" strike="noStrike">
-              <a:latin typeface="Arial"/>
-            </a:endParaRPr>
+              <a:rPr lang="en-US" sz="800" b="0" strike="noStrike" spc="-1" dirty="0" smtClean="0">
+                <a:solidFill>
+                  <a:srgbClr val="000000"/>
+                </a:solidFill>
+                <a:latin typeface="Calibri"/>
+              </a:rPr>
+              <a:t>Deutsche </a:t>
+            </a:r>
+            <a:r>
+              <a:rPr lang="en-US" sz="800" b="0" strike="noStrike" spc="-1" dirty="0" err="1" smtClean="0">
+                <a:solidFill>
+                  <a:srgbClr val="000000"/>
+                </a:solidFill>
+                <a:latin typeface="Calibri"/>
+              </a:rPr>
+              <a:t>Zusammenfassung</a:t>
+            </a:r>
+            <a:r>
+              <a:rPr lang="en-US" sz="800" b="0" strike="noStrike" spc="-1" dirty="0" smtClean="0">
+                <a:solidFill>
+                  <a:srgbClr val="000000"/>
+                </a:solidFill>
+                <a:latin typeface="Calibri"/>
+              </a:rPr>
+              <a:t> </a:t>
+            </a:r>
+            <a:r>
+              <a:rPr lang="en-US" sz="800" b="0" strike="noStrike" spc="-1" dirty="0" err="1" smtClean="0">
+                <a:solidFill>
+                  <a:srgbClr val="000000"/>
+                </a:solidFill>
+                <a:latin typeface="Calibri"/>
+              </a:rPr>
+              <a:t>für</a:t>
+            </a:r>
+            <a:r>
+              <a:rPr lang="en-US" sz="800" b="0" strike="noStrike" spc="-1" dirty="0" smtClean="0">
+                <a:solidFill>
+                  <a:srgbClr val="000000"/>
+                </a:solidFill>
+                <a:latin typeface="Calibri"/>
+              </a:rPr>
+              <a:t> das </a:t>
+            </a:r>
+            <a:r>
+              <a:rPr lang="en-US" sz="800" b="0" strike="noStrike" spc="-1" dirty="0" smtClean="0">
+                <a:solidFill>
+                  <a:srgbClr val="000000"/>
+                </a:solidFill>
+                <a:latin typeface="Calibri"/>
+                <a:hlinkClick r:id="rId6"/>
+              </a:rPr>
+              <a:t>OER Policy Kit</a:t>
+            </a:r>
+            <a:r>
+              <a:rPr lang="en-US" sz="800" b="0" strike="noStrike" spc="-1" dirty="0" smtClean="0">
+                <a:solidFill>
+                  <a:srgbClr val="000000"/>
+                </a:solidFill>
+                <a:latin typeface="Calibri"/>
+              </a:rPr>
+              <a:t>: Frank Homp und Yulia Loose (2024)</a:t>
+            </a:r>
+            <a:endParaRPr lang="en-US" sz="800" spc="-1" dirty="0"/>
           </a:p>
         </p:txBody>
       </p:sp>
       <p:pic>
         <p:nvPicPr>
-          <p:cNvPr id="48" name="Grafik 7" descr=""/>
+          <p:cNvPr id="48" name="Grafik 7"/>
           <p:cNvPicPr/>
           <p:nvPr/>
         </p:nvPicPr>
         <p:blipFill>
-          <a:blip r:embed="rId4"/>
-          <a:srcRect l="0" t="10578" r="0" b="0"/>
+          <a:blip r:embed="rId7"/>
+          <a:srcRect t="10578"/>
           <a:stretch/>
         </p:blipFill>
         <p:spPr>
@@ -3619,15 +4678,22 @@
           </a:ln>
         </p:spPr>
         <p:style>
-          <a:lnRef idx="0"/>
-          <a:fillRef idx="0"/>
-          <a:effectRef idx="0"/>
+          <a:lnRef idx="0">
+            <a:scrgbClr r="0" g="0" b="0"/>
+          </a:lnRef>
+          <a:fillRef idx="0">
+            <a:scrgbClr r="0" g="0" b="0"/>
+          </a:fillRef>
+          <a:effectRef idx="0">
+            <a:scrgbClr r="0" g="0" b="0"/>
+          </a:effectRef>
           <a:fontRef idx="minor"/>
         </p:style>
         <p:txBody>
-          <a:bodyPr lIns="90000" rIns="90000" tIns="45000" bIns="45000" anchor="t">
+          <a:bodyPr lIns="90000" tIns="45000" rIns="90000" bIns="45000" anchor="t">
             <a:spAutoFit/>
           </a:bodyPr>
+          <a:lstStyle/>
           <a:p>
             <a:pPr>
               <a:lnSpc>
@@ -3636,7 +4702,7 @@
               <a:buNone/>
             </a:pPr>
             <a:r>
-              <a:rPr b="0" lang="de-DE" sz="1400" spc="-1" strike="noStrike">
+              <a:rPr lang="de-DE" sz="1400" b="0" strike="noStrike" spc="-1">
                 <a:solidFill>
                   <a:srgbClr val="000000"/>
                 </a:solidFill>
@@ -3646,7 +4712,7 @@
               <a:t>Im Rahmen dieser englischsprachigen Leitlinie werden Sie anhand der folgenden </a:t>
             </a:r>
             <a:r>
-              <a:rPr b="1" lang="de-DE" sz="1400" spc="-1" strike="noStrike">
+              <a:rPr lang="de-DE" sz="1400" b="1" strike="noStrike" spc="-1">
                 <a:solidFill>
                   <a:srgbClr val="000000"/>
                 </a:solidFill>
@@ -3656,7 +4722,7 @@
               <a:t>sieben  Kapitel </a:t>
             </a:r>
             <a:r>
-              <a:rPr b="0" lang="de-DE" sz="1400" spc="-1" strike="noStrike">
+              <a:rPr lang="de-DE" sz="1400" b="0" strike="noStrike" spc="-1">
                 <a:solidFill>
                   <a:srgbClr val="000000"/>
                 </a:solidFill>
@@ -3666,7 +4732,7 @@
               <a:t>durch </a:t>
             </a:r>
             <a:r>
-              <a:rPr b="1" lang="de-DE" sz="1400" spc="-1" strike="noStrike">
+              <a:rPr lang="de-DE" sz="1400" b="1" strike="noStrike" spc="-1">
                 <a:solidFill>
                   <a:srgbClr val="000000"/>
                 </a:solidFill>
@@ -3676,7 +4742,7 @@
               <a:t>sieben Phasen</a:t>
             </a:r>
             <a:r>
-              <a:rPr b="0" lang="de-DE" sz="1400" spc="-1" strike="noStrike">
+              <a:rPr lang="de-DE" sz="1400" b="0" strike="noStrike" spc="-1">
                 <a:solidFill>
                   <a:srgbClr val="000000"/>
                 </a:solidFill>
@@ -3686,7 +4752,7 @@
               <a:t> des Entwicklungsprozesses an die Erstellung einer Policy herangeführt. </a:t>
             </a:r>
             <a:r>
-              <a:rPr b="0" lang="de-DE" sz="1400" spc="-1" strike="noStrike">
+              <a:rPr lang="de-DE" sz="1400" b="0" strike="noStrike" spc="-1">
                 <a:solidFill>
                   <a:srgbClr val="454545"/>
                 </a:solidFill>
@@ -3696,7 +4762,7 @@
               <a:t>Jedes Kapitel beginnt mit einem </a:t>
             </a:r>
             <a:r>
-              <a:rPr b="1" lang="de-DE" sz="1400" spc="-1" strike="noStrike">
+              <a:rPr lang="de-DE" sz="1400" b="1" strike="noStrike" spc="-1">
                 <a:solidFill>
                   <a:srgbClr val="454545"/>
                 </a:solidFill>
@@ -3706,7 +4772,7 @@
               <a:t>Abstract </a:t>
             </a:r>
             <a:r>
-              <a:rPr b="0" lang="de-DE" sz="1400" spc="-1" strike="noStrike">
+              <a:rPr lang="de-DE" sz="1400" b="0" strike="noStrike" spc="-1">
                 <a:solidFill>
                   <a:srgbClr val="454545"/>
                 </a:solidFill>
@@ -3716,7 +4782,7 @@
               <a:t>und einer Liste von drei bis fünf </a:t>
             </a:r>
             <a:r>
-              <a:rPr b="1" lang="de-DE" sz="1400" spc="-1" strike="noStrike">
+              <a:rPr lang="de-DE" sz="1400" b="1" strike="noStrike" spc="-1">
                 <a:solidFill>
                   <a:srgbClr val="454545"/>
                 </a:solidFill>
@@ -3726,7 +4792,7 @@
               <a:t>(Lern-)Zielen</a:t>
             </a:r>
             <a:r>
-              <a:rPr b="0" lang="de-DE" sz="1400" spc="-1" strike="noStrike">
+              <a:rPr lang="de-DE" sz="1400" b="0" strike="noStrike" spc="-1">
                 <a:solidFill>
                   <a:srgbClr val="454545"/>
                 </a:solidFill>
@@ -3736,7 +4802,7 @@
               <a:t>, die durch die Auseinandersetzung mit dem Kapitel angebahnt werden sollen. Jedes Kapitel endet mit ausführlichen </a:t>
             </a:r>
             <a:r>
-              <a:rPr b="1" lang="de-DE" sz="1400" spc="-1" strike="noStrike">
+              <a:rPr lang="de-DE" sz="1400" b="1" strike="noStrike" spc="-1">
                 <a:solidFill>
                   <a:srgbClr val="454545"/>
                 </a:solidFill>
@@ -3746,7 +4812,7 @@
               <a:t>Leitfragen </a:t>
             </a:r>
             <a:r>
-              <a:rPr b="0" lang="de-DE" sz="1400" spc="-1" strike="noStrike">
+              <a:rPr lang="de-DE" sz="1400" b="0" strike="noStrike" spc="-1">
                 <a:solidFill>
                   <a:srgbClr val="454545"/>
                 </a:solidFill>
@@ -3755,7 +4821,7 @@
               </a:rPr>
               <a:t>(“Guiding Questions"), die die Leser:innen zu ersten Formulierungen für die OER Policy anregen sollen. </a:t>
             </a:r>
-            <a:endParaRPr b="0" lang="de-DE" sz="1400" spc="-1" strike="noStrike">
+            <a:endParaRPr lang="de-DE" sz="1400" b="0" strike="noStrike" spc="-1">
               <a:latin typeface="Arial"/>
             </a:endParaRPr>
           </a:p>
@@ -3766,7 +4832,7 @@
               </a:lnSpc>
               <a:buNone/>
             </a:pPr>
-            <a:endParaRPr b="0" lang="de-DE" sz="1400" spc="-1" strike="noStrike">
+            <a:endParaRPr lang="de-DE" sz="1400" b="0" strike="noStrike" spc="-1">
               <a:latin typeface="Arial"/>
             </a:endParaRPr>
           </a:p>
@@ -3792,15 +4858,22 @@
           </a:ln>
         </p:spPr>
         <p:style>
-          <a:lnRef idx="0"/>
-          <a:fillRef idx="0"/>
-          <a:effectRef idx="0"/>
+          <a:lnRef idx="0">
+            <a:scrgbClr r="0" g="0" b="0"/>
+          </a:lnRef>
+          <a:fillRef idx="0">
+            <a:scrgbClr r="0" g="0" b="0"/>
+          </a:fillRef>
+          <a:effectRef idx="0">
+            <a:scrgbClr r="0" g="0" b="0"/>
+          </a:effectRef>
           <a:fontRef idx="minor"/>
         </p:style>
         <p:txBody>
-          <a:bodyPr lIns="90000" rIns="90000" tIns="45000" bIns="45000" anchor="t">
+          <a:bodyPr lIns="90000" tIns="45000" rIns="90000" bIns="45000" anchor="t">
             <a:spAutoFit/>
           </a:bodyPr>
+          <a:lstStyle/>
           <a:p>
             <a:pPr>
               <a:lnSpc>
@@ -3815,7 +4888,7 @@
               <a:buNone/>
             </a:pPr>
             <a:r>
-              <a:rPr b="1" lang="de-DE" sz="2800" spc="-1" strike="noStrike">
+              <a:rPr lang="de-DE" sz="2800" b="1" strike="noStrike" spc="-1">
                 <a:solidFill>
                   <a:srgbClr val="000000"/>
                 </a:solidFill>
@@ -3823,7 +4896,7 @@
               </a:rPr>
               <a:t>Walkthrough: Unesco Guidelines zur Erstellung von OER Policies </a:t>
             </a:r>
-            <a:endParaRPr b="0" lang="de-DE" sz="2800" spc="-1" strike="noStrike">
+            <a:endParaRPr lang="de-DE" sz="2800" b="0" strike="noStrike" spc="-1">
               <a:latin typeface="Arial"/>
             </a:endParaRPr>
           </a:p>
@@ -3849,15 +4922,22 @@
           </a:ln>
         </p:spPr>
         <p:style>
-          <a:lnRef idx="0"/>
-          <a:fillRef idx="0"/>
-          <a:effectRef idx="0"/>
+          <a:lnRef idx="0">
+            <a:scrgbClr r="0" g="0" b="0"/>
+          </a:lnRef>
+          <a:fillRef idx="0">
+            <a:scrgbClr r="0" g="0" b="0"/>
+          </a:fillRef>
+          <a:effectRef idx="0">
+            <a:scrgbClr r="0" g="0" b="0"/>
+          </a:effectRef>
           <a:fontRef idx="minor"/>
         </p:style>
         <p:txBody>
-          <a:bodyPr lIns="90000" rIns="90000" tIns="45000" bIns="45000" anchor="t">
+          <a:bodyPr lIns="90000" tIns="45000" rIns="90000" bIns="45000" anchor="t">
             <a:spAutoFit/>
           </a:bodyPr>
+          <a:lstStyle/>
           <a:p>
             <a:pPr algn="just">
               <a:lnSpc>
@@ -3866,57 +4946,47 @@
               <a:buNone/>
             </a:pPr>
             <a:r>
-              <a:rPr b="1" lang="de-DE" sz="1400" spc="-1" strike="noStrike">
+              <a:rPr lang="de-DE" sz="1400" b="1" strike="noStrike" spc="-1">
                 <a:solidFill>
                   <a:srgbClr val="454545"/>
                 </a:solidFill>
                 <a:latin typeface="Arial Unicode MS"/>
                 <a:ea typeface="Arial Unicode MS"/>
               </a:rPr>
-              <a:t>⚠ </a:t>
-            </a:r>
-            <a:r>
-              <a:rPr b="1" lang="de-DE" sz="1400" spc="-1" strike="noStrike">
+              <a:t>⚠ Callout</a:t>
+            </a:r>
+            <a:r>
+              <a:rPr lang="de-DE" sz="1400" b="1" strike="noStrike" spc="-1">
                 <a:solidFill>
                   <a:srgbClr val="454545"/>
                 </a:solidFill>
-                <a:latin typeface="Arial Unicode MS"/>
-                <a:ea typeface="Arial Unicode MS"/>
-              </a:rPr>
-              <a:t>Callout</a:t>
-            </a:r>
-            <a:r>
-              <a:rPr b="1" lang="de-DE" sz="1400" spc="-1" strike="noStrike">
+                <a:latin typeface="Roboto"/>
+                <a:ea typeface="Roboto"/>
+              </a:rPr>
+              <a:t>: Policy =/= Policy</a:t>
+            </a:r>
+            <a:endParaRPr lang="de-DE" sz="1400" b="0" strike="noStrike" spc="-1">
+              <a:latin typeface="Arial"/>
+            </a:endParaRPr>
+          </a:p>
+          <a:p>
+            <a:pPr algn="just">
+              <a:lnSpc>
+                <a:spcPct val="100000"/>
+              </a:lnSpc>
+              <a:buNone/>
+            </a:pPr>
+            <a:r>
+              <a:rPr lang="de-DE" sz="1400" b="0" strike="noStrike" spc="-1">
                 <a:solidFill>
                   <a:srgbClr val="454545"/>
                 </a:solidFill>
                 <a:latin typeface="Roboto"/>
                 <a:ea typeface="Roboto"/>
               </a:rPr>
-              <a:t>: Policy =/= Policy</a:t>
-            </a:r>
-            <a:endParaRPr b="0" lang="de-DE" sz="1400" spc="-1" strike="noStrike">
-              <a:latin typeface="Arial"/>
-            </a:endParaRPr>
-          </a:p>
-          <a:p>
-            <a:pPr algn="just">
-              <a:lnSpc>
-                <a:spcPct val="100000"/>
-              </a:lnSpc>
-              <a:buNone/>
-            </a:pPr>
-            <a:r>
-              <a:rPr b="0" lang="de-DE" sz="1400" spc="-1" strike="noStrike">
-                <a:solidFill>
-                  <a:srgbClr val="454545"/>
-                </a:solidFill>
-                <a:latin typeface="Roboto"/>
-                <a:ea typeface="Roboto"/>
-              </a:rPr>
               <a:t>Achtung: Hierbei wird unter “Policy” nicht (ausschließlich) das Dokument verstanden, was wir im Rahmen dieses Kits als Policy bezeichnen, sondern eher eine umfassende Strategie zur Förderung des Themas OER. Hierzu gehört natürlich auch das schriftliche Fixieren dieser Strategien.</a:t>
             </a:r>
-            <a:endParaRPr b="0" lang="de-DE" sz="1400" spc="-1" strike="noStrike">
+            <a:endParaRPr lang="de-DE" sz="1400" b="0" strike="noStrike" spc="-1">
               <a:latin typeface="Arial"/>
             </a:endParaRPr>
           </a:p>
@@ -3924,11 +4994,14 @@
       </p:sp>
     </p:spTree>
   </p:cSld>
-  <mc:AlternateContent>
+  <p:clrMapOvr>
+    <a:masterClrMapping/>
+  </p:clrMapOvr>
+  <mc:AlternateContent xmlns:mc="http://schemas.openxmlformats.org/markup-compatibility/2006" xmlns:p14="http://schemas.microsoft.com/office/powerpoint/2010/main">
     <mc:Choice Requires="p14">
       <p:transition spd="slow" p14:dur="2000"/>
     </mc:Choice>
-    <mc:Fallback>
+    <mc:Fallback xmlns="" xmlns:p15="http://schemas.microsoft.com/office/powerpoint/2012/main">
       <p:transition spd="slow"/>
     </mc:Fallback>
   </mc:AlternateContent>
@@ -3936,7 +5009,7 @@
 </file>
 
 <file path=ppt/slides/slide3.xml><?xml version="1.0" encoding="utf-8"?>
-<p:sld xmlns:a="http://schemas.openxmlformats.org/drawingml/2006/main" xmlns:p="http://schemas.openxmlformats.org/presentationml/2006/main" xmlns:r="http://schemas.openxmlformats.org/officeDocument/2006/relationships" xmlns:p14="http://schemas.microsoft.com/office/powerpoint/2010/main" xmlns:p15="http://schemas.microsoft.com/office/powerpoint/2012/main" xmlns:mc="http://schemas.openxmlformats.org/markup-compatibility/2006">
+<p:sld xmlns:a="http://schemas.openxmlformats.org/drawingml/2006/main" xmlns:r="http://schemas.openxmlformats.org/officeDocument/2006/relationships" xmlns:p="http://schemas.openxmlformats.org/presentationml/2006/main">
   <p:cSld>
     <p:spTree>
       <p:nvGrpSpPr>
@@ -3954,30 +5027,7 @@
       </p:grpSpPr>
       <p:pic>
         <p:nvPicPr>
-          <p:cNvPr id="52" name="Grafik 14" descr=""/>
-          <p:cNvPicPr/>
-          <p:nvPr/>
-        </p:nvPicPr>
-        <p:blipFill>
-          <a:blip r:embed="rId1"/>
-          <a:stretch/>
-        </p:blipFill>
-        <p:spPr>
-          <a:xfrm>
-            <a:off x="-72360" y="0"/>
-            <a:ext cx="12336480" cy="6857640"/>
-          </a:xfrm>
-          <a:prstGeom prst="rect">
-            <a:avLst/>
-          </a:prstGeom>
-          <a:ln w="0">
-            <a:noFill/>
-          </a:ln>
-        </p:spPr>
-      </p:pic>
-      <p:pic>
-        <p:nvPicPr>
-          <p:cNvPr id="53" name="Grafik 16" descr=""/>
+          <p:cNvPr id="52" name="Grafik 14"/>
           <p:cNvPicPr/>
           <p:nvPr/>
         </p:nvPicPr>
@@ -4000,7 +5050,888 @@
       </p:pic>
       <p:pic>
         <p:nvPicPr>
-          <p:cNvPr id="54" name="Grafik 8" descr="">
+          <p:cNvPr id="53" name="Grafik 16"/>
+          <p:cNvPicPr/>
+          <p:nvPr/>
+        </p:nvPicPr>
+        <p:blipFill>
+          <a:blip r:embed="rId3"/>
+          <a:stretch/>
+        </p:blipFill>
+        <p:spPr>
+          <a:xfrm>
+            <a:off x="-72360" y="0"/>
+            <a:ext cx="12336480" cy="6857640"/>
+          </a:xfrm>
+          <a:prstGeom prst="rect">
+            <a:avLst/>
+          </a:prstGeom>
+          <a:ln w="0">
+            <a:noFill/>
+          </a:ln>
+        </p:spPr>
+      </p:pic>
+      <p:pic>
+        <p:nvPicPr>
+          <p:cNvPr id="54" name="Grafik 8">
+            <a:hlinkClick r:id="rId4"/>
+          </p:cNvPr>
+          <p:cNvPicPr/>
+          <p:nvPr/>
+        </p:nvPicPr>
+        <p:blipFill>
+          <a:blip r:embed="rId5"/>
+          <a:stretch/>
+        </p:blipFill>
+        <p:spPr>
+          <a:xfrm>
+            <a:off x="4437360" y="6321240"/>
+            <a:ext cx="883080" cy="308880"/>
+          </a:xfrm>
+          <a:prstGeom prst="rect">
+            <a:avLst/>
+          </a:prstGeom>
+          <a:ln w="0">
+            <a:noFill/>
+          </a:ln>
+        </p:spPr>
+      </p:pic>
+      <p:sp>
+        <p:nvSpPr>
+          <p:cNvPr id="55" name="Textfeld 9"/>
+          <p:cNvSpPr/>
+          <p:nvPr/>
+        </p:nvSpPr>
+        <p:spPr>
+          <a:xfrm>
+            <a:off x="5328720" y="6307104"/>
+            <a:ext cx="7227360" cy="337100"/>
+          </a:xfrm>
+          <a:prstGeom prst="rect">
+            <a:avLst/>
+          </a:prstGeom>
+          <a:noFill/>
+          <a:ln w="0">
+            <a:noFill/>
+          </a:ln>
+        </p:spPr>
+        <p:style>
+          <a:lnRef idx="0">
+            <a:scrgbClr r="0" g="0" b="0"/>
+          </a:lnRef>
+          <a:fillRef idx="0">
+            <a:scrgbClr r="0" g="0" b="0"/>
+          </a:fillRef>
+          <a:effectRef idx="0">
+            <a:scrgbClr r="0" g="0" b="0"/>
+          </a:effectRef>
+          <a:fontRef idx="minor"/>
+        </p:style>
+        <p:txBody>
+          <a:bodyPr lIns="90000" tIns="45000" rIns="90000" bIns="45000" anchor="t">
+            <a:spAutoFit/>
+          </a:bodyPr>
+          <a:lstStyle/>
+          <a:p>
+            <a:pPr>
+              <a:lnSpc>
+                <a:spcPct val="100000"/>
+              </a:lnSpc>
+              <a:buNone/>
+            </a:pPr>
+            <a:r>
+              <a:rPr lang="en-US" sz="800" b="0" strike="noStrike" spc="-1" dirty="0" smtClean="0">
+                <a:solidFill>
+                  <a:srgbClr val="000000"/>
+                </a:solidFill>
+                <a:latin typeface="Calibri"/>
+                <a:hlinkClick r:id="rId6"/>
+              </a:rPr>
+              <a:t>Guidelines on the development of open educational resources policies</a:t>
+            </a:r>
+            <a:r>
+              <a:rPr lang="en-US" sz="800" b="0" strike="noStrike" spc="-1" dirty="0" smtClean="0">
+                <a:solidFill>
+                  <a:srgbClr val="000000"/>
+                </a:solidFill>
+                <a:latin typeface="Calibri"/>
+              </a:rPr>
+              <a:t> von UNESCO &amp; COMMONWEALTH OF LEARNING </a:t>
+            </a:r>
+            <a:r>
+              <a:rPr lang="en-US" sz="800" spc="-1" dirty="0" err="1" smtClean="0">
+                <a:solidFill>
+                  <a:srgbClr val="000000"/>
+                </a:solidFill>
+                <a:latin typeface="Calibri"/>
+              </a:rPr>
+              <a:t>lizenziert</a:t>
+            </a:r>
+            <a:r>
+              <a:rPr lang="en-US" sz="800" spc="-1" dirty="0" smtClean="0">
+                <a:solidFill>
+                  <a:srgbClr val="000000"/>
+                </a:solidFill>
+                <a:latin typeface="Calibri"/>
+              </a:rPr>
+              <a:t> </a:t>
+            </a:r>
+            <a:r>
+              <a:rPr lang="en-US" sz="800" spc="-1" dirty="0" err="1" smtClean="0">
+                <a:solidFill>
+                  <a:srgbClr val="000000"/>
+                </a:solidFill>
+                <a:latin typeface="Calibri"/>
+              </a:rPr>
+              <a:t>unter</a:t>
+            </a:r>
+            <a:r>
+              <a:rPr lang="en-US" sz="800" spc="-1" dirty="0" smtClean="0">
+                <a:solidFill>
+                  <a:srgbClr val="000000"/>
+                </a:solidFill>
+                <a:latin typeface="Calibri"/>
+              </a:rPr>
+              <a:t> </a:t>
+            </a:r>
+            <a:r>
+              <a:rPr lang="en-US" sz="800" spc="-1" dirty="0" smtClean="0">
+                <a:solidFill>
+                  <a:srgbClr val="000000"/>
+                </a:solidFill>
+                <a:latin typeface="Calibri"/>
+                <a:hlinkClick r:id="rId7"/>
+              </a:rPr>
+              <a:t>CC BY-SA</a:t>
+            </a:r>
+            <a:r>
+              <a:rPr lang="en-US" sz="800" dirty="0" smtClean="0"/>
+              <a:t/>
+            </a:r>
+            <a:br>
+              <a:rPr lang="en-US" sz="800" dirty="0" smtClean="0"/>
+            </a:br>
+            <a:r>
+              <a:rPr lang="en-US" sz="800" b="0" strike="noStrike" spc="-1" dirty="0" smtClean="0">
+                <a:solidFill>
+                  <a:srgbClr val="000000"/>
+                </a:solidFill>
+                <a:latin typeface="Calibri"/>
+              </a:rPr>
+              <a:t>Deutsche </a:t>
+            </a:r>
+            <a:r>
+              <a:rPr lang="en-US" sz="800" b="0" strike="noStrike" spc="-1" dirty="0" err="1" smtClean="0">
+                <a:solidFill>
+                  <a:srgbClr val="000000"/>
+                </a:solidFill>
+                <a:latin typeface="Calibri"/>
+              </a:rPr>
+              <a:t>Zusammenfassung</a:t>
+            </a:r>
+            <a:r>
+              <a:rPr lang="en-US" sz="800" b="0" strike="noStrike" spc="-1" dirty="0" smtClean="0">
+                <a:solidFill>
+                  <a:srgbClr val="000000"/>
+                </a:solidFill>
+                <a:latin typeface="Calibri"/>
+              </a:rPr>
+              <a:t> </a:t>
+            </a:r>
+            <a:r>
+              <a:rPr lang="en-US" sz="800" b="0" strike="noStrike" spc="-1" dirty="0" err="1" smtClean="0">
+                <a:solidFill>
+                  <a:srgbClr val="000000"/>
+                </a:solidFill>
+                <a:latin typeface="Calibri"/>
+              </a:rPr>
+              <a:t>für</a:t>
+            </a:r>
+            <a:r>
+              <a:rPr lang="en-US" sz="800" b="0" strike="noStrike" spc="-1" dirty="0" smtClean="0">
+                <a:solidFill>
+                  <a:srgbClr val="000000"/>
+                </a:solidFill>
+                <a:latin typeface="Calibri"/>
+              </a:rPr>
+              <a:t> das </a:t>
+            </a:r>
+            <a:r>
+              <a:rPr lang="en-US" sz="800" b="0" strike="noStrike" spc="-1" dirty="0" smtClean="0">
+                <a:solidFill>
+                  <a:srgbClr val="000000"/>
+                </a:solidFill>
+                <a:latin typeface="Calibri"/>
+                <a:hlinkClick r:id="rId8"/>
+              </a:rPr>
+              <a:t>OER Policy Kit</a:t>
+            </a:r>
+            <a:r>
+              <a:rPr lang="en-US" sz="800" b="0" strike="noStrike" spc="-1" dirty="0" smtClean="0">
+                <a:solidFill>
+                  <a:srgbClr val="000000"/>
+                </a:solidFill>
+                <a:latin typeface="Calibri"/>
+              </a:rPr>
+              <a:t>: Frank Homp und Yulia Loose (2024)</a:t>
+            </a:r>
+            <a:endParaRPr lang="en-US" sz="800" spc="-1" dirty="0"/>
+          </a:p>
+        </p:txBody>
+      </p:sp>
+      <p:sp>
+        <p:nvSpPr>
+          <p:cNvPr id="56" name="Textfeld 11"/>
+          <p:cNvSpPr/>
+          <p:nvPr/>
+        </p:nvSpPr>
+        <p:spPr>
+          <a:xfrm>
+            <a:off x="4336920" y="441360"/>
+            <a:ext cx="6165360" cy="4204440"/>
+          </a:xfrm>
+          <a:prstGeom prst="rect">
+            <a:avLst/>
+          </a:prstGeom>
+          <a:noFill/>
+          <a:ln w="0">
+            <a:noFill/>
+          </a:ln>
+        </p:spPr>
+        <p:style>
+          <a:lnRef idx="0">
+            <a:scrgbClr r="0" g="0" b="0"/>
+          </a:lnRef>
+          <a:fillRef idx="0">
+            <a:scrgbClr r="0" g="0" b="0"/>
+          </a:fillRef>
+          <a:effectRef idx="0">
+            <a:scrgbClr r="0" g="0" b="0"/>
+          </a:effectRef>
+          <a:fontRef idx="minor"/>
+        </p:style>
+        <p:txBody>
+          <a:bodyPr lIns="90000" tIns="45000" rIns="90000" bIns="45000" anchor="t">
+            <a:spAutoFit/>
+          </a:bodyPr>
+          <a:lstStyle/>
+          <a:p>
+            <a:pPr>
+              <a:lnSpc>
+                <a:spcPct val="100000"/>
+              </a:lnSpc>
+              <a:buNone/>
+            </a:pPr>
+            <a:r>
+              <a:rPr lang="de-DE" sz="1800" b="1" strike="noStrike" spc="-1">
+                <a:solidFill>
+                  <a:srgbClr val="000000"/>
+                </a:solidFill>
+                <a:latin typeface="Roboto"/>
+                <a:ea typeface="Roboto"/>
+              </a:rPr>
+              <a:t>Das erste Kapitel: “</a:t>
+            </a:r>
+            <a:r>
+              <a:rPr lang="de-DE" sz="1800" b="1" i="1" strike="noStrike" spc="-1">
+                <a:solidFill>
+                  <a:srgbClr val="000000"/>
+                </a:solidFill>
+                <a:latin typeface="Roboto"/>
+                <a:ea typeface="Roboto"/>
+              </a:rPr>
+              <a:t>Understanding the potential of OER</a:t>
+            </a:r>
+            <a:r>
+              <a:rPr lang="de-DE" sz="1800" b="1" strike="noStrike" spc="-1">
+                <a:solidFill>
+                  <a:srgbClr val="000000"/>
+                </a:solidFill>
+                <a:latin typeface="Roboto"/>
+                <a:ea typeface="Roboto"/>
+              </a:rPr>
+              <a:t>”</a:t>
+            </a:r>
+            <a:r>
+              <a:rPr lang="de-DE" sz="1800" b="0" strike="noStrike" spc="-1">
+                <a:solidFill>
+                  <a:srgbClr val="000000"/>
+                </a:solidFill>
+                <a:latin typeface="Roboto"/>
+                <a:ea typeface="Roboto"/>
+              </a:rPr>
+              <a:t> führt zunächst noch einmal grundlegend in das Konzept OER ein. Hierbei wird auch (ausführlich) auf offene Lizenzen eingegangen. </a:t>
+            </a:r>
+            <a:endParaRPr lang="de-DE" sz="1800" b="0" strike="noStrike" spc="-1">
+              <a:latin typeface="Arial"/>
+            </a:endParaRPr>
+          </a:p>
+          <a:p>
+            <a:pPr>
+              <a:lnSpc>
+                <a:spcPct val="100000"/>
+              </a:lnSpc>
+              <a:buNone/>
+            </a:pPr>
+            <a:endParaRPr lang="de-DE" sz="1800" b="0" strike="noStrike" spc="-1">
+              <a:latin typeface="Arial"/>
+            </a:endParaRPr>
+          </a:p>
+          <a:p>
+            <a:pPr>
+              <a:lnSpc>
+                <a:spcPct val="100000"/>
+              </a:lnSpc>
+              <a:buNone/>
+            </a:pPr>
+            <a:r>
+              <a:rPr lang="de-DE" sz="1800" b="0" strike="noStrike" spc="-1">
+                <a:solidFill>
+                  <a:srgbClr val="000000"/>
+                </a:solidFill>
+                <a:latin typeface="Roboto"/>
+                <a:ea typeface="Roboto"/>
+              </a:rPr>
+              <a:t>Ein Schwerpunkt des Kapitels bildet eine ausführliche Erläuterung des Zusammenhangs zwischen OER und den Sustainable Development Goals (SDG) der UN, insbesondere dem 4. SDG “</a:t>
+            </a:r>
+            <a:r>
+              <a:rPr lang="de-DE" sz="1800" b="0" i="1" strike="noStrike" spc="-1">
+                <a:solidFill>
+                  <a:srgbClr val="000000"/>
+                </a:solidFill>
+                <a:latin typeface="Roboto"/>
+                <a:ea typeface="Roboto"/>
+              </a:rPr>
+              <a:t>Chancengerechte und hochwertige Bildung</a:t>
+            </a:r>
+            <a:r>
+              <a:rPr lang="de-DE" sz="1800" b="0" strike="noStrike" spc="-1">
+                <a:solidFill>
+                  <a:srgbClr val="000000"/>
+                </a:solidFill>
+                <a:latin typeface="Roboto"/>
+                <a:ea typeface="Roboto"/>
+              </a:rPr>
+              <a:t>”. </a:t>
+            </a:r>
+            <a:endParaRPr lang="de-DE" sz="1800" b="0" strike="noStrike" spc="-1">
+              <a:latin typeface="Arial"/>
+            </a:endParaRPr>
+          </a:p>
+          <a:p>
+            <a:pPr>
+              <a:lnSpc>
+                <a:spcPct val="100000"/>
+              </a:lnSpc>
+              <a:buNone/>
+            </a:pPr>
+            <a:endParaRPr lang="de-DE" sz="1800" b="0" strike="noStrike" spc="-1">
+              <a:latin typeface="Arial"/>
+            </a:endParaRPr>
+          </a:p>
+          <a:p>
+            <a:pPr>
+              <a:lnSpc>
+                <a:spcPct val="100000"/>
+              </a:lnSpc>
+              <a:buNone/>
+            </a:pPr>
+            <a:r>
+              <a:rPr lang="de-DE" sz="1800" b="0" strike="noStrike" spc="-1">
+                <a:solidFill>
+                  <a:srgbClr val="000000"/>
+                </a:solidFill>
+                <a:latin typeface="Roboto"/>
+                <a:ea typeface="Roboto"/>
+              </a:rPr>
+              <a:t>(Siehe hierzu auch im Kapitel 1 des Policy Kits der Abschnitt “</a:t>
+            </a:r>
+            <a:r>
+              <a:rPr lang="de-DE" sz="1800" b="0" u="sng" strike="noStrike" spc="-1">
+                <a:solidFill>
+                  <a:srgbClr val="0563C1"/>
+                </a:solidFill>
+                <a:uFillTx/>
+                <a:latin typeface="Roboto"/>
+                <a:ea typeface="Roboto"/>
+                <a:hlinkClick r:id="rId9"/>
+              </a:rPr>
+              <a:t>Themen</a:t>
+            </a:r>
+            <a:r>
+              <a:rPr lang="de-DE" sz="1800" b="0" strike="noStrike" spc="-1">
+                <a:solidFill>
+                  <a:srgbClr val="000000"/>
+                </a:solidFill>
+                <a:latin typeface="Roboto"/>
+                <a:ea typeface="Roboto"/>
+              </a:rPr>
+              <a:t>” oder der Exkurs “</a:t>
+            </a:r>
+            <a:r>
+              <a:rPr lang="de-DE" sz="1800" b="0" u="sng" strike="noStrike" spc="-1">
+                <a:solidFill>
+                  <a:srgbClr val="0563C1"/>
+                </a:solidFill>
+                <a:uFillTx/>
+                <a:latin typeface="Roboto"/>
+                <a:ea typeface="Roboto"/>
+                <a:hlinkClick r:id="rId10"/>
+              </a:rPr>
+              <a:t>OER und Nachhaltigkeit</a:t>
+            </a:r>
+            <a:r>
+              <a:rPr lang="de-DE" sz="1800" b="0" strike="noStrike" spc="-1">
+                <a:solidFill>
+                  <a:srgbClr val="000000"/>
+                </a:solidFill>
+                <a:latin typeface="Roboto"/>
+                <a:ea typeface="Roboto"/>
+              </a:rPr>
+              <a:t>”).</a:t>
+            </a:r>
+            <a:endParaRPr lang="de-DE" sz="1800" b="0" strike="noStrike" spc="-1">
+              <a:latin typeface="Arial"/>
+            </a:endParaRPr>
+          </a:p>
+        </p:txBody>
+      </p:sp>
+    </p:spTree>
+  </p:cSld>
+  <p:clrMapOvr>
+    <a:masterClrMapping/>
+  </p:clrMapOvr>
+  <mc:AlternateContent xmlns:mc="http://schemas.openxmlformats.org/markup-compatibility/2006" xmlns:p14="http://schemas.microsoft.com/office/powerpoint/2010/main">
+    <mc:Choice Requires="p14">
+      <p:transition spd="slow" p14:dur="2000"/>
+    </mc:Choice>
+    <mc:Fallback xmlns="" xmlns:p15="http://schemas.microsoft.com/office/powerpoint/2012/main">
+      <p:transition spd="slow"/>
+    </mc:Fallback>
+  </mc:AlternateContent>
+</p:sld>
+</file>
+
+<file path=ppt/slides/slide4.xml><?xml version="1.0" encoding="utf-8"?>
+<p:sld xmlns:a="http://schemas.openxmlformats.org/drawingml/2006/main" xmlns:r="http://schemas.openxmlformats.org/officeDocument/2006/relationships" xmlns:p="http://schemas.openxmlformats.org/presentationml/2006/main">
+  <p:cSld>
+    <p:spTree>
+      <p:nvGrpSpPr>
+        <p:cNvPr id="1" name=""/>
+        <p:cNvGrpSpPr/>
+        <p:nvPr/>
+      </p:nvGrpSpPr>
+      <p:grpSpPr>
+        <a:xfrm>
+          <a:off x="0" y="0"/>
+          <a:ext cx="0" cy="0"/>
+          <a:chOff x="0" y="0"/>
+          <a:chExt cx="0" cy="0"/>
+        </a:xfrm>
+      </p:grpSpPr>
+      <p:pic>
+        <p:nvPicPr>
+          <p:cNvPr id="57" name="Grafik 7"/>
+          <p:cNvPicPr/>
+          <p:nvPr/>
+        </p:nvPicPr>
+        <p:blipFill>
+          <a:blip r:embed="rId2"/>
+          <a:stretch/>
+        </p:blipFill>
+        <p:spPr>
+          <a:xfrm>
+            <a:off x="-72360" y="0"/>
+            <a:ext cx="12336480" cy="6857640"/>
+          </a:xfrm>
+          <a:prstGeom prst="rect">
+            <a:avLst/>
+          </a:prstGeom>
+          <a:ln w="0">
+            <a:noFill/>
+          </a:ln>
+        </p:spPr>
+      </p:pic>
+      <p:sp>
+        <p:nvSpPr>
+          <p:cNvPr id="58" name="Textfeld 8"/>
+          <p:cNvSpPr/>
+          <p:nvPr/>
+        </p:nvSpPr>
+        <p:spPr>
+          <a:xfrm>
+            <a:off x="4336920" y="441360"/>
+            <a:ext cx="7541280" cy="6081480"/>
+          </a:xfrm>
+          <a:prstGeom prst="rect">
+            <a:avLst/>
+          </a:prstGeom>
+          <a:noFill/>
+          <a:ln w="0">
+            <a:noFill/>
+          </a:ln>
+        </p:spPr>
+        <p:style>
+          <a:lnRef idx="0">
+            <a:scrgbClr r="0" g="0" b="0"/>
+          </a:lnRef>
+          <a:fillRef idx="0">
+            <a:scrgbClr r="0" g="0" b="0"/>
+          </a:fillRef>
+          <a:effectRef idx="0">
+            <a:scrgbClr r="0" g="0" b="0"/>
+          </a:effectRef>
+          <a:fontRef idx="minor"/>
+        </p:style>
+        <p:txBody>
+          <a:bodyPr lIns="90000" tIns="45000" rIns="90000" bIns="45000" anchor="t">
+            <a:spAutoFit/>
+          </a:bodyPr>
+          <a:lstStyle/>
+          <a:p>
+            <a:pPr>
+              <a:lnSpc>
+                <a:spcPct val="115000"/>
+              </a:lnSpc>
+              <a:buNone/>
+            </a:pPr>
+            <a:r>
+              <a:rPr lang="de-DE" sz="1800" b="1" strike="noStrike" spc="-1">
+                <a:solidFill>
+                  <a:srgbClr val="000000"/>
+                </a:solidFill>
+                <a:latin typeface="Roboto"/>
+                <a:ea typeface="Roboto"/>
+              </a:rPr>
+              <a:t>Im 2. Kapitel: </a:t>
+            </a:r>
+            <a:r>
+              <a:rPr lang="de-DE" sz="1800" b="1" i="1" strike="noStrike" spc="-1">
+                <a:solidFill>
+                  <a:srgbClr val="000000"/>
+                </a:solidFill>
+                <a:latin typeface="Roboto"/>
+                <a:ea typeface="Roboto"/>
+              </a:rPr>
+              <a:t>“Determining the OER policy vision”</a:t>
+            </a:r>
+            <a:r>
+              <a:rPr lang="de-DE" sz="1800" b="1" strike="noStrike" spc="-1">
+                <a:solidFill>
+                  <a:srgbClr val="000000"/>
+                </a:solidFill>
+                <a:latin typeface="Roboto"/>
+                <a:ea typeface="Roboto"/>
+              </a:rPr>
+              <a:t> </a:t>
+            </a:r>
+            <a:r>
+              <a:rPr lang="de-DE" sz="1800" b="0" strike="noStrike" spc="-1">
+                <a:solidFill>
+                  <a:srgbClr val="000000"/>
+                </a:solidFill>
+                <a:latin typeface="Roboto"/>
+                <a:ea typeface="Roboto"/>
+              </a:rPr>
+              <a:t>geht es zunächst kurz darum, was</a:t>
+            </a:r>
+            <a:r>
+              <a:rPr lang="de-DE" sz="1800" b="1" strike="noStrike" spc="-1">
+                <a:solidFill>
+                  <a:srgbClr val="000000"/>
+                </a:solidFill>
+                <a:latin typeface="Roboto"/>
+                <a:ea typeface="Roboto"/>
+              </a:rPr>
+              <a:t> eine Policy ist</a:t>
+            </a:r>
+            <a:r>
+              <a:rPr lang="de-DE" sz="1800" b="0" strike="noStrike" spc="-1">
+                <a:solidFill>
+                  <a:srgbClr val="000000"/>
+                </a:solidFill>
+                <a:latin typeface="Roboto"/>
+                <a:ea typeface="Roboto"/>
+              </a:rPr>
+              <a:t>. Im Anschluss wird dazu angeregt, Überlegungen anzustellen, </a:t>
+            </a:r>
+            <a:r>
+              <a:rPr lang="de-DE" sz="1800" b="1" strike="noStrike" spc="-1">
+                <a:solidFill>
+                  <a:srgbClr val="000000"/>
+                </a:solidFill>
+                <a:latin typeface="Roboto"/>
+                <a:ea typeface="Roboto"/>
+              </a:rPr>
+              <a:t>welchen Herausforderungen </a:t>
+            </a:r>
+            <a:r>
+              <a:rPr lang="de-DE" sz="1800" b="0" strike="noStrike" spc="-1">
+                <a:solidFill>
+                  <a:srgbClr val="000000"/>
+                </a:solidFill>
+                <a:latin typeface="Roboto"/>
+                <a:ea typeface="Roboto"/>
+              </a:rPr>
+              <a:t>bzw. Problemen in der Lehre durch die Nutzung von OER begegnet werden soll. Diese Überlegungen formen </a:t>
+            </a:r>
+            <a:r>
+              <a:rPr lang="de-DE" sz="1800" b="1" strike="noStrike" spc="-1">
+                <a:solidFill>
+                  <a:srgbClr val="000000"/>
+                </a:solidFill>
+                <a:latin typeface="Roboto"/>
+                <a:ea typeface="Roboto"/>
+              </a:rPr>
+              <a:t>die Vision, den Kern der Policy</a:t>
+            </a:r>
+            <a:r>
+              <a:rPr lang="de-DE" sz="1800" b="0" strike="noStrike" spc="-1">
+                <a:solidFill>
+                  <a:srgbClr val="000000"/>
+                </a:solidFill>
+                <a:latin typeface="Roboto"/>
+                <a:ea typeface="Roboto"/>
+              </a:rPr>
+              <a:t>. </a:t>
+            </a:r>
+            <a:endParaRPr lang="de-DE" sz="1800" b="0" strike="noStrike" spc="-1">
+              <a:latin typeface="Arial"/>
+            </a:endParaRPr>
+          </a:p>
+          <a:p>
+            <a:pPr>
+              <a:lnSpc>
+                <a:spcPct val="115000"/>
+              </a:lnSpc>
+              <a:buNone/>
+            </a:pPr>
+            <a:r>
+              <a:rPr lang="de-DE" sz="1800" b="0" strike="noStrike" spc="-1">
+                <a:solidFill>
+                  <a:srgbClr val="000000"/>
+                </a:solidFill>
+                <a:latin typeface="Roboto"/>
+                <a:ea typeface="Roboto"/>
+              </a:rPr>
+              <a:t>Hierbei sollen drei Perspektiven helfen das Denken zu strukturieren </a:t>
+            </a:r>
+            <a:endParaRPr lang="de-DE" sz="1800" b="0" strike="noStrike" spc="-1">
+              <a:latin typeface="Arial"/>
+            </a:endParaRPr>
+          </a:p>
+          <a:p>
+            <a:pPr marL="800280" lvl="1" indent="-343080">
+              <a:lnSpc>
+                <a:spcPct val="115000"/>
+              </a:lnSpc>
+              <a:buClr>
+                <a:srgbClr val="000000"/>
+              </a:buClr>
+              <a:buFont typeface="StarSymbol"/>
+              <a:buAutoNum type="arabicParenR"/>
+            </a:pPr>
+            <a:r>
+              <a:rPr lang="de-DE" sz="1800" b="0" strike="noStrike" spc="-1">
+                <a:solidFill>
+                  <a:srgbClr val="000000"/>
+                </a:solidFill>
+                <a:latin typeface="Roboto"/>
+                <a:ea typeface="Roboto"/>
+              </a:rPr>
+              <a:t>Seeing ahead and behind, </a:t>
+            </a:r>
+            <a:endParaRPr lang="de-DE" sz="1800" b="0" strike="noStrike" spc="-1">
+              <a:latin typeface="Arial"/>
+            </a:endParaRPr>
+          </a:p>
+          <a:p>
+            <a:pPr marL="800280" lvl="1" indent="-343080">
+              <a:lnSpc>
+                <a:spcPct val="115000"/>
+              </a:lnSpc>
+              <a:buClr>
+                <a:srgbClr val="000000"/>
+              </a:buClr>
+              <a:buFont typeface="StarSymbol"/>
+              <a:buAutoNum type="arabicParenR"/>
+            </a:pPr>
+            <a:r>
+              <a:rPr lang="de-DE" sz="1800" b="0" strike="noStrike" spc="-1">
+                <a:solidFill>
+                  <a:srgbClr val="000000"/>
+                </a:solidFill>
+                <a:latin typeface="Roboto"/>
+                <a:ea typeface="Roboto"/>
+              </a:rPr>
+              <a:t>down and below und </a:t>
+            </a:r>
+            <a:endParaRPr lang="de-DE" sz="1800" b="0" strike="noStrike" spc="-1">
+              <a:latin typeface="Arial"/>
+            </a:endParaRPr>
+          </a:p>
+          <a:p>
+            <a:pPr marL="800280" lvl="1" indent="-343080">
+              <a:lnSpc>
+                <a:spcPct val="115000"/>
+              </a:lnSpc>
+              <a:buClr>
+                <a:srgbClr val="000000"/>
+              </a:buClr>
+              <a:buFont typeface="StarSymbol"/>
+              <a:buAutoNum type="arabicParenR"/>
+            </a:pPr>
+            <a:r>
+              <a:rPr lang="de-DE" sz="1800" b="0" strike="noStrike" spc="-1">
+                <a:solidFill>
+                  <a:srgbClr val="000000"/>
+                </a:solidFill>
+                <a:latin typeface="Roboto"/>
+                <a:ea typeface="Roboto"/>
+              </a:rPr>
+              <a:t>beside and beyond </a:t>
+            </a:r>
+            <a:endParaRPr lang="de-DE" sz="1800" b="0" strike="noStrike" spc="-1">
+              <a:latin typeface="Arial"/>
+            </a:endParaRPr>
+          </a:p>
+          <a:p>
+            <a:pPr>
+              <a:lnSpc>
+                <a:spcPct val="115000"/>
+              </a:lnSpc>
+              <a:buNone/>
+            </a:pPr>
+            <a:endParaRPr lang="de-DE" sz="1800" b="0" strike="noStrike" spc="-1">
+              <a:latin typeface="Arial"/>
+            </a:endParaRPr>
+          </a:p>
+          <a:p>
+            <a:pPr>
+              <a:lnSpc>
+                <a:spcPct val="115000"/>
+              </a:lnSpc>
+              <a:buNone/>
+            </a:pPr>
+            <a:r>
+              <a:rPr lang="de-DE" sz="1800" b="0" strike="noStrike" spc="-1">
+                <a:solidFill>
+                  <a:srgbClr val="000000"/>
+                </a:solidFill>
+                <a:latin typeface="Roboto"/>
+                <a:ea typeface="Roboto"/>
+              </a:rPr>
+              <a:t>Außerdem soll sich darüber Gedanken gemacht werden, in welchem Ausmaß OER in das Lehren und Lernen integriert werden soll: </a:t>
+            </a:r>
+            <a:endParaRPr lang="de-DE" sz="1800" b="0" strike="noStrike" spc="-1">
+              <a:latin typeface="Arial"/>
+            </a:endParaRPr>
+          </a:p>
+          <a:p>
+            <a:pPr marL="800280" lvl="1" indent="-343080">
+              <a:lnSpc>
+                <a:spcPct val="115000"/>
+              </a:lnSpc>
+              <a:buClr>
+                <a:srgbClr val="000000"/>
+              </a:buClr>
+              <a:buFont typeface="StarSymbol"/>
+              <a:buAutoNum type="arabicParenR"/>
+            </a:pPr>
+            <a:r>
+              <a:rPr lang="de-DE" sz="1800" b="0" strike="noStrike" spc="-1">
+                <a:solidFill>
+                  <a:srgbClr val="000000"/>
+                </a:solidFill>
+                <a:latin typeface="Roboto"/>
+                <a:ea typeface="Roboto"/>
+              </a:rPr>
+              <a:t>Substitution </a:t>
+            </a:r>
+            <a:endParaRPr lang="de-DE" sz="1800" b="0" strike="noStrike" spc="-1">
+              <a:latin typeface="Arial"/>
+            </a:endParaRPr>
+          </a:p>
+          <a:p>
+            <a:pPr marL="800280" lvl="1" indent="-343080">
+              <a:lnSpc>
+                <a:spcPct val="115000"/>
+              </a:lnSpc>
+              <a:buClr>
+                <a:srgbClr val="000000"/>
+              </a:buClr>
+              <a:buFont typeface="StarSymbol"/>
+              <a:buAutoNum type="arabicParenR"/>
+            </a:pPr>
+            <a:r>
+              <a:rPr lang="de-DE" sz="1800" b="0" strike="noStrike" spc="-1">
+                <a:solidFill>
+                  <a:srgbClr val="000000"/>
+                </a:solidFill>
+                <a:latin typeface="Roboto"/>
+                <a:ea typeface="Roboto"/>
+              </a:rPr>
+              <a:t>Augmentation </a:t>
+            </a:r>
+            <a:endParaRPr lang="de-DE" sz="1800" b="0" strike="noStrike" spc="-1">
+              <a:latin typeface="Arial"/>
+            </a:endParaRPr>
+          </a:p>
+          <a:p>
+            <a:pPr marL="800280" lvl="1" indent="-343080">
+              <a:lnSpc>
+                <a:spcPct val="115000"/>
+              </a:lnSpc>
+              <a:buClr>
+                <a:srgbClr val="000000"/>
+              </a:buClr>
+              <a:buFont typeface="StarSymbol"/>
+              <a:buAutoNum type="arabicParenR"/>
+            </a:pPr>
+            <a:r>
+              <a:rPr lang="de-DE" sz="1800" b="0" strike="noStrike" spc="-1">
+                <a:solidFill>
+                  <a:srgbClr val="000000"/>
+                </a:solidFill>
+                <a:latin typeface="Roboto"/>
+                <a:ea typeface="Roboto"/>
+              </a:rPr>
+              <a:t>Modification und </a:t>
+            </a:r>
+            <a:endParaRPr lang="de-DE" sz="1800" b="0" strike="noStrike" spc="-1">
+              <a:latin typeface="Arial"/>
+            </a:endParaRPr>
+          </a:p>
+          <a:p>
+            <a:pPr marL="800280" lvl="1" indent="-343080">
+              <a:lnSpc>
+                <a:spcPct val="115000"/>
+              </a:lnSpc>
+              <a:buClr>
+                <a:srgbClr val="000000"/>
+              </a:buClr>
+              <a:buFont typeface="StarSymbol"/>
+              <a:buAutoNum type="arabicParenR"/>
+            </a:pPr>
+            <a:r>
+              <a:rPr lang="de-DE" sz="1800" b="0" strike="noStrike" spc="-1">
+                <a:solidFill>
+                  <a:srgbClr val="000000"/>
+                </a:solidFill>
+                <a:latin typeface="Roboto"/>
+                <a:ea typeface="Roboto"/>
+              </a:rPr>
+              <a:t>Redefinition.</a:t>
+            </a:r>
+            <a:endParaRPr lang="de-DE" sz="1800" b="0" strike="noStrike" spc="-1">
+              <a:latin typeface="Arial"/>
+            </a:endParaRPr>
+          </a:p>
+        </p:txBody>
+      </p:sp>
+      <p:pic>
+        <p:nvPicPr>
+          <p:cNvPr id="59" name="Grafik 9">
             <a:hlinkClick r:id="rId3"/>
           </p:cNvPr>
           <p:cNvPicPr/>
@@ -4025,14 +5956,14 @@
       </p:pic>
       <p:sp>
         <p:nvSpPr>
-          <p:cNvPr id="55" name="Textfeld 9"/>
+          <p:cNvPr id="60" name="Textfeld 10"/>
           <p:cNvSpPr/>
           <p:nvPr/>
         </p:nvSpPr>
         <p:spPr>
           <a:xfrm>
-            <a:off x="5328720" y="6266160"/>
-            <a:ext cx="7227360" cy="576360"/>
+            <a:off x="5328720" y="6300280"/>
+            <a:ext cx="7227360" cy="337100"/>
           </a:xfrm>
           <a:prstGeom prst="rect">
             <a:avLst/>
@@ -4043,15 +5974,22 @@
           </a:ln>
         </p:spPr>
         <p:style>
-          <a:lnRef idx="0"/>
-          <a:fillRef idx="0"/>
-          <a:effectRef idx="0"/>
+          <a:lnRef idx="0">
+            <a:scrgbClr r="0" g="0" b="0"/>
+          </a:lnRef>
+          <a:fillRef idx="0">
+            <a:scrgbClr r="0" g="0" b="0"/>
+          </a:fillRef>
+          <a:effectRef idx="0">
+            <a:scrgbClr r="0" g="0" b="0"/>
+          </a:effectRef>
           <a:fontRef idx="minor"/>
         </p:style>
         <p:txBody>
-          <a:bodyPr lIns="90000" rIns="90000" tIns="45000" bIns="45000" anchor="t">
+          <a:bodyPr lIns="90000" tIns="45000" rIns="90000" bIns="45000" anchor="t">
             <a:spAutoFit/>
           </a:bodyPr>
+          <a:lstStyle/>
           <a:p>
             <a:pPr>
               <a:lnSpc>
@@ -4060,291 +5998,163 @@
               <a:buNone/>
             </a:pPr>
             <a:r>
-              <a:rPr b="0" lang="en-US" sz="800" spc="-1" strike="noStrike">
-                <a:solidFill>
-                  <a:srgbClr val="000000"/>
-                </a:solidFill>
-                <a:latin typeface="Calibri"/>
-              </a:rPr>
-              <a:t>Quelle: Guidelines on the development of open educational resources policies: UNESCO &amp; COMMONWEALTH OF LEARNING (2019) </a:t>
+              <a:rPr lang="en-US" sz="800" b="0" strike="noStrike" spc="-1" dirty="0" smtClean="0">
+                <a:solidFill>
+                  <a:srgbClr val="000000"/>
+                </a:solidFill>
+                <a:latin typeface="Calibri"/>
+                <a:hlinkClick r:id="rId5"/>
+              </a:rPr>
+              <a:t>Guidelines on the development of open educational resources policies</a:t>
+            </a:r>
+            <a:r>
+              <a:rPr lang="en-US" sz="800" b="0" strike="noStrike" spc="-1" dirty="0" smtClean="0">
+                <a:solidFill>
+                  <a:srgbClr val="000000"/>
+                </a:solidFill>
+                <a:latin typeface="Calibri"/>
+              </a:rPr>
+              <a:t> von UNESCO &amp; COMMONWEALTH OF LEARNING </a:t>
+            </a:r>
+            <a:r>
+              <a:rPr lang="en-US" sz="800" spc="-1" dirty="0" err="1" smtClean="0">
+                <a:solidFill>
+                  <a:srgbClr val="000000"/>
+                </a:solidFill>
+                <a:latin typeface="Calibri"/>
+              </a:rPr>
+              <a:t>lizenziert</a:t>
+            </a:r>
+            <a:r>
+              <a:rPr lang="en-US" sz="800" spc="-1" dirty="0" smtClean="0">
+                <a:solidFill>
+                  <a:srgbClr val="000000"/>
+                </a:solidFill>
+                <a:latin typeface="Calibri"/>
+              </a:rPr>
+              <a:t> </a:t>
+            </a:r>
+            <a:r>
+              <a:rPr lang="en-US" sz="800" spc="-1" dirty="0" err="1" smtClean="0">
+                <a:solidFill>
+                  <a:srgbClr val="000000"/>
+                </a:solidFill>
+                <a:latin typeface="Calibri"/>
+              </a:rPr>
+              <a:t>unter</a:t>
+            </a:r>
+            <a:r>
+              <a:rPr lang="en-US" sz="800" spc="-1" dirty="0" smtClean="0">
+                <a:solidFill>
+                  <a:srgbClr val="000000"/>
+                </a:solidFill>
+                <a:latin typeface="Calibri"/>
+              </a:rPr>
+              <a:t> </a:t>
+            </a:r>
+            <a:r>
+              <a:rPr lang="en-US" sz="800" spc="-1" dirty="0" smtClean="0">
+                <a:solidFill>
+                  <a:srgbClr val="000000"/>
+                </a:solidFill>
+                <a:latin typeface="Calibri"/>
+                <a:hlinkClick r:id="rId6"/>
+              </a:rPr>
+              <a:t>CC BY-SA</a:t>
+            </a:r>
+            <a:r>
+              <a:rPr lang="en-US" sz="800" dirty="0" smtClean="0"/>
+              <a:t/>
             </a:r>
             <a:br>
-              <a:rPr sz="800"/>
+              <a:rPr lang="en-US" sz="800" dirty="0" smtClean="0"/>
             </a:br>
             <a:r>
-              <a:rPr b="0" lang="en-US" sz="800" spc="-1" strike="noStrike" u="sng">
-                <a:solidFill>
-                  <a:srgbClr val="0563c1"/>
-                </a:solidFill>
-                <a:uFillTx/>
-                <a:latin typeface="Calibri"/>
-                <a:hlinkClick r:id="rId5"/>
-              </a:rPr>
-              <a:t>https://www.unesco.de/sites/default/files/2020-01/Guidelines_on_the_Development_of_OER_Policies_2019.pdf</a:t>
-            </a:r>
-            <a:endParaRPr b="0" lang="de-DE" sz="800" spc="-1" strike="noStrike">
-              <a:latin typeface="Arial"/>
-            </a:endParaRPr>
-          </a:p>
-          <a:p>
-            <a:pPr>
-              <a:lnSpc>
-                <a:spcPct val="100000"/>
-              </a:lnSpc>
-              <a:buNone/>
-            </a:pPr>
-            <a:r>
-              <a:rPr b="0" lang="en-US" sz="800" spc="-1" strike="noStrike">
-                <a:solidFill>
-                  <a:srgbClr val="000000"/>
-                </a:solidFill>
-                <a:latin typeface="Calibri"/>
-              </a:rPr>
-              <a:t>Deutsche Zusammenfassung für das OER Policy Kit: Frank Homp (2024)</a:t>
-            </a:r>
-            <a:br>
-              <a:rPr sz="800"/>
-            </a:br>
-            <a:r>
-              <a:rPr b="0" lang="en-US" sz="800" spc="-1" strike="noStrike">
-                <a:solidFill>
-                  <a:srgbClr val="000000"/>
-                </a:solidFill>
-                <a:latin typeface="Calibri"/>
-              </a:rPr>
-              <a:t>[[Link]]</a:t>
-            </a:r>
-            <a:endParaRPr b="0" lang="de-DE" sz="800" spc="-1" strike="noStrike">
-              <a:latin typeface="Arial"/>
-            </a:endParaRPr>
-          </a:p>
-        </p:txBody>
-      </p:sp>
-      <p:sp>
-        <p:nvSpPr>
-          <p:cNvPr id="56" name="Textfeld 11"/>
-          <p:cNvSpPr/>
-          <p:nvPr/>
-        </p:nvSpPr>
-        <p:spPr>
-          <a:xfrm>
-            <a:off x="4336920" y="441360"/>
-            <a:ext cx="6165360" cy="4204440"/>
-          </a:xfrm>
-          <a:prstGeom prst="rect">
-            <a:avLst/>
-          </a:prstGeom>
-          <a:noFill/>
-          <a:ln w="0">
-            <a:noFill/>
-          </a:ln>
-        </p:spPr>
-        <p:style>
-          <a:lnRef idx="0"/>
-          <a:fillRef idx="0"/>
-          <a:effectRef idx="0"/>
-          <a:fontRef idx="minor"/>
-        </p:style>
-        <p:txBody>
-          <a:bodyPr lIns="90000" rIns="90000" tIns="45000" bIns="45000" anchor="t">
-            <a:spAutoFit/>
-          </a:bodyPr>
-          <a:p>
-            <a:pPr>
-              <a:lnSpc>
-                <a:spcPct val="100000"/>
-              </a:lnSpc>
-              <a:buNone/>
-            </a:pPr>
-            <a:r>
-              <a:rPr b="1" lang="de-DE" sz="1800" spc="-1" strike="noStrike">
-                <a:solidFill>
-                  <a:srgbClr val="000000"/>
-                </a:solidFill>
-                <a:latin typeface="Roboto"/>
-                <a:ea typeface="Roboto"/>
-              </a:rPr>
-              <a:t>Das erste Kapitel: “</a:t>
-            </a:r>
-            <a:r>
-              <a:rPr b="1" i="1" lang="de-DE" sz="1800" spc="-1" strike="noStrike">
-                <a:solidFill>
-                  <a:srgbClr val="000000"/>
-                </a:solidFill>
-                <a:latin typeface="Roboto"/>
-                <a:ea typeface="Roboto"/>
-              </a:rPr>
-              <a:t>Understanding the potential of OER</a:t>
-            </a:r>
-            <a:r>
-              <a:rPr b="1" lang="de-DE" sz="1800" spc="-1" strike="noStrike">
-                <a:solidFill>
-                  <a:srgbClr val="000000"/>
-                </a:solidFill>
-                <a:latin typeface="Roboto"/>
-                <a:ea typeface="Roboto"/>
-              </a:rPr>
-              <a:t>”</a:t>
-            </a:r>
-            <a:r>
-              <a:rPr b="0" lang="de-DE" sz="1800" spc="-1" strike="noStrike">
-                <a:solidFill>
-                  <a:srgbClr val="000000"/>
-                </a:solidFill>
-                <a:latin typeface="Roboto"/>
-                <a:ea typeface="Roboto"/>
-              </a:rPr>
-              <a:t> führt zunächst noch einmal grundlegend in das Konzept OER ein. Hierbei wird auch (ausführlich) auf offene Lizenzen eingegangen. </a:t>
-            </a:r>
-            <a:endParaRPr b="0" lang="de-DE" sz="1800" spc="-1" strike="noStrike">
-              <a:latin typeface="Arial"/>
-            </a:endParaRPr>
-          </a:p>
-          <a:p>
-            <a:pPr>
-              <a:lnSpc>
-                <a:spcPct val="100000"/>
-              </a:lnSpc>
-              <a:buNone/>
-            </a:pPr>
-            <a:endParaRPr b="0" lang="de-DE" sz="1800" spc="-1" strike="noStrike">
-              <a:latin typeface="Arial"/>
-            </a:endParaRPr>
-          </a:p>
-          <a:p>
-            <a:pPr>
-              <a:lnSpc>
-                <a:spcPct val="100000"/>
-              </a:lnSpc>
-              <a:buNone/>
-            </a:pPr>
-            <a:r>
-              <a:rPr b="0" lang="de-DE" sz="1800" spc="-1" strike="noStrike">
-                <a:solidFill>
-                  <a:srgbClr val="000000"/>
-                </a:solidFill>
-                <a:latin typeface="Roboto"/>
-                <a:ea typeface="Roboto"/>
-              </a:rPr>
-              <a:t>Ein Schwerpunkt des Kapitels bildet eine ausführliche Erläuterung des Zusammenhangs zwischen OER und den Sustainable Development Goals (SDG) der UN, insbesondere dem 4. SDG “</a:t>
-            </a:r>
-            <a:r>
-              <a:rPr b="0" i="1" lang="de-DE" sz="1800" spc="-1" strike="noStrike">
-                <a:solidFill>
-                  <a:srgbClr val="000000"/>
-                </a:solidFill>
-                <a:latin typeface="Roboto"/>
-                <a:ea typeface="Roboto"/>
-              </a:rPr>
-              <a:t>Chancengerechte und hochwertige Bildung</a:t>
-            </a:r>
-            <a:r>
-              <a:rPr b="0" lang="de-DE" sz="1800" spc="-1" strike="noStrike">
-                <a:solidFill>
-                  <a:srgbClr val="000000"/>
-                </a:solidFill>
-                <a:latin typeface="Roboto"/>
-                <a:ea typeface="Roboto"/>
-              </a:rPr>
-              <a:t>”. </a:t>
-            </a:r>
-            <a:endParaRPr b="0" lang="de-DE" sz="1800" spc="-1" strike="noStrike">
-              <a:latin typeface="Arial"/>
-            </a:endParaRPr>
-          </a:p>
-          <a:p>
-            <a:pPr>
-              <a:lnSpc>
-                <a:spcPct val="100000"/>
-              </a:lnSpc>
-              <a:buNone/>
-            </a:pPr>
-            <a:endParaRPr b="0" lang="de-DE" sz="1800" spc="-1" strike="noStrike">
-              <a:latin typeface="Arial"/>
-            </a:endParaRPr>
-          </a:p>
-          <a:p>
-            <a:pPr>
-              <a:lnSpc>
-                <a:spcPct val="100000"/>
-              </a:lnSpc>
-              <a:buNone/>
-            </a:pPr>
-            <a:r>
-              <a:rPr b="0" lang="de-DE" sz="1800" spc="-1" strike="noStrike">
-                <a:solidFill>
-                  <a:srgbClr val="000000"/>
-                </a:solidFill>
-                <a:latin typeface="Roboto"/>
-                <a:ea typeface="Roboto"/>
-              </a:rPr>
-              <a:t>(Siehe hierzu auch im Kapitel 1 des Policy Kits der Abschnitt “</a:t>
-            </a:r>
-            <a:r>
-              <a:rPr b="0" lang="de-DE" sz="1800" spc="-1" strike="noStrike" u="sng">
-                <a:solidFill>
-                  <a:srgbClr val="0563c1"/>
-                </a:solidFill>
-                <a:uFillTx/>
-                <a:latin typeface="Roboto"/>
-                <a:ea typeface="Roboto"/>
-                <a:hlinkClick r:id="rId6"/>
-              </a:rPr>
-              <a:t>Themen</a:t>
-            </a:r>
-            <a:r>
-              <a:rPr b="0" lang="de-DE" sz="1800" spc="-1" strike="noStrike">
-                <a:solidFill>
-                  <a:srgbClr val="000000"/>
-                </a:solidFill>
-                <a:latin typeface="Roboto"/>
-                <a:ea typeface="Roboto"/>
-              </a:rPr>
-              <a:t>” oder der Exkurs “</a:t>
-            </a:r>
-            <a:r>
-              <a:rPr b="0" lang="de-DE" sz="1800" spc="-1" strike="noStrike" u="sng">
-                <a:solidFill>
-                  <a:srgbClr val="0563c1"/>
-                </a:solidFill>
-                <a:uFillTx/>
-                <a:latin typeface="Roboto"/>
-                <a:ea typeface="Roboto"/>
+              <a:rPr lang="en-US" sz="800" b="0" strike="noStrike" spc="-1" dirty="0" smtClean="0">
+                <a:solidFill>
+                  <a:srgbClr val="000000"/>
+                </a:solidFill>
+                <a:latin typeface="Calibri"/>
+              </a:rPr>
+              <a:t>Deutsche </a:t>
+            </a:r>
+            <a:r>
+              <a:rPr lang="en-US" sz="800" b="0" strike="noStrike" spc="-1" dirty="0" err="1" smtClean="0">
+                <a:solidFill>
+                  <a:srgbClr val="000000"/>
+                </a:solidFill>
+                <a:latin typeface="Calibri"/>
+              </a:rPr>
+              <a:t>Zusammenfassung</a:t>
+            </a:r>
+            <a:r>
+              <a:rPr lang="en-US" sz="800" b="0" strike="noStrike" spc="-1" dirty="0" smtClean="0">
+                <a:solidFill>
+                  <a:srgbClr val="000000"/>
+                </a:solidFill>
+                <a:latin typeface="Calibri"/>
+              </a:rPr>
+              <a:t> </a:t>
+            </a:r>
+            <a:r>
+              <a:rPr lang="en-US" sz="800" b="0" strike="noStrike" spc="-1" dirty="0" err="1" smtClean="0">
+                <a:solidFill>
+                  <a:srgbClr val="000000"/>
+                </a:solidFill>
+                <a:latin typeface="Calibri"/>
+              </a:rPr>
+              <a:t>für</a:t>
+            </a:r>
+            <a:r>
+              <a:rPr lang="en-US" sz="800" b="0" strike="noStrike" spc="-1" dirty="0" smtClean="0">
+                <a:solidFill>
+                  <a:srgbClr val="000000"/>
+                </a:solidFill>
+                <a:latin typeface="Calibri"/>
+              </a:rPr>
+              <a:t> das </a:t>
+            </a:r>
+            <a:r>
+              <a:rPr lang="en-US" sz="800" b="0" strike="noStrike" spc="-1" dirty="0" smtClean="0">
+                <a:solidFill>
+                  <a:srgbClr val="000000"/>
+                </a:solidFill>
+                <a:latin typeface="Calibri"/>
                 <a:hlinkClick r:id="rId7"/>
               </a:rPr>
-              <a:t>OER und Nachhaltigkeit</a:t>
-            </a:r>
-            <a:r>
-              <a:rPr b="0" lang="de-DE" sz="1800" spc="-1" strike="noStrike">
-                <a:solidFill>
-                  <a:srgbClr val="000000"/>
-                </a:solidFill>
-                <a:latin typeface="Roboto"/>
-                <a:ea typeface="Roboto"/>
-              </a:rPr>
-              <a:t>”).</a:t>
-            </a:r>
-            <a:endParaRPr b="0" lang="de-DE" sz="1800" spc="-1" strike="noStrike">
-              <a:latin typeface="Arial"/>
-            </a:endParaRPr>
+              <a:t>OER Policy Kit</a:t>
+            </a:r>
+            <a:r>
+              <a:rPr lang="en-US" sz="800" b="0" strike="noStrike" spc="-1" dirty="0" smtClean="0">
+                <a:solidFill>
+                  <a:srgbClr val="000000"/>
+                </a:solidFill>
+                <a:latin typeface="Calibri"/>
+              </a:rPr>
+              <a:t>: Frank Homp und Yulia Loose (2024)</a:t>
+            </a:r>
+            <a:endParaRPr lang="en-US" sz="800" spc="-1" dirty="0"/>
           </a:p>
         </p:txBody>
       </p:sp>
     </p:spTree>
   </p:cSld>
-  <mc:AlternateContent>
+  <p:clrMapOvr>
+    <a:masterClrMapping/>
+  </p:clrMapOvr>
+  <mc:AlternateContent xmlns:mc="http://schemas.openxmlformats.org/markup-compatibility/2006" xmlns:p14="http://schemas.microsoft.com/office/powerpoint/2010/main">
     <mc:Choice Requires="p14">
       <p:transition spd="slow" p14:dur="2000"/>
     </mc:Choice>
-    <mc:Fallback>
+    <mc:Fallback xmlns="" xmlns:p15="http://schemas.microsoft.com/office/powerpoint/2012/main">
       <p:transition spd="slow"/>
     </mc:Fallback>
   </mc:AlternateContent>
 </p:sld>
 </file>
 
-<file path=ppt/slides/slide4.xml><?xml version="1.0" encoding="utf-8"?>
-<p:sld xmlns:a="http://schemas.openxmlformats.org/drawingml/2006/main" xmlns:p="http://schemas.openxmlformats.org/presentationml/2006/main" xmlns:r="http://schemas.openxmlformats.org/officeDocument/2006/relationships" xmlns:p14="http://schemas.microsoft.com/office/powerpoint/2010/main" xmlns:p15="http://schemas.microsoft.com/office/powerpoint/2012/main" xmlns:mc="http://schemas.openxmlformats.org/markup-compatibility/2006">
+<file path=ppt/slides/slide5.xml><?xml version="1.0" encoding="utf-8"?>
+<p:sld xmlns:a="http://schemas.openxmlformats.org/drawingml/2006/main" xmlns:r="http://schemas.openxmlformats.org/officeDocument/2006/relationships" xmlns:p="http://schemas.openxmlformats.org/presentationml/2006/main">
   <p:cSld>
     <p:spTree>
       <p:nvGrpSpPr>
@@ -4362,557 +6172,12 @@
       </p:grpSpPr>
       <p:pic>
         <p:nvPicPr>
-          <p:cNvPr id="57" name="Grafik 7" descr=""/>
+          <p:cNvPr id="61" name="Grafik 4"/>
           <p:cNvPicPr/>
           <p:nvPr/>
         </p:nvPicPr>
         <p:blipFill>
-          <a:blip r:embed="rId1"/>
-          <a:stretch/>
-        </p:blipFill>
-        <p:spPr>
-          <a:xfrm>
-            <a:off x="-72360" y="0"/>
-            <a:ext cx="12336480" cy="6857640"/>
-          </a:xfrm>
-          <a:prstGeom prst="rect">
-            <a:avLst/>
-          </a:prstGeom>
-          <a:ln w="0">
-            <a:noFill/>
-          </a:ln>
-        </p:spPr>
-      </p:pic>
-      <p:sp>
-        <p:nvSpPr>
-          <p:cNvPr id="58" name="Textfeld 8"/>
-          <p:cNvSpPr/>
-          <p:nvPr/>
-        </p:nvSpPr>
-        <p:spPr>
-          <a:xfrm>
-            <a:off x="4336920" y="441360"/>
-            <a:ext cx="7541280" cy="6081480"/>
-          </a:xfrm>
-          <a:prstGeom prst="rect">
-            <a:avLst/>
-          </a:prstGeom>
-          <a:noFill/>
-          <a:ln w="0">
-            <a:noFill/>
-          </a:ln>
-        </p:spPr>
-        <p:style>
-          <a:lnRef idx="0"/>
-          <a:fillRef idx="0"/>
-          <a:effectRef idx="0"/>
-          <a:fontRef idx="minor"/>
-        </p:style>
-        <p:txBody>
-          <a:bodyPr lIns="90000" rIns="90000" tIns="45000" bIns="45000" anchor="t">
-            <a:spAutoFit/>
-          </a:bodyPr>
-          <a:p>
-            <a:pPr>
-              <a:lnSpc>
-                <a:spcPct val="115000"/>
-              </a:lnSpc>
-              <a:buNone/>
-            </a:pPr>
-            <a:r>
-              <a:rPr b="1" lang="de-DE" sz="1800" spc="-1" strike="noStrike">
-                <a:solidFill>
-                  <a:srgbClr val="000000"/>
-                </a:solidFill>
-                <a:latin typeface="Roboto"/>
-                <a:ea typeface="Roboto"/>
-              </a:rPr>
-              <a:t>Im 2. Kapitel: </a:t>
-            </a:r>
-            <a:r>
-              <a:rPr b="1" i="1" lang="de-DE" sz="1800" spc="-1" strike="noStrike">
-                <a:solidFill>
-                  <a:srgbClr val="000000"/>
-                </a:solidFill>
-                <a:latin typeface="Roboto"/>
-                <a:ea typeface="Roboto"/>
-              </a:rPr>
-              <a:t>“Determining the OER policy vision”</a:t>
-            </a:r>
-            <a:r>
-              <a:rPr b="1" lang="de-DE" sz="1800" spc="-1" strike="noStrike">
-                <a:solidFill>
-                  <a:srgbClr val="000000"/>
-                </a:solidFill>
-                <a:latin typeface="Roboto"/>
-                <a:ea typeface="Roboto"/>
-              </a:rPr>
-              <a:t> </a:t>
-            </a:r>
-            <a:r>
-              <a:rPr b="0" lang="de-DE" sz="1800" spc="-1" strike="noStrike">
-                <a:solidFill>
-                  <a:srgbClr val="000000"/>
-                </a:solidFill>
-                <a:latin typeface="Roboto"/>
-                <a:ea typeface="Roboto"/>
-              </a:rPr>
-              <a:t>geht es zunächst kurz darum, was</a:t>
-            </a:r>
-            <a:r>
-              <a:rPr b="1" lang="de-DE" sz="1800" spc="-1" strike="noStrike">
-                <a:solidFill>
-                  <a:srgbClr val="000000"/>
-                </a:solidFill>
-                <a:latin typeface="Roboto"/>
-                <a:ea typeface="Roboto"/>
-              </a:rPr>
-              <a:t> eine Policy ist</a:t>
-            </a:r>
-            <a:r>
-              <a:rPr b="0" lang="de-DE" sz="1800" spc="-1" strike="noStrike">
-                <a:solidFill>
-                  <a:srgbClr val="000000"/>
-                </a:solidFill>
-                <a:latin typeface="Roboto"/>
-                <a:ea typeface="Roboto"/>
-              </a:rPr>
-              <a:t>. Im Anschluss wird dazu angeregt, Überlegungen anzustellen, </a:t>
-            </a:r>
-            <a:r>
-              <a:rPr b="1" lang="de-DE" sz="1800" spc="-1" strike="noStrike">
-                <a:solidFill>
-                  <a:srgbClr val="000000"/>
-                </a:solidFill>
-                <a:latin typeface="Roboto"/>
-                <a:ea typeface="Roboto"/>
-              </a:rPr>
-              <a:t>welchen Herausforderungen </a:t>
-            </a:r>
-            <a:r>
-              <a:rPr b="0" lang="de-DE" sz="1800" spc="-1" strike="noStrike">
-                <a:solidFill>
-                  <a:srgbClr val="000000"/>
-                </a:solidFill>
-                <a:latin typeface="Roboto"/>
-                <a:ea typeface="Roboto"/>
-              </a:rPr>
-              <a:t>bzw. Problemen in der Lehre durch die Nutzung von OER begegnet werden soll. Diese Überlegungen formen </a:t>
-            </a:r>
-            <a:r>
-              <a:rPr b="1" lang="de-DE" sz="1800" spc="-1" strike="noStrike">
-                <a:solidFill>
-                  <a:srgbClr val="000000"/>
-                </a:solidFill>
-                <a:latin typeface="Roboto"/>
-                <a:ea typeface="Roboto"/>
-              </a:rPr>
-              <a:t>die Vision, den Kern der Policy</a:t>
-            </a:r>
-            <a:r>
-              <a:rPr b="0" lang="de-DE" sz="1800" spc="-1" strike="noStrike">
-                <a:solidFill>
-                  <a:srgbClr val="000000"/>
-                </a:solidFill>
-                <a:latin typeface="Roboto"/>
-                <a:ea typeface="Roboto"/>
-              </a:rPr>
-              <a:t>. </a:t>
-            </a:r>
-            <a:endParaRPr b="0" lang="de-DE" sz="1800" spc="-1" strike="noStrike">
-              <a:latin typeface="Arial"/>
-            </a:endParaRPr>
-          </a:p>
-          <a:p>
-            <a:pPr>
-              <a:lnSpc>
-                <a:spcPct val="115000"/>
-              </a:lnSpc>
-              <a:buNone/>
-            </a:pPr>
-            <a:r>
-              <a:rPr b="0" lang="de-DE" sz="1800" spc="-1" strike="noStrike">
-                <a:solidFill>
-                  <a:srgbClr val="000000"/>
-                </a:solidFill>
-                <a:latin typeface="Roboto"/>
-                <a:ea typeface="Roboto"/>
-              </a:rPr>
-              <a:t>Hierbei sollen drei Perspektiven helfen das Denken zu strukturieren </a:t>
-            </a:r>
-            <a:endParaRPr b="0" lang="de-DE" sz="1800" spc="-1" strike="noStrike">
-              <a:latin typeface="Arial"/>
-            </a:endParaRPr>
-          </a:p>
-          <a:p>
-            <a:pPr lvl="1" marL="800280" indent="-343080">
-              <a:lnSpc>
-                <a:spcPct val="115000"/>
-              </a:lnSpc>
-              <a:buClr>
-                <a:srgbClr val="000000"/>
-              </a:buClr>
-              <a:buFont typeface="StarSymbol"/>
-              <a:buAutoNum type="arabicParenR"/>
-            </a:pPr>
-            <a:r>
-              <a:rPr b="0" lang="de-DE" sz="1800" spc="-1" strike="noStrike">
-                <a:solidFill>
-                  <a:srgbClr val="000000"/>
-                </a:solidFill>
-                <a:latin typeface="Roboto"/>
-                <a:ea typeface="Roboto"/>
-              </a:rPr>
-              <a:t>Seeing ahead and behind, </a:t>
-            </a:r>
-            <a:endParaRPr b="0" lang="de-DE" sz="1800" spc="-1" strike="noStrike">
-              <a:latin typeface="Arial"/>
-            </a:endParaRPr>
-          </a:p>
-          <a:p>
-            <a:pPr lvl="1" marL="800280" indent="-343080">
-              <a:lnSpc>
-                <a:spcPct val="115000"/>
-              </a:lnSpc>
-              <a:buClr>
-                <a:srgbClr val="000000"/>
-              </a:buClr>
-              <a:buFont typeface="StarSymbol"/>
-              <a:buAutoNum type="arabicParenR"/>
-            </a:pPr>
-            <a:r>
-              <a:rPr b="0" lang="de-DE" sz="1800" spc="-1" strike="noStrike">
-                <a:solidFill>
-                  <a:srgbClr val="000000"/>
-                </a:solidFill>
-                <a:latin typeface="Roboto"/>
-                <a:ea typeface="Roboto"/>
-              </a:rPr>
-              <a:t>down and below und </a:t>
-            </a:r>
-            <a:endParaRPr b="0" lang="de-DE" sz="1800" spc="-1" strike="noStrike">
-              <a:latin typeface="Arial"/>
-            </a:endParaRPr>
-          </a:p>
-          <a:p>
-            <a:pPr lvl="1" marL="800280" indent="-343080">
-              <a:lnSpc>
-                <a:spcPct val="115000"/>
-              </a:lnSpc>
-              <a:buClr>
-                <a:srgbClr val="000000"/>
-              </a:buClr>
-              <a:buFont typeface="StarSymbol"/>
-              <a:buAutoNum type="arabicParenR"/>
-            </a:pPr>
-            <a:r>
-              <a:rPr b="0" lang="de-DE" sz="1800" spc="-1" strike="noStrike">
-                <a:solidFill>
-                  <a:srgbClr val="000000"/>
-                </a:solidFill>
-                <a:latin typeface="Roboto"/>
-                <a:ea typeface="Roboto"/>
-              </a:rPr>
-              <a:t>beside and beyond </a:t>
-            </a:r>
-            <a:endParaRPr b="0" lang="de-DE" sz="1800" spc="-1" strike="noStrike">
-              <a:latin typeface="Arial"/>
-            </a:endParaRPr>
-          </a:p>
-          <a:p>
-            <a:pPr>
-              <a:lnSpc>
-                <a:spcPct val="115000"/>
-              </a:lnSpc>
-              <a:buNone/>
-            </a:pPr>
-            <a:endParaRPr b="0" lang="de-DE" sz="1800" spc="-1" strike="noStrike">
-              <a:latin typeface="Arial"/>
-            </a:endParaRPr>
-          </a:p>
-          <a:p>
-            <a:pPr>
-              <a:lnSpc>
-                <a:spcPct val="115000"/>
-              </a:lnSpc>
-              <a:buNone/>
-            </a:pPr>
-            <a:r>
-              <a:rPr b="0" lang="de-DE" sz="1800" spc="-1" strike="noStrike">
-                <a:solidFill>
-                  <a:srgbClr val="000000"/>
-                </a:solidFill>
-                <a:latin typeface="Roboto"/>
-                <a:ea typeface="Roboto"/>
-              </a:rPr>
-              <a:t>Außerdem soll sich darüber Gedanken gemacht werden, in welchem Ausmaß OER in das Lehren und Lernen integriert werden soll: </a:t>
-            </a:r>
-            <a:endParaRPr b="0" lang="de-DE" sz="1800" spc="-1" strike="noStrike">
-              <a:latin typeface="Arial"/>
-            </a:endParaRPr>
-          </a:p>
-          <a:p>
-            <a:pPr lvl="1" marL="800280" indent="-343080">
-              <a:lnSpc>
-                <a:spcPct val="115000"/>
-              </a:lnSpc>
-              <a:buClr>
-                <a:srgbClr val="000000"/>
-              </a:buClr>
-              <a:buFont typeface="StarSymbol"/>
-              <a:buAutoNum type="arabicParenR"/>
-            </a:pPr>
-            <a:r>
-              <a:rPr b="0" lang="de-DE" sz="1800" spc="-1" strike="noStrike">
-                <a:solidFill>
-                  <a:srgbClr val="000000"/>
-                </a:solidFill>
-                <a:latin typeface="Roboto"/>
-                <a:ea typeface="Roboto"/>
-              </a:rPr>
-              <a:t>Substitution </a:t>
-            </a:r>
-            <a:endParaRPr b="0" lang="de-DE" sz="1800" spc="-1" strike="noStrike">
-              <a:latin typeface="Arial"/>
-            </a:endParaRPr>
-          </a:p>
-          <a:p>
-            <a:pPr lvl="1" marL="800280" indent="-343080">
-              <a:lnSpc>
-                <a:spcPct val="115000"/>
-              </a:lnSpc>
-              <a:buClr>
-                <a:srgbClr val="000000"/>
-              </a:buClr>
-              <a:buFont typeface="StarSymbol"/>
-              <a:buAutoNum type="arabicParenR"/>
-            </a:pPr>
-            <a:r>
-              <a:rPr b="0" lang="de-DE" sz="1800" spc="-1" strike="noStrike">
-                <a:solidFill>
-                  <a:srgbClr val="000000"/>
-                </a:solidFill>
-                <a:latin typeface="Roboto"/>
-                <a:ea typeface="Roboto"/>
-              </a:rPr>
-              <a:t>Augmentation </a:t>
-            </a:r>
-            <a:endParaRPr b="0" lang="de-DE" sz="1800" spc="-1" strike="noStrike">
-              <a:latin typeface="Arial"/>
-            </a:endParaRPr>
-          </a:p>
-          <a:p>
-            <a:pPr lvl="1" marL="800280" indent="-343080">
-              <a:lnSpc>
-                <a:spcPct val="115000"/>
-              </a:lnSpc>
-              <a:buClr>
-                <a:srgbClr val="000000"/>
-              </a:buClr>
-              <a:buFont typeface="StarSymbol"/>
-              <a:buAutoNum type="arabicParenR"/>
-            </a:pPr>
-            <a:r>
-              <a:rPr b="0" lang="de-DE" sz="1800" spc="-1" strike="noStrike">
-                <a:solidFill>
-                  <a:srgbClr val="000000"/>
-                </a:solidFill>
-                <a:latin typeface="Roboto"/>
-                <a:ea typeface="Roboto"/>
-              </a:rPr>
-              <a:t>Modification und </a:t>
-            </a:r>
-            <a:endParaRPr b="0" lang="de-DE" sz="1800" spc="-1" strike="noStrike">
-              <a:latin typeface="Arial"/>
-            </a:endParaRPr>
-          </a:p>
-          <a:p>
-            <a:pPr lvl="1" marL="800280" indent="-343080">
-              <a:lnSpc>
-                <a:spcPct val="115000"/>
-              </a:lnSpc>
-              <a:buClr>
-                <a:srgbClr val="000000"/>
-              </a:buClr>
-              <a:buFont typeface="StarSymbol"/>
-              <a:buAutoNum type="arabicParenR"/>
-            </a:pPr>
-            <a:r>
-              <a:rPr b="0" lang="de-DE" sz="1800" spc="-1" strike="noStrike">
-                <a:solidFill>
-                  <a:srgbClr val="000000"/>
-                </a:solidFill>
-                <a:latin typeface="Roboto"/>
-                <a:ea typeface="Roboto"/>
-              </a:rPr>
-              <a:t>Redefinition.</a:t>
-            </a:r>
-            <a:endParaRPr b="0" lang="de-DE" sz="1800" spc="-1" strike="noStrike">
-              <a:latin typeface="Arial"/>
-            </a:endParaRPr>
-          </a:p>
-        </p:txBody>
-      </p:sp>
-      <p:pic>
-        <p:nvPicPr>
-          <p:cNvPr id="59" name="Grafik 9" descr="">
-            <a:hlinkClick r:id="rId2"/>
-          </p:cNvPr>
-          <p:cNvPicPr/>
-          <p:nvPr/>
-        </p:nvPicPr>
-        <p:blipFill>
-          <a:blip r:embed="rId3"/>
-          <a:stretch/>
-        </p:blipFill>
-        <p:spPr>
-          <a:xfrm>
-            <a:off x="4437360" y="6321240"/>
-            <a:ext cx="883080" cy="308880"/>
-          </a:xfrm>
-          <a:prstGeom prst="rect">
-            <a:avLst/>
-          </a:prstGeom>
-          <a:ln w="0">
-            <a:noFill/>
-          </a:ln>
-        </p:spPr>
-      </p:pic>
-      <p:sp>
-        <p:nvSpPr>
-          <p:cNvPr id="60" name="Textfeld 10"/>
-          <p:cNvSpPr/>
-          <p:nvPr/>
-        </p:nvSpPr>
-        <p:spPr>
-          <a:xfrm>
-            <a:off x="5328720" y="6266160"/>
-            <a:ext cx="7227360" cy="576360"/>
-          </a:xfrm>
-          <a:prstGeom prst="rect">
-            <a:avLst/>
-          </a:prstGeom>
-          <a:noFill/>
-          <a:ln w="0">
-            <a:noFill/>
-          </a:ln>
-        </p:spPr>
-        <p:style>
-          <a:lnRef idx="0"/>
-          <a:fillRef idx="0"/>
-          <a:effectRef idx="0"/>
-          <a:fontRef idx="minor"/>
-        </p:style>
-        <p:txBody>
-          <a:bodyPr lIns="90000" rIns="90000" tIns="45000" bIns="45000" anchor="t">
-            <a:spAutoFit/>
-          </a:bodyPr>
-          <a:p>
-            <a:pPr>
-              <a:lnSpc>
-                <a:spcPct val="100000"/>
-              </a:lnSpc>
-              <a:buNone/>
-            </a:pPr>
-            <a:r>
-              <a:rPr b="0" lang="en-US" sz="800" spc="-1" strike="noStrike">
-                <a:solidFill>
-                  <a:srgbClr val="000000"/>
-                </a:solidFill>
-                <a:latin typeface="Calibri"/>
-              </a:rPr>
-              <a:t>Quelle: Guidelines on the development of open educational resources policies: UNESCO &amp; COMMONWEALTH OF LEARNING (2019) </a:t>
-            </a:r>
-            <a:br>
-              <a:rPr sz="800"/>
-            </a:br>
-            <a:r>
-              <a:rPr b="0" lang="en-US" sz="800" spc="-1" strike="noStrike" u="sng">
-                <a:solidFill>
-                  <a:srgbClr val="0563c1"/>
-                </a:solidFill>
-                <a:uFillTx/>
-                <a:latin typeface="Calibri"/>
-                <a:hlinkClick r:id="rId4"/>
-              </a:rPr>
-              <a:t>https://www.unesco.de/sites/default/files/2020-01/Guidelines_on_the_Development_of_OER_Policies_2019.pdf</a:t>
-            </a:r>
-            <a:endParaRPr b="0" lang="de-DE" sz="800" spc="-1" strike="noStrike">
-              <a:latin typeface="Arial"/>
-            </a:endParaRPr>
-          </a:p>
-          <a:p>
-            <a:pPr>
-              <a:lnSpc>
-                <a:spcPct val="100000"/>
-              </a:lnSpc>
-              <a:buNone/>
-            </a:pPr>
-            <a:r>
-              <a:rPr b="0" lang="en-US" sz="800" spc="-1" strike="noStrike">
-                <a:solidFill>
-                  <a:srgbClr val="000000"/>
-                </a:solidFill>
-                <a:latin typeface="Calibri"/>
-              </a:rPr>
-              <a:t>Deutsche Zusammenfassung für das OER Policy Kit: Frank Homp (2024)</a:t>
-            </a:r>
-            <a:br>
-              <a:rPr sz="800"/>
-            </a:br>
-            <a:r>
-              <a:rPr b="0" lang="en-US" sz="800" spc="-1" strike="noStrike">
-                <a:solidFill>
-                  <a:srgbClr val="000000"/>
-                </a:solidFill>
-                <a:latin typeface="Calibri"/>
-              </a:rPr>
-              <a:t>[[Link]]</a:t>
-            </a:r>
-            <a:endParaRPr b="0" lang="de-DE" sz="800" spc="-1" strike="noStrike">
-              <a:latin typeface="Arial"/>
-            </a:endParaRPr>
-          </a:p>
-        </p:txBody>
-      </p:sp>
-    </p:spTree>
-  </p:cSld>
-  <mc:AlternateContent>
-    <mc:Choice Requires="p14">
-      <p:transition spd="slow" p14:dur="2000"/>
-    </mc:Choice>
-    <mc:Fallback>
-      <p:transition spd="slow"/>
-    </mc:Fallback>
-  </mc:AlternateContent>
-</p:sld>
-</file>
-
-<file path=ppt/slides/slide5.xml><?xml version="1.0" encoding="utf-8"?>
-<p:sld xmlns:a="http://schemas.openxmlformats.org/drawingml/2006/main" xmlns:p="http://schemas.openxmlformats.org/presentationml/2006/main" xmlns:r="http://schemas.openxmlformats.org/officeDocument/2006/relationships" xmlns:p14="http://schemas.microsoft.com/office/powerpoint/2010/main" xmlns:p15="http://schemas.microsoft.com/office/powerpoint/2012/main" xmlns:mc="http://schemas.openxmlformats.org/markup-compatibility/2006">
-  <p:cSld>
-    <p:spTree>
-      <p:nvGrpSpPr>
-        <p:cNvPr id="1" name=""/>
-        <p:cNvGrpSpPr/>
-        <p:nvPr/>
-      </p:nvGrpSpPr>
-      <p:grpSpPr>
-        <a:xfrm>
-          <a:off x="0" y="0"/>
-          <a:ext cx="0" cy="0"/>
-          <a:chOff x="0" y="0"/>
-          <a:chExt cx="0" cy="0"/>
-        </a:xfrm>
-      </p:grpSpPr>
-      <p:pic>
-        <p:nvPicPr>
-          <p:cNvPr id="61" name="Grafik 4" descr=""/>
-          <p:cNvPicPr/>
-          <p:nvPr/>
-        </p:nvPicPr>
-        <p:blipFill>
-          <a:blip r:embed="rId1"/>
+          <a:blip r:embed="rId2"/>
           <a:stretch/>
         </p:blipFill>
         <p:spPr>
@@ -4930,1357 +6195,7 @@
       </p:pic>
       <p:pic>
         <p:nvPicPr>
-          <p:cNvPr id="62" name="Grafik 7" descr="">
-            <a:hlinkClick r:id="rId2"/>
-          </p:cNvPr>
-          <p:cNvPicPr/>
-          <p:nvPr/>
-        </p:nvPicPr>
-        <p:blipFill>
-          <a:blip r:embed="rId3"/>
-          <a:stretch/>
-        </p:blipFill>
-        <p:spPr>
-          <a:xfrm>
-            <a:off x="4437360" y="6321240"/>
-            <a:ext cx="883080" cy="308880"/>
-          </a:xfrm>
-          <a:prstGeom prst="rect">
-            <a:avLst/>
-          </a:prstGeom>
-          <a:ln w="0">
-            <a:noFill/>
-          </a:ln>
-        </p:spPr>
-      </p:pic>
-      <p:sp>
-        <p:nvSpPr>
-          <p:cNvPr id="63" name="Textfeld 8"/>
-          <p:cNvSpPr/>
-          <p:nvPr/>
-        </p:nvSpPr>
-        <p:spPr>
-          <a:xfrm>
-            <a:off x="5328720" y="6266160"/>
-            <a:ext cx="7227360" cy="576360"/>
-          </a:xfrm>
-          <a:prstGeom prst="rect">
-            <a:avLst/>
-          </a:prstGeom>
-          <a:noFill/>
-          <a:ln w="0">
-            <a:noFill/>
-          </a:ln>
-        </p:spPr>
-        <p:style>
-          <a:lnRef idx="0"/>
-          <a:fillRef idx="0"/>
-          <a:effectRef idx="0"/>
-          <a:fontRef idx="minor"/>
-        </p:style>
-        <p:txBody>
-          <a:bodyPr lIns="90000" rIns="90000" tIns="45000" bIns="45000" anchor="t">
-            <a:spAutoFit/>
-          </a:bodyPr>
-          <a:p>
-            <a:pPr>
-              <a:lnSpc>
-                <a:spcPct val="100000"/>
-              </a:lnSpc>
-              <a:buNone/>
-            </a:pPr>
-            <a:r>
-              <a:rPr b="0" lang="en-US" sz="800" spc="-1" strike="noStrike">
-                <a:solidFill>
-                  <a:srgbClr val="000000"/>
-                </a:solidFill>
-                <a:latin typeface="Calibri"/>
-              </a:rPr>
-              <a:t>Quelle: Guidelines on the development of open educational resources policies: UNESCO and COMMONWEALTH OF LEARNING (2019) </a:t>
-            </a:r>
-            <a:br>
-              <a:rPr sz="800"/>
-            </a:br>
-            <a:r>
-              <a:rPr b="0" lang="en-US" sz="800" spc="-1" strike="noStrike" u="sng">
-                <a:solidFill>
-                  <a:srgbClr val="0563c1"/>
-                </a:solidFill>
-                <a:uFillTx/>
-                <a:latin typeface="Calibri"/>
-                <a:hlinkClick r:id="rId4"/>
-              </a:rPr>
-              <a:t>https://www.unesco.de/sites/default/files/2020-01/Guidelines_on_the_Development_of_OER_Policies_2019.pdf</a:t>
-            </a:r>
-            <a:endParaRPr b="0" lang="de-DE" sz="800" spc="-1" strike="noStrike">
-              <a:latin typeface="Arial"/>
-            </a:endParaRPr>
-          </a:p>
-          <a:p>
-            <a:pPr>
-              <a:lnSpc>
-                <a:spcPct val="100000"/>
-              </a:lnSpc>
-              <a:buNone/>
-            </a:pPr>
-            <a:r>
-              <a:rPr b="0" lang="en-US" sz="800" spc="-1" strike="noStrike">
-                <a:solidFill>
-                  <a:srgbClr val="000000"/>
-                </a:solidFill>
-                <a:latin typeface="Calibri"/>
-              </a:rPr>
-              <a:t>Deutsche Zusammenfassung für das OER Policy Kit: Frank Homp (2024)</a:t>
-            </a:r>
-            <a:br>
-              <a:rPr sz="800"/>
-            </a:br>
-            <a:r>
-              <a:rPr b="0" lang="en-US" sz="800" spc="-1" strike="noStrike">
-                <a:solidFill>
-                  <a:srgbClr val="000000"/>
-                </a:solidFill>
-                <a:latin typeface="Calibri"/>
-              </a:rPr>
-              <a:t>[[Link]]</a:t>
-            </a:r>
-            <a:endParaRPr b="0" lang="de-DE" sz="800" spc="-1" strike="noStrike">
-              <a:latin typeface="Arial"/>
-            </a:endParaRPr>
-          </a:p>
-        </p:txBody>
-      </p:sp>
-      <p:sp>
-        <p:nvSpPr>
-          <p:cNvPr id="64" name="Textfeld 9"/>
-          <p:cNvSpPr/>
-          <p:nvPr/>
-        </p:nvSpPr>
-        <p:spPr>
-          <a:xfrm>
-            <a:off x="4336920" y="441360"/>
-            <a:ext cx="7541280" cy="5135400"/>
-          </a:xfrm>
-          <a:prstGeom prst="rect">
-            <a:avLst/>
-          </a:prstGeom>
-          <a:noFill/>
-          <a:ln w="0">
-            <a:noFill/>
-          </a:ln>
-        </p:spPr>
-        <p:style>
-          <a:lnRef idx="0"/>
-          <a:fillRef idx="0"/>
-          <a:effectRef idx="0"/>
-          <a:fontRef idx="minor"/>
-        </p:style>
-        <p:txBody>
-          <a:bodyPr lIns="90000" rIns="90000" tIns="45000" bIns="45000" anchor="t">
-            <a:spAutoFit/>
-          </a:bodyPr>
-          <a:p>
-            <a:pPr>
-              <a:lnSpc>
-                <a:spcPct val="115000"/>
-              </a:lnSpc>
-              <a:buNone/>
-            </a:pPr>
-            <a:r>
-              <a:rPr b="1" lang="de-DE" sz="1800" spc="-1" strike="noStrike">
-                <a:solidFill>
-                  <a:srgbClr val="000000"/>
-                </a:solidFill>
-                <a:latin typeface="Roboto"/>
-                <a:ea typeface="Roboto"/>
-              </a:rPr>
-              <a:t>Im 3. Kapitel „Framing the OER policy“</a:t>
-            </a:r>
-            <a:r>
-              <a:rPr b="0" lang="de-DE" sz="1800" spc="-1" strike="noStrike">
-                <a:solidFill>
-                  <a:srgbClr val="000000"/>
-                </a:solidFill>
-                <a:latin typeface="Roboto"/>
-                <a:ea typeface="Roboto"/>
-              </a:rPr>
-              <a:t> kann anhand einer Matrix </a:t>
-            </a:r>
-            <a:r>
-              <a:rPr b="1" lang="de-DE" sz="1800" spc="-1" strike="noStrike">
-                <a:solidFill>
-                  <a:srgbClr val="000000"/>
-                </a:solidFill>
-                <a:latin typeface="Roboto"/>
-                <a:ea typeface="Roboto"/>
-              </a:rPr>
-              <a:t>Ausmaß und Umfang</a:t>
-            </a:r>
-            <a:r>
-              <a:rPr b="0" lang="de-DE" sz="1800" spc="-1" strike="noStrike">
-                <a:solidFill>
-                  <a:srgbClr val="000000"/>
-                </a:solidFill>
-                <a:latin typeface="Roboto"/>
-                <a:ea typeface="Roboto"/>
-              </a:rPr>
-              <a:t> (“scope &amp; scale”) der Policy festgelegt werden.</a:t>
-            </a:r>
-            <a:endParaRPr b="0" lang="de-DE" sz="1800" spc="-1" strike="noStrike">
-              <a:latin typeface="Arial"/>
-            </a:endParaRPr>
-          </a:p>
-          <a:p>
-            <a:pPr>
-              <a:lnSpc>
-                <a:spcPct val="115000"/>
-              </a:lnSpc>
-              <a:buNone/>
-            </a:pPr>
-            <a:endParaRPr b="0" lang="de-DE" sz="1800" spc="-1" strike="noStrike">
-              <a:latin typeface="Arial"/>
-            </a:endParaRPr>
-          </a:p>
-          <a:p>
-            <a:pPr>
-              <a:lnSpc>
-                <a:spcPct val="115000"/>
-              </a:lnSpc>
-              <a:buNone/>
-            </a:pPr>
-            <a:r>
-              <a:rPr b="0" lang="de-DE" sz="1800" spc="-1" strike="noStrike">
-                <a:solidFill>
-                  <a:srgbClr val="000000"/>
-                </a:solidFill>
-                <a:latin typeface="Roboto"/>
-                <a:ea typeface="Roboto"/>
-              </a:rPr>
-              <a:t>Hierbei sollte stets </a:t>
-            </a:r>
-            <a:r>
-              <a:rPr b="1" lang="de-DE" sz="1800" spc="-1" strike="noStrike">
-                <a:solidFill>
-                  <a:srgbClr val="000000"/>
-                </a:solidFill>
-                <a:latin typeface="Roboto"/>
-                <a:ea typeface="Roboto"/>
-              </a:rPr>
-              <a:t>der eigene Kontext</a:t>
-            </a:r>
-            <a:r>
-              <a:rPr b="0" lang="de-DE" sz="1800" spc="-1" strike="noStrike">
-                <a:solidFill>
-                  <a:srgbClr val="000000"/>
-                </a:solidFill>
-                <a:latin typeface="Roboto"/>
-                <a:ea typeface="Roboto"/>
-              </a:rPr>
-              <a:t> (i.e. die Hochschule) leitend sein. Das Kapitel nennt Deutschland als explizites Beispiel dafür, dass hier die Entwicklung von Policies in kleinerem Maßstab (“pilot-based policy”) sinnvoll ist, da man hier das Potenzial von OER erst noch auf experimenteller Basis durch (Pilot-)Projekte auslotet. </a:t>
-            </a:r>
-            <a:endParaRPr b="0" lang="de-DE" sz="1800" spc="-1" strike="noStrike">
-              <a:latin typeface="Arial"/>
-            </a:endParaRPr>
-          </a:p>
-          <a:p>
-            <a:pPr>
-              <a:lnSpc>
-                <a:spcPct val="115000"/>
-              </a:lnSpc>
-              <a:buNone/>
-            </a:pPr>
-            <a:endParaRPr b="0" lang="de-DE" sz="1800" spc="-1" strike="noStrike">
-              <a:latin typeface="Arial"/>
-            </a:endParaRPr>
-          </a:p>
-          <a:p>
-            <a:pPr>
-              <a:lnSpc>
-                <a:spcPct val="115000"/>
-              </a:lnSpc>
-              <a:buNone/>
-            </a:pPr>
-            <a:r>
-              <a:rPr b="0" lang="de-DE" sz="1800" spc="-1" strike="noStrike">
-                <a:solidFill>
-                  <a:srgbClr val="000000"/>
-                </a:solidFill>
-                <a:latin typeface="Roboto"/>
-                <a:ea typeface="Roboto"/>
-              </a:rPr>
-              <a:t>Das Kapitel thematisiert auch, welche Rolle Regulierungen bzw. Vorschriften bei der Umsetzung einer Policy spielen </a:t>
-            </a:r>
-            <a:endParaRPr b="0" lang="de-DE" sz="1800" spc="-1" strike="noStrike">
-              <a:latin typeface="Arial"/>
-            </a:endParaRPr>
-          </a:p>
-          <a:p>
-            <a:pPr>
-              <a:lnSpc>
-                <a:spcPct val="115000"/>
-              </a:lnSpc>
-              <a:buNone/>
-            </a:pPr>
-            <a:endParaRPr b="0" lang="de-DE" sz="1800" spc="-1" strike="noStrike">
-              <a:latin typeface="Arial"/>
-            </a:endParaRPr>
-          </a:p>
-          <a:p>
-            <a:pPr>
-              <a:lnSpc>
-                <a:spcPct val="115000"/>
-              </a:lnSpc>
-              <a:buNone/>
-            </a:pPr>
-            <a:r>
-              <a:rPr b="0" lang="de-DE" sz="1800" spc="-1" strike="noStrike">
-                <a:solidFill>
-                  <a:srgbClr val="000000"/>
-                </a:solidFill>
-                <a:highlight>
-                  <a:srgbClr val="ffff00"/>
-                </a:highlight>
-                <a:latin typeface="Roboto"/>
-                <a:ea typeface="Roboto"/>
-              </a:rPr>
-              <a:t>(siehe Abschnitt: Muster Policy zum Thema  "empfehlend vs verpflichtend”</a:t>
-            </a:r>
-            <a:r>
-              <a:rPr b="0" lang="de-DE" sz="1800" spc="-1" strike="noStrike">
-                <a:solidFill>
-                  <a:srgbClr val="000000"/>
-                </a:solidFill>
-                <a:latin typeface="Roboto"/>
-                <a:ea typeface="Roboto"/>
-              </a:rPr>
-              <a:t>).</a:t>
-            </a:r>
-            <a:endParaRPr b="0" lang="de-DE" sz="1800" spc="-1" strike="noStrike">
-              <a:latin typeface="Arial"/>
-            </a:endParaRPr>
-          </a:p>
-        </p:txBody>
-      </p:sp>
-    </p:spTree>
-  </p:cSld>
-  <mc:AlternateContent>
-    <mc:Choice Requires="p14">
-      <p:transition spd="slow" p14:dur="2000"/>
-    </mc:Choice>
-    <mc:Fallback>
-      <p:transition spd="slow"/>
-    </mc:Fallback>
-  </mc:AlternateContent>
-</p:sld>
-</file>
-
-<file path=ppt/slides/slide6.xml><?xml version="1.0" encoding="utf-8"?>
-<p:sld xmlns:a="http://schemas.openxmlformats.org/drawingml/2006/main" xmlns:p="http://schemas.openxmlformats.org/presentationml/2006/main" xmlns:r="http://schemas.openxmlformats.org/officeDocument/2006/relationships" xmlns:p14="http://schemas.microsoft.com/office/powerpoint/2010/main" xmlns:p15="http://schemas.microsoft.com/office/powerpoint/2012/main" xmlns:mc="http://schemas.openxmlformats.org/markup-compatibility/2006">
-  <p:cSld>
-    <p:spTree>
-      <p:nvGrpSpPr>
-        <p:cNvPr id="1" name=""/>
-        <p:cNvGrpSpPr/>
-        <p:nvPr/>
-      </p:nvGrpSpPr>
-      <p:grpSpPr>
-        <a:xfrm>
-          <a:off x="0" y="0"/>
-          <a:ext cx="0" cy="0"/>
-          <a:chOff x="0" y="0"/>
-          <a:chExt cx="0" cy="0"/>
-        </a:xfrm>
-      </p:grpSpPr>
-      <p:pic>
-        <p:nvPicPr>
-          <p:cNvPr id="65" name="Grafik 4" descr=""/>
-          <p:cNvPicPr/>
-          <p:nvPr/>
-        </p:nvPicPr>
-        <p:blipFill>
-          <a:blip r:embed="rId1"/>
-          <a:stretch/>
-        </p:blipFill>
-        <p:spPr>
-          <a:xfrm>
-            <a:off x="-72360" y="-6840"/>
-            <a:ext cx="12336480" cy="6857640"/>
-          </a:xfrm>
-          <a:prstGeom prst="rect">
-            <a:avLst/>
-          </a:prstGeom>
-          <a:ln w="0">
-            <a:noFill/>
-          </a:ln>
-        </p:spPr>
-      </p:pic>
-      <p:pic>
-        <p:nvPicPr>
-          <p:cNvPr id="66" name="Grafik 7" descr="">
-            <a:hlinkClick r:id="rId2"/>
-          </p:cNvPr>
-          <p:cNvPicPr/>
-          <p:nvPr/>
-        </p:nvPicPr>
-        <p:blipFill>
-          <a:blip r:embed="rId3"/>
-          <a:stretch/>
-        </p:blipFill>
-        <p:spPr>
-          <a:xfrm>
-            <a:off x="4437360" y="6321240"/>
-            <a:ext cx="883080" cy="308880"/>
-          </a:xfrm>
-          <a:prstGeom prst="rect">
-            <a:avLst/>
-          </a:prstGeom>
-          <a:ln w="0">
-            <a:noFill/>
-          </a:ln>
-        </p:spPr>
-      </p:pic>
-      <p:sp>
-        <p:nvSpPr>
-          <p:cNvPr id="67" name="Textfeld 8"/>
-          <p:cNvSpPr/>
-          <p:nvPr/>
-        </p:nvSpPr>
-        <p:spPr>
-          <a:xfrm>
-            <a:off x="5328720" y="6266160"/>
-            <a:ext cx="7227360" cy="576360"/>
-          </a:xfrm>
-          <a:prstGeom prst="rect">
-            <a:avLst/>
-          </a:prstGeom>
-          <a:noFill/>
-          <a:ln w="0">
-            <a:noFill/>
-          </a:ln>
-        </p:spPr>
-        <p:style>
-          <a:lnRef idx="0"/>
-          <a:fillRef idx="0"/>
-          <a:effectRef idx="0"/>
-          <a:fontRef idx="minor"/>
-        </p:style>
-        <p:txBody>
-          <a:bodyPr lIns="90000" rIns="90000" tIns="45000" bIns="45000" anchor="t">
-            <a:spAutoFit/>
-          </a:bodyPr>
-          <a:p>
-            <a:pPr>
-              <a:lnSpc>
-                <a:spcPct val="100000"/>
-              </a:lnSpc>
-              <a:buNone/>
-            </a:pPr>
-            <a:r>
-              <a:rPr b="0" lang="en-US" sz="800" spc="-1" strike="noStrike">
-                <a:solidFill>
-                  <a:srgbClr val="000000"/>
-                </a:solidFill>
-                <a:latin typeface="Calibri"/>
-              </a:rPr>
-              <a:t>Quelle: Guidelines on the development of open educational resources policies: UNESCO and COMMONWEALTH OF LEARNING (2019) </a:t>
-            </a:r>
-            <a:br>
-              <a:rPr sz="800"/>
-            </a:br>
-            <a:r>
-              <a:rPr b="0" lang="en-US" sz="800" spc="-1" strike="noStrike" u="sng">
-                <a:solidFill>
-                  <a:srgbClr val="0563c1"/>
-                </a:solidFill>
-                <a:uFillTx/>
-                <a:latin typeface="Calibri"/>
-                <a:hlinkClick r:id="rId4"/>
-              </a:rPr>
-              <a:t>https://www.unesco.de/sites/default/files/2020-01/Guidelines_on_the_Development_of_OER_Policies_2019.pdf</a:t>
-            </a:r>
-            <a:endParaRPr b="0" lang="de-DE" sz="800" spc="-1" strike="noStrike">
-              <a:latin typeface="Arial"/>
-            </a:endParaRPr>
-          </a:p>
-          <a:p>
-            <a:pPr>
-              <a:lnSpc>
-                <a:spcPct val="100000"/>
-              </a:lnSpc>
-              <a:buNone/>
-            </a:pPr>
-            <a:r>
-              <a:rPr b="0" lang="en-US" sz="800" spc="-1" strike="noStrike">
-                <a:solidFill>
-                  <a:srgbClr val="000000"/>
-                </a:solidFill>
-                <a:latin typeface="Calibri"/>
-              </a:rPr>
-              <a:t>Deutsche Zusammenfassung für das OER Policy Kit: Frank Homp (2024)</a:t>
-            </a:r>
-            <a:br>
-              <a:rPr sz="800"/>
-            </a:br>
-            <a:r>
-              <a:rPr b="0" lang="en-US" sz="800" spc="-1" strike="noStrike">
-                <a:solidFill>
-                  <a:srgbClr val="000000"/>
-                </a:solidFill>
-                <a:latin typeface="Calibri"/>
-              </a:rPr>
-              <a:t>[[Link]]</a:t>
-            </a:r>
-            <a:endParaRPr b="0" lang="de-DE" sz="800" spc="-1" strike="noStrike">
-              <a:latin typeface="Arial"/>
-            </a:endParaRPr>
-          </a:p>
-        </p:txBody>
-      </p:sp>
-      <p:sp>
-        <p:nvSpPr>
-          <p:cNvPr id="68" name="Textfeld 9"/>
-          <p:cNvSpPr/>
-          <p:nvPr/>
-        </p:nvSpPr>
-        <p:spPr>
-          <a:xfrm>
-            <a:off x="4336920" y="441360"/>
-            <a:ext cx="7541280" cy="6081480"/>
-          </a:xfrm>
-          <a:prstGeom prst="rect">
-            <a:avLst/>
-          </a:prstGeom>
-          <a:noFill/>
-          <a:ln w="0">
-            <a:noFill/>
-          </a:ln>
-        </p:spPr>
-        <p:style>
-          <a:lnRef idx="0"/>
-          <a:fillRef idx="0"/>
-          <a:effectRef idx="0"/>
-          <a:fontRef idx="minor"/>
-        </p:style>
-        <p:txBody>
-          <a:bodyPr lIns="90000" rIns="90000" tIns="45000" bIns="45000" anchor="t">
-            <a:spAutoFit/>
-          </a:bodyPr>
-          <a:p>
-            <a:pPr>
-              <a:lnSpc>
-                <a:spcPct val="115000"/>
-              </a:lnSpc>
-              <a:buNone/>
-            </a:pPr>
-            <a:r>
-              <a:rPr b="1" lang="de-DE" sz="1800" spc="-1" strike="noStrike">
-                <a:solidFill>
-                  <a:srgbClr val="000000"/>
-                </a:solidFill>
-                <a:latin typeface="Roboto"/>
-                <a:ea typeface="Roboto"/>
-              </a:rPr>
-              <a:t>Das 4. Kapitel “Executing the gap analysis” </a:t>
-            </a:r>
-            <a:r>
-              <a:rPr b="0" lang="de-DE" sz="1800" spc="-1" strike="noStrike">
-                <a:solidFill>
-                  <a:srgbClr val="000000"/>
-                </a:solidFill>
-                <a:latin typeface="Roboto"/>
-                <a:ea typeface="Roboto"/>
-              </a:rPr>
-              <a:t>widmet sich dem </a:t>
-            </a:r>
-            <a:r>
-              <a:rPr b="1" lang="de-DE" sz="1800" spc="-1" strike="noStrike">
-                <a:solidFill>
-                  <a:srgbClr val="000000"/>
-                </a:solidFill>
-                <a:latin typeface="Roboto"/>
-                <a:ea typeface="Roboto"/>
-              </a:rPr>
-              <a:t>Verstehen der aktuellen Situation</a:t>
-            </a:r>
-            <a:r>
-              <a:rPr b="0" lang="de-DE" sz="1800" spc="-1" strike="noStrike">
-                <a:solidFill>
-                  <a:srgbClr val="000000"/>
-                </a:solidFill>
-                <a:latin typeface="Roboto"/>
-                <a:ea typeface="Roboto"/>
-              </a:rPr>
-              <a:t>, auf der die Policy aufbauen soll. </a:t>
-            </a:r>
-            <a:endParaRPr b="0" lang="de-DE" sz="1800" spc="-1" strike="noStrike">
-              <a:latin typeface="Arial"/>
-            </a:endParaRPr>
-          </a:p>
-          <a:p>
-            <a:pPr>
-              <a:lnSpc>
-                <a:spcPct val="115000"/>
-              </a:lnSpc>
-              <a:buNone/>
-            </a:pPr>
-            <a:endParaRPr b="0" lang="de-DE" sz="1800" spc="-1" strike="noStrike">
-              <a:latin typeface="Arial"/>
-            </a:endParaRPr>
-          </a:p>
-          <a:p>
-            <a:pPr>
-              <a:lnSpc>
-                <a:spcPct val="115000"/>
-              </a:lnSpc>
-              <a:buNone/>
-            </a:pPr>
-            <a:r>
-              <a:rPr b="0" lang="de-DE" sz="1800" spc="-1" strike="noStrike">
-                <a:solidFill>
-                  <a:srgbClr val="000000"/>
-                </a:solidFill>
-                <a:latin typeface="Roboto"/>
-                <a:ea typeface="Roboto"/>
-              </a:rPr>
-              <a:t>Diese Erkenntnisse sollen dazu dienen, die Bereiche und das Ausmaß der Veränderungen zu erkennen, um die mit der Policy formulierten Erwartungen zu erfüllen, so dass weder eine zu ehrgeizige noch eine zu vorsichtige Policy formuliert wird. </a:t>
-            </a:r>
-            <a:endParaRPr b="0" lang="de-DE" sz="1800" spc="-1" strike="noStrike">
-              <a:latin typeface="Arial"/>
-            </a:endParaRPr>
-          </a:p>
-          <a:p>
-            <a:pPr>
-              <a:lnSpc>
-                <a:spcPct val="115000"/>
-              </a:lnSpc>
-              <a:buNone/>
-            </a:pPr>
-            <a:endParaRPr b="0" lang="de-DE" sz="1800" spc="-1" strike="noStrike">
-              <a:latin typeface="Arial"/>
-            </a:endParaRPr>
-          </a:p>
-          <a:p>
-            <a:pPr>
-              <a:lnSpc>
-                <a:spcPct val="115000"/>
-              </a:lnSpc>
-              <a:buNone/>
-            </a:pPr>
-            <a:r>
-              <a:rPr b="0" lang="de-DE" sz="1800" spc="-1" strike="noStrike">
-                <a:solidFill>
-                  <a:srgbClr val="000000"/>
-                </a:solidFill>
-                <a:latin typeface="Roboto"/>
-                <a:ea typeface="Roboto"/>
-              </a:rPr>
-              <a:t>Die Methode </a:t>
-            </a:r>
-            <a:r>
-              <a:rPr b="1" lang="de-DE" sz="1800" spc="-1" strike="noStrike">
-                <a:solidFill>
-                  <a:srgbClr val="000000"/>
-                </a:solidFill>
-                <a:latin typeface="Roboto"/>
-                <a:ea typeface="Roboto"/>
-              </a:rPr>
-              <a:t>“gap analysis”</a:t>
-            </a:r>
-            <a:r>
-              <a:rPr b="0" lang="de-DE" sz="1800" spc="-1" strike="noStrike">
-                <a:solidFill>
-                  <a:srgbClr val="000000"/>
-                </a:solidFill>
-                <a:latin typeface="Roboto"/>
-                <a:ea typeface="Roboto"/>
-              </a:rPr>
-              <a:t>, dient dazu Lücken bei der Bereitstellung von Lehr-/Lernmaterial zu ermitteln sowie </a:t>
-            </a:r>
-            <a:r>
-              <a:rPr b="1" lang="de-DE" sz="1800" spc="-1" strike="noStrike">
-                <a:solidFill>
-                  <a:srgbClr val="000000"/>
-                </a:solidFill>
-                <a:latin typeface="Roboto"/>
-                <a:ea typeface="Roboto"/>
-              </a:rPr>
-              <a:t>notwendige Änderungen in der technischen Infrastruktur, der Qualitätssicherung und der Unterstützung der Lehrenden</a:t>
-            </a:r>
-            <a:r>
-              <a:rPr b="0" lang="de-DE" sz="1800" spc="-1" strike="noStrike">
-                <a:solidFill>
-                  <a:srgbClr val="000000"/>
-                </a:solidFill>
-                <a:latin typeface="Roboto"/>
-                <a:ea typeface="Roboto"/>
-              </a:rPr>
-              <a:t> zu identifizieren - Aspekte die für die Wirksamkeit der Policy erforderlich sind. </a:t>
-            </a:r>
-            <a:endParaRPr b="0" lang="de-DE" sz="1800" spc="-1" strike="noStrike">
-              <a:latin typeface="Arial"/>
-            </a:endParaRPr>
-          </a:p>
-          <a:p>
-            <a:pPr>
-              <a:lnSpc>
-                <a:spcPct val="115000"/>
-              </a:lnSpc>
-              <a:buNone/>
-            </a:pPr>
-            <a:endParaRPr b="0" lang="de-DE" sz="1800" spc="-1" strike="noStrike">
-              <a:latin typeface="Arial"/>
-            </a:endParaRPr>
-          </a:p>
-          <a:p>
-            <a:pPr>
-              <a:lnSpc>
-                <a:spcPct val="115000"/>
-              </a:lnSpc>
-              <a:buNone/>
-            </a:pPr>
-            <a:r>
-              <a:rPr b="0" lang="de-DE" sz="1800" spc="-1" strike="noStrike">
-                <a:solidFill>
-                  <a:srgbClr val="000000"/>
-                </a:solidFill>
-                <a:latin typeface="Roboto"/>
-                <a:ea typeface="Roboto"/>
-              </a:rPr>
-              <a:t>Der Ausgangspunkt der Analyse ist ein </a:t>
-            </a:r>
-            <a:r>
-              <a:rPr b="1" lang="de-DE" sz="1800" spc="-1" strike="noStrike">
-                <a:solidFill>
-                  <a:srgbClr val="000000"/>
-                </a:solidFill>
-                <a:latin typeface="Roboto"/>
-                <a:ea typeface="Roboto"/>
-              </a:rPr>
-              <a:t>Assessment des Wissens von Stakeholdern über offene Lizenzen und OER</a:t>
-            </a:r>
-            <a:r>
-              <a:rPr b="0" lang="de-DE" sz="1800" spc="-1" strike="noStrike">
-                <a:solidFill>
-                  <a:srgbClr val="000000"/>
-                </a:solidFill>
-                <a:latin typeface="Roboto"/>
-                <a:ea typeface="Roboto"/>
-              </a:rPr>
-              <a:t>.</a:t>
-            </a:r>
-            <a:endParaRPr b="0" lang="de-DE" sz="1800" spc="-1" strike="noStrike">
-              <a:latin typeface="Arial"/>
-            </a:endParaRPr>
-          </a:p>
-        </p:txBody>
-      </p:sp>
-    </p:spTree>
-  </p:cSld>
-  <mc:AlternateContent>
-    <mc:Choice Requires="p14">
-      <p:transition spd="slow" p14:dur="2000"/>
-    </mc:Choice>
-    <mc:Fallback>
-      <p:transition spd="slow"/>
-    </mc:Fallback>
-  </mc:AlternateContent>
-</p:sld>
-</file>
-
-<file path=ppt/slides/slide7.xml><?xml version="1.0" encoding="utf-8"?>
-<p:sld xmlns:a="http://schemas.openxmlformats.org/drawingml/2006/main" xmlns:p="http://schemas.openxmlformats.org/presentationml/2006/main" xmlns:r="http://schemas.openxmlformats.org/officeDocument/2006/relationships" xmlns:p14="http://schemas.microsoft.com/office/powerpoint/2010/main" xmlns:p15="http://schemas.microsoft.com/office/powerpoint/2012/main" xmlns:mc="http://schemas.openxmlformats.org/markup-compatibility/2006">
-  <p:cSld>
-    <p:spTree>
-      <p:nvGrpSpPr>
-        <p:cNvPr id="1" name=""/>
-        <p:cNvGrpSpPr/>
-        <p:nvPr/>
-      </p:nvGrpSpPr>
-      <p:grpSpPr>
-        <a:xfrm>
-          <a:off x="0" y="0"/>
-          <a:ext cx="0" cy="0"/>
-          <a:chOff x="0" y="0"/>
-          <a:chExt cx="0" cy="0"/>
-        </a:xfrm>
-      </p:grpSpPr>
-      <p:pic>
-        <p:nvPicPr>
-          <p:cNvPr id="69" name="Grafik 4" descr=""/>
-          <p:cNvPicPr/>
-          <p:nvPr/>
-        </p:nvPicPr>
-        <p:blipFill>
-          <a:blip r:embed="rId1"/>
-          <a:stretch/>
-        </p:blipFill>
-        <p:spPr>
-          <a:xfrm>
-            <a:off x="-72360" y="0"/>
-            <a:ext cx="12336480" cy="6857640"/>
-          </a:xfrm>
-          <a:prstGeom prst="rect">
-            <a:avLst/>
-          </a:prstGeom>
-          <a:ln w="0">
-            <a:noFill/>
-          </a:ln>
-        </p:spPr>
-      </p:pic>
-      <p:sp>
-        <p:nvSpPr>
-          <p:cNvPr id="70" name="Textfeld 7"/>
-          <p:cNvSpPr/>
-          <p:nvPr/>
-        </p:nvSpPr>
-        <p:spPr>
-          <a:xfrm>
-            <a:off x="4336920" y="441360"/>
-            <a:ext cx="7541280" cy="4779000"/>
-          </a:xfrm>
-          <a:prstGeom prst="rect">
-            <a:avLst/>
-          </a:prstGeom>
-          <a:noFill/>
-          <a:ln w="0">
-            <a:noFill/>
-          </a:ln>
-        </p:spPr>
-        <p:style>
-          <a:lnRef idx="0"/>
-          <a:fillRef idx="0"/>
-          <a:effectRef idx="0"/>
-          <a:fontRef idx="minor"/>
-        </p:style>
-        <p:txBody>
-          <a:bodyPr lIns="90000" rIns="90000" tIns="45000" bIns="45000" anchor="t">
-            <a:spAutoFit/>
-          </a:bodyPr>
-          <a:p>
-            <a:pPr>
-              <a:lnSpc>
-                <a:spcPct val="115000"/>
-              </a:lnSpc>
-              <a:buNone/>
-            </a:pPr>
-            <a:r>
-              <a:rPr b="1" lang="de-DE" sz="1800" spc="-1" strike="noStrike">
-                <a:solidFill>
-                  <a:srgbClr val="000000"/>
-                </a:solidFill>
-                <a:latin typeface="Roboto"/>
-                <a:ea typeface="Roboto"/>
-              </a:rPr>
-              <a:t>Das 5. Kapitel “Designing the masterplan” </a:t>
-            </a:r>
-            <a:r>
-              <a:rPr b="0" lang="de-DE" sz="1800" spc="-1" strike="noStrike">
-                <a:solidFill>
-                  <a:srgbClr val="000000"/>
-                </a:solidFill>
-                <a:latin typeface="Roboto"/>
-                <a:ea typeface="Roboto"/>
-              </a:rPr>
-              <a:t>soll dabei unterstützen, die konkreten Schritte (“building blocks”) zu identifizieren, die sich aus den Erkenntnissen der vorangehenden Kapitel ergeben haben. Zusammen bilden sie den Fahrplan für die Umsetzung der Policy (siehe Kapitel 6.). </a:t>
-            </a:r>
-            <a:endParaRPr b="0" lang="de-DE" sz="1800" spc="-1" strike="noStrike">
-              <a:latin typeface="Arial"/>
-            </a:endParaRPr>
-          </a:p>
-          <a:p>
-            <a:pPr>
-              <a:lnSpc>
-                <a:spcPct val="115000"/>
-              </a:lnSpc>
-              <a:buNone/>
-            </a:pPr>
-            <a:endParaRPr b="0" lang="de-DE" sz="1800" spc="-1" strike="noStrike">
-              <a:latin typeface="Arial"/>
-            </a:endParaRPr>
-          </a:p>
-          <a:p>
-            <a:pPr>
-              <a:lnSpc>
-                <a:spcPct val="115000"/>
-              </a:lnSpc>
-              <a:buNone/>
-            </a:pPr>
-            <a:r>
-              <a:rPr b="0" lang="de-DE" sz="1800" spc="-1" strike="noStrike">
-                <a:solidFill>
-                  <a:srgbClr val="000000"/>
-                </a:solidFill>
-                <a:latin typeface="Roboto"/>
-                <a:ea typeface="Roboto"/>
-              </a:rPr>
-              <a:t>Die „Building blocks“ sollen hierbei stets die folgenden Aspekte beinhalten: </a:t>
-            </a:r>
-            <a:endParaRPr b="0" lang="de-DE" sz="1800" spc="-1" strike="noStrike">
-              <a:latin typeface="Arial"/>
-            </a:endParaRPr>
-          </a:p>
-          <a:p>
-            <a:pPr lvl="1" marL="800280" indent="-343080" algn="just">
-              <a:lnSpc>
-                <a:spcPct val="115000"/>
-              </a:lnSpc>
-              <a:buClr>
-                <a:srgbClr val="000000"/>
-              </a:buClr>
-              <a:buFont typeface="Arial"/>
-              <a:buChar char="●"/>
-            </a:pPr>
-            <a:r>
-              <a:rPr b="0" lang="de-DE" sz="1800" spc="-1" strike="noStrike">
-                <a:solidFill>
-                  <a:srgbClr val="000000"/>
-                </a:solidFill>
-                <a:latin typeface="Roboto"/>
-                <a:ea typeface="Roboto"/>
-              </a:rPr>
-              <a:t>Zielsetzung: Was ist das Ziel des Blocks?</a:t>
-            </a:r>
-            <a:endParaRPr b="0" lang="de-DE" sz="1800" spc="-1" strike="noStrike">
-              <a:latin typeface="Arial"/>
-            </a:endParaRPr>
-          </a:p>
-          <a:p>
-            <a:pPr lvl="1" marL="800280" indent="-343080" algn="just">
-              <a:lnSpc>
-                <a:spcPct val="115000"/>
-              </a:lnSpc>
-              <a:buClr>
-                <a:srgbClr val="000000"/>
-              </a:buClr>
-              <a:buFont typeface="Arial"/>
-              <a:buChar char="●"/>
-            </a:pPr>
-            <a:r>
-              <a:rPr b="0" lang="de-DE" sz="1800" spc="-1" strike="noStrike">
-                <a:solidFill>
-                  <a:srgbClr val="000000"/>
-                </a:solidFill>
-                <a:latin typeface="Roboto"/>
-                <a:ea typeface="Roboto"/>
-              </a:rPr>
-              <a:t>Hauptaktivitäten und Zielbereiche/-gruppen: Was ist zu tun?</a:t>
-            </a:r>
-            <a:endParaRPr b="0" lang="de-DE" sz="1800" spc="-1" strike="noStrike">
-              <a:latin typeface="Arial"/>
-            </a:endParaRPr>
-          </a:p>
-          <a:p>
-            <a:pPr lvl="1" marL="800280" indent="-343080" algn="just">
-              <a:lnSpc>
-                <a:spcPct val="115000"/>
-              </a:lnSpc>
-              <a:buClr>
-                <a:srgbClr val="000000"/>
-              </a:buClr>
-              <a:buFont typeface="Arial"/>
-              <a:buChar char="●"/>
-            </a:pPr>
-            <a:r>
-              <a:rPr b="0" lang="de-DE" sz="1800" spc="-1" strike="noStrike">
-                <a:solidFill>
-                  <a:srgbClr val="000000"/>
-                </a:solidFill>
-                <a:latin typeface="Roboto"/>
-                <a:ea typeface="Roboto"/>
-              </a:rPr>
-              <a:t>Wichtige Partner für die Umsetzung: Wer ist beteiligt? </a:t>
-            </a:r>
-            <a:endParaRPr b="0" lang="de-DE" sz="1800" spc="-1" strike="noStrike">
-              <a:latin typeface="Arial"/>
-            </a:endParaRPr>
-          </a:p>
-          <a:p>
-            <a:pPr lvl="1" marL="800280" indent="-343080" algn="just">
-              <a:lnSpc>
-                <a:spcPct val="115000"/>
-              </a:lnSpc>
-              <a:buClr>
-                <a:srgbClr val="000000"/>
-              </a:buClr>
-              <a:buFont typeface="Arial"/>
-              <a:buChar char="●"/>
-            </a:pPr>
-            <a:r>
-              <a:rPr b="0" lang="de-DE" sz="1800" spc="-1" strike="noStrike">
-                <a:solidFill>
-                  <a:srgbClr val="000000"/>
-                </a:solidFill>
-                <a:highlight>
-                  <a:srgbClr val="ffff00"/>
-                </a:highlight>
-                <a:latin typeface="Roboto"/>
-                <a:ea typeface="Roboto"/>
-              </a:rPr>
-              <a:t>(siehe Anknüpfen und vernetzen)</a:t>
-            </a:r>
-            <a:endParaRPr b="0" lang="de-DE" sz="1800" spc="-1" strike="noStrike">
-              <a:latin typeface="Arial"/>
-            </a:endParaRPr>
-          </a:p>
-          <a:p>
-            <a:pPr marL="457200" algn="just">
-              <a:lnSpc>
-                <a:spcPct val="115000"/>
-              </a:lnSpc>
-              <a:buNone/>
-            </a:pPr>
-            <a:endParaRPr b="0" lang="de-DE" sz="1800" spc="-1" strike="noStrike">
-              <a:latin typeface="Arial"/>
-            </a:endParaRPr>
-          </a:p>
-          <a:p>
-            <a:pPr>
-              <a:lnSpc>
-                <a:spcPct val="100000"/>
-              </a:lnSpc>
-              <a:buNone/>
-            </a:pPr>
-            <a:r>
-              <a:rPr b="0" lang="de-DE" sz="1800" spc="-1" strike="noStrike">
-                <a:solidFill>
-                  <a:srgbClr val="000000"/>
-                </a:solidFill>
-                <a:latin typeface="Roboto"/>
-                <a:ea typeface="Roboto"/>
-              </a:rPr>
-              <a:t>Indikatoren: Wie wird der Erfolg gemessen?</a:t>
-            </a:r>
-            <a:endParaRPr b="0" lang="de-DE" sz="1800" spc="-1" strike="noStrike">
-              <a:latin typeface="Arial"/>
-            </a:endParaRPr>
-          </a:p>
-        </p:txBody>
-      </p:sp>
-    </p:spTree>
-  </p:cSld>
-  <mc:AlternateContent>
-    <mc:Choice Requires="p14">
-      <p:transition spd="slow" p14:dur="2000"/>
-    </mc:Choice>
-    <mc:Fallback>
-      <p:transition spd="slow"/>
-    </mc:Fallback>
-  </mc:AlternateContent>
-</p:sld>
-</file>
-
-<file path=ppt/slides/slide8.xml><?xml version="1.0" encoding="utf-8"?>
-<p:sld xmlns:a="http://schemas.openxmlformats.org/drawingml/2006/main" xmlns:p="http://schemas.openxmlformats.org/presentationml/2006/main" xmlns:r="http://schemas.openxmlformats.org/officeDocument/2006/relationships" xmlns:p14="http://schemas.microsoft.com/office/powerpoint/2010/main" xmlns:p15="http://schemas.microsoft.com/office/powerpoint/2012/main" xmlns:mc="http://schemas.openxmlformats.org/markup-compatibility/2006">
-  <p:cSld>
-    <p:spTree>
-      <p:nvGrpSpPr>
-        <p:cNvPr id="1" name=""/>
-        <p:cNvGrpSpPr/>
-        <p:nvPr/>
-      </p:nvGrpSpPr>
-      <p:grpSpPr>
-        <a:xfrm>
-          <a:off x="0" y="0"/>
-          <a:ext cx="0" cy="0"/>
-          <a:chOff x="0" y="0"/>
-          <a:chExt cx="0" cy="0"/>
-        </a:xfrm>
-      </p:grpSpPr>
-      <p:pic>
-        <p:nvPicPr>
-          <p:cNvPr id="71" name="Grafik 3" descr=""/>
-          <p:cNvPicPr/>
-          <p:nvPr/>
-        </p:nvPicPr>
-        <p:blipFill>
-          <a:blip r:embed="rId1"/>
-          <a:stretch/>
-        </p:blipFill>
-        <p:spPr>
-          <a:xfrm>
-            <a:off x="-72360" y="0"/>
-            <a:ext cx="12336480" cy="6857640"/>
-          </a:xfrm>
-          <a:prstGeom prst="rect">
-            <a:avLst/>
-          </a:prstGeom>
-          <a:ln w="0">
-            <a:noFill/>
-          </a:ln>
-        </p:spPr>
-      </p:pic>
-      <p:sp>
-        <p:nvSpPr>
-          <p:cNvPr id="72" name="Textfeld 6"/>
-          <p:cNvSpPr/>
-          <p:nvPr/>
-        </p:nvSpPr>
-        <p:spPr>
-          <a:xfrm>
-            <a:off x="4336920" y="441360"/>
-            <a:ext cx="7593480" cy="6396840"/>
-          </a:xfrm>
-          <a:prstGeom prst="rect">
-            <a:avLst/>
-          </a:prstGeom>
-          <a:noFill/>
-          <a:ln w="0">
-            <a:noFill/>
-          </a:ln>
-        </p:spPr>
-        <p:style>
-          <a:lnRef idx="0"/>
-          <a:fillRef idx="0"/>
-          <a:effectRef idx="0"/>
-          <a:fontRef idx="minor"/>
-        </p:style>
-        <p:txBody>
-          <a:bodyPr lIns="90000" rIns="90000" tIns="45000" bIns="45000" anchor="t">
-            <a:spAutoFit/>
-          </a:bodyPr>
-          <a:p>
-            <a:pPr algn="just">
-              <a:lnSpc>
-                <a:spcPct val="115000"/>
-              </a:lnSpc>
-              <a:buNone/>
-            </a:pPr>
-            <a:r>
-              <a:rPr b="0" lang="de-DE" sz="1800" spc="-1" strike="noStrike">
-                <a:solidFill>
-                  <a:srgbClr val="ffffff"/>
-                </a:solidFill>
-                <a:latin typeface="Roboto"/>
-                <a:ea typeface="Roboto"/>
-              </a:rPr>
-              <a:t>Im </a:t>
-            </a:r>
-            <a:r>
-              <a:rPr b="1" lang="de-DE" sz="1800" spc="-1" strike="noStrike">
-                <a:solidFill>
-                  <a:srgbClr val="ffffff"/>
-                </a:solidFill>
-                <a:latin typeface="Roboto"/>
-                <a:ea typeface="Roboto"/>
-              </a:rPr>
-              <a:t>6. Kapitel “Planning for governance and implementation” </a:t>
-            </a:r>
-            <a:r>
-              <a:rPr b="0" lang="de-DE" sz="1800" spc="-1" strike="noStrike">
-                <a:solidFill>
-                  <a:srgbClr val="ffffff"/>
-                </a:solidFill>
-                <a:latin typeface="Roboto"/>
-                <a:ea typeface="Roboto"/>
-              </a:rPr>
-              <a:t>geht es darum, wie die erarbeitete Politik - die im Kapitel 5 identifizierten Schritte (“building blocks”) - in der Praxis in einem Fahrplan umgesetzt und kontrolliert werden können, um das Engagement wichtiger Stakeholder sicherzustellen. </a:t>
-            </a:r>
-            <a:endParaRPr b="0" lang="de-DE" sz="1800" spc="-1" strike="noStrike">
-              <a:latin typeface="Arial"/>
-            </a:endParaRPr>
-          </a:p>
-          <a:p>
-            <a:pPr algn="just">
-              <a:lnSpc>
-                <a:spcPct val="115000"/>
-              </a:lnSpc>
-              <a:buNone/>
-            </a:pPr>
-            <a:endParaRPr b="0" lang="de-DE" sz="1800" spc="-1" strike="noStrike">
-              <a:latin typeface="Arial"/>
-            </a:endParaRPr>
-          </a:p>
-          <a:p>
-            <a:pPr>
-              <a:lnSpc>
-                <a:spcPct val="115000"/>
-              </a:lnSpc>
-              <a:buNone/>
-            </a:pPr>
-            <a:r>
-              <a:rPr b="0" lang="de-DE" sz="1800" spc="-1" strike="noStrike">
-                <a:solidFill>
-                  <a:srgbClr val="ffffff"/>
-                </a:solidFill>
-                <a:latin typeface="Roboto"/>
-                <a:ea typeface="Roboto"/>
-              </a:rPr>
-              <a:t>Es wird vorgeschlagen, folgende Punkte bei der Erstellung des Fahrplans (Strategie) mitzudenken, auf die im Kapitel ausführlich eingegangen wird: </a:t>
-            </a:r>
-            <a:endParaRPr b="0" lang="de-DE" sz="1800" spc="-1" strike="noStrike">
-              <a:latin typeface="Arial"/>
-            </a:endParaRPr>
-          </a:p>
-          <a:p>
-            <a:pPr lvl="1" marL="800280" indent="-343080">
-              <a:lnSpc>
-                <a:spcPct val="115000"/>
-              </a:lnSpc>
-              <a:buClr>
-                <a:srgbClr val="ffffff"/>
-              </a:buClr>
-              <a:buFont typeface="Arial"/>
-              <a:buChar char="●"/>
-            </a:pPr>
-            <a:r>
-              <a:rPr b="0" lang="de-DE" sz="1800" spc="-1" strike="noStrike">
-                <a:solidFill>
-                  <a:srgbClr val="ffffff"/>
-                </a:solidFill>
-                <a:latin typeface="Roboto"/>
-                <a:ea typeface="Roboto"/>
-              </a:rPr>
-              <a:t>Festlegung einer Umsetzungsmethode (Top-down/Bottom-up/gemischter Ansatz </a:t>
-            </a:r>
-            <a:r>
-              <a:rPr b="0" lang="de-DE" sz="1800" spc="-1" strike="noStrike">
-                <a:solidFill>
-                  <a:srgbClr val="ffffff"/>
-                </a:solidFill>
-                <a:highlight>
-                  <a:srgbClr val="ffff00"/>
-                </a:highlight>
-                <a:latin typeface="Roboto"/>
-                <a:ea typeface="Roboto"/>
-              </a:rPr>
-              <a:t>siehe </a:t>
-            </a:r>
-            <a:r>
-              <a:rPr b="0" lang="de-DE" sz="1800" spc="-1" strike="noStrike">
-                <a:solidFill>
-                  <a:srgbClr val="ffffff"/>
-                </a:solidFill>
-                <a:highlight>
-                  <a:srgbClr val="ffff00"/>
-                </a:highlight>
-                <a:latin typeface="Roboto"/>
-                <a:ea typeface="Roboto"/>
-                <a:hlinkClick r:id="rId2"/>
-              </a:rPr>
-              <a:t>Kapitel 1 “OER-Initiativen: Top-Down oder Bottom-Up</a:t>
-            </a:r>
-            <a:r>
-              <a:rPr b="0" lang="de-DE" sz="1800" spc="-1" strike="noStrike">
-                <a:solidFill>
-                  <a:srgbClr val="ffffff"/>
-                </a:solidFill>
-                <a:highlight>
-                  <a:srgbClr val="ffff00"/>
-                </a:highlight>
-                <a:latin typeface="Roboto"/>
-                <a:ea typeface="Roboto"/>
-              </a:rPr>
-              <a:t>)</a:t>
-            </a:r>
-            <a:endParaRPr b="0" lang="de-DE" sz="1800" spc="-1" strike="noStrike">
-              <a:latin typeface="Arial"/>
-            </a:endParaRPr>
-          </a:p>
-          <a:p>
-            <a:pPr lvl="1" marL="800280" indent="-343080">
-              <a:lnSpc>
-                <a:spcPct val="115000"/>
-              </a:lnSpc>
-              <a:buClr>
-                <a:srgbClr val="ffffff"/>
-              </a:buClr>
-              <a:buFont typeface="Arial"/>
-              <a:buChar char="●"/>
-            </a:pPr>
-            <a:r>
-              <a:rPr b="0" lang="de-DE" sz="1800" spc="-1" strike="noStrike">
-                <a:solidFill>
-                  <a:srgbClr val="ffffff"/>
-                </a:solidFill>
-                <a:latin typeface="Roboto"/>
-                <a:ea typeface="Roboto"/>
-              </a:rPr>
-              <a:t>Festlegung des Budgets und des Zeitplans für die Umsetzung</a:t>
-            </a:r>
-            <a:endParaRPr b="0" lang="de-DE" sz="1800" spc="-1" strike="noStrike">
-              <a:latin typeface="Arial"/>
-            </a:endParaRPr>
-          </a:p>
-          <a:p>
-            <a:pPr lvl="1" marL="800280" indent="-343080">
-              <a:lnSpc>
-                <a:spcPct val="115000"/>
-              </a:lnSpc>
-              <a:buClr>
-                <a:srgbClr val="ffffff"/>
-              </a:buClr>
-              <a:buFont typeface="Arial"/>
-              <a:buChar char="●"/>
-            </a:pPr>
-            <a:r>
-              <a:rPr b="0" lang="de-DE" sz="1800" spc="-1" strike="noStrike">
-                <a:solidFill>
-                  <a:srgbClr val="ffffff"/>
-                </a:solidFill>
-                <a:latin typeface="Roboto"/>
-                <a:ea typeface="Roboto"/>
-              </a:rPr>
-              <a:t>Planung der Einbezieung von Stakeholdern</a:t>
-            </a:r>
-            <a:endParaRPr b="0" lang="de-DE" sz="1800" spc="-1" strike="noStrike">
-              <a:latin typeface="Arial"/>
-            </a:endParaRPr>
-          </a:p>
-          <a:p>
-            <a:pPr lvl="1" marL="800280" indent="-343080">
-              <a:lnSpc>
-                <a:spcPct val="115000"/>
-              </a:lnSpc>
-              <a:buClr>
-                <a:srgbClr val="ffffff"/>
-              </a:buClr>
-              <a:buFont typeface="Arial"/>
-              <a:buChar char="●"/>
-            </a:pPr>
-            <a:r>
-              <a:rPr b="0" lang="de-DE" sz="1800" spc="-1" strike="noStrike">
-                <a:solidFill>
-                  <a:srgbClr val="ffffff"/>
-                </a:solidFill>
-                <a:latin typeface="Roboto"/>
-                <a:ea typeface="Roboto"/>
-              </a:rPr>
-              <a:t>Einrichtung einer Organisationsstruktur für die politische Steuerung und Koordinierung</a:t>
-            </a:r>
-            <a:endParaRPr b="0" lang="de-DE" sz="1800" spc="-1" strike="noStrike">
-              <a:latin typeface="Arial"/>
-            </a:endParaRPr>
-          </a:p>
-          <a:p>
-            <a:pPr lvl="1" marL="800280" indent="-343080">
-              <a:lnSpc>
-                <a:spcPct val="115000"/>
-              </a:lnSpc>
-              <a:buClr>
-                <a:srgbClr val="ffffff"/>
-              </a:buClr>
-              <a:buFont typeface="Arial"/>
-              <a:buChar char="●"/>
-            </a:pPr>
-            <a:r>
-              <a:rPr b="0" lang="de-DE" sz="1800" spc="-1" strike="noStrike">
-                <a:solidFill>
-                  <a:srgbClr val="ffffff"/>
-                </a:solidFill>
-                <a:latin typeface="Roboto"/>
-                <a:ea typeface="Roboto"/>
-              </a:rPr>
-              <a:t>internationale Zusammenarbeit zur Förderung von Peer-Learning und Austausch von Ideen</a:t>
-            </a:r>
-            <a:endParaRPr b="0" lang="de-DE" sz="1800" spc="-1" strike="noStrike">
-              <a:latin typeface="Arial"/>
-            </a:endParaRPr>
-          </a:p>
-        </p:txBody>
-      </p:sp>
-      <p:pic>
-        <p:nvPicPr>
-          <p:cNvPr id="73" name="Grafik 7" descr="">
+          <p:cNvPr id="62" name="Grafik 7">
             <a:hlinkClick r:id="rId3"/>
           </p:cNvPr>
           <p:cNvPicPr/>
@@ -6305,14 +6220,14 @@
       </p:pic>
       <p:sp>
         <p:nvSpPr>
-          <p:cNvPr id="74" name="Textfeld 8"/>
+          <p:cNvPr id="63" name="Textfeld 8"/>
           <p:cNvSpPr/>
           <p:nvPr/>
         </p:nvSpPr>
         <p:spPr>
           <a:xfrm>
-            <a:off x="5328720" y="6266160"/>
-            <a:ext cx="7227360" cy="576360"/>
+            <a:off x="5328720" y="6293456"/>
+            <a:ext cx="7227360" cy="337100"/>
           </a:xfrm>
           <a:prstGeom prst="rect">
             <a:avLst/>
@@ -6323,15 +6238,22 @@
           </a:ln>
         </p:spPr>
         <p:style>
-          <a:lnRef idx="0"/>
-          <a:fillRef idx="0"/>
-          <a:effectRef idx="0"/>
+          <a:lnRef idx="0">
+            <a:scrgbClr r="0" g="0" b="0"/>
+          </a:lnRef>
+          <a:fillRef idx="0">
+            <a:scrgbClr r="0" g="0" b="0"/>
+          </a:fillRef>
+          <a:effectRef idx="0">
+            <a:scrgbClr r="0" g="0" b="0"/>
+          </a:effectRef>
           <a:fontRef idx="minor"/>
         </p:style>
         <p:txBody>
-          <a:bodyPr lIns="90000" rIns="90000" tIns="45000" bIns="45000" anchor="t">
+          <a:bodyPr lIns="90000" tIns="45000" rIns="90000" bIns="45000" anchor="t">
             <a:spAutoFit/>
           </a:bodyPr>
+          <a:lstStyle/>
           <a:p>
             <a:pPr>
               <a:lnSpc>
@@ -6340,61 +6262,358 @@
               <a:buNone/>
             </a:pPr>
             <a:r>
-              <a:rPr b="0" lang="en-US" sz="800" spc="-1" strike="noStrike">
-                <a:solidFill>
-                  <a:srgbClr val="ffffff"/>
-                </a:solidFill>
-                <a:latin typeface="Calibri"/>
-              </a:rPr>
-              <a:t>Quelle: Guidelines on the development of open educational resources policies: UNESCO and COMMONWEALTH OF LEARNING (2019) </a:t>
+              <a:rPr lang="en-US" sz="800" b="0" strike="noStrike" spc="-1" dirty="0" smtClean="0">
+                <a:solidFill>
+                  <a:srgbClr val="000000"/>
+                </a:solidFill>
+                <a:latin typeface="Calibri"/>
+                <a:hlinkClick r:id="rId5"/>
+              </a:rPr>
+              <a:t>Guidelines on the development of open educational resources policies</a:t>
+            </a:r>
+            <a:r>
+              <a:rPr lang="en-US" sz="800" b="0" strike="noStrike" spc="-1" dirty="0" smtClean="0">
+                <a:solidFill>
+                  <a:srgbClr val="000000"/>
+                </a:solidFill>
+                <a:latin typeface="Calibri"/>
+              </a:rPr>
+              <a:t> von UNESCO &amp; COMMONWEALTH OF LEARNING </a:t>
+            </a:r>
+            <a:r>
+              <a:rPr lang="en-US" sz="800" spc="-1" dirty="0" err="1" smtClean="0">
+                <a:solidFill>
+                  <a:srgbClr val="000000"/>
+                </a:solidFill>
+                <a:latin typeface="Calibri"/>
+              </a:rPr>
+              <a:t>lizenziert</a:t>
+            </a:r>
+            <a:r>
+              <a:rPr lang="en-US" sz="800" spc="-1" dirty="0" smtClean="0">
+                <a:solidFill>
+                  <a:srgbClr val="000000"/>
+                </a:solidFill>
+                <a:latin typeface="Calibri"/>
+              </a:rPr>
+              <a:t> </a:t>
+            </a:r>
+            <a:r>
+              <a:rPr lang="en-US" sz="800" spc="-1" dirty="0" err="1" smtClean="0">
+                <a:solidFill>
+                  <a:srgbClr val="000000"/>
+                </a:solidFill>
+                <a:latin typeface="Calibri"/>
+              </a:rPr>
+              <a:t>unter</a:t>
+            </a:r>
+            <a:r>
+              <a:rPr lang="en-US" sz="800" spc="-1" dirty="0" smtClean="0">
+                <a:solidFill>
+                  <a:srgbClr val="000000"/>
+                </a:solidFill>
+                <a:latin typeface="Calibri"/>
+              </a:rPr>
+              <a:t> </a:t>
+            </a:r>
+            <a:r>
+              <a:rPr lang="en-US" sz="800" spc="-1" dirty="0" smtClean="0">
+                <a:solidFill>
+                  <a:srgbClr val="000000"/>
+                </a:solidFill>
+                <a:latin typeface="Calibri"/>
+                <a:hlinkClick r:id="rId6"/>
+              </a:rPr>
+              <a:t>CC BY-SA</a:t>
+            </a:r>
+            <a:r>
+              <a:rPr lang="en-US" sz="800" dirty="0" smtClean="0"/>
+              <a:t/>
             </a:r>
             <a:br>
-              <a:rPr sz="800"/>
+              <a:rPr lang="en-US" sz="800" dirty="0" smtClean="0"/>
             </a:br>
             <a:r>
-              <a:rPr b="0" lang="en-US" sz="800" spc="-1" strike="noStrike" u="sng">
-                <a:solidFill>
-                  <a:srgbClr val="ffffff"/>
-                </a:solidFill>
-                <a:uFillTx/>
-                <a:latin typeface="Calibri"/>
-                <a:hlinkClick r:id="rId5"/>
-              </a:rPr>
-              <a:t>https://www.unesco.de/sites/default/files/2020-01/Guidelines_on_the_Development_of_OER_Policies_2019.pdf</a:t>
-            </a:r>
-            <a:endParaRPr b="0" lang="de-DE" sz="800" spc="-1" strike="noStrike">
+              <a:rPr lang="en-US" sz="800" b="0" strike="noStrike" spc="-1" dirty="0" smtClean="0">
+                <a:solidFill>
+                  <a:srgbClr val="000000"/>
+                </a:solidFill>
+                <a:latin typeface="Calibri"/>
+              </a:rPr>
+              <a:t>Deutsche </a:t>
+            </a:r>
+            <a:r>
+              <a:rPr lang="en-US" sz="800" b="0" strike="noStrike" spc="-1" dirty="0" err="1" smtClean="0">
+                <a:solidFill>
+                  <a:srgbClr val="000000"/>
+                </a:solidFill>
+                <a:latin typeface="Calibri"/>
+              </a:rPr>
+              <a:t>Zusammenfassung</a:t>
+            </a:r>
+            <a:r>
+              <a:rPr lang="en-US" sz="800" b="0" strike="noStrike" spc="-1" dirty="0" smtClean="0">
+                <a:solidFill>
+                  <a:srgbClr val="000000"/>
+                </a:solidFill>
+                <a:latin typeface="Calibri"/>
+              </a:rPr>
+              <a:t> </a:t>
+            </a:r>
+            <a:r>
+              <a:rPr lang="en-US" sz="800" b="0" strike="noStrike" spc="-1" dirty="0" err="1" smtClean="0">
+                <a:solidFill>
+                  <a:srgbClr val="000000"/>
+                </a:solidFill>
+                <a:latin typeface="Calibri"/>
+              </a:rPr>
+              <a:t>für</a:t>
+            </a:r>
+            <a:r>
+              <a:rPr lang="en-US" sz="800" b="0" strike="noStrike" spc="-1" dirty="0" smtClean="0">
+                <a:solidFill>
+                  <a:srgbClr val="000000"/>
+                </a:solidFill>
+                <a:latin typeface="Calibri"/>
+              </a:rPr>
+              <a:t> das </a:t>
+            </a:r>
+            <a:r>
+              <a:rPr lang="en-US" sz="800" b="0" strike="noStrike" spc="-1" dirty="0" smtClean="0">
+                <a:solidFill>
+                  <a:srgbClr val="000000"/>
+                </a:solidFill>
+                <a:latin typeface="Calibri"/>
+                <a:hlinkClick r:id="rId7"/>
+              </a:rPr>
+              <a:t>OER Policy Kit</a:t>
+            </a:r>
+            <a:r>
+              <a:rPr lang="en-US" sz="800" b="0" strike="noStrike" spc="-1" dirty="0" smtClean="0">
+                <a:solidFill>
+                  <a:srgbClr val="000000"/>
+                </a:solidFill>
+                <a:latin typeface="Calibri"/>
+              </a:rPr>
+              <a:t>: Frank Homp und Yulia Loose (2024)</a:t>
+            </a:r>
+            <a:endParaRPr lang="en-US" sz="800" spc="-1" dirty="0"/>
+          </a:p>
+        </p:txBody>
+      </p:sp>
+      <p:sp>
+        <p:nvSpPr>
+          <p:cNvPr id="64" name="Textfeld 9"/>
+          <p:cNvSpPr/>
+          <p:nvPr/>
+        </p:nvSpPr>
+        <p:spPr>
+          <a:xfrm>
+            <a:off x="4336920" y="441360"/>
+            <a:ext cx="7541280" cy="5135400"/>
+          </a:xfrm>
+          <a:prstGeom prst="rect">
+            <a:avLst/>
+          </a:prstGeom>
+          <a:noFill/>
+          <a:ln w="0">
+            <a:noFill/>
+          </a:ln>
+        </p:spPr>
+        <p:style>
+          <a:lnRef idx="0">
+            <a:scrgbClr r="0" g="0" b="0"/>
+          </a:lnRef>
+          <a:fillRef idx="0">
+            <a:scrgbClr r="0" g="0" b="0"/>
+          </a:fillRef>
+          <a:effectRef idx="0">
+            <a:scrgbClr r="0" g="0" b="0"/>
+          </a:effectRef>
+          <a:fontRef idx="minor"/>
+        </p:style>
+        <p:txBody>
+          <a:bodyPr lIns="90000" tIns="45000" rIns="90000" bIns="45000" anchor="t">
+            <a:spAutoFit/>
+          </a:bodyPr>
+          <a:lstStyle/>
+          <a:p>
+            <a:pPr>
+              <a:lnSpc>
+                <a:spcPct val="115000"/>
+              </a:lnSpc>
+              <a:buNone/>
+            </a:pPr>
+            <a:r>
+              <a:rPr lang="de-DE" sz="1800" b="1" strike="noStrike" spc="-1">
+                <a:solidFill>
+                  <a:srgbClr val="000000"/>
+                </a:solidFill>
+                <a:latin typeface="Roboto"/>
+                <a:ea typeface="Roboto"/>
+              </a:rPr>
+              <a:t>Im 3. Kapitel „Framing the OER policy“</a:t>
+            </a:r>
+            <a:r>
+              <a:rPr lang="de-DE" sz="1800" b="0" strike="noStrike" spc="-1">
+                <a:solidFill>
+                  <a:srgbClr val="000000"/>
+                </a:solidFill>
+                <a:latin typeface="Roboto"/>
+                <a:ea typeface="Roboto"/>
+              </a:rPr>
+              <a:t> kann anhand einer Matrix </a:t>
+            </a:r>
+            <a:r>
+              <a:rPr lang="de-DE" sz="1800" b="1" strike="noStrike" spc="-1">
+                <a:solidFill>
+                  <a:srgbClr val="000000"/>
+                </a:solidFill>
+                <a:latin typeface="Roboto"/>
+                <a:ea typeface="Roboto"/>
+              </a:rPr>
+              <a:t>Ausmaß und Umfang</a:t>
+            </a:r>
+            <a:r>
+              <a:rPr lang="de-DE" sz="1800" b="0" strike="noStrike" spc="-1">
+                <a:solidFill>
+                  <a:srgbClr val="000000"/>
+                </a:solidFill>
+                <a:latin typeface="Roboto"/>
+                <a:ea typeface="Roboto"/>
+              </a:rPr>
+              <a:t> (“scope &amp; scale”) der Policy festgelegt werden.</a:t>
+            </a:r>
+            <a:endParaRPr lang="de-DE" sz="1800" b="0" strike="noStrike" spc="-1">
               <a:latin typeface="Arial"/>
             </a:endParaRPr>
           </a:p>
           <a:p>
             <a:pPr>
               <a:lnSpc>
-                <a:spcPct val="100000"/>
+                <a:spcPct val="115000"/>
               </a:lnSpc>
               <a:buNone/>
             </a:pPr>
-            <a:r>
-              <a:rPr b="0" lang="en-US" sz="800" spc="-1" strike="noStrike">
-                <a:solidFill>
-                  <a:srgbClr val="ffffff"/>
-                </a:solidFill>
-                <a:latin typeface="Calibri"/>
-              </a:rPr>
-              <a:t>Deutsche Zusammenfassung für das OER Policy Kit: Frank Homp (2024)</a:t>
-            </a:r>
-            <a:br>
-              <a:rPr sz="800"/>
-            </a:br>
-            <a:r>
-              <a:rPr b="0" lang="en-US" sz="800" spc="-1" strike="noStrike">
-                <a:solidFill>
-                  <a:srgbClr val="ffffff"/>
-                </a:solidFill>
-                <a:latin typeface="Calibri"/>
-              </a:rPr>
-              <a:t>[[Link]]</a:t>
-            </a:r>
-            <a:endParaRPr b="0" lang="de-DE" sz="800" spc="-1" strike="noStrike">
+            <a:endParaRPr lang="de-DE" sz="1800" b="0" strike="noStrike" spc="-1">
+              <a:latin typeface="Arial"/>
+            </a:endParaRPr>
+          </a:p>
+          <a:p>
+            <a:pPr>
+              <a:lnSpc>
+                <a:spcPct val="115000"/>
+              </a:lnSpc>
+              <a:buNone/>
+            </a:pPr>
+            <a:r>
+              <a:rPr lang="de-DE" sz="1800" b="0" strike="noStrike" spc="-1">
+                <a:solidFill>
+                  <a:srgbClr val="000000"/>
+                </a:solidFill>
+                <a:latin typeface="Roboto"/>
+                <a:ea typeface="Roboto"/>
+              </a:rPr>
+              <a:t>Hierbei sollte stets </a:t>
+            </a:r>
+            <a:r>
+              <a:rPr lang="de-DE" sz="1800" b="1" strike="noStrike" spc="-1">
+                <a:solidFill>
+                  <a:srgbClr val="000000"/>
+                </a:solidFill>
+                <a:latin typeface="Roboto"/>
+                <a:ea typeface="Roboto"/>
+              </a:rPr>
+              <a:t>der eigene Kontext</a:t>
+            </a:r>
+            <a:r>
+              <a:rPr lang="de-DE" sz="1800" b="0" strike="noStrike" spc="-1">
+                <a:solidFill>
+                  <a:srgbClr val="000000"/>
+                </a:solidFill>
+                <a:latin typeface="Roboto"/>
+                <a:ea typeface="Roboto"/>
+              </a:rPr>
+              <a:t> (i.e. die Hochschule) leitend sein. Das Kapitel nennt Deutschland als explizites Beispiel dafür, dass hier die Entwicklung von Policies in kleinerem Maßstab (“pilot-based policy”) sinnvoll ist, da man hier das Potenzial von OER erst noch auf experimenteller Basis durch (Pilot-)Projekte auslotet. </a:t>
+            </a:r>
+            <a:endParaRPr lang="de-DE" sz="1800" b="0" strike="noStrike" spc="-1">
+              <a:latin typeface="Arial"/>
+            </a:endParaRPr>
+          </a:p>
+          <a:p>
+            <a:pPr>
+              <a:lnSpc>
+                <a:spcPct val="115000"/>
+              </a:lnSpc>
+              <a:buNone/>
+            </a:pPr>
+            <a:endParaRPr lang="de-DE" sz="1800" b="0" strike="noStrike" spc="-1">
+              <a:latin typeface="Arial"/>
+            </a:endParaRPr>
+          </a:p>
+          <a:p>
+            <a:pPr>
+              <a:lnSpc>
+                <a:spcPct val="115000"/>
+              </a:lnSpc>
+              <a:buNone/>
+            </a:pPr>
+            <a:r>
+              <a:rPr lang="de-DE" sz="1800" b="0" strike="noStrike" spc="-1">
+                <a:solidFill>
+                  <a:srgbClr val="000000"/>
+                </a:solidFill>
+                <a:latin typeface="Roboto"/>
+                <a:ea typeface="Roboto"/>
+              </a:rPr>
+              <a:t>Das Kapitel thematisiert auch, welche Rolle Regulierungen bzw. Vorschriften bei der Umsetzung einer Policy spielen </a:t>
+            </a:r>
+            <a:endParaRPr lang="de-DE" sz="1800" b="0" strike="noStrike" spc="-1">
+              <a:latin typeface="Arial"/>
+            </a:endParaRPr>
+          </a:p>
+          <a:p>
+            <a:pPr>
+              <a:lnSpc>
+                <a:spcPct val="115000"/>
+              </a:lnSpc>
+              <a:buNone/>
+            </a:pPr>
+            <a:endParaRPr lang="de-DE" sz="1800" b="0" strike="noStrike" spc="-1">
+              <a:latin typeface="Arial"/>
+            </a:endParaRPr>
+          </a:p>
+          <a:p>
+            <a:pPr>
+              <a:lnSpc>
+                <a:spcPct val="115000"/>
+              </a:lnSpc>
+              <a:buNone/>
+            </a:pPr>
+            <a:r>
+              <a:rPr lang="de-DE" sz="1800" b="0" strike="noStrike" spc="-1">
+                <a:solidFill>
+                  <a:srgbClr val="000000"/>
+                </a:solidFill>
+                <a:highlight>
+                  <a:srgbClr val="FFFF00"/>
+                </a:highlight>
+                <a:latin typeface="Roboto"/>
+                <a:ea typeface="Roboto"/>
+              </a:rPr>
+              <a:t>(siehe Abschnitt: Muster Policy zum Thema  "empfehlend vs verpflichtend”</a:t>
+            </a:r>
+            <a:r>
+              <a:rPr lang="de-DE" sz="1800" b="0" strike="noStrike" spc="-1">
+                <a:solidFill>
+                  <a:srgbClr val="000000"/>
+                </a:solidFill>
+                <a:latin typeface="Roboto"/>
+                <a:ea typeface="Roboto"/>
+              </a:rPr>
+              <a:t>).</a:t>
+            </a:r>
+            <a:endParaRPr lang="de-DE" sz="1800" b="0" strike="noStrike" spc="-1">
               <a:latin typeface="Arial"/>
             </a:endParaRPr>
           </a:p>
@@ -6402,19 +6621,22 @@
       </p:sp>
     </p:spTree>
   </p:cSld>
-  <mc:AlternateContent>
+  <p:clrMapOvr>
+    <a:masterClrMapping/>
+  </p:clrMapOvr>
+  <mc:AlternateContent xmlns:mc="http://schemas.openxmlformats.org/markup-compatibility/2006" xmlns:p14="http://schemas.microsoft.com/office/powerpoint/2010/main">
     <mc:Choice Requires="p14">
       <p:transition spd="slow" p14:dur="2000"/>
     </mc:Choice>
-    <mc:Fallback>
+    <mc:Fallback xmlns="" xmlns:p15="http://schemas.microsoft.com/office/powerpoint/2012/main">
       <p:transition spd="slow"/>
     </mc:Fallback>
   </mc:AlternateContent>
 </p:sld>
 </file>
 
-<file path=ppt/slides/slide9.xml><?xml version="1.0" encoding="utf-8"?>
-<p:sld xmlns:a="http://schemas.openxmlformats.org/drawingml/2006/main" xmlns:p="http://schemas.openxmlformats.org/presentationml/2006/main" xmlns:r="http://schemas.openxmlformats.org/officeDocument/2006/relationships" xmlns:p14="http://schemas.microsoft.com/office/powerpoint/2010/main" xmlns:p15="http://schemas.microsoft.com/office/powerpoint/2012/main" xmlns:mc="http://schemas.openxmlformats.org/markup-compatibility/2006">
+<file path=ppt/slides/slide6.xml><?xml version="1.0" encoding="utf-8"?>
+<p:sld xmlns:a="http://schemas.openxmlformats.org/drawingml/2006/main" xmlns:r="http://schemas.openxmlformats.org/officeDocument/2006/relationships" xmlns:p="http://schemas.openxmlformats.org/presentationml/2006/main">
   <p:cSld>
     <p:spTree>
       <p:nvGrpSpPr>
@@ -6432,12 +6654,1568 @@
       </p:grpSpPr>
       <p:pic>
         <p:nvPicPr>
-          <p:cNvPr id="75" name="Grafik 3" descr=""/>
+          <p:cNvPr id="65" name="Grafik 4"/>
           <p:cNvPicPr/>
           <p:nvPr/>
         </p:nvPicPr>
         <p:blipFill>
-          <a:blip r:embed="rId1"/>
+          <a:blip r:embed="rId2"/>
+          <a:stretch/>
+        </p:blipFill>
+        <p:spPr>
+          <a:xfrm>
+            <a:off x="-72360" y="-6840"/>
+            <a:ext cx="12336480" cy="6857640"/>
+          </a:xfrm>
+          <a:prstGeom prst="rect">
+            <a:avLst/>
+          </a:prstGeom>
+          <a:ln w="0">
+            <a:noFill/>
+          </a:ln>
+        </p:spPr>
+      </p:pic>
+      <p:pic>
+        <p:nvPicPr>
+          <p:cNvPr id="66" name="Grafik 7">
+            <a:hlinkClick r:id="rId3"/>
+          </p:cNvPr>
+          <p:cNvPicPr/>
+          <p:nvPr/>
+        </p:nvPicPr>
+        <p:blipFill>
+          <a:blip r:embed="rId4"/>
+          <a:stretch/>
+        </p:blipFill>
+        <p:spPr>
+          <a:xfrm>
+            <a:off x="4437360" y="6321240"/>
+            <a:ext cx="883080" cy="308880"/>
+          </a:xfrm>
+          <a:prstGeom prst="rect">
+            <a:avLst/>
+          </a:prstGeom>
+          <a:ln w="0">
+            <a:noFill/>
+          </a:ln>
+        </p:spPr>
+      </p:pic>
+      <p:sp>
+        <p:nvSpPr>
+          <p:cNvPr id="67" name="Textfeld 8"/>
+          <p:cNvSpPr/>
+          <p:nvPr/>
+        </p:nvSpPr>
+        <p:spPr>
+          <a:xfrm>
+            <a:off x="5328720" y="6286632"/>
+            <a:ext cx="7227360" cy="337100"/>
+          </a:xfrm>
+          <a:prstGeom prst="rect">
+            <a:avLst/>
+          </a:prstGeom>
+          <a:noFill/>
+          <a:ln w="0">
+            <a:noFill/>
+          </a:ln>
+        </p:spPr>
+        <p:style>
+          <a:lnRef idx="0">
+            <a:scrgbClr r="0" g="0" b="0"/>
+          </a:lnRef>
+          <a:fillRef idx="0">
+            <a:scrgbClr r="0" g="0" b="0"/>
+          </a:fillRef>
+          <a:effectRef idx="0">
+            <a:scrgbClr r="0" g="0" b="0"/>
+          </a:effectRef>
+          <a:fontRef idx="minor"/>
+        </p:style>
+        <p:txBody>
+          <a:bodyPr lIns="90000" tIns="45000" rIns="90000" bIns="45000" anchor="t">
+            <a:spAutoFit/>
+          </a:bodyPr>
+          <a:lstStyle/>
+          <a:p>
+            <a:pPr>
+              <a:lnSpc>
+                <a:spcPct val="100000"/>
+              </a:lnSpc>
+              <a:buNone/>
+            </a:pPr>
+            <a:r>
+              <a:rPr lang="en-US" sz="800" b="0" strike="noStrike" spc="-1" dirty="0" smtClean="0">
+                <a:solidFill>
+                  <a:srgbClr val="000000"/>
+                </a:solidFill>
+                <a:latin typeface="Calibri"/>
+                <a:hlinkClick r:id="rId5"/>
+              </a:rPr>
+              <a:t>Guidelines on the development of open educational resources policies</a:t>
+            </a:r>
+            <a:r>
+              <a:rPr lang="en-US" sz="800" b="0" strike="noStrike" spc="-1" dirty="0" smtClean="0">
+                <a:solidFill>
+                  <a:srgbClr val="000000"/>
+                </a:solidFill>
+                <a:latin typeface="Calibri"/>
+              </a:rPr>
+              <a:t> von UNESCO &amp; COMMONWEALTH OF LEARNING </a:t>
+            </a:r>
+            <a:r>
+              <a:rPr lang="en-US" sz="800" spc="-1" dirty="0" err="1" smtClean="0">
+                <a:solidFill>
+                  <a:srgbClr val="000000"/>
+                </a:solidFill>
+                <a:latin typeface="Calibri"/>
+              </a:rPr>
+              <a:t>lizenziert</a:t>
+            </a:r>
+            <a:r>
+              <a:rPr lang="en-US" sz="800" spc="-1" dirty="0" smtClean="0">
+                <a:solidFill>
+                  <a:srgbClr val="000000"/>
+                </a:solidFill>
+                <a:latin typeface="Calibri"/>
+              </a:rPr>
+              <a:t> </a:t>
+            </a:r>
+            <a:r>
+              <a:rPr lang="en-US" sz="800" spc="-1" dirty="0" err="1" smtClean="0">
+                <a:solidFill>
+                  <a:srgbClr val="000000"/>
+                </a:solidFill>
+                <a:latin typeface="Calibri"/>
+              </a:rPr>
+              <a:t>unter</a:t>
+            </a:r>
+            <a:r>
+              <a:rPr lang="en-US" sz="800" spc="-1" dirty="0" smtClean="0">
+                <a:solidFill>
+                  <a:srgbClr val="000000"/>
+                </a:solidFill>
+                <a:latin typeface="Calibri"/>
+              </a:rPr>
+              <a:t> </a:t>
+            </a:r>
+            <a:r>
+              <a:rPr lang="en-US" sz="800" spc="-1" dirty="0" smtClean="0">
+                <a:solidFill>
+                  <a:srgbClr val="000000"/>
+                </a:solidFill>
+                <a:latin typeface="Calibri"/>
+                <a:hlinkClick r:id="rId6"/>
+              </a:rPr>
+              <a:t>CC BY-SA</a:t>
+            </a:r>
+            <a:r>
+              <a:rPr lang="en-US" sz="800" dirty="0" smtClean="0"/>
+              <a:t/>
+            </a:r>
+            <a:br>
+              <a:rPr lang="en-US" sz="800" dirty="0" smtClean="0"/>
+            </a:br>
+            <a:r>
+              <a:rPr lang="en-US" sz="800" b="0" strike="noStrike" spc="-1" dirty="0" smtClean="0">
+                <a:solidFill>
+                  <a:srgbClr val="000000"/>
+                </a:solidFill>
+                <a:latin typeface="Calibri"/>
+              </a:rPr>
+              <a:t>Deutsche </a:t>
+            </a:r>
+            <a:r>
+              <a:rPr lang="en-US" sz="800" b="0" strike="noStrike" spc="-1" dirty="0" err="1" smtClean="0">
+                <a:solidFill>
+                  <a:srgbClr val="000000"/>
+                </a:solidFill>
+                <a:latin typeface="Calibri"/>
+              </a:rPr>
+              <a:t>Zusammenfassung</a:t>
+            </a:r>
+            <a:r>
+              <a:rPr lang="en-US" sz="800" b="0" strike="noStrike" spc="-1" dirty="0" smtClean="0">
+                <a:solidFill>
+                  <a:srgbClr val="000000"/>
+                </a:solidFill>
+                <a:latin typeface="Calibri"/>
+              </a:rPr>
+              <a:t> </a:t>
+            </a:r>
+            <a:r>
+              <a:rPr lang="en-US" sz="800" b="0" strike="noStrike" spc="-1" dirty="0" err="1" smtClean="0">
+                <a:solidFill>
+                  <a:srgbClr val="000000"/>
+                </a:solidFill>
+                <a:latin typeface="Calibri"/>
+              </a:rPr>
+              <a:t>für</a:t>
+            </a:r>
+            <a:r>
+              <a:rPr lang="en-US" sz="800" b="0" strike="noStrike" spc="-1" dirty="0" smtClean="0">
+                <a:solidFill>
+                  <a:srgbClr val="000000"/>
+                </a:solidFill>
+                <a:latin typeface="Calibri"/>
+              </a:rPr>
+              <a:t> das </a:t>
+            </a:r>
+            <a:r>
+              <a:rPr lang="en-US" sz="800" b="0" strike="noStrike" spc="-1" dirty="0" smtClean="0">
+                <a:solidFill>
+                  <a:srgbClr val="000000"/>
+                </a:solidFill>
+                <a:latin typeface="Calibri"/>
+                <a:hlinkClick r:id="rId7"/>
+              </a:rPr>
+              <a:t>OER Policy Kit</a:t>
+            </a:r>
+            <a:r>
+              <a:rPr lang="en-US" sz="800" b="0" strike="noStrike" spc="-1" dirty="0" smtClean="0">
+                <a:solidFill>
+                  <a:srgbClr val="000000"/>
+                </a:solidFill>
+                <a:latin typeface="Calibri"/>
+              </a:rPr>
+              <a:t>: Frank Homp und Yulia Loose (2024)</a:t>
+            </a:r>
+            <a:endParaRPr lang="en-US" sz="800" spc="-1" dirty="0"/>
+          </a:p>
+        </p:txBody>
+      </p:sp>
+      <p:sp>
+        <p:nvSpPr>
+          <p:cNvPr id="68" name="Textfeld 9"/>
+          <p:cNvSpPr/>
+          <p:nvPr/>
+        </p:nvSpPr>
+        <p:spPr>
+          <a:xfrm>
+            <a:off x="4336920" y="441360"/>
+            <a:ext cx="7541280" cy="6081480"/>
+          </a:xfrm>
+          <a:prstGeom prst="rect">
+            <a:avLst/>
+          </a:prstGeom>
+          <a:noFill/>
+          <a:ln w="0">
+            <a:noFill/>
+          </a:ln>
+        </p:spPr>
+        <p:style>
+          <a:lnRef idx="0">
+            <a:scrgbClr r="0" g="0" b="0"/>
+          </a:lnRef>
+          <a:fillRef idx="0">
+            <a:scrgbClr r="0" g="0" b="0"/>
+          </a:fillRef>
+          <a:effectRef idx="0">
+            <a:scrgbClr r="0" g="0" b="0"/>
+          </a:effectRef>
+          <a:fontRef idx="minor"/>
+        </p:style>
+        <p:txBody>
+          <a:bodyPr lIns="90000" tIns="45000" rIns="90000" bIns="45000" anchor="t">
+            <a:spAutoFit/>
+          </a:bodyPr>
+          <a:lstStyle/>
+          <a:p>
+            <a:pPr>
+              <a:lnSpc>
+                <a:spcPct val="115000"/>
+              </a:lnSpc>
+              <a:buNone/>
+            </a:pPr>
+            <a:r>
+              <a:rPr lang="de-DE" sz="1800" b="1" strike="noStrike" spc="-1">
+                <a:solidFill>
+                  <a:srgbClr val="000000"/>
+                </a:solidFill>
+                <a:latin typeface="Roboto"/>
+                <a:ea typeface="Roboto"/>
+              </a:rPr>
+              <a:t>Das 4. Kapitel “Executing the gap analysis” </a:t>
+            </a:r>
+            <a:r>
+              <a:rPr lang="de-DE" sz="1800" b="0" strike="noStrike" spc="-1">
+                <a:solidFill>
+                  <a:srgbClr val="000000"/>
+                </a:solidFill>
+                <a:latin typeface="Roboto"/>
+                <a:ea typeface="Roboto"/>
+              </a:rPr>
+              <a:t>widmet sich dem </a:t>
+            </a:r>
+            <a:r>
+              <a:rPr lang="de-DE" sz="1800" b="1" strike="noStrike" spc="-1">
+                <a:solidFill>
+                  <a:srgbClr val="000000"/>
+                </a:solidFill>
+                <a:latin typeface="Roboto"/>
+                <a:ea typeface="Roboto"/>
+              </a:rPr>
+              <a:t>Verstehen der aktuellen Situation</a:t>
+            </a:r>
+            <a:r>
+              <a:rPr lang="de-DE" sz="1800" b="0" strike="noStrike" spc="-1">
+                <a:solidFill>
+                  <a:srgbClr val="000000"/>
+                </a:solidFill>
+                <a:latin typeface="Roboto"/>
+                <a:ea typeface="Roboto"/>
+              </a:rPr>
+              <a:t>, auf der die Policy aufbauen soll. </a:t>
+            </a:r>
+            <a:endParaRPr lang="de-DE" sz="1800" b="0" strike="noStrike" spc="-1">
+              <a:latin typeface="Arial"/>
+            </a:endParaRPr>
+          </a:p>
+          <a:p>
+            <a:pPr>
+              <a:lnSpc>
+                <a:spcPct val="115000"/>
+              </a:lnSpc>
+              <a:buNone/>
+            </a:pPr>
+            <a:endParaRPr lang="de-DE" sz="1800" b="0" strike="noStrike" spc="-1">
+              <a:latin typeface="Arial"/>
+            </a:endParaRPr>
+          </a:p>
+          <a:p>
+            <a:pPr>
+              <a:lnSpc>
+                <a:spcPct val="115000"/>
+              </a:lnSpc>
+              <a:buNone/>
+            </a:pPr>
+            <a:r>
+              <a:rPr lang="de-DE" sz="1800" b="0" strike="noStrike" spc="-1">
+                <a:solidFill>
+                  <a:srgbClr val="000000"/>
+                </a:solidFill>
+                <a:latin typeface="Roboto"/>
+                <a:ea typeface="Roboto"/>
+              </a:rPr>
+              <a:t>Diese Erkenntnisse sollen dazu dienen, die Bereiche und das Ausmaß der Veränderungen zu erkennen, um die mit der Policy formulierten Erwartungen zu erfüllen, so dass weder eine zu ehrgeizige noch eine zu vorsichtige Policy formuliert wird. </a:t>
+            </a:r>
+            <a:endParaRPr lang="de-DE" sz="1800" b="0" strike="noStrike" spc="-1">
+              <a:latin typeface="Arial"/>
+            </a:endParaRPr>
+          </a:p>
+          <a:p>
+            <a:pPr>
+              <a:lnSpc>
+                <a:spcPct val="115000"/>
+              </a:lnSpc>
+              <a:buNone/>
+            </a:pPr>
+            <a:endParaRPr lang="de-DE" sz="1800" b="0" strike="noStrike" spc="-1">
+              <a:latin typeface="Arial"/>
+            </a:endParaRPr>
+          </a:p>
+          <a:p>
+            <a:pPr>
+              <a:lnSpc>
+                <a:spcPct val="115000"/>
+              </a:lnSpc>
+              <a:buNone/>
+            </a:pPr>
+            <a:r>
+              <a:rPr lang="de-DE" sz="1800" b="0" strike="noStrike" spc="-1">
+                <a:solidFill>
+                  <a:srgbClr val="000000"/>
+                </a:solidFill>
+                <a:latin typeface="Roboto"/>
+                <a:ea typeface="Roboto"/>
+              </a:rPr>
+              <a:t>Die Methode </a:t>
+            </a:r>
+            <a:r>
+              <a:rPr lang="de-DE" sz="1800" b="1" strike="noStrike" spc="-1">
+                <a:solidFill>
+                  <a:srgbClr val="000000"/>
+                </a:solidFill>
+                <a:latin typeface="Roboto"/>
+                <a:ea typeface="Roboto"/>
+              </a:rPr>
+              <a:t>“gap analysis”</a:t>
+            </a:r>
+            <a:r>
+              <a:rPr lang="de-DE" sz="1800" b="0" strike="noStrike" spc="-1">
+                <a:solidFill>
+                  <a:srgbClr val="000000"/>
+                </a:solidFill>
+                <a:latin typeface="Roboto"/>
+                <a:ea typeface="Roboto"/>
+              </a:rPr>
+              <a:t>, dient dazu Lücken bei der Bereitstellung von Lehr-/Lernmaterial zu ermitteln sowie </a:t>
+            </a:r>
+            <a:r>
+              <a:rPr lang="de-DE" sz="1800" b="1" strike="noStrike" spc="-1">
+                <a:solidFill>
+                  <a:srgbClr val="000000"/>
+                </a:solidFill>
+                <a:latin typeface="Roboto"/>
+                <a:ea typeface="Roboto"/>
+              </a:rPr>
+              <a:t>notwendige Änderungen in der technischen Infrastruktur, der Qualitätssicherung und der Unterstützung der Lehrenden</a:t>
+            </a:r>
+            <a:r>
+              <a:rPr lang="de-DE" sz="1800" b="0" strike="noStrike" spc="-1">
+                <a:solidFill>
+                  <a:srgbClr val="000000"/>
+                </a:solidFill>
+                <a:latin typeface="Roboto"/>
+                <a:ea typeface="Roboto"/>
+              </a:rPr>
+              <a:t> zu identifizieren - Aspekte die für die Wirksamkeit der Policy erforderlich sind. </a:t>
+            </a:r>
+            <a:endParaRPr lang="de-DE" sz="1800" b="0" strike="noStrike" spc="-1">
+              <a:latin typeface="Arial"/>
+            </a:endParaRPr>
+          </a:p>
+          <a:p>
+            <a:pPr>
+              <a:lnSpc>
+                <a:spcPct val="115000"/>
+              </a:lnSpc>
+              <a:buNone/>
+            </a:pPr>
+            <a:endParaRPr lang="de-DE" sz="1800" b="0" strike="noStrike" spc="-1">
+              <a:latin typeface="Arial"/>
+            </a:endParaRPr>
+          </a:p>
+          <a:p>
+            <a:pPr>
+              <a:lnSpc>
+                <a:spcPct val="115000"/>
+              </a:lnSpc>
+              <a:buNone/>
+            </a:pPr>
+            <a:r>
+              <a:rPr lang="de-DE" sz="1800" b="0" strike="noStrike" spc="-1">
+                <a:solidFill>
+                  <a:srgbClr val="000000"/>
+                </a:solidFill>
+                <a:latin typeface="Roboto"/>
+                <a:ea typeface="Roboto"/>
+              </a:rPr>
+              <a:t>Der Ausgangspunkt der Analyse ist ein </a:t>
+            </a:r>
+            <a:r>
+              <a:rPr lang="de-DE" sz="1800" b="1" strike="noStrike" spc="-1">
+                <a:solidFill>
+                  <a:srgbClr val="000000"/>
+                </a:solidFill>
+                <a:latin typeface="Roboto"/>
+                <a:ea typeface="Roboto"/>
+              </a:rPr>
+              <a:t>Assessment des Wissens von Stakeholdern über offene Lizenzen und OER</a:t>
+            </a:r>
+            <a:r>
+              <a:rPr lang="de-DE" sz="1800" b="0" strike="noStrike" spc="-1">
+                <a:solidFill>
+                  <a:srgbClr val="000000"/>
+                </a:solidFill>
+                <a:latin typeface="Roboto"/>
+                <a:ea typeface="Roboto"/>
+              </a:rPr>
+              <a:t>.</a:t>
+            </a:r>
+            <a:endParaRPr lang="de-DE" sz="1800" b="0" strike="noStrike" spc="-1">
+              <a:latin typeface="Arial"/>
+            </a:endParaRPr>
+          </a:p>
+        </p:txBody>
+      </p:sp>
+    </p:spTree>
+  </p:cSld>
+  <p:clrMapOvr>
+    <a:masterClrMapping/>
+  </p:clrMapOvr>
+  <mc:AlternateContent xmlns:mc="http://schemas.openxmlformats.org/markup-compatibility/2006" xmlns:p14="http://schemas.microsoft.com/office/powerpoint/2010/main">
+    <mc:Choice Requires="p14">
+      <p:transition spd="slow" p14:dur="2000"/>
+    </mc:Choice>
+    <mc:Fallback xmlns="" xmlns:p15="http://schemas.microsoft.com/office/powerpoint/2012/main">
+      <p:transition spd="slow"/>
+    </mc:Fallback>
+  </mc:AlternateContent>
+</p:sld>
+</file>
+
+<file path=ppt/slides/slide7.xml><?xml version="1.0" encoding="utf-8"?>
+<p:sld xmlns:a="http://schemas.openxmlformats.org/drawingml/2006/main" xmlns:r="http://schemas.openxmlformats.org/officeDocument/2006/relationships" xmlns:p="http://schemas.openxmlformats.org/presentationml/2006/main">
+  <p:cSld>
+    <p:spTree>
+      <p:nvGrpSpPr>
+        <p:cNvPr id="1" name=""/>
+        <p:cNvGrpSpPr/>
+        <p:nvPr/>
+      </p:nvGrpSpPr>
+      <p:grpSpPr>
+        <a:xfrm>
+          <a:off x="0" y="0"/>
+          <a:ext cx="0" cy="0"/>
+          <a:chOff x="0" y="0"/>
+          <a:chExt cx="0" cy="0"/>
+        </a:xfrm>
+      </p:grpSpPr>
+      <p:pic>
+        <p:nvPicPr>
+          <p:cNvPr id="69" name="Grafik 4"/>
+          <p:cNvPicPr/>
+          <p:nvPr/>
+        </p:nvPicPr>
+        <p:blipFill>
+          <a:blip r:embed="rId2"/>
+          <a:stretch/>
+        </p:blipFill>
+        <p:spPr>
+          <a:xfrm>
+            <a:off x="-72360" y="0"/>
+            <a:ext cx="12336480" cy="6857640"/>
+          </a:xfrm>
+          <a:prstGeom prst="rect">
+            <a:avLst/>
+          </a:prstGeom>
+          <a:ln w="0">
+            <a:noFill/>
+          </a:ln>
+        </p:spPr>
+      </p:pic>
+      <p:sp>
+        <p:nvSpPr>
+          <p:cNvPr id="70" name="Textfeld 7"/>
+          <p:cNvSpPr/>
+          <p:nvPr/>
+        </p:nvSpPr>
+        <p:spPr>
+          <a:xfrm>
+            <a:off x="4336920" y="441360"/>
+            <a:ext cx="7541280" cy="4779000"/>
+          </a:xfrm>
+          <a:prstGeom prst="rect">
+            <a:avLst/>
+          </a:prstGeom>
+          <a:noFill/>
+          <a:ln w="0">
+            <a:noFill/>
+          </a:ln>
+        </p:spPr>
+        <p:style>
+          <a:lnRef idx="0">
+            <a:scrgbClr r="0" g="0" b="0"/>
+          </a:lnRef>
+          <a:fillRef idx="0">
+            <a:scrgbClr r="0" g="0" b="0"/>
+          </a:fillRef>
+          <a:effectRef idx="0">
+            <a:scrgbClr r="0" g="0" b="0"/>
+          </a:effectRef>
+          <a:fontRef idx="minor"/>
+        </p:style>
+        <p:txBody>
+          <a:bodyPr lIns="90000" tIns="45000" rIns="90000" bIns="45000" anchor="t">
+            <a:spAutoFit/>
+          </a:bodyPr>
+          <a:lstStyle/>
+          <a:p>
+            <a:pPr>
+              <a:lnSpc>
+                <a:spcPct val="115000"/>
+              </a:lnSpc>
+              <a:buNone/>
+            </a:pPr>
+            <a:r>
+              <a:rPr lang="de-DE" sz="1800" b="1" strike="noStrike" spc="-1">
+                <a:solidFill>
+                  <a:srgbClr val="000000"/>
+                </a:solidFill>
+                <a:latin typeface="Roboto"/>
+                <a:ea typeface="Roboto"/>
+              </a:rPr>
+              <a:t>Das 5. Kapitel “Designing the masterplan” </a:t>
+            </a:r>
+            <a:r>
+              <a:rPr lang="de-DE" sz="1800" b="0" strike="noStrike" spc="-1">
+                <a:solidFill>
+                  <a:srgbClr val="000000"/>
+                </a:solidFill>
+                <a:latin typeface="Roboto"/>
+                <a:ea typeface="Roboto"/>
+              </a:rPr>
+              <a:t>soll dabei unterstützen, die konkreten Schritte (“building blocks”) zu identifizieren, die sich aus den Erkenntnissen der vorangehenden Kapitel ergeben haben. Zusammen bilden sie den Fahrplan für die Umsetzung der Policy (siehe Kapitel 6.). </a:t>
+            </a:r>
+            <a:endParaRPr lang="de-DE" sz="1800" b="0" strike="noStrike" spc="-1">
+              <a:latin typeface="Arial"/>
+            </a:endParaRPr>
+          </a:p>
+          <a:p>
+            <a:pPr>
+              <a:lnSpc>
+                <a:spcPct val="115000"/>
+              </a:lnSpc>
+              <a:buNone/>
+            </a:pPr>
+            <a:endParaRPr lang="de-DE" sz="1800" b="0" strike="noStrike" spc="-1">
+              <a:latin typeface="Arial"/>
+            </a:endParaRPr>
+          </a:p>
+          <a:p>
+            <a:pPr>
+              <a:lnSpc>
+                <a:spcPct val="115000"/>
+              </a:lnSpc>
+              <a:buNone/>
+            </a:pPr>
+            <a:r>
+              <a:rPr lang="de-DE" sz="1800" b="0" strike="noStrike" spc="-1">
+                <a:solidFill>
+                  <a:srgbClr val="000000"/>
+                </a:solidFill>
+                <a:latin typeface="Roboto"/>
+                <a:ea typeface="Roboto"/>
+              </a:rPr>
+              <a:t>Die „Building blocks“ sollen hierbei stets die folgenden Aspekte beinhalten: </a:t>
+            </a:r>
+            <a:endParaRPr lang="de-DE" sz="1800" b="0" strike="noStrike" spc="-1">
+              <a:latin typeface="Arial"/>
+            </a:endParaRPr>
+          </a:p>
+          <a:p>
+            <a:pPr marL="800280" lvl="1" indent="-343080" algn="just">
+              <a:lnSpc>
+                <a:spcPct val="115000"/>
+              </a:lnSpc>
+              <a:buClr>
+                <a:srgbClr val="000000"/>
+              </a:buClr>
+              <a:buFont typeface="Arial"/>
+              <a:buChar char="●"/>
+            </a:pPr>
+            <a:r>
+              <a:rPr lang="de-DE" sz="1800" b="0" strike="noStrike" spc="-1">
+                <a:solidFill>
+                  <a:srgbClr val="000000"/>
+                </a:solidFill>
+                <a:latin typeface="Roboto"/>
+                <a:ea typeface="Roboto"/>
+              </a:rPr>
+              <a:t>Zielsetzung: Was ist das Ziel des Blocks?</a:t>
+            </a:r>
+            <a:endParaRPr lang="de-DE" sz="1800" b="0" strike="noStrike" spc="-1">
+              <a:latin typeface="Arial"/>
+            </a:endParaRPr>
+          </a:p>
+          <a:p>
+            <a:pPr marL="800280" lvl="1" indent="-343080" algn="just">
+              <a:lnSpc>
+                <a:spcPct val="115000"/>
+              </a:lnSpc>
+              <a:buClr>
+                <a:srgbClr val="000000"/>
+              </a:buClr>
+              <a:buFont typeface="Arial"/>
+              <a:buChar char="●"/>
+            </a:pPr>
+            <a:r>
+              <a:rPr lang="de-DE" sz="1800" b="0" strike="noStrike" spc="-1">
+                <a:solidFill>
+                  <a:srgbClr val="000000"/>
+                </a:solidFill>
+                <a:latin typeface="Roboto"/>
+                <a:ea typeface="Roboto"/>
+              </a:rPr>
+              <a:t>Hauptaktivitäten und Zielbereiche/-gruppen: Was ist zu tun?</a:t>
+            </a:r>
+            <a:endParaRPr lang="de-DE" sz="1800" b="0" strike="noStrike" spc="-1">
+              <a:latin typeface="Arial"/>
+            </a:endParaRPr>
+          </a:p>
+          <a:p>
+            <a:pPr marL="800280" lvl="1" indent="-343080" algn="just">
+              <a:lnSpc>
+                <a:spcPct val="115000"/>
+              </a:lnSpc>
+              <a:buClr>
+                <a:srgbClr val="000000"/>
+              </a:buClr>
+              <a:buFont typeface="Arial"/>
+              <a:buChar char="●"/>
+            </a:pPr>
+            <a:r>
+              <a:rPr lang="de-DE" sz="1800" b="0" strike="noStrike" spc="-1">
+                <a:solidFill>
+                  <a:srgbClr val="000000"/>
+                </a:solidFill>
+                <a:latin typeface="Roboto"/>
+                <a:ea typeface="Roboto"/>
+              </a:rPr>
+              <a:t>Wichtige Partner für die Umsetzung: Wer ist beteiligt? </a:t>
+            </a:r>
+            <a:endParaRPr lang="de-DE" sz="1800" b="0" strike="noStrike" spc="-1">
+              <a:latin typeface="Arial"/>
+            </a:endParaRPr>
+          </a:p>
+          <a:p>
+            <a:pPr marL="800280" lvl="1" indent="-343080" algn="just">
+              <a:lnSpc>
+                <a:spcPct val="115000"/>
+              </a:lnSpc>
+              <a:buClr>
+                <a:srgbClr val="000000"/>
+              </a:buClr>
+              <a:buFont typeface="Arial"/>
+              <a:buChar char="●"/>
+            </a:pPr>
+            <a:r>
+              <a:rPr lang="de-DE" sz="1800" b="0" strike="noStrike" spc="-1">
+                <a:solidFill>
+                  <a:srgbClr val="000000"/>
+                </a:solidFill>
+                <a:highlight>
+                  <a:srgbClr val="FFFF00"/>
+                </a:highlight>
+                <a:latin typeface="Roboto"/>
+                <a:ea typeface="Roboto"/>
+              </a:rPr>
+              <a:t>(siehe Anknüpfen und vernetzen)</a:t>
+            </a:r>
+            <a:endParaRPr lang="de-DE" sz="1800" b="0" strike="noStrike" spc="-1">
+              <a:latin typeface="Arial"/>
+            </a:endParaRPr>
+          </a:p>
+          <a:p>
+            <a:pPr marL="457200" algn="just">
+              <a:lnSpc>
+                <a:spcPct val="115000"/>
+              </a:lnSpc>
+              <a:buNone/>
+            </a:pPr>
+            <a:endParaRPr lang="de-DE" sz="1800" b="0" strike="noStrike" spc="-1">
+              <a:latin typeface="Arial"/>
+            </a:endParaRPr>
+          </a:p>
+          <a:p>
+            <a:pPr>
+              <a:lnSpc>
+                <a:spcPct val="100000"/>
+              </a:lnSpc>
+              <a:buNone/>
+            </a:pPr>
+            <a:r>
+              <a:rPr lang="de-DE" sz="1800" b="0" strike="noStrike" spc="-1">
+                <a:solidFill>
+                  <a:srgbClr val="000000"/>
+                </a:solidFill>
+                <a:latin typeface="Roboto"/>
+                <a:ea typeface="Roboto"/>
+              </a:rPr>
+              <a:t>Indikatoren: Wie wird der Erfolg gemessen?</a:t>
+            </a:r>
+            <a:endParaRPr lang="de-DE" sz="1800" b="0" strike="noStrike" spc="-1">
+              <a:latin typeface="Arial"/>
+            </a:endParaRPr>
+          </a:p>
+        </p:txBody>
+      </p:sp>
+      <p:sp>
+        <p:nvSpPr>
+          <p:cNvPr id="3" name="Rechteck 2"/>
+          <p:cNvSpPr/>
+          <p:nvPr/>
+        </p:nvSpPr>
+        <p:spPr>
+          <a:xfrm>
+            <a:off x="5989092" y="6208532"/>
+            <a:ext cx="6498610" cy="338554"/>
+          </a:xfrm>
+          <a:prstGeom prst="rect">
+            <a:avLst/>
+          </a:prstGeom>
+        </p:spPr>
+        <p:txBody>
+          <a:bodyPr wrap="square">
+            <a:spAutoFit/>
+          </a:bodyPr>
+          <a:lstStyle/>
+          <a:p>
+            <a:pPr>
+              <a:lnSpc>
+                <a:spcPct val="100000"/>
+              </a:lnSpc>
+              <a:buNone/>
+            </a:pPr>
+            <a:r>
+              <a:rPr lang="en-US" sz="800" spc="-1" dirty="0">
+                <a:solidFill>
+                  <a:srgbClr val="000000"/>
+                </a:solidFill>
+                <a:latin typeface="Calibri" panose="020F0502020204030204" pitchFamily="34" charset="0"/>
+                <a:cs typeface="Calibri" panose="020F0502020204030204" pitchFamily="34" charset="0"/>
+                <a:hlinkClick r:id="rId3"/>
+              </a:rPr>
+              <a:t>Guidelines on the development of open educational resources policies</a:t>
+            </a:r>
+            <a:r>
+              <a:rPr lang="en-US" sz="800" spc="-1" dirty="0">
+                <a:solidFill>
+                  <a:srgbClr val="000000"/>
+                </a:solidFill>
+                <a:latin typeface="Calibri" panose="020F0502020204030204" pitchFamily="34" charset="0"/>
+                <a:cs typeface="Calibri" panose="020F0502020204030204" pitchFamily="34" charset="0"/>
+              </a:rPr>
+              <a:t> von UNESCO &amp; COMMONWEALTH OF LEARNING </a:t>
+            </a:r>
+            <a:r>
+              <a:rPr lang="en-US" sz="800" spc="-1" dirty="0" err="1">
+                <a:solidFill>
+                  <a:srgbClr val="000000"/>
+                </a:solidFill>
+                <a:latin typeface="Calibri" panose="020F0502020204030204" pitchFamily="34" charset="0"/>
+                <a:cs typeface="Calibri" panose="020F0502020204030204" pitchFamily="34" charset="0"/>
+              </a:rPr>
+              <a:t>lizenziert</a:t>
+            </a:r>
+            <a:r>
+              <a:rPr lang="en-US" sz="800" spc="-1" dirty="0">
+                <a:solidFill>
+                  <a:srgbClr val="000000"/>
+                </a:solidFill>
+                <a:latin typeface="Calibri" panose="020F0502020204030204" pitchFamily="34" charset="0"/>
+                <a:cs typeface="Calibri" panose="020F0502020204030204" pitchFamily="34" charset="0"/>
+              </a:rPr>
+              <a:t> </a:t>
+            </a:r>
+            <a:r>
+              <a:rPr lang="en-US" sz="800" spc="-1" dirty="0" err="1">
+                <a:solidFill>
+                  <a:srgbClr val="000000"/>
+                </a:solidFill>
+                <a:latin typeface="Calibri" panose="020F0502020204030204" pitchFamily="34" charset="0"/>
+                <a:cs typeface="Calibri" panose="020F0502020204030204" pitchFamily="34" charset="0"/>
+              </a:rPr>
+              <a:t>unter</a:t>
+            </a:r>
+            <a:r>
+              <a:rPr lang="en-US" sz="800" spc="-1" dirty="0">
+                <a:solidFill>
+                  <a:srgbClr val="000000"/>
+                </a:solidFill>
+                <a:latin typeface="Calibri" panose="020F0502020204030204" pitchFamily="34" charset="0"/>
+                <a:cs typeface="Calibri" panose="020F0502020204030204" pitchFamily="34" charset="0"/>
+              </a:rPr>
+              <a:t> </a:t>
+            </a:r>
+            <a:r>
+              <a:rPr lang="en-US" sz="800" spc="-1" dirty="0">
+                <a:solidFill>
+                  <a:srgbClr val="000000"/>
+                </a:solidFill>
+                <a:latin typeface="Calibri" panose="020F0502020204030204" pitchFamily="34" charset="0"/>
+                <a:cs typeface="Calibri" panose="020F0502020204030204" pitchFamily="34" charset="0"/>
+                <a:hlinkClick r:id="rId4"/>
+              </a:rPr>
+              <a:t>CC BY-SA</a:t>
+            </a:r>
+            <a:r>
+              <a:rPr lang="en-US" sz="800" dirty="0">
+                <a:latin typeface="Calibri" panose="020F0502020204030204" pitchFamily="34" charset="0"/>
+                <a:cs typeface="Calibri" panose="020F0502020204030204" pitchFamily="34" charset="0"/>
+              </a:rPr>
+              <a:t/>
+            </a:r>
+            <a:br>
+              <a:rPr lang="en-US" sz="800" dirty="0">
+                <a:latin typeface="Calibri" panose="020F0502020204030204" pitchFamily="34" charset="0"/>
+                <a:cs typeface="Calibri" panose="020F0502020204030204" pitchFamily="34" charset="0"/>
+              </a:rPr>
+            </a:br>
+            <a:r>
+              <a:rPr lang="en-US" sz="800" spc="-1" dirty="0">
+                <a:solidFill>
+                  <a:srgbClr val="000000"/>
+                </a:solidFill>
+                <a:latin typeface="Calibri" panose="020F0502020204030204" pitchFamily="34" charset="0"/>
+                <a:cs typeface="Calibri" panose="020F0502020204030204" pitchFamily="34" charset="0"/>
+              </a:rPr>
+              <a:t>Deutsche </a:t>
+            </a:r>
+            <a:r>
+              <a:rPr lang="en-US" sz="800" spc="-1" dirty="0" err="1">
+                <a:solidFill>
+                  <a:srgbClr val="000000"/>
+                </a:solidFill>
+                <a:latin typeface="Calibri" panose="020F0502020204030204" pitchFamily="34" charset="0"/>
+                <a:cs typeface="Calibri" panose="020F0502020204030204" pitchFamily="34" charset="0"/>
+              </a:rPr>
+              <a:t>Zusammenfassung</a:t>
+            </a:r>
+            <a:r>
+              <a:rPr lang="en-US" sz="800" spc="-1" dirty="0">
+                <a:solidFill>
+                  <a:srgbClr val="000000"/>
+                </a:solidFill>
+                <a:latin typeface="Calibri" panose="020F0502020204030204" pitchFamily="34" charset="0"/>
+                <a:cs typeface="Calibri" panose="020F0502020204030204" pitchFamily="34" charset="0"/>
+              </a:rPr>
+              <a:t> </a:t>
+            </a:r>
+            <a:r>
+              <a:rPr lang="en-US" sz="800" spc="-1" dirty="0" err="1">
+                <a:solidFill>
+                  <a:srgbClr val="000000"/>
+                </a:solidFill>
+                <a:latin typeface="Calibri" panose="020F0502020204030204" pitchFamily="34" charset="0"/>
+                <a:cs typeface="Calibri" panose="020F0502020204030204" pitchFamily="34" charset="0"/>
+              </a:rPr>
+              <a:t>für</a:t>
+            </a:r>
+            <a:r>
+              <a:rPr lang="en-US" sz="800" spc="-1" dirty="0">
+                <a:solidFill>
+                  <a:srgbClr val="000000"/>
+                </a:solidFill>
+                <a:latin typeface="Calibri" panose="020F0502020204030204" pitchFamily="34" charset="0"/>
+                <a:cs typeface="Calibri" panose="020F0502020204030204" pitchFamily="34" charset="0"/>
+              </a:rPr>
+              <a:t> das </a:t>
+            </a:r>
+            <a:r>
+              <a:rPr lang="en-US" sz="800" spc="-1" dirty="0">
+                <a:solidFill>
+                  <a:srgbClr val="000000"/>
+                </a:solidFill>
+                <a:latin typeface="Calibri" panose="020F0502020204030204" pitchFamily="34" charset="0"/>
+                <a:cs typeface="Calibri" panose="020F0502020204030204" pitchFamily="34" charset="0"/>
+                <a:hlinkClick r:id="rId5"/>
+              </a:rPr>
+              <a:t>OER Policy Kit</a:t>
+            </a:r>
+            <a:r>
+              <a:rPr lang="en-US" sz="800" spc="-1" dirty="0">
+                <a:solidFill>
+                  <a:srgbClr val="000000"/>
+                </a:solidFill>
+                <a:latin typeface="Calibri" panose="020F0502020204030204" pitchFamily="34" charset="0"/>
+                <a:cs typeface="Calibri" panose="020F0502020204030204" pitchFamily="34" charset="0"/>
+              </a:rPr>
+              <a:t>: Frank Homp und Yulia Loose (2024)</a:t>
+            </a:r>
+            <a:endParaRPr lang="en-US" sz="800" spc="-1" dirty="0">
+              <a:latin typeface="Calibri" panose="020F0502020204030204" pitchFamily="34" charset="0"/>
+              <a:cs typeface="Calibri" panose="020F0502020204030204" pitchFamily="34" charset="0"/>
+            </a:endParaRPr>
+          </a:p>
+        </p:txBody>
+      </p:sp>
+      <p:pic>
+        <p:nvPicPr>
+          <p:cNvPr id="6" name="Grafik 8">
+            <a:hlinkClick r:id="rId6"/>
+          </p:cNvPr>
+          <p:cNvPicPr/>
+          <p:nvPr/>
+        </p:nvPicPr>
+        <p:blipFill>
+          <a:blip r:embed="rId7"/>
+          <a:stretch/>
+        </p:blipFill>
+        <p:spPr>
+          <a:xfrm>
+            <a:off x="5099204" y="6234150"/>
+            <a:ext cx="883080" cy="308880"/>
+          </a:xfrm>
+          <a:prstGeom prst="rect">
+            <a:avLst/>
+          </a:prstGeom>
+          <a:ln w="0">
+            <a:noFill/>
+          </a:ln>
+        </p:spPr>
+      </p:pic>
+    </p:spTree>
+  </p:cSld>
+  <p:clrMapOvr>
+    <a:masterClrMapping/>
+  </p:clrMapOvr>
+  <mc:AlternateContent xmlns:mc="http://schemas.openxmlformats.org/markup-compatibility/2006" xmlns:p14="http://schemas.microsoft.com/office/powerpoint/2010/main">
+    <mc:Choice Requires="p14">
+      <p:transition spd="slow" p14:dur="2000"/>
+    </mc:Choice>
+    <mc:Fallback xmlns="" xmlns:p15="http://schemas.microsoft.com/office/powerpoint/2012/main">
+      <p:transition spd="slow"/>
+    </mc:Fallback>
+  </mc:AlternateContent>
+</p:sld>
+</file>
+
+<file path=ppt/slides/slide8.xml><?xml version="1.0" encoding="utf-8"?>
+<p:sld xmlns:a="http://schemas.openxmlformats.org/drawingml/2006/main" xmlns:r="http://schemas.openxmlformats.org/officeDocument/2006/relationships" xmlns:p="http://schemas.openxmlformats.org/presentationml/2006/main">
+  <p:cSld>
+    <p:spTree>
+      <p:nvGrpSpPr>
+        <p:cNvPr id="1" name=""/>
+        <p:cNvGrpSpPr/>
+        <p:nvPr/>
+      </p:nvGrpSpPr>
+      <p:grpSpPr>
+        <a:xfrm>
+          <a:off x="0" y="0"/>
+          <a:ext cx="0" cy="0"/>
+          <a:chOff x="0" y="0"/>
+          <a:chExt cx="0" cy="0"/>
+        </a:xfrm>
+      </p:grpSpPr>
+      <p:pic>
+        <p:nvPicPr>
+          <p:cNvPr id="71" name="Grafik 3"/>
+          <p:cNvPicPr/>
+          <p:nvPr/>
+        </p:nvPicPr>
+        <p:blipFill>
+          <a:blip r:embed="rId2"/>
+          <a:stretch/>
+        </p:blipFill>
+        <p:spPr>
+          <a:xfrm>
+            <a:off x="-72360" y="0"/>
+            <a:ext cx="12336480" cy="6857640"/>
+          </a:xfrm>
+          <a:prstGeom prst="rect">
+            <a:avLst/>
+          </a:prstGeom>
+          <a:ln w="0">
+            <a:noFill/>
+          </a:ln>
+        </p:spPr>
+      </p:pic>
+      <p:sp>
+        <p:nvSpPr>
+          <p:cNvPr id="72" name="Textfeld 6"/>
+          <p:cNvSpPr/>
+          <p:nvPr/>
+        </p:nvSpPr>
+        <p:spPr>
+          <a:xfrm>
+            <a:off x="4336920" y="441360"/>
+            <a:ext cx="7593480" cy="6396840"/>
+          </a:xfrm>
+          <a:prstGeom prst="rect">
+            <a:avLst/>
+          </a:prstGeom>
+          <a:noFill/>
+          <a:ln w="0">
+            <a:noFill/>
+          </a:ln>
+        </p:spPr>
+        <p:style>
+          <a:lnRef idx="0">
+            <a:scrgbClr r="0" g="0" b="0"/>
+          </a:lnRef>
+          <a:fillRef idx="0">
+            <a:scrgbClr r="0" g="0" b="0"/>
+          </a:fillRef>
+          <a:effectRef idx="0">
+            <a:scrgbClr r="0" g="0" b="0"/>
+          </a:effectRef>
+          <a:fontRef idx="minor"/>
+        </p:style>
+        <p:txBody>
+          <a:bodyPr lIns="90000" tIns="45000" rIns="90000" bIns="45000" anchor="t">
+            <a:spAutoFit/>
+          </a:bodyPr>
+          <a:lstStyle/>
+          <a:p>
+            <a:pPr algn="just">
+              <a:lnSpc>
+                <a:spcPct val="115000"/>
+              </a:lnSpc>
+              <a:buNone/>
+            </a:pPr>
+            <a:r>
+              <a:rPr lang="de-DE" sz="1800" b="0" strike="noStrike" spc="-1">
+                <a:solidFill>
+                  <a:srgbClr val="FFFFFF"/>
+                </a:solidFill>
+                <a:latin typeface="Roboto"/>
+                <a:ea typeface="Roboto"/>
+              </a:rPr>
+              <a:t>Im </a:t>
+            </a:r>
+            <a:r>
+              <a:rPr lang="de-DE" sz="1800" b="1" strike="noStrike" spc="-1">
+                <a:solidFill>
+                  <a:srgbClr val="FFFFFF"/>
+                </a:solidFill>
+                <a:latin typeface="Roboto"/>
+                <a:ea typeface="Roboto"/>
+              </a:rPr>
+              <a:t>6. Kapitel “Planning for governance and implementation” </a:t>
+            </a:r>
+            <a:r>
+              <a:rPr lang="de-DE" sz="1800" b="0" strike="noStrike" spc="-1">
+                <a:solidFill>
+                  <a:srgbClr val="FFFFFF"/>
+                </a:solidFill>
+                <a:latin typeface="Roboto"/>
+                <a:ea typeface="Roboto"/>
+              </a:rPr>
+              <a:t>geht es darum, wie die erarbeitete Politik - die im Kapitel 5 identifizierten Schritte (“building blocks”) - in der Praxis in einem Fahrplan umgesetzt und kontrolliert werden können, um das Engagement wichtiger Stakeholder sicherzustellen. </a:t>
+            </a:r>
+            <a:endParaRPr lang="de-DE" sz="1800" b="0" strike="noStrike" spc="-1">
+              <a:latin typeface="Arial"/>
+            </a:endParaRPr>
+          </a:p>
+          <a:p>
+            <a:pPr algn="just">
+              <a:lnSpc>
+                <a:spcPct val="115000"/>
+              </a:lnSpc>
+              <a:buNone/>
+            </a:pPr>
+            <a:endParaRPr lang="de-DE" sz="1800" b="0" strike="noStrike" spc="-1">
+              <a:latin typeface="Arial"/>
+            </a:endParaRPr>
+          </a:p>
+          <a:p>
+            <a:pPr>
+              <a:lnSpc>
+                <a:spcPct val="115000"/>
+              </a:lnSpc>
+              <a:buNone/>
+            </a:pPr>
+            <a:r>
+              <a:rPr lang="de-DE" sz="1800" b="0" strike="noStrike" spc="-1">
+                <a:solidFill>
+                  <a:srgbClr val="FFFFFF"/>
+                </a:solidFill>
+                <a:latin typeface="Roboto"/>
+                <a:ea typeface="Roboto"/>
+              </a:rPr>
+              <a:t>Es wird vorgeschlagen, folgende Punkte bei der Erstellung des Fahrplans (Strategie) mitzudenken, auf die im Kapitel ausführlich eingegangen wird: </a:t>
+            </a:r>
+            <a:endParaRPr lang="de-DE" sz="1800" b="0" strike="noStrike" spc="-1">
+              <a:latin typeface="Arial"/>
+            </a:endParaRPr>
+          </a:p>
+          <a:p>
+            <a:pPr marL="800280" lvl="1" indent="-343080">
+              <a:lnSpc>
+                <a:spcPct val="115000"/>
+              </a:lnSpc>
+              <a:buClr>
+                <a:srgbClr val="FFFFFF"/>
+              </a:buClr>
+              <a:buFont typeface="Arial"/>
+              <a:buChar char="●"/>
+            </a:pPr>
+            <a:r>
+              <a:rPr lang="de-DE" sz="1800" b="0" strike="noStrike" spc="-1">
+                <a:solidFill>
+                  <a:srgbClr val="FFFFFF"/>
+                </a:solidFill>
+                <a:latin typeface="Roboto"/>
+                <a:ea typeface="Roboto"/>
+              </a:rPr>
+              <a:t>Festlegung einer Umsetzungsmethode (Top-down/Bottom-up/gemischter Ansatz </a:t>
+            </a:r>
+            <a:r>
+              <a:rPr lang="de-DE" sz="1800" b="0" strike="noStrike" spc="-1">
+                <a:solidFill>
+                  <a:srgbClr val="FFFFFF"/>
+                </a:solidFill>
+                <a:highlight>
+                  <a:srgbClr val="FFFF00"/>
+                </a:highlight>
+                <a:latin typeface="Roboto"/>
+                <a:ea typeface="Roboto"/>
+              </a:rPr>
+              <a:t>siehe </a:t>
+            </a:r>
+            <a:r>
+              <a:rPr lang="de-DE" sz="1800" b="0" strike="noStrike" spc="-1">
+                <a:solidFill>
+                  <a:srgbClr val="FFFFFF"/>
+                </a:solidFill>
+                <a:highlight>
+                  <a:srgbClr val="FFFF00"/>
+                </a:highlight>
+                <a:latin typeface="Roboto"/>
+                <a:ea typeface="Roboto"/>
+                <a:hlinkClick r:id="rId3"/>
+              </a:rPr>
+              <a:t>Kapitel 1 “OER-Initiativen: Top-Down oder Bottom-Up</a:t>
+            </a:r>
+            <a:r>
+              <a:rPr lang="de-DE" sz="1800" b="0" strike="noStrike" spc="-1">
+                <a:solidFill>
+                  <a:srgbClr val="FFFFFF"/>
+                </a:solidFill>
+                <a:highlight>
+                  <a:srgbClr val="FFFF00"/>
+                </a:highlight>
+                <a:latin typeface="Roboto"/>
+                <a:ea typeface="Roboto"/>
+              </a:rPr>
+              <a:t>)</a:t>
+            </a:r>
+            <a:endParaRPr lang="de-DE" sz="1800" b="0" strike="noStrike" spc="-1">
+              <a:latin typeface="Arial"/>
+            </a:endParaRPr>
+          </a:p>
+          <a:p>
+            <a:pPr marL="800280" lvl="1" indent="-343080">
+              <a:lnSpc>
+                <a:spcPct val="115000"/>
+              </a:lnSpc>
+              <a:buClr>
+                <a:srgbClr val="FFFFFF"/>
+              </a:buClr>
+              <a:buFont typeface="Arial"/>
+              <a:buChar char="●"/>
+            </a:pPr>
+            <a:r>
+              <a:rPr lang="de-DE" sz="1800" b="0" strike="noStrike" spc="-1">
+                <a:solidFill>
+                  <a:srgbClr val="FFFFFF"/>
+                </a:solidFill>
+                <a:latin typeface="Roboto"/>
+                <a:ea typeface="Roboto"/>
+              </a:rPr>
+              <a:t>Festlegung des Budgets und des Zeitplans für die Umsetzung</a:t>
+            </a:r>
+            <a:endParaRPr lang="de-DE" sz="1800" b="0" strike="noStrike" spc="-1">
+              <a:latin typeface="Arial"/>
+            </a:endParaRPr>
+          </a:p>
+          <a:p>
+            <a:pPr marL="800280" lvl="1" indent="-343080">
+              <a:lnSpc>
+                <a:spcPct val="115000"/>
+              </a:lnSpc>
+              <a:buClr>
+                <a:srgbClr val="FFFFFF"/>
+              </a:buClr>
+              <a:buFont typeface="Arial"/>
+              <a:buChar char="●"/>
+            </a:pPr>
+            <a:r>
+              <a:rPr lang="de-DE" sz="1800" b="0" strike="noStrike" spc="-1">
+                <a:solidFill>
+                  <a:srgbClr val="FFFFFF"/>
+                </a:solidFill>
+                <a:latin typeface="Roboto"/>
+                <a:ea typeface="Roboto"/>
+              </a:rPr>
+              <a:t>Planung der Einbezieung von Stakeholdern</a:t>
+            </a:r>
+            <a:endParaRPr lang="de-DE" sz="1800" b="0" strike="noStrike" spc="-1">
+              <a:latin typeface="Arial"/>
+            </a:endParaRPr>
+          </a:p>
+          <a:p>
+            <a:pPr marL="800280" lvl="1" indent="-343080">
+              <a:lnSpc>
+                <a:spcPct val="115000"/>
+              </a:lnSpc>
+              <a:buClr>
+                <a:srgbClr val="FFFFFF"/>
+              </a:buClr>
+              <a:buFont typeface="Arial"/>
+              <a:buChar char="●"/>
+            </a:pPr>
+            <a:r>
+              <a:rPr lang="de-DE" sz="1800" b="0" strike="noStrike" spc="-1">
+                <a:solidFill>
+                  <a:srgbClr val="FFFFFF"/>
+                </a:solidFill>
+                <a:latin typeface="Roboto"/>
+                <a:ea typeface="Roboto"/>
+              </a:rPr>
+              <a:t>Einrichtung einer Organisationsstruktur für die politische Steuerung und Koordinierung</a:t>
+            </a:r>
+            <a:endParaRPr lang="de-DE" sz="1800" b="0" strike="noStrike" spc="-1">
+              <a:latin typeface="Arial"/>
+            </a:endParaRPr>
+          </a:p>
+          <a:p>
+            <a:pPr marL="800280" lvl="1" indent="-343080">
+              <a:lnSpc>
+                <a:spcPct val="115000"/>
+              </a:lnSpc>
+              <a:buClr>
+                <a:srgbClr val="FFFFFF"/>
+              </a:buClr>
+              <a:buFont typeface="Arial"/>
+              <a:buChar char="●"/>
+            </a:pPr>
+            <a:r>
+              <a:rPr lang="de-DE" sz="1800" b="0" strike="noStrike" spc="-1">
+                <a:solidFill>
+                  <a:srgbClr val="FFFFFF"/>
+                </a:solidFill>
+                <a:latin typeface="Roboto"/>
+                <a:ea typeface="Roboto"/>
+              </a:rPr>
+              <a:t>internationale Zusammenarbeit zur Förderung von Peer-Learning und Austausch von Ideen</a:t>
+            </a:r>
+            <a:endParaRPr lang="de-DE" sz="1800" b="0" strike="noStrike" spc="-1">
+              <a:latin typeface="Arial"/>
+            </a:endParaRPr>
+          </a:p>
+        </p:txBody>
+      </p:sp>
+      <p:pic>
+        <p:nvPicPr>
+          <p:cNvPr id="73" name="Grafik 7">
+            <a:hlinkClick r:id="rId4"/>
+          </p:cNvPr>
+          <p:cNvPicPr/>
+          <p:nvPr/>
+        </p:nvPicPr>
+        <p:blipFill>
+          <a:blip r:embed="rId5"/>
+          <a:stretch/>
+        </p:blipFill>
+        <p:spPr>
+          <a:xfrm>
+            <a:off x="4437360" y="6321240"/>
+            <a:ext cx="883080" cy="308880"/>
+          </a:xfrm>
+          <a:prstGeom prst="rect">
+            <a:avLst/>
+          </a:prstGeom>
+          <a:ln w="0">
+            <a:noFill/>
+          </a:ln>
+        </p:spPr>
+      </p:pic>
+      <p:sp>
+        <p:nvSpPr>
+          <p:cNvPr id="74" name="Textfeld 8"/>
+          <p:cNvSpPr/>
+          <p:nvPr/>
+        </p:nvSpPr>
+        <p:spPr>
+          <a:xfrm>
+            <a:off x="5328720" y="6293456"/>
+            <a:ext cx="7227360" cy="337100"/>
+          </a:xfrm>
+          <a:prstGeom prst="rect">
+            <a:avLst/>
+          </a:prstGeom>
+          <a:noFill/>
+          <a:ln w="0">
+            <a:noFill/>
+          </a:ln>
+        </p:spPr>
+        <p:style>
+          <a:lnRef idx="0">
+            <a:scrgbClr r="0" g="0" b="0"/>
+          </a:lnRef>
+          <a:fillRef idx="0">
+            <a:scrgbClr r="0" g="0" b="0"/>
+          </a:fillRef>
+          <a:effectRef idx="0">
+            <a:scrgbClr r="0" g="0" b="0"/>
+          </a:effectRef>
+          <a:fontRef idx="minor"/>
+        </p:style>
+        <p:txBody>
+          <a:bodyPr lIns="90000" tIns="45000" rIns="90000" bIns="45000" anchor="t">
+            <a:spAutoFit/>
+          </a:bodyPr>
+          <a:lstStyle/>
+          <a:p>
+            <a:pPr>
+              <a:lnSpc>
+                <a:spcPct val="100000"/>
+              </a:lnSpc>
+              <a:buNone/>
+            </a:pPr>
+            <a:r>
+              <a:rPr lang="en-US" sz="800" b="0" strike="noStrike" spc="-1" dirty="0" smtClean="0">
+                <a:solidFill>
+                  <a:srgbClr val="000000"/>
+                </a:solidFill>
+                <a:latin typeface="Calibri"/>
+                <a:hlinkClick r:id="rId6"/>
+              </a:rPr>
+              <a:t>Guidelines on the development of open educational resources policies</a:t>
+            </a:r>
+            <a:r>
+              <a:rPr lang="en-US" sz="800" b="0" strike="noStrike" spc="-1" dirty="0" smtClean="0">
+                <a:solidFill>
+                  <a:srgbClr val="000000"/>
+                </a:solidFill>
+                <a:latin typeface="Calibri"/>
+              </a:rPr>
+              <a:t> von UNESCO &amp; COMMONWEALTH OF LEARNING </a:t>
+            </a:r>
+            <a:r>
+              <a:rPr lang="en-US" sz="800" spc="-1" dirty="0" err="1" smtClean="0">
+                <a:solidFill>
+                  <a:srgbClr val="000000"/>
+                </a:solidFill>
+                <a:latin typeface="Calibri"/>
+              </a:rPr>
+              <a:t>lizenziert</a:t>
+            </a:r>
+            <a:r>
+              <a:rPr lang="en-US" sz="800" spc="-1" dirty="0" smtClean="0">
+                <a:solidFill>
+                  <a:srgbClr val="000000"/>
+                </a:solidFill>
+                <a:latin typeface="Calibri"/>
+              </a:rPr>
+              <a:t> </a:t>
+            </a:r>
+            <a:r>
+              <a:rPr lang="en-US" sz="800" spc="-1" dirty="0" err="1" smtClean="0">
+                <a:solidFill>
+                  <a:srgbClr val="000000"/>
+                </a:solidFill>
+                <a:latin typeface="Calibri"/>
+              </a:rPr>
+              <a:t>unter</a:t>
+            </a:r>
+            <a:r>
+              <a:rPr lang="en-US" sz="800" spc="-1" dirty="0" smtClean="0">
+                <a:solidFill>
+                  <a:srgbClr val="000000"/>
+                </a:solidFill>
+                <a:latin typeface="Calibri"/>
+              </a:rPr>
+              <a:t> </a:t>
+            </a:r>
+            <a:r>
+              <a:rPr lang="en-US" sz="800" spc="-1" dirty="0" smtClean="0">
+                <a:solidFill>
+                  <a:srgbClr val="000000"/>
+                </a:solidFill>
+                <a:latin typeface="Calibri"/>
+                <a:hlinkClick r:id="rId7"/>
+              </a:rPr>
+              <a:t>CC BY-SA</a:t>
+            </a:r>
+            <a:r>
+              <a:rPr lang="en-US" sz="800" dirty="0" smtClean="0"/>
+              <a:t/>
+            </a:r>
+            <a:br>
+              <a:rPr lang="en-US" sz="800" dirty="0" smtClean="0"/>
+            </a:br>
+            <a:r>
+              <a:rPr lang="en-US" sz="800" b="0" strike="noStrike" spc="-1" dirty="0" smtClean="0">
+                <a:solidFill>
+                  <a:srgbClr val="000000"/>
+                </a:solidFill>
+                <a:latin typeface="Calibri"/>
+              </a:rPr>
+              <a:t>Deutsche </a:t>
+            </a:r>
+            <a:r>
+              <a:rPr lang="en-US" sz="800" b="0" strike="noStrike" spc="-1" dirty="0" err="1" smtClean="0">
+                <a:solidFill>
+                  <a:srgbClr val="000000"/>
+                </a:solidFill>
+                <a:latin typeface="Calibri"/>
+              </a:rPr>
+              <a:t>Zusammenfassung</a:t>
+            </a:r>
+            <a:r>
+              <a:rPr lang="en-US" sz="800" b="0" strike="noStrike" spc="-1" dirty="0" smtClean="0">
+                <a:solidFill>
+                  <a:srgbClr val="000000"/>
+                </a:solidFill>
+                <a:latin typeface="Calibri"/>
+              </a:rPr>
+              <a:t> </a:t>
+            </a:r>
+            <a:r>
+              <a:rPr lang="en-US" sz="800" b="0" strike="noStrike" spc="-1" dirty="0" err="1" smtClean="0">
+                <a:solidFill>
+                  <a:srgbClr val="000000"/>
+                </a:solidFill>
+                <a:latin typeface="Calibri"/>
+              </a:rPr>
+              <a:t>für</a:t>
+            </a:r>
+            <a:r>
+              <a:rPr lang="en-US" sz="800" b="0" strike="noStrike" spc="-1" dirty="0" smtClean="0">
+                <a:solidFill>
+                  <a:srgbClr val="000000"/>
+                </a:solidFill>
+                <a:latin typeface="Calibri"/>
+              </a:rPr>
+              <a:t> das </a:t>
+            </a:r>
+            <a:r>
+              <a:rPr lang="en-US" sz="800" b="0" strike="noStrike" spc="-1" dirty="0" smtClean="0">
+                <a:solidFill>
+                  <a:srgbClr val="000000"/>
+                </a:solidFill>
+                <a:latin typeface="Calibri"/>
+                <a:hlinkClick r:id="rId8"/>
+              </a:rPr>
+              <a:t>OER Policy Kit</a:t>
+            </a:r>
+            <a:r>
+              <a:rPr lang="en-US" sz="800" b="0" strike="noStrike" spc="-1" dirty="0" smtClean="0">
+                <a:solidFill>
+                  <a:srgbClr val="000000"/>
+                </a:solidFill>
+                <a:latin typeface="Calibri"/>
+              </a:rPr>
+              <a:t>: Frank Homp und Yulia Loose (2024)</a:t>
+            </a:r>
+            <a:endParaRPr lang="en-US" sz="800" spc="-1" dirty="0"/>
+          </a:p>
+        </p:txBody>
+      </p:sp>
+    </p:spTree>
+  </p:cSld>
+  <p:clrMapOvr>
+    <a:masterClrMapping/>
+  </p:clrMapOvr>
+  <mc:AlternateContent xmlns:mc="http://schemas.openxmlformats.org/markup-compatibility/2006" xmlns:p14="http://schemas.microsoft.com/office/powerpoint/2010/main">
+    <mc:Choice Requires="p14">
+      <p:transition spd="slow" p14:dur="2000"/>
+    </mc:Choice>
+    <mc:Fallback xmlns="" xmlns:p15="http://schemas.microsoft.com/office/powerpoint/2012/main">
+      <p:transition spd="slow"/>
+    </mc:Fallback>
+  </mc:AlternateContent>
+</p:sld>
+</file>
+
+<file path=ppt/slides/slide9.xml><?xml version="1.0" encoding="utf-8"?>
+<p:sld xmlns:a="http://schemas.openxmlformats.org/drawingml/2006/main" xmlns:r="http://schemas.openxmlformats.org/officeDocument/2006/relationships" xmlns:p="http://schemas.openxmlformats.org/presentationml/2006/main">
+  <p:cSld>
+    <p:spTree>
+      <p:nvGrpSpPr>
+        <p:cNvPr id="1" name=""/>
+        <p:cNvGrpSpPr/>
+        <p:nvPr/>
+      </p:nvGrpSpPr>
+      <p:grpSpPr>
+        <a:xfrm>
+          <a:off x="0" y="0"/>
+          <a:ext cx="0" cy="0"/>
+          <a:chOff x="0" y="0"/>
+          <a:chExt cx="0" cy="0"/>
+        </a:xfrm>
+      </p:grpSpPr>
+      <p:pic>
+        <p:nvPicPr>
+          <p:cNvPr id="75" name="Grafik 3"/>
+          <p:cNvPicPr/>
+          <p:nvPr/>
+        </p:nvPicPr>
+        <p:blipFill>
+          <a:blip r:embed="rId2"/>
           <a:stretch/>
         </p:blipFill>
         <p:spPr>
@@ -6455,14 +8233,14 @@
       </p:pic>
       <p:pic>
         <p:nvPicPr>
-          <p:cNvPr id="76" name="Grafik 6" descr="">
-            <a:hlinkClick r:id="rId2"/>
+          <p:cNvPr id="76" name="Grafik 6">
+            <a:hlinkClick r:id="rId3"/>
           </p:cNvPr>
           <p:cNvPicPr/>
           <p:nvPr/>
         </p:nvPicPr>
         <p:blipFill>
-          <a:blip r:embed="rId3"/>
+          <a:blip r:embed="rId4"/>
           <a:stretch/>
         </p:blipFill>
         <p:spPr>
@@ -6486,8 +8264,8 @@
         </p:nvSpPr>
         <p:spPr>
           <a:xfrm>
-            <a:off x="5328720" y="6266160"/>
-            <a:ext cx="7227360" cy="576360"/>
+            <a:off x="5328720" y="6293456"/>
+            <a:ext cx="7227360" cy="337100"/>
           </a:xfrm>
           <a:prstGeom prst="rect">
             <a:avLst/>
@@ -6498,15 +8276,22 @@
           </a:ln>
         </p:spPr>
         <p:style>
-          <a:lnRef idx="0"/>
-          <a:fillRef idx="0"/>
-          <a:effectRef idx="0"/>
+          <a:lnRef idx="0">
+            <a:scrgbClr r="0" g="0" b="0"/>
+          </a:lnRef>
+          <a:fillRef idx="0">
+            <a:scrgbClr r="0" g="0" b="0"/>
+          </a:fillRef>
+          <a:effectRef idx="0">
+            <a:scrgbClr r="0" g="0" b="0"/>
+          </a:effectRef>
           <a:fontRef idx="minor"/>
         </p:style>
         <p:txBody>
-          <a:bodyPr lIns="90000" rIns="90000" tIns="45000" bIns="45000" anchor="t">
+          <a:bodyPr lIns="90000" tIns="45000" rIns="90000" bIns="45000" anchor="t">
             <a:spAutoFit/>
           </a:bodyPr>
+          <a:lstStyle/>
           <a:p>
             <a:pPr>
               <a:lnSpc>
@@ -6515,63 +8300,142 @@
               <a:buNone/>
             </a:pPr>
             <a:r>
-              <a:rPr b="0" lang="en-US" sz="800" spc="-1" strike="noStrike">
-                <a:solidFill>
-                  <a:srgbClr val="000000"/>
-                </a:solidFill>
-                <a:latin typeface="Calibri"/>
-              </a:rPr>
-              <a:t>Quelle: Guidelines on the development of open educational resources policies: UNESCO and COMMONWEALTH OF LEARNING (2019) </a:t>
+              <a:rPr lang="en-US" sz="800" b="0" strike="noStrike" spc="-1" dirty="0" smtClean="0">
+                <a:solidFill>
+                  <a:srgbClr val="000000"/>
+                </a:solidFill>
+                <a:latin typeface="Calibri"/>
+                <a:hlinkClick r:id="rId5"/>
+              </a:rPr>
+              <a:t>Guidelines on the development of open educational resources policies</a:t>
+            </a:r>
+            <a:r>
+              <a:rPr lang="en-US" sz="800" b="0" strike="noStrike" spc="-1" dirty="0" smtClean="0">
+                <a:solidFill>
+                  <a:srgbClr val="000000"/>
+                </a:solidFill>
+                <a:latin typeface="Calibri"/>
+              </a:rPr>
+              <a:t> von UNESCO &amp; COMMONWEALTH OF LEARNING </a:t>
+            </a:r>
+            <a:r>
+              <a:rPr lang="en-US" sz="800" spc="-1" dirty="0" err="1" smtClean="0">
+                <a:solidFill>
+                  <a:srgbClr val="000000"/>
+                </a:solidFill>
+                <a:latin typeface="Calibri"/>
+              </a:rPr>
+              <a:t>lizenziert</a:t>
+            </a:r>
+            <a:r>
+              <a:rPr lang="en-US" sz="800" spc="-1" dirty="0" smtClean="0">
+                <a:solidFill>
+                  <a:srgbClr val="000000"/>
+                </a:solidFill>
+                <a:latin typeface="Calibri"/>
+              </a:rPr>
+              <a:t> </a:t>
+            </a:r>
+            <a:r>
+              <a:rPr lang="en-US" sz="800" spc="-1" dirty="0" err="1" smtClean="0">
+                <a:solidFill>
+                  <a:srgbClr val="000000"/>
+                </a:solidFill>
+                <a:latin typeface="Calibri"/>
+              </a:rPr>
+              <a:t>unter</a:t>
+            </a:r>
+            <a:r>
+              <a:rPr lang="en-US" sz="800" spc="-1" dirty="0" smtClean="0">
+                <a:solidFill>
+                  <a:srgbClr val="000000"/>
+                </a:solidFill>
+                <a:latin typeface="Calibri"/>
+              </a:rPr>
+              <a:t> </a:t>
+            </a:r>
+            <a:r>
+              <a:rPr lang="en-US" sz="800" spc="-1" dirty="0" smtClean="0">
+                <a:solidFill>
+                  <a:srgbClr val="000000"/>
+                </a:solidFill>
+                <a:latin typeface="Calibri"/>
+                <a:hlinkClick r:id="rId6"/>
+              </a:rPr>
+              <a:t>CC BY-SA</a:t>
+            </a:r>
+            <a:r>
+              <a:rPr lang="en-US" sz="800" dirty="0" smtClean="0"/>
+              <a:t/>
             </a:r>
             <a:br>
-              <a:rPr sz="800"/>
+              <a:rPr lang="en-US" sz="800" dirty="0" smtClean="0"/>
             </a:br>
             <a:r>
-              <a:rPr b="0" lang="en-US" sz="800" spc="-1" strike="noStrike" u="sng">
-                <a:solidFill>
-                  <a:srgbClr val="0563c1"/>
-                </a:solidFill>
-                <a:uFillTx/>
-                <a:latin typeface="Calibri"/>
-                <a:hlinkClick r:id="rId4"/>
-              </a:rPr>
-              <a:t>https://www.unesco.de/sites/default/files/2020-01/Guidelines_on_the_Development_of_OER_Policies_2019.pdf</a:t>
-            </a:r>
-            <a:endParaRPr b="0" lang="de-DE" sz="800" spc="-1" strike="noStrike">
-              <a:latin typeface="Arial"/>
-            </a:endParaRPr>
-          </a:p>
-          <a:p>
-            <a:pPr>
-              <a:lnSpc>
-                <a:spcPct val="100000"/>
-              </a:lnSpc>
-              <a:buNone/>
-            </a:pPr>
-            <a:r>
-              <a:rPr b="0" lang="en-US" sz="800" spc="-1" strike="noStrike">
-                <a:solidFill>
-                  <a:srgbClr val="000000"/>
-                </a:solidFill>
-                <a:latin typeface="Calibri"/>
-              </a:rPr>
-              <a:t>Deutsche Zusammenfassung für das OER Policy Kit: Frank Homp (2024)</a:t>
-            </a:r>
-            <a:br>
-              <a:rPr sz="800"/>
-            </a:br>
-            <a:r>
-              <a:rPr b="0" lang="en-US" sz="800" spc="-1" strike="noStrike">
-                <a:solidFill>
-                  <a:srgbClr val="000000"/>
-                </a:solidFill>
-                <a:latin typeface="Calibri"/>
-              </a:rPr>
-              <a:t>[[Link]]</a:t>
-            </a:r>
-            <a:endParaRPr b="0" lang="de-DE" sz="800" spc="-1" strike="noStrike">
-              <a:latin typeface="Arial"/>
-            </a:endParaRPr>
+              <a:rPr lang="en-US" sz="800" b="0" strike="noStrike" spc="-1" dirty="0" smtClean="0">
+                <a:solidFill>
+                  <a:srgbClr val="000000"/>
+                </a:solidFill>
+                <a:latin typeface="Calibri"/>
+              </a:rPr>
+              <a:t>Deutsche </a:t>
+            </a:r>
+            <a:r>
+              <a:rPr lang="en-US" sz="800" b="0" strike="noStrike" spc="-1" dirty="0" err="1" smtClean="0">
+                <a:solidFill>
+                  <a:srgbClr val="000000"/>
+                </a:solidFill>
+                <a:latin typeface="Calibri"/>
+              </a:rPr>
+              <a:t>Zusammenfassung</a:t>
+            </a:r>
+            <a:r>
+              <a:rPr lang="en-US" sz="800" b="0" strike="noStrike" spc="-1" dirty="0" smtClean="0">
+                <a:solidFill>
+                  <a:srgbClr val="000000"/>
+                </a:solidFill>
+                <a:latin typeface="Calibri"/>
+              </a:rPr>
+              <a:t> </a:t>
+            </a:r>
+            <a:r>
+              <a:rPr lang="en-US" sz="800" b="0" strike="noStrike" spc="-1" dirty="0" err="1" smtClean="0">
+                <a:solidFill>
+                  <a:srgbClr val="000000"/>
+                </a:solidFill>
+                <a:latin typeface="Calibri"/>
+              </a:rPr>
+              <a:t>für</a:t>
+            </a:r>
+            <a:r>
+              <a:rPr lang="en-US" sz="800" b="0" strike="noStrike" spc="-1" dirty="0" smtClean="0">
+                <a:solidFill>
+                  <a:srgbClr val="000000"/>
+                </a:solidFill>
+                <a:latin typeface="Calibri"/>
+              </a:rPr>
+              <a:t> das </a:t>
+            </a:r>
+            <a:r>
+              <a:rPr lang="en-US" sz="800" b="0" strike="noStrike" spc="-1" dirty="0" smtClean="0">
+                <a:solidFill>
+                  <a:srgbClr val="000000"/>
+                </a:solidFill>
+                <a:latin typeface="Calibri"/>
+                <a:hlinkClick r:id="rId7"/>
+              </a:rPr>
+              <a:t>OER Policy Kit</a:t>
+            </a:r>
+            <a:r>
+              <a:rPr lang="en-US" sz="800" b="0" strike="noStrike" spc="-1" dirty="0" smtClean="0">
+                <a:solidFill>
+                  <a:srgbClr val="000000"/>
+                </a:solidFill>
+                <a:latin typeface="Calibri"/>
+              </a:rPr>
+              <a:t>: Frank Homp und Yulia Loose (2024)</a:t>
+            </a:r>
+            <a:endParaRPr lang="en-US" sz="800" spc="-1" dirty="0"/>
           </a:p>
         </p:txBody>
       </p:sp>
@@ -6595,15 +8459,22 @@
           </a:ln>
         </p:spPr>
         <p:style>
-          <a:lnRef idx="0"/>
-          <a:fillRef idx="0"/>
-          <a:effectRef idx="0"/>
+          <a:lnRef idx="0">
+            <a:scrgbClr r="0" g="0" b="0"/>
+          </a:lnRef>
+          <a:fillRef idx="0">
+            <a:scrgbClr r="0" g="0" b="0"/>
+          </a:fillRef>
+          <a:effectRef idx="0">
+            <a:scrgbClr r="0" g="0" b="0"/>
+          </a:effectRef>
           <a:fontRef idx="minor"/>
         </p:style>
         <p:txBody>
-          <a:bodyPr lIns="90000" rIns="90000" tIns="45000" bIns="45000" anchor="t">
+          <a:bodyPr lIns="90000" tIns="45000" rIns="90000" bIns="45000" anchor="t">
             <a:spAutoFit/>
           </a:bodyPr>
+          <a:lstStyle/>
           <a:p>
             <a:pPr algn="just">
               <a:lnSpc>
@@ -6612,7 +8483,7 @@
               <a:buNone/>
             </a:pPr>
             <a:r>
-              <a:rPr b="0" lang="de-DE" sz="1800" spc="-1" strike="noStrike">
+              <a:rPr lang="de-DE" sz="1800" b="0" strike="noStrike" spc="-1">
                 <a:solidFill>
                   <a:srgbClr val="000000"/>
                 </a:solidFill>
@@ -6622,7 +8493,7 @@
               <a:t>Das</a:t>
             </a:r>
             <a:r>
-              <a:rPr b="1" lang="de-DE" sz="1800" spc="-1" strike="noStrike">
+              <a:rPr lang="de-DE" sz="1800" b="1" strike="noStrike" spc="-1">
                 <a:solidFill>
                   <a:srgbClr val="000000"/>
                 </a:solidFill>
@@ -6632,7 +8503,7 @@
               <a:t> 7. Kapitel “Launching the OER policy” </a:t>
             </a:r>
             <a:r>
-              <a:rPr b="0" lang="de-DE" sz="1800" spc="-1" strike="noStrike">
+              <a:rPr lang="de-DE" sz="1800" b="0" strike="noStrike" spc="-1">
                 <a:solidFill>
                   <a:srgbClr val="000000"/>
                 </a:solidFill>
@@ -6641,12 +8512,12 @@
               </a:rPr>
               <a:t>beschreibt den Policy-Einführungsprozess. Dieser sollte folgende vier Schritte vorsehen:</a:t>
             </a:r>
-            <a:endParaRPr b="0" lang="de-DE" sz="1800" spc="-1" strike="noStrike">
+            <a:endParaRPr lang="de-DE" sz="1800" b="0" strike="noStrike" spc="-1">
               <a:latin typeface="Arial"/>
             </a:endParaRPr>
           </a:p>
           <a:p>
-            <a:pPr lvl="1" marL="800280" indent="-343080" algn="just">
+            <a:pPr marL="800280" lvl="1" indent="-343080" algn="just">
               <a:lnSpc>
                 <a:spcPts val="2200"/>
               </a:lnSpc>
@@ -6660,7 +8531,7 @@
               <a:buAutoNum type="arabicParenR"/>
             </a:pPr>
             <a:r>
-              <a:rPr b="0" lang="de-DE" sz="1800" spc="-1" strike="noStrike">
+              <a:rPr lang="de-DE" sz="1800" b="0" strike="noStrike" spc="-1">
                 <a:solidFill>
                   <a:srgbClr val="000000"/>
                 </a:solidFill>
@@ -6669,12 +8540,12 @@
               </a:rPr>
               <a:t>abschließende Überprüfung der Policy und des Umsetzungsplans, um die Zustimmung der politischen Entscheidungsträger zu erhalten;</a:t>
             </a:r>
-            <a:endParaRPr b="0" lang="de-DE" sz="1800" spc="-1" strike="noStrike">
+            <a:endParaRPr lang="de-DE" sz="1800" b="0" strike="noStrike" spc="-1">
               <a:latin typeface="Arial"/>
             </a:endParaRPr>
           </a:p>
           <a:p>
-            <a:pPr lvl="1" marL="800280" indent="-343080" algn="just">
+            <a:pPr marL="800280" lvl="1" indent="-343080" algn="just">
               <a:lnSpc>
                 <a:spcPts val="2200"/>
               </a:lnSpc>
@@ -6688,7 +8559,7 @@
               <a:buAutoNum type="arabicParenR"/>
             </a:pPr>
             <a:r>
-              <a:rPr b="0" lang="de-DE" sz="1800" spc="-1" strike="noStrike">
+              <a:rPr lang="de-DE" sz="1800" b="0" strike="noStrike" spc="-1">
                 <a:solidFill>
                   <a:srgbClr val="000000"/>
                 </a:solidFill>
@@ -6697,12 +8568,12 @@
               </a:rPr>
               <a:t>Entwicklung einer Kommunikationsstrategie, die die Policy-Einführung begleitet und sicherstellen soll, dass die wichtigen Interessengruppen ausreichend über die Ziele der OER-Policy und die geplanten Aktivitäten informiert sind (als Praxisbeispiel wird die deutsche OER-Informationsstelle OER.Info genannt);</a:t>
             </a:r>
-            <a:endParaRPr b="0" lang="de-DE" sz="1800" spc="-1" strike="noStrike">
+            <a:endParaRPr lang="de-DE" sz="1800" b="0" strike="noStrike" spc="-1">
               <a:latin typeface="Arial"/>
             </a:endParaRPr>
           </a:p>
           <a:p>
-            <a:pPr lvl="1" marL="800280" indent="-343080" algn="just">
+            <a:pPr marL="800280" lvl="1" indent="-343080" algn="just">
               <a:lnSpc>
                 <a:spcPts val="2200"/>
               </a:lnSpc>
@@ -6716,7 +8587,7 @@
               <a:buAutoNum type="arabicParenR"/>
             </a:pPr>
             <a:r>
-              <a:rPr b="0" lang="de-DE" sz="1800" spc="-1" strike="noStrike">
+              <a:rPr lang="de-DE" sz="1800" b="0" strike="noStrike" spc="-1">
                 <a:solidFill>
                   <a:srgbClr val="000000"/>
                 </a:solidFill>
@@ -6725,12 +8596,12 @@
               </a:rPr>
               <a:t>Überwachung und Monitoring von OER-Produktion und Nutzung sowie OER-Praktiken während der Umsetzung der OER-Policy, um die Erkenntnisse daraus für die Verbesserung der OER-Politik zu nutzen;</a:t>
             </a:r>
-            <a:endParaRPr b="0" lang="de-DE" sz="1800" spc="-1" strike="noStrike">
+            <a:endParaRPr lang="de-DE" sz="1800" b="0" strike="noStrike" spc="-1">
               <a:latin typeface="Arial"/>
             </a:endParaRPr>
           </a:p>
           <a:p>
-            <a:pPr lvl="1" marL="800280" indent="-343080" algn="just">
+            <a:pPr marL="800280" lvl="1" indent="-343080" algn="just">
               <a:lnSpc>
                 <a:spcPts val="2200"/>
               </a:lnSpc>
@@ -6744,7 +8615,7 @@
               <a:buAutoNum type="arabicParenR"/>
             </a:pPr>
             <a:r>
-              <a:rPr b="0" lang="de-DE" sz="1800" spc="-1" strike="noStrike">
+              <a:rPr lang="de-DE" sz="1800" b="0" strike="noStrike" spc="-1">
                 <a:solidFill>
                   <a:srgbClr val="000000"/>
                 </a:solidFill>
@@ -6753,7 +8624,7 @@
               </a:rPr>
               <a:t>notwendige Erkenntnisse aus den Erfahrungen mit der Policy-Umsetzung ziehen, um  OER in die Hochschulkultur längerfristig einzubeziehen.</a:t>
             </a:r>
-            <a:endParaRPr b="0" lang="de-DE" sz="1800" spc="-1" strike="noStrike">
+            <a:endParaRPr lang="de-DE" sz="1800" b="0" strike="noStrike" spc="-1">
               <a:latin typeface="Arial"/>
             </a:endParaRPr>
           </a:p>
@@ -6765,7 +8636,7 @@
               <a:buNone/>
             </a:pPr>
             <a:r>
-              <a:rPr b="0" lang="de-DE" sz="1800" spc="-1" strike="noStrike">
+              <a:rPr lang="de-DE" sz="1800" b="0" strike="noStrike" spc="-1">
                 <a:solidFill>
                   <a:srgbClr val="000000"/>
                 </a:solidFill>
@@ -6774,7 +8645,7 @@
               </a:rPr>
               <a:t>Die Umsetzung dieser Schritte wird im Kapitel ausführlich beschrieben.</a:t>
             </a:r>
-            <a:endParaRPr b="0" lang="de-DE" sz="1800" spc="-1" strike="noStrike">
+            <a:endParaRPr lang="de-DE" sz="1800" b="0" strike="noStrike" spc="-1">
               <a:latin typeface="Arial"/>
             </a:endParaRPr>
           </a:p>
@@ -6782,11 +8653,14 @@
       </p:sp>
     </p:spTree>
   </p:cSld>
-  <mc:AlternateContent>
+  <p:clrMapOvr>
+    <a:masterClrMapping/>
+  </p:clrMapOvr>
+  <mc:AlternateContent xmlns:mc="http://schemas.openxmlformats.org/markup-compatibility/2006" xmlns:p14="http://schemas.microsoft.com/office/powerpoint/2010/main">
     <mc:Choice Requires="p14">
       <p:transition spd="slow" p14:dur="2000"/>
     </mc:Choice>
-    <mc:Fallback>
+    <mc:Fallback xmlns="" xmlns:p15="http://schemas.microsoft.com/office/powerpoint/2012/main">
       <p:transition spd="slow"/>
     </mc:Fallback>
   </mc:AlternateContent>
@@ -6804,34 +8678,34 @@
         <a:sysClr val="window" lastClr="FFFFFF"/>
       </a:lt1>
       <a:dk2>
-        <a:srgbClr val="44546a"/>
+        <a:srgbClr val="44546A"/>
       </a:dk2>
       <a:lt2>
-        <a:srgbClr val="e7e6e6"/>
+        <a:srgbClr val="E7E6E6"/>
       </a:lt2>
       <a:accent1>
-        <a:srgbClr val="4472c4"/>
+        <a:srgbClr val="4472C4"/>
       </a:accent1>
       <a:accent2>
-        <a:srgbClr val="ed7d31"/>
+        <a:srgbClr val="ED7D31"/>
       </a:accent2>
       <a:accent3>
-        <a:srgbClr val="a5a5a5"/>
+        <a:srgbClr val="A5A5A5"/>
       </a:accent3>
       <a:accent4>
-        <a:srgbClr val="ffc000"/>
+        <a:srgbClr val="FFC000"/>
       </a:accent4>
       <a:accent5>
-        <a:srgbClr val="5b9bd5"/>
+        <a:srgbClr val="5B9BD5"/>
       </a:accent5>
       <a:accent6>
-        <a:srgbClr val="70ad47"/>
+        <a:srgbClr val="70AD47"/>
       </a:accent6>
       <a:hlink>
-        <a:srgbClr val="0563c1"/>
+        <a:srgbClr val="0563C1"/>
       </a:hlink>
       <a:folHlink>
-        <a:srgbClr val="954f72"/>
+        <a:srgbClr val="954F72"/>
       </a:folHlink>
     </a:clrScheme>
     <a:fontScheme name="Office">
@@ -7016,5 +8890,268 @@
       </a:bgFillStyleLst>
     </a:fmtScheme>
   </a:themeElements>
+  <a:objectDefaults/>
+  <a:extraClrSchemeLst/>
+</a:theme>
+</file>
+
+<file path=ppt/theme/theme2.xml><?xml version="1.0" encoding="utf-8"?>
+<a:theme xmlns:a="http://schemas.openxmlformats.org/drawingml/2006/main" name="Office">
+  <a:themeElements>
+    <a:clrScheme name="Office">
+      <a:dk1>
+        <a:sysClr val="windowText" lastClr="000000"/>
+      </a:dk1>
+      <a:lt1>
+        <a:sysClr val="window" lastClr="FFFFFF"/>
+      </a:lt1>
+      <a:dk2>
+        <a:srgbClr val="44546A"/>
+      </a:dk2>
+      <a:lt2>
+        <a:srgbClr val="E7E6E6"/>
+      </a:lt2>
+      <a:accent1>
+        <a:srgbClr val="5B9BD5"/>
+      </a:accent1>
+      <a:accent2>
+        <a:srgbClr val="ED7D31"/>
+      </a:accent2>
+      <a:accent3>
+        <a:srgbClr val="A5A5A5"/>
+      </a:accent3>
+      <a:accent4>
+        <a:srgbClr val="FFC000"/>
+      </a:accent4>
+      <a:accent5>
+        <a:srgbClr val="4472C4"/>
+      </a:accent5>
+      <a:accent6>
+        <a:srgbClr val="70AD47"/>
+      </a:accent6>
+      <a:hlink>
+        <a:srgbClr val="0563C1"/>
+      </a:hlink>
+      <a:folHlink>
+        <a:srgbClr val="954F72"/>
+      </a:folHlink>
+    </a:clrScheme>
+    <a:fontScheme name="Office">
+      <a:majorFont>
+        <a:latin typeface="Calibri Light" panose="020F0302020204030204"/>
+        <a:ea typeface=""/>
+        <a:cs typeface=""/>
+        <a:font script="Jpan" typeface="游ゴシック Light"/>
+        <a:font script="Hang" typeface="맑은 고딕"/>
+        <a:font script="Hans" typeface="等线 Light"/>
+        <a:font script="Hant" typeface="新細明體"/>
+        <a:font script="Arab" typeface="Times New Roman"/>
+        <a:font script="Hebr" typeface="Times New Roman"/>
+        <a:font script="Thai" typeface="Angsana New"/>
+        <a:font script="Ethi" typeface="Nyala"/>
+        <a:font script="Beng" typeface="Vrinda"/>
+        <a:font script="Gujr" typeface="Shruti"/>
+        <a:font script="Khmr" typeface="MoolBoran"/>
+        <a:font script="Knda" typeface="Tunga"/>
+        <a:font script="Guru" typeface="Raavi"/>
+        <a:font script="Cans" typeface="Euphemia"/>
+        <a:font script="Cher" typeface="Plantagenet Cherokee"/>
+        <a:font script="Yiii" typeface="Microsoft Yi Baiti"/>
+        <a:font script="Tibt" typeface="Microsoft Himalaya"/>
+        <a:font script="Thaa" typeface="MV Boli"/>
+        <a:font script="Deva" typeface="Mangal"/>
+        <a:font script="Telu" typeface="Gautami"/>
+        <a:font script="Taml" typeface="Latha"/>
+        <a:font script="Syrc" typeface="Estrangelo Edessa"/>
+        <a:font script="Orya" typeface="Kalinga"/>
+        <a:font script="Mlym" typeface="Kartika"/>
+        <a:font script="Laoo" typeface="DokChampa"/>
+        <a:font script="Sinh" typeface="Iskoola Pota"/>
+        <a:font script="Mong" typeface="Mongolian Baiti"/>
+        <a:font script="Viet" typeface="Times New Roman"/>
+        <a:font script="Uigh" typeface="Microsoft Uighur"/>
+        <a:font script="Geor" typeface="Sylfaen"/>
+      </a:majorFont>
+      <a:minorFont>
+        <a:latin typeface="Calibri" panose="020F0502020204030204"/>
+        <a:ea typeface=""/>
+        <a:cs typeface=""/>
+        <a:font script="Jpan" typeface="游ゴシック"/>
+        <a:font script="Hang" typeface="맑은 고딕"/>
+        <a:font script="Hans" typeface="等线"/>
+        <a:font script="Hant" typeface="新細明體"/>
+        <a:font script="Arab" typeface="Arial"/>
+        <a:font script="Hebr" typeface="Arial"/>
+        <a:font script="Thai" typeface="Cordia New"/>
+        <a:font script="Ethi" typeface="Nyala"/>
+        <a:font script="Beng" typeface="Vrinda"/>
+        <a:font script="Gujr" typeface="Shruti"/>
+        <a:font script="Khmr" typeface="DaunPenh"/>
+        <a:font script="Knda" typeface="Tunga"/>
+        <a:font script="Guru" typeface="Raavi"/>
+        <a:font script="Cans" typeface="Euphemia"/>
+        <a:font script="Cher" typeface="Plantagenet Cherokee"/>
+        <a:font script="Yiii" typeface="Microsoft Yi Baiti"/>
+        <a:font script="Tibt" typeface="Microsoft Himalaya"/>
+        <a:font script="Thaa" typeface="MV Boli"/>
+        <a:font script="Deva" typeface="Mangal"/>
+        <a:font script="Telu" typeface="Gautami"/>
+        <a:font script="Taml" typeface="Latha"/>
+        <a:font script="Syrc" typeface="Estrangelo Edessa"/>
+        <a:font script="Orya" typeface="Kalinga"/>
+        <a:font script="Mlym" typeface="Kartika"/>
+        <a:font script="Laoo" typeface="DokChampa"/>
+        <a:font script="Sinh" typeface="Iskoola Pota"/>
+        <a:font script="Mong" typeface="Mongolian Baiti"/>
+        <a:font script="Viet" typeface="Arial"/>
+        <a:font script="Uigh" typeface="Microsoft Uighur"/>
+        <a:font script="Geor" typeface="Sylfaen"/>
+      </a:minorFont>
+    </a:fontScheme>
+    <a:fmtScheme name="Office">
+      <a:fillStyleLst>
+        <a:solidFill>
+          <a:schemeClr val="phClr"/>
+        </a:solidFill>
+        <a:gradFill rotWithShape="1">
+          <a:gsLst>
+            <a:gs pos="0">
+              <a:schemeClr val="phClr">
+                <a:lumMod val="110000"/>
+                <a:satMod val="105000"/>
+                <a:tint val="67000"/>
+              </a:schemeClr>
+            </a:gs>
+            <a:gs pos="50000">
+              <a:schemeClr val="phClr">
+                <a:lumMod val="105000"/>
+                <a:satMod val="103000"/>
+                <a:tint val="73000"/>
+              </a:schemeClr>
+            </a:gs>
+            <a:gs pos="100000">
+              <a:schemeClr val="phClr">
+                <a:lumMod val="105000"/>
+                <a:satMod val="109000"/>
+                <a:tint val="81000"/>
+              </a:schemeClr>
+            </a:gs>
+          </a:gsLst>
+          <a:lin ang="5400000" scaled="0"/>
+        </a:gradFill>
+        <a:gradFill rotWithShape="1">
+          <a:gsLst>
+            <a:gs pos="0">
+              <a:schemeClr val="phClr">
+                <a:satMod val="103000"/>
+                <a:lumMod val="102000"/>
+                <a:tint val="94000"/>
+              </a:schemeClr>
+            </a:gs>
+            <a:gs pos="50000">
+              <a:schemeClr val="phClr">
+                <a:satMod val="110000"/>
+                <a:lumMod val="100000"/>
+                <a:shade val="100000"/>
+              </a:schemeClr>
+            </a:gs>
+            <a:gs pos="100000">
+              <a:schemeClr val="phClr">
+                <a:lumMod val="99000"/>
+                <a:satMod val="120000"/>
+                <a:shade val="78000"/>
+              </a:schemeClr>
+            </a:gs>
+          </a:gsLst>
+          <a:lin ang="5400000" scaled="0"/>
+        </a:gradFill>
+      </a:fillStyleLst>
+      <a:lnStyleLst>
+        <a:ln w="6350" cap="flat" cmpd="sng" algn="ctr">
+          <a:solidFill>
+            <a:schemeClr val="phClr"/>
+          </a:solidFill>
+          <a:prstDash val="solid"/>
+          <a:miter lim="800000"/>
+        </a:ln>
+        <a:ln w="12700" cap="flat" cmpd="sng" algn="ctr">
+          <a:solidFill>
+            <a:schemeClr val="phClr"/>
+          </a:solidFill>
+          <a:prstDash val="solid"/>
+          <a:miter lim="800000"/>
+        </a:ln>
+        <a:ln w="19050" cap="flat" cmpd="sng" algn="ctr">
+          <a:solidFill>
+            <a:schemeClr val="phClr"/>
+          </a:solidFill>
+          <a:prstDash val="solid"/>
+          <a:miter lim="800000"/>
+        </a:ln>
+      </a:lnStyleLst>
+      <a:effectStyleLst>
+        <a:effectStyle>
+          <a:effectLst/>
+        </a:effectStyle>
+        <a:effectStyle>
+          <a:effectLst/>
+        </a:effectStyle>
+        <a:effectStyle>
+          <a:effectLst>
+            <a:outerShdw blurRad="57150" dist="19050" dir="5400000" algn="ctr" rotWithShape="0">
+              <a:srgbClr val="000000">
+                <a:alpha val="63000"/>
+              </a:srgbClr>
+            </a:outerShdw>
+          </a:effectLst>
+        </a:effectStyle>
+      </a:effectStyleLst>
+      <a:bgFillStyleLst>
+        <a:solidFill>
+          <a:schemeClr val="phClr"/>
+        </a:solidFill>
+        <a:solidFill>
+          <a:schemeClr val="phClr">
+            <a:tint val="95000"/>
+            <a:satMod val="170000"/>
+          </a:schemeClr>
+        </a:solidFill>
+        <a:gradFill rotWithShape="1">
+          <a:gsLst>
+            <a:gs pos="0">
+              <a:schemeClr val="phClr">
+                <a:tint val="93000"/>
+                <a:satMod val="150000"/>
+                <a:shade val="98000"/>
+                <a:lumMod val="102000"/>
+              </a:schemeClr>
+            </a:gs>
+            <a:gs pos="50000">
+              <a:schemeClr val="phClr">
+                <a:tint val="98000"/>
+                <a:satMod val="130000"/>
+                <a:shade val="90000"/>
+                <a:lumMod val="103000"/>
+              </a:schemeClr>
+            </a:gs>
+            <a:gs pos="100000">
+              <a:schemeClr val="phClr">
+                <a:shade val="63000"/>
+                <a:satMod val="120000"/>
+              </a:schemeClr>
+            </a:gs>
+          </a:gsLst>
+          <a:lin ang="5400000" scaled="0"/>
+        </a:gradFill>
+      </a:bgFillStyleLst>
+    </a:fmtScheme>
+  </a:themeElements>
+  <a:objectDefaults/>
+  <a:extraClrSchemeLst/>
+  <a:extLst>
+    <a:ext uri="{05A4C25C-085E-4340-85A3-A5531E510DB2}">
+      <thm15:themeFamily xmlns:thm15="http://schemas.microsoft.com/office/thememl/2012/main" name="Office Theme" id="{62F939B6-93AF-4DB8-9C6B-D6C7DFDC589F}" vid="{4A3C46E8-61CC-4603-A589-7422A47A8E4A}"/>
+    </a:ext>
+  </a:extLst>
 </a:theme>
 </file>